--- a/_downloads/fa07f24070eed9087e423734b51df974/business_model_and_testing_templates.pptx
+++ b/_downloads/fa07f24070eed9087e423734b51df974/business_model_and_testing_templates.pptx
@@ -122,13 +122,77 @@
 <file path=ppt/revisionInfo.xml><?xml version="1.0" encoding="utf-8"?>
 <p1510:revInfo xmlns:a="http://schemas.openxmlformats.org/drawingml/2006/main" xmlns:r="http://schemas.openxmlformats.org/officeDocument/2006/relationships" xmlns:p1510="http://schemas.microsoft.com/office/powerpoint/2015/10/main">
   <p1510:revLst>
-    <p1510:client id="{B7A1A415-45CC-43A3-9572-8AF1F4957026}" v="4" dt="2024-05-22T04:51:20.791"/>
+    <p1510:client id="{946960F2-C1D5-4083-A41F-937192E5C6C5}" v="10" dt="2024-07-18T04:16:40.045"/>
   </p1510:revLst>
 </p1510:revInfo>
 </file>
 
 <file path=ppt/changesInfos/changesInfo1.xml><?xml version="1.0" encoding="utf-8"?>
 <pc:chgInfo xmlns:a="http://schemas.openxmlformats.org/drawingml/2006/main" xmlns:r="http://schemas.openxmlformats.org/officeDocument/2006/relationships" xmlns:ac="http://schemas.microsoft.com/office/drawing/2013/main/command" xmlns:pc="http://schemas.microsoft.com/office/powerpoint/2013/main/command">
+  <pc:docChgLst>
+    <pc:chgData name="Tim Miller" userId="e118c78a-470c-4863-8b52-3aa598a6a1d5" providerId="ADAL" clId="{946960F2-C1D5-4083-A41F-937192E5C6C5}"/>
+    <pc:docChg chg="modMainMaster">
+      <pc:chgData name="Tim Miller" userId="e118c78a-470c-4863-8b52-3aa598a6a1d5" providerId="ADAL" clId="{946960F2-C1D5-4083-A41F-937192E5C6C5}" dt="2024-07-18T04:16:29.322" v="7"/>
+      <pc:docMkLst>
+        <pc:docMk/>
+      </pc:docMkLst>
+      <pc:sldMasterChg chg="modSldLayout">
+        <pc:chgData name="Tim Miller" userId="e118c78a-470c-4863-8b52-3aa598a6a1d5" providerId="ADAL" clId="{946960F2-C1D5-4083-A41F-937192E5C6C5}" dt="2024-07-18T04:16:29.322" v="7"/>
+        <pc:sldMasterMkLst>
+          <pc:docMk/>
+          <pc:sldMasterMk cId="242470013" sldId="2147483648"/>
+        </pc:sldMasterMkLst>
+        <pc:sldLayoutChg chg="setBg">
+          <pc:chgData name="Tim Miller" userId="e118c78a-470c-4863-8b52-3aa598a6a1d5" providerId="ADAL" clId="{946960F2-C1D5-4083-A41F-937192E5C6C5}" dt="2024-07-18T04:15:40.030" v="2"/>
+          <pc:sldLayoutMkLst>
+            <pc:docMk/>
+            <pc:sldMasterMk cId="242470013" sldId="2147483648"/>
+            <pc:sldLayoutMk cId="741405810" sldId="2147483660"/>
+          </pc:sldLayoutMkLst>
+        </pc:sldLayoutChg>
+        <pc:sldLayoutChg chg="setBg">
+          <pc:chgData name="Tim Miller" userId="e118c78a-470c-4863-8b52-3aa598a6a1d5" providerId="ADAL" clId="{946960F2-C1D5-4083-A41F-937192E5C6C5}" dt="2024-07-18T04:16:22.859" v="5"/>
+          <pc:sldLayoutMkLst>
+            <pc:docMk/>
+            <pc:sldMasterMk cId="242470013" sldId="2147483648"/>
+            <pc:sldLayoutMk cId="3503629337" sldId="2147483661"/>
+          </pc:sldLayoutMkLst>
+        </pc:sldLayoutChg>
+        <pc:sldLayoutChg chg="setBg">
+          <pc:chgData name="Tim Miller" userId="e118c78a-470c-4863-8b52-3aa598a6a1d5" providerId="ADAL" clId="{946960F2-C1D5-4083-A41F-937192E5C6C5}" dt="2024-07-18T04:16:27.169" v="6"/>
+          <pc:sldLayoutMkLst>
+            <pc:docMk/>
+            <pc:sldMasterMk cId="242470013" sldId="2147483648"/>
+            <pc:sldLayoutMk cId="1461711982" sldId="2147483662"/>
+          </pc:sldLayoutMkLst>
+        </pc:sldLayoutChg>
+        <pc:sldLayoutChg chg="setBg">
+          <pc:chgData name="Tim Miller" userId="e118c78a-470c-4863-8b52-3aa598a6a1d5" providerId="ADAL" clId="{946960F2-C1D5-4083-A41F-937192E5C6C5}" dt="2024-07-18T04:16:29.322" v="7"/>
+          <pc:sldLayoutMkLst>
+            <pc:docMk/>
+            <pc:sldMasterMk cId="242470013" sldId="2147483648"/>
+            <pc:sldLayoutMk cId="1530839369" sldId="2147483663"/>
+          </pc:sldLayoutMkLst>
+        </pc:sldLayoutChg>
+        <pc:sldLayoutChg chg="setBg">
+          <pc:chgData name="Tim Miller" userId="e118c78a-470c-4863-8b52-3aa598a6a1d5" providerId="ADAL" clId="{946960F2-C1D5-4083-A41F-937192E5C6C5}" dt="2024-07-18T04:15:33.662" v="0"/>
+          <pc:sldLayoutMkLst>
+            <pc:docMk/>
+            <pc:sldMasterMk cId="242470013" sldId="2147483648"/>
+            <pc:sldLayoutMk cId="1354404285" sldId="2147483664"/>
+          </pc:sldLayoutMkLst>
+        </pc:sldLayoutChg>
+        <pc:sldLayoutChg chg="setBg">
+          <pc:chgData name="Tim Miller" userId="e118c78a-470c-4863-8b52-3aa598a6a1d5" providerId="ADAL" clId="{946960F2-C1D5-4083-A41F-937192E5C6C5}" dt="2024-07-18T04:15:37.218" v="1"/>
+          <pc:sldLayoutMkLst>
+            <pc:docMk/>
+            <pc:sldMasterMk cId="242470013" sldId="2147483648"/>
+            <pc:sldLayoutMk cId="869800966" sldId="2147483666"/>
+          </pc:sldLayoutMkLst>
+        </pc:sldLayoutChg>
+      </pc:sldMasterChg>
+    </pc:docChg>
+  </pc:docChgLst>
   <pc:docChgLst>
     <pc:chgData name="Tim Miller" userId="e118c78a-470c-4863-8b52-3aa598a6a1d5" providerId="ADAL" clId="{B7A1A415-45CC-43A3-9572-8AF1F4957026}"/>
     <pc:docChg chg="undo custSel addSld modSld addMainMaster delMainMaster modMainMaster replTag">
@@ -1305,14 +1369,9 @@
   <p:cSld name="3_Value proposition canvas">
     <p:bg>
       <p:bgPr>
-        <a:blipFill dpi="0" rotWithShape="1">
-          <a:blip r:embed="rId2">
-            <a:alphaModFix amt="60000"/>
-            <a:lum/>
-          </a:blip>
-          <a:srcRect/>
-          <a:tile tx="0" ty="0" sx="100000" sy="100000" flip="none" algn="tl"/>
-        </a:blipFill>
+        <a:solidFill>
+          <a:srgbClr val="E6E6E6"/>
+        </a:solidFill>
         <a:effectLst/>
       </p:bgPr>
     </p:bg>
@@ -1538,7 +1597,7 @@
           <a:p>
             <a:fld id="{63E415F6-F263-4731-A8AA-90FA2EFE8F78}" type="datetimeFigureOut">
               <a:rPr lang="en-AU" smtClean="0"/>
-              <a:t>29/05/2024</a:t>
+              <a:t>18/07/2024</a:t>
             </a:fld>
             <a:endParaRPr lang="en-AU"/>
           </a:p>
@@ -1953,7 +2012,7 @@
           <a:p>
             <a:fld id="{63E415F6-F263-4731-A8AA-90FA2EFE8F78}" type="datetimeFigureOut">
               <a:rPr lang="en-AU" smtClean="0"/>
-              <a:t>29/05/2024</a:t>
+              <a:t>18/07/2024</a:t>
             </a:fld>
             <a:endParaRPr lang="en-AU"/>
           </a:p>
@@ -2095,7 +2154,7 @@
           <a:p>
             <a:fld id="{63E415F6-F263-4731-A8AA-90FA2EFE8F78}" type="datetimeFigureOut">
               <a:rPr lang="en-AU" smtClean="0"/>
-              <a:t>29/05/2024</a:t>
+              <a:t>18/07/2024</a:t>
             </a:fld>
             <a:endParaRPr lang="en-AU"/>
           </a:p>
@@ -2208,7 +2267,7 @@
           <a:p>
             <a:fld id="{63E415F6-F263-4731-A8AA-90FA2EFE8F78}" type="datetimeFigureOut">
               <a:rPr lang="en-AU" smtClean="0"/>
-              <a:t>29/05/2024</a:t>
+              <a:t>18/07/2024</a:t>
             </a:fld>
             <a:endParaRPr lang="en-AU"/>
           </a:p>
@@ -2521,7 +2580,7 @@
           <a:p>
             <a:fld id="{63E415F6-F263-4731-A8AA-90FA2EFE8F78}" type="datetimeFigureOut">
               <a:rPr lang="en-AU" smtClean="0"/>
-              <a:t>29/05/2024</a:t>
+              <a:t>18/07/2024</a:t>
             </a:fld>
             <a:endParaRPr lang="en-AU"/>
           </a:p>
@@ -2810,7 +2869,7 @@
           <a:p>
             <a:fld id="{63E415F6-F263-4731-A8AA-90FA2EFE8F78}" type="datetimeFigureOut">
               <a:rPr lang="en-AU" smtClean="0"/>
-              <a:t>29/05/2024</a:t>
+              <a:t>18/07/2024</a:t>
             </a:fld>
             <a:endParaRPr lang="en-AU"/>
           </a:p>
@@ -3010,7 +3069,7 @@
           <a:p>
             <a:fld id="{63E415F6-F263-4731-A8AA-90FA2EFE8F78}" type="datetimeFigureOut">
               <a:rPr lang="en-AU" smtClean="0"/>
-              <a:t>29/05/2024</a:t>
+              <a:t>18/07/2024</a:t>
             </a:fld>
             <a:endParaRPr lang="en-AU"/>
           </a:p>
@@ -3220,7 +3279,7 @@
           <a:p>
             <a:fld id="{63E415F6-F263-4731-A8AA-90FA2EFE8F78}" type="datetimeFigureOut">
               <a:rPr lang="en-AU" smtClean="0"/>
-              <a:t>29/05/2024</a:t>
+              <a:t>18/07/2024</a:t>
             </a:fld>
             <a:endParaRPr lang="en-AU"/>
           </a:p>
@@ -3298,14 +3357,9 @@
   <p:cSld name="Title and content with background">
     <p:bg>
       <p:bgPr>
-        <a:blipFill dpi="0" rotWithShape="1">
-          <a:blip r:embed="rId2">
-            <a:alphaModFix amt="60000"/>
-            <a:lum/>
-          </a:blip>
-          <a:srcRect/>
-          <a:tile tx="0" ty="0" sx="100000" sy="100000" flip="none" algn="tl"/>
-        </a:blipFill>
+        <a:solidFill>
+          <a:srgbClr val="E6E6E6"/>
+        </a:solidFill>
         <a:effectLst/>
       </p:bgPr>
     </p:bg>
@@ -3476,14 +3530,9 @@
   <p:cSld name="Business model canvas">
     <p:bg>
       <p:bgPr>
-        <a:blipFill dpi="0" rotWithShape="1">
-          <a:blip r:embed="rId2">
-            <a:alphaModFix amt="60000"/>
-            <a:lum/>
-          </a:blip>
-          <a:srcRect/>
-          <a:tile tx="0" ty="0" sx="100000" sy="100000" flip="none" algn="tl"/>
-        </a:blipFill>
+        <a:solidFill>
+          <a:srgbClr val="E6E6E6"/>
+        </a:solidFill>
         <a:effectLst/>
       </p:bgPr>
     </p:bg>
@@ -4343,13 +4392,13 @@
             <p:nvPr userDrawn="1"/>
           </p:nvPicPr>
           <p:blipFill>
-            <a:blip r:embed="rId3">
+            <a:blip r:embed="rId2">
               <a:extLst>
                 <a:ext uri="{28A0092B-C50C-407E-A947-70E740481C1C}">
                   <a14:useLocalDpi xmlns:a14="http://schemas.microsoft.com/office/drawing/2010/main" val="0"/>
                 </a:ext>
                 <a:ext uri="{96DAC541-7B7A-43D3-8B79-37D633B846F1}">
-                  <asvg:svgBlip xmlns:asvg="http://schemas.microsoft.com/office/drawing/2016/SVG/main" r:embed="rId4"/>
+                  <asvg:svgBlip xmlns:asvg="http://schemas.microsoft.com/office/drawing/2016/SVG/main" r:embed="rId3"/>
                 </a:ext>
               </a:extLst>
             </a:blip>
@@ -4382,13 +4431,13 @@
             <p:nvPr userDrawn="1"/>
           </p:nvPicPr>
           <p:blipFill>
-            <a:blip r:embed="rId5">
+            <a:blip r:embed="rId4">
               <a:extLst>
                 <a:ext uri="{28A0092B-C50C-407E-A947-70E740481C1C}">
                   <a14:useLocalDpi xmlns:a14="http://schemas.microsoft.com/office/drawing/2010/main" val="0"/>
                 </a:ext>
                 <a:ext uri="{96DAC541-7B7A-43D3-8B79-37D633B846F1}">
-                  <asvg:svgBlip xmlns:asvg="http://schemas.microsoft.com/office/drawing/2016/SVG/main" r:embed="rId6"/>
+                  <asvg:svgBlip xmlns:asvg="http://schemas.microsoft.com/office/drawing/2016/SVG/main" r:embed="rId5"/>
                 </a:ext>
               </a:extLst>
             </a:blip>
@@ -4421,13 +4470,13 @@
             <p:nvPr userDrawn="1"/>
           </p:nvPicPr>
           <p:blipFill>
-            <a:blip r:embed="rId7">
+            <a:blip r:embed="rId6">
               <a:extLst>
                 <a:ext uri="{28A0092B-C50C-407E-A947-70E740481C1C}">
                   <a14:useLocalDpi xmlns:a14="http://schemas.microsoft.com/office/drawing/2010/main" val="0"/>
                 </a:ext>
                 <a:ext uri="{96DAC541-7B7A-43D3-8B79-37D633B846F1}">
-                  <asvg:svgBlip xmlns:asvg="http://schemas.microsoft.com/office/drawing/2016/SVG/main" r:embed="rId8"/>
+                  <asvg:svgBlip xmlns:asvg="http://schemas.microsoft.com/office/drawing/2016/SVG/main" r:embed="rId7"/>
                 </a:ext>
               </a:extLst>
             </a:blip>
@@ -4460,13 +4509,13 @@
             <p:nvPr userDrawn="1"/>
           </p:nvPicPr>
           <p:blipFill>
-            <a:blip r:embed="rId9">
+            <a:blip r:embed="rId8">
               <a:extLst>
                 <a:ext uri="{28A0092B-C50C-407E-A947-70E740481C1C}">
                   <a14:useLocalDpi xmlns:a14="http://schemas.microsoft.com/office/drawing/2010/main" val="0"/>
                 </a:ext>
                 <a:ext uri="{96DAC541-7B7A-43D3-8B79-37D633B846F1}">
-                  <asvg:svgBlip xmlns:asvg="http://schemas.microsoft.com/office/drawing/2016/SVG/main" r:embed="rId10"/>
+                  <asvg:svgBlip xmlns:asvg="http://schemas.microsoft.com/office/drawing/2016/SVG/main" r:embed="rId9"/>
                 </a:ext>
               </a:extLst>
             </a:blip>
@@ -4499,13 +4548,13 @@
             <p:nvPr userDrawn="1"/>
           </p:nvPicPr>
           <p:blipFill>
-            <a:blip r:embed="rId11">
+            <a:blip r:embed="rId10">
               <a:extLst>
                 <a:ext uri="{28A0092B-C50C-407E-A947-70E740481C1C}">
                   <a14:useLocalDpi xmlns:a14="http://schemas.microsoft.com/office/drawing/2010/main" val="0"/>
                 </a:ext>
                 <a:ext uri="{96DAC541-7B7A-43D3-8B79-37D633B846F1}">
-                  <asvg:svgBlip xmlns:asvg="http://schemas.microsoft.com/office/drawing/2016/SVG/main" r:embed="rId12"/>
+                  <asvg:svgBlip xmlns:asvg="http://schemas.microsoft.com/office/drawing/2016/SVG/main" r:embed="rId11"/>
                 </a:ext>
               </a:extLst>
             </a:blip>
@@ -4538,13 +4587,13 @@
             <p:nvPr userDrawn="1"/>
           </p:nvPicPr>
           <p:blipFill>
-            <a:blip r:embed="rId13">
+            <a:blip r:embed="rId12">
               <a:extLst>
                 <a:ext uri="{28A0092B-C50C-407E-A947-70E740481C1C}">
                   <a14:useLocalDpi xmlns:a14="http://schemas.microsoft.com/office/drawing/2010/main" val="0"/>
                 </a:ext>
                 <a:ext uri="{96DAC541-7B7A-43D3-8B79-37D633B846F1}">
-                  <asvg:svgBlip xmlns:asvg="http://schemas.microsoft.com/office/drawing/2016/SVG/main" r:embed="rId14"/>
+                  <asvg:svgBlip xmlns:asvg="http://schemas.microsoft.com/office/drawing/2016/SVG/main" r:embed="rId13"/>
                 </a:ext>
               </a:extLst>
             </a:blip>
@@ -4577,13 +4626,13 @@
             <p:nvPr userDrawn="1"/>
           </p:nvPicPr>
           <p:blipFill>
-            <a:blip r:embed="rId15">
+            <a:blip r:embed="rId14">
               <a:extLst>
                 <a:ext uri="{28A0092B-C50C-407E-A947-70E740481C1C}">
                   <a14:useLocalDpi xmlns:a14="http://schemas.microsoft.com/office/drawing/2010/main" val="0"/>
                 </a:ext>
                 <a:ext uri="{96DAC541-7B7A-43D3-8B79-37D633B846F1}">
-                  <asvg:svgBlip xmlns:asvg="http://schemas.microsoft.com/office/drawing/2016/SVG/main" r:embed="rId16"/>
+                  <asvg:svgBlip xmlns:asvg="http://schemas.microsoft.com/office/drawing/2016/SVG/main" r:embed="rId15"/>
                 </a:ext>
               </a:extLst>
             </a:blip>
@@ -4616,13 +4665,13 @@
             <p:nvPr userDrawn="1"/>
           </p:nvPicPr>
           <p:blipFill>
-            <a:blip r:embed="rId17">
+            <a:blip r:embed="rId16">
               <a:extLst>
                 <a:ext uri="{28A0092B-C50C-407E-A947-70E740481C1C}">
                   <a14:useLocalDpi xmlns:a14="http://schemas.microsoft.com/office/drawing/2010/main" val="0"/>
                 </a:ext>
                 <a:ext uri="{96DAC541-7B7A-43D3-8B79-37D633B846F1}">
-                  <asvg:svgBlip xmlns:asvg="http://schemas.microsoft.com/office/drawing/2016/SVG/main" r:embed="rId18"/>
+                  <asvg:svgBlip xmlns:asvg="http://schemas.microsoft.com/office/drawing/2016/SVG/main" r:embed="rId17"/>
                 </a:ext>
               </a:extLst>
             </a:blip>
@@ -4655,13 +4704,13 @@
             <p:nvPr userDrawn="1"/>
           </p:nvPicPr>
           <p:blipFill>
-            <a:blip r:embed="rId19">
+            <a:blip r:embed="rId18">
               <a:extLst>
                 <a:ext uri="{28A0092B-C50C-407E-A947-70E740481C1C}">
                   <a14:useLocalDpi xmlns:a14="http://schemas.microsoft.com/office/drawing/2010/main" val="0"/>
                 </a:ext>
                 <a:ext uri="{96DAC541-7B7A-43D3-8B79-37D633B846F1}">
-                  <asvg:svgBlip xmlns:asvg="http://schemas.microsoft.com/office/drawing/2016/SVG/main" r:embed="rId20"/>
+                  <asvg:svgBlip xmlns:asvg="http://schemas.microsoft.com/office/drawing/2016/SVG/main" r:embed="rId19"/>
                 </a:ext>
               </a:extLst>
             </a:blip>
@@ -4698,14 +4747,9 @@
   <p:cSld name="Value proposition canvas">
     <p:bg>
       <p:bgPr>
-        <a:blipFill dpi="0" rotWithShape="1">
-          <a:blip r:embed="rId2">
-            <a:alphaModFix amt="60000"/>
-            <a:lum/>
-          </a:blip>
-          <a:srcRect/>
-          <a:tile tx="0" ty="0" sx="100000" sy="100000" flip="none" algn="tl"/>
-        </a:blipFill>
+        <a:solidFill>
+          <a:srgbClr val="E6E6E6"/>
+        </a:solidFill>
         <a:effectLst/>
       </p:bgPr>
     </p:bg>
@@ -5650,13 +5694,13 @@
             <p:nvPr userDrawn="1"/>
           </p:nvPicPr>
           <p:blipFill>
-            <a:blip r:embed="rId3">
+            <a:blip r:embed="rId2">
               <a:extLst>
                 <a:ext uri="{28A0092B-C50C-407E-A947-70E740481C1C}">
                   <a14:useLocalDpi xmlns:a14="http://schemas.microsoft.com/office/drawing/2010/main" val="0"/>
                 </a:ext>
                 <a:ext uri="{96DAC541-7B7A-43D3-8B79-37D633B846F1}">
-                  <asvg:svgBlip xmlns:asvg="http://schemas.microsoft.com/office/drawing/2016/SVG/main" r:embed="rId4"/>
+                  <asvg:svgBlip xmlns:asvg="http://schemas.microsoft.com/office/drawing/2016/SVG/main" r:embed="rId3"/>
                 </a:ext>
               </a:extLst>
             </a:blip>
@@ -5689,13 +5733,13 @@
             <p:nvPr userDrawn="1"/>
           </p:nvPicPr>
           <p:blipFill>
-            <a:blip r:embed="rId5">
+            <a:blip r:embed="rId4">
               <a:extLst>
                 <a:ext uri="{28A0092B-C50C-407E-A947-70E740481C1C}">
                   <a14:useLocalDpi xmlns:a14="http://schemas.microsoft.com/office/drawing/2010/main" val="0"/>
                 </a:ext>
                 <a:ext uri="{96DAC541-7B7A-43D3-8B79-37D633B846F1}">
-                  <asvg:svgBlip xmlns:asvg="http://schemas.microsoft.com/office/drawing/2016/SVG/main" r:embed="rId6"/>
+                  <asvg:svgBlip xmlns:asvg="http://schemas.microsoft.com/office/drawing/2016/SVG/main" r:embed="rId5"/>
                 </a:ext>
               </a:extLst>
             </a:blip>
@@ -5728,13 +5772,13 @@
             <p:nvPr userDrawn="1"/>
           </p:nvPicPr>
           <p:blipFill>
-            <a:blip r:embed="rId7">
+            <a:blip r:embed="rId6">
               <a:extLst>
                 <a:ext uri="{28A0092B-C50C-407E-A947-70E740481C1C}">
                   <a14:useLocalDpi xmlns:a14="http://schemas.microsoft.com/office/drawing/2010/main" val="0"/>
                 </a:ext>
                 <a:ext uri="{96DAC541-7B7A-43D3-8B79-37D633B846F1}">
-                  <asvg:svgBlip xmlns:asvg="http://schemas.microsoft.com/office/drawing/2016/SVG/main" r:embed="rId8"/>
+                  <asvg:svgBlip xmlns:asvg="http://schemas.microsoft.com/office/drawing/2016/SVG/main" r:embed="rId7"/>
                 </a:ext>
               </a:extLst>
             </a:blip>
@@ -5767,13 +5811,13 @@
             <p:nvPr userDrawn="1"/>
           </p:nvPicPr>
           <p:blipFill>
-            <a:blip r:embed="rId9">
+            <a:blip r:embed="rId8">
               <a:extLst>
                 <a:ext uri="{28A0092B-C50C-407E-A947-70E740481C1C}">
                   <a14:useLocalDpi xmlns:a14="http://schemas.microsoft.com/office/drawing/2010/main" val="0"/>
                 </a:ext>
                 <a:ext uri="{96DAC541-7B7A-43D3-8B79-37D633B846F1}">
-                  <asvg:svgBlip xmlns:asvg="http://schemas.microsoft.com/office/drawing/2016/SVG/main" r:embed="rId10"/>
+                  <asvg:svgBlip xmlns:asvg="http://schemas.microsoft.com/office/drawing/2016/SVG/main" r:embed="rId9"/>
                 </a:ext>
               </a:extLst>
             </a:blip>
@@ -5806,13 +5850,13 @@
             <p:nvPr userDrawn="1"/>
           </p:nvPicPr>
           <p:blipFill>
-            <a:blip r:embed="rId11">
+            <a:blip r:embed="rId10">
               <a:extLst>
                 <a:ext uri="{28A0092B-C50C-407E-A947-70E740481C1C}">
                   <a14:useLocalDpi xmlns:a14="http://schemas.microsoft.com/office/drawing/2010/main" val="0"/>
                 </a:ext>
                 <a:ext uri="{96DAC541-7B7A-43D3-8B79-37D633B846F1}">
-                  <asvg:svgBlip xmlns:asvg="http://schemas.microsoft.com/office/drawing/2016/SVG/main" r:embed="rId12"/>
+                  <asvg:svgBlip xmlns:asvg="http://schemas.microsoft.com/office/drawing/2016/SVG/main" r:embed="rId11"/>
                 </a:ext>
               </a:extLst>
             </a:blip>
@@ -5845,13 +5889,13 @@
             <p:nvPr userDrawn="1"/>
           </p:nvPicPr>
           <p:blipFill>
-            <a:blip r:embed="rId13">
+            <a:blip r:embed="rId12">
               <a:extLst>
                 <a:ext uri="{28A0092B-C50C-407E-A947-70E740481C1C}">
                   <a14:useLocalDpi xmlns:a14="http://schemas.microsoft.com/office/drawing/2010/main" val="0"/>
                 </a:ext>
                 <a:ext uri="{96DAC541-7B7A-43D3-8B79-37D633B846F1}">
-                  <asvg:svgBlip xmlns:asvg="http://schemas.microsoft.com/office/drawing/2016/SVG/main" r:embed="rId14"/>
+                  <asvg:svgBlip xmlns:asvg="http://schemas.microsoft.com/office/drawing/2016/SVG/main" r:embed="rId13"/>
                 </a:ext>
               </a:extLst>
             </a:blip>
@@ -5904,14 +5948,9 @@
   <p:cSld name="Test card">
     <p:bg>
       <p:bgPr>
-        <a:blipFill dpi="0" rotWithShape="1">
-          <a:blip r:embed="rId2">
-            <a:alphaModFix amt="60000"/>
-            <a:lum/>
-          </a:blip>
-          <a:srcRect/>
-          <a:tile tx="0" ty="0" sx="100000" sy="100000" flip="none" algn="tl"/>
-        </a:blipFill>
+        <a:solidFill>
+          <a:srgbClr val="E6E6E6"/>
+        </a:solidFill>
         <a:effectLst/>
       </p:bgPr>
     </p:bg>
@@ -6573,13 +6612,13 @@
           <p:nvPr userDrawn="1"/>
         </p:nvPicPr>
         <p:blipFill>
-          <a:blip r:embed="rId3">
+          <a:blip r:embed="rId2">
             <a:extLst>
               <a:ext uri="{28A0092B-C50C-407E-A947-70E740481C1C}">
                 <a14:useLocalDpi xmlns:a14="http://schemas.microsoft.com/office/drawing/2010/main" val="0"/>
               </a:ext>
               <a:ext uri="{96DAC541-7B7A-43D3-8B79-37D633B846F1}">
-                <asvg:svgBlip xmlns:asvg="http://schemas.microsoft.com/office/drawing/2016/SVG/main" r:embed="rId4"/>
+                <asvg:svgBlip xmlns:asvg="http://schemas.microsoft.com/office/drawing/2016/SVG/main" r:embed="rId3"/>
               </a:ext>
             </a:extLst>
           </a:blip>
@@ -6612,13 +6651,13 @@
           <p:nvPr userDrawn="1"/>
         </p:nvPicPr>
         <p:blipFill>
-          <a:blip r:embed="rId3">
+          <a:blip r:embed="rId2">
             <a:extLst>
               <a:ext uri="{28A0092B-C50C-407E-A947-70E740481C1C}">
                 <a14:useLocalDpi xmlns:a14="http://schemas.microsoft.com/office/drawing/2010/main" val="0"/>
               </a:ext>
               <a:ext uri="{96DAC541-7B7A-43D3-8B79-37D633B846F1}">
-                <asvg:svgBlip xmlns:asvg="http://schemas.microsoft.com/office/drawing/2016/SVG/main" r:embed="rId4"/>
+                <asvg:svgBlip xmlns:asvg="http://schemas.microsoft.com/office/drawing/2016/SVG/main" r:embed="rId3"/>
               </a:ext>
             </a:extLst>
           </a:blip>
@@ -6651,13 +6690,13 @@
           <p:nvPr userDrawn="1"/>
         </p:nvPicPr>
         <p:blipFill>
-          <a:blip r:embed="rId3">
+          <a:blip r:embed="rId2">
             <a:extLst>
               <a:ext uri="{28A0092B-C50C-407E-A947-70E740481C1C}">
                 <a14:useLocalDpi xmlns:a14="http://schemas.microsoft.com/office/drawing/2010/main" val="0"/>
               </a:ext>
               <a:ext uri="{96DAC541-7B7A-43D3-8B79-37D633B846F1}">
-                <asvg:svgBlip xmlns:asvg="http://schemas.microsoft.com/office/drawing/2016/SVG/main" r:embed="rId4"/>
+                <asvg:svgBlip xmlns:asvg="http://schemas.microsoft.com/office/drawing/2016/SVG/main" r:embed="rId3"/>
               </a:ext>
             </a:extLst>
           </a:blip>
@@ -6778,13 +6817,13 @@
           <p:nvPr userDrawn="1"/>
         </p:nvPicPr>
         <p:blipFill>
-          <a:blip r:embed="rId5">
+          <a:blip r:embed="rId4">
             <a:extLst>
               <a:ext uri="{28A0092B-C50C-407E-A947-70E740481C1C}">
                 <a14:useLocalDpi xmlns:a14="http://schemas.microsoft.com/office/drawing/2010/main" val="0"/>
               </a:ext>
               <a:ext uri="{96DAC541-7B7A-43D3-8B79-37D633B846F1}">
-                <asvg:svgBlip xmlns:asvg="http://schemas.microsoft.com/office/drawing/2016/SVG/main" r:embed="rId6"/>
+                <asvg:svgBlip xmlns:asvg="http://schemas.microsoft.com/office/drawing/2016/SVG/main" r:embed="rId5"/>
               </a:ext>
             </a:extLst>
           </a:blip>
@@ -6817,13 +6856,13 @@
           <p:nvPr userDrawn="1"/>
         </p:nvPicPr>
         <p:blipFill>
-          <a:blip r:embed="rId5">
+          <a:blip r:embed="rId4">
             <a:extLst>
               <a:ext uri="{28A0092B-C50C-407E-A947-70E740481C1C}">
                 <a14:useLocalDpi xmlns:a14="http://schemas.microsoft.com/office/drawing/2010/main" val="0"/>
               </a:ext>
               <a:ext uri="{96DAC541-7B7A-43D3-8B79-37D633B846F1}">
-                <asvg:svgBlip xmlns:asvg="http://schemas.microsoft.com/office/drawing/2016/SVG/main" r:embed="rId6"/>
+                <asvg:svgBlip xmlns:asvg="http://schemas.microsoft.com/office/drawing/2016/SVG/main" r:embed="rId5"/>
               </a:ext>
             </a:extLst>
           </a:blip>
@@ -6856,13 +6895,13 @@
           <p:nvPr userDrawn="1"/>
         </p:nvPicPr>
         <p:blipFill>
-          <a:blip r:embed="rId5">
+          <a:blip r:embed="rId4">
             <a:extLst>
               <a:ext uri="{28A0092B-C50C-407E-A947-70E740481C1C}">
                 <a14:useLocalDpi xmlns:a14="http://schemas.microsoft.com/office/drawing/2010/main" val="0"/>
               </a:ext>
               <a:ext uri="{96DAC541-7B7A-43D3-8B79-37D633B846F1}">
-                <asvg:svgBlip xmlns:asvg="http://schemas.microsoft.com/office/drawing/2016/SVG/main" r:embed="rId6"/>
+                <asvg:svgBlip xmlns:asvg="http://schemas.microsoft.com/office/drawing/2016/SVG/main" r:embed="rId5"/>
               </a:ext>
             </a:extLst>
           </a:blip>
@@ -7486,13 +7525,13 @@
           <p:nvPr userDrawn="1"/>
         </p:nvPicPr>
         <p:blipFill>
-          <a:blip r:embed="rId3">
+          <a:blip r:embed="rId2">
             <a:extLst>
               <a:ext uri="{28A0092B-C50C-407E-A947-70E740481C1C}">
                 <a14:useLocalDpi xmlns:a14="http://schemas.microsoft.com/office/drawing/2010/main" val="0"/>
               </a:ext>
               <a:ext uri="{96DAC541-7B7A-43D3-8B79-37D633B846F1}">
-                <asvg:svgBlip xmlns:asvg="http://schemas.microsoft.com/office/drawing/2016/SVG/main" r:embed="rId4"/>
+                <asvg:svgBlip xmlns:asvg="http://schemas.microsoft.com/office/drawing/2016/SVG/main" r:embed="rId3"/>
               </a:ext>
             </a:extLst>
           </a:blip>
@@ -7525,13 +7564,13 @@
           <p:nvPr userDrawn="1"/>
         </p:nvPicPr>
         <p:blipFill>
-          <a:blip r:embed="rId3">
+          <a:blip r:embed="rId2">
             <a:extLst>
               <a:ext uri="{28A0092B-C50C-407E-A947-70E740481C1C}">
                 <a14:useLocalDpi xmlns:a14="http://schemas.microsoft.com/office/drawing/2010/main" val="0"/>
               </a:ext>
               <a:ext uri="{96DAC541-7B7A-43D3-8B79-37D633B846F1}">
-                <asvg:svgBlip xmlns:asvg="http://schemas.microsoft.com/office/drawing/2016/SVG/main" r:embed="rId4"/>
+                <asvg:svgBlip xmlns:asvg="http://schemas.microsoft.com/office/drawing/2016/SVG/main" r:embed="rId3"/>
               </a:ext>
             </a:extLst>
           </a:blip>
@@ -7564,13 +7603,13 @@
           <p:nvPr userDrawn="1"/>
         </p:nvPicPr>
         <p:blipFill>
-          <a:blip r:embed="rId3">
+          <a:blip r:embed="rId2">
             <a:extLst>
               <a:ext uri="{28A0092B-C50C-407E-A947-70E740481C1C}">
                 <a14:useLocalDpi xmlns:a14="http://schemas.microsoft.com/office/drawing/2010/main" val="0"/>
               </a:ext>
               <a:ext uri="{96DAC541-7B7A-43D3-8B79-37D633B846F1}">
-                <asvg:svgBlip xmlns:asvg="http://schemas.microsoft.com/office/drawing/2016/SVG/main" r:embed="rId4"/>
+                <asvg:svgBlip xmlns:asvg="http://schemas.microsoft.com/office/drawing/2016/SVG/main" r:embed="rId3"/>
               </a:ext>
             </a:extLst>
           </a:blip>
@@ -7691,13 +7730,13 @@
           <p:nvPr userDrawn="1"/>
         </p:nvPicPr>
         <p:blipFill>
-          <a:blip r:embed="rId5">
+          <a:blip r:embed="rId4">
             <a:extLst>
               <a:ext uri="{28A0092B-C50C-407E-A947-70E740481C1C}">
                 <a14:useLocalDpi xmlns:a14="http://schemas.microsoft.com/office/drawing/2010/main" val="0"/>
               </a:ext>
               <a:ext uri="{96DAC541-7B7A-43D3-8B79-37D633B846F1}">
-                <asvg:svgBlip xmlns:asvg="http://schemas.microsoft.com/office/drawing/2016/SVG/main" r:embed="rId6"/>
+                <asvg:svgBlip xmlns:asvg="http://schemas.microsoft.com/office/drawing/2016/SVG/main" r:embed="rId5"/>
               </a:ext>
             </a:extLst>
           </a:blip>
@@ -7730,13 +7769,13 @@
           <p:nvPr userDrawn="1"/>
         </p:nvPicPr>
         <p:blipFill>
-          <a:blip r:embed="rId5">
+          <a:blip r:embed="rId4">
             <a:extLst>
               <a:ext uri="{28A0092B-C50C-407E-A947-70E740481C1C}">
                 <a14:useLocalDpi xmlns:a14="http://schemas.microsoft.com/office/drawing/2010/main" val="0"/>
               </a:ext>
               <a:ext uri="{96DAC541-7B7A-43D3-8B79-37D633B846F1}">
-                <asvg:svgBlip xmlns:asvg="http://schemas.microsoft.com/office/drawing/2016/SVG/main" r:embed="rId6"/>
+                <asvg:svgBlip xmlns:asvg="http://schemas.microsoft.com/office/drawing/2016/SVG/main" r:embed="rId5"/>
               </a:ext>
             </a:extLst>
           </a:blip>
@@ -7769,13 +7808,13 @@
           <p:nvPr userDrawn="1"/>
         </p:nvPicPr>
         <p:blipFill>
-          <a:blip r:embed="rId5">
+          <a:blip r:embed="rId4">
             <a:extLst>
               <a:ext uri="{28A0092B-C50C-407E-A947-70E740481C1C}">
                 <a14:useLocalDpi xmlns:a14="http://schemas.microsoft.com/office/drawing/2010/main" val="0"/>
               </a:ext>
               <a:ext uri="{96DAC541-7B7A-43D3-8B79-37D633B846F1}">
-                <asvg:svgBlip xmlns:asvg="http://schemas.microsoft.com/office/drawing/2016/SVG/main" r:embed="rId6"/>
+                <asvg:svgBlip xmlns:asvg="http://schemas.microsoft.com/office/drawing/2016/SVG/main" r:embed="rId5"/>
               </a:ext>
             </a:extLst>
           </a:blip>
@@ -7855,14 +7894,9 @@
   <p:cSld name="Learning card">
     <p:bg>
       <p:bgPr>
-        <a:blipFill dpi="0" rotWithShape="1">
-          <a:blip r:embed="rId2">
-            <a:alphaModFix amt="60000"/>
-            <a:lum/>
-          </a:blip>
-          <a:srcRect/>
-          <a:tile tx="0" ty="0" sx="100000" sy="100000" flip="none" algn="tl"/>
-        </a:blipFill>
+        <a:solidFill>
+          <a:srgbClr val="E6E6E6"/>
+        </a:solidFill>
         <a:effectLst/>
       </p:bgPr>
     </p:bg>
@@ -9203,13 +9237,13 @@
           <p:nvPr userDrawn="1"/>
         </p:nvPicPr>
         <p:blipFill>
-          <a:blip r:embed="rId3">
+          <a:blip r:embed="rId2">
             <a:extLst>
               <a:ext uri="{28A0092B-C50C-407E-A947-70E740481C1C}">
                 <a14:useLocalDpi xmlns:a14="http://schemas.microsoft.com/office/drawing/2010/main" val="0"/>
               </a:ext>
               <a:ext uri="{96DAC541-7B7A-43D3-8B79-37D633B846F1}">
-                <asvg:svgBlip xmlns:asvg="http://schemas.microsoft.com/office/drawing/2016/SVG/main" r:embed="rId4"/>
+                <asvg:svgBlip xmlns:asvg="http://schemas.microsoft.com/office/drawing/2016/SVG/main" r:embed="rId3"/>
               </a:ext>
             </a:extLst>
           </a:blip>
@@ -9242,13 +9276,13 @@
           <p:nvPr userDrawn="1"/>
         </p:nvPicPr>
         <p:blipFill>
-          <a:blip r:embed="rId3">
+          <a:blip r:embed="rId2">
             <a:extLst>
               <a:ext uri="{28A0092B-C50C-407E-A947-70E740481C1C}">
                 <a14:useLocalDpi xmlns:a14="http://schemas.microsoft.com/office/drawing/2010/main" val="0"/>
               </a:ext>
               <a:ext uri="{96DAC541-7B7A-43D3-8B79-37D633B846F1}">
-                <asvg:svgBlip xmlns:asvg="http://schemas.microsoft.com/office/drawing/2016/SVG/main" r:embed="rId4"/>
+                <asvg:svgBlip xmlns:asvg="http://schemas.microsoft.com/office/drawing/2016/SVG/main" r:embed="rId3"/>
               </a:ext>
             </a:extLst>
           </a:blip>
@@ -9281,13 +9315,13 @@
           <p:nvPr userDrawn="1"/>
         </p:nvPicPr>
         <p:blipFill>
-          <a:blip r:embed="rId3">
+          <a:blip r:embed="rId2">
             <a:extLst>
               <a:ext uri="{28A0092B-C50C-407E-A947-70E740481C1C}">
                 <a14:useLocalDpi xmlns:a14="http://schemas.microsoft.com/office/drawing/2010/main" val="0"/>
               </a:ext>
               <a:ext uri="{96DAC541-7B7A-43D3-8B79-37D633B846F1}">
-                <asvg:svgBlip xmlns:asvg="http://schemas.microsoft.com/office/drawing/2016/SVG/main" r:embed="rId4"/>
+                <asvg:svgBlip xmlns:asvg="http://schemas.microsoft.com/office/drawing/2016/SVG/main" r:embed="rId3"/>
               </a:ext>
             </a:extLst>
           </a:blip>
@@ -9364,13 +9398,13 @@
           <p:nvPr userDrawn="1"/>
         </p:nvPicPr>
         <p:blipFill>
-          <a:blip r:embed="rId5">
+          <a:blip r:embed="rId4">
             <a:extLst>
               <a:ext uri="{28A0092B-C50C-407E-A947-70E740481C1C}">
                 <a14:useLocalDpi xmlns:a14="http://schemas.microsoft.com/office/drawing/2010/main" val="0"/>
               </a:ext>
               <a:ext uri="{96DAC541-7B7A-43D3-8B79-37D633B846F1}">
-                <asvg:svgBlip xmlns:asvg="http://schemas.microsoft.com/office/drawing/2016/SVG/main" r:embed="rId6"/>
+                <asvg:svgBlip xmlns:asvg="http://schemas.microsoft.com/office/drawing/2016/SVG/main" r:embed="rId5"/>
               </a:ext>
             </a:extLst>
           </a:blip>
@@ -9403,13 +9437,13 @@
           <p:nvPr userDrawn="1"/>
         </p:nvPicPr>
         <p:blipFill>
-          <a:blip r:embed="rId5">
+          <a:blip r:embed="rId4">
             <a:extLst>
               <a:ext uri="{28A0092B-C50C-407E-A947-70E740481C1C}">
                 <a14:useLocalDpi xmlns:a14="http://schemas.microsoft.com/office/drawing/2010/main" val="0"/>
               </a:ext>
               <a:ext uri="{96DAC541-7B7A-43D3-8B79-37D633B846F1}">
-                <asvg:svgBlip xmlns:asvg="http://schemas.microsoft.com/office/drawing/2016/SVG/main" r:embed="rId6"/>
+                <asvg:svgBlip xmlns:asvg="http://schemas.microsoft.com/office/drawing/2016/SVG/main" r:embed="rId5"/>
               </a:ext>
             </a:extLst>
           </a:blip>
@@ -9442,13 +9476,13 @@
           <p:nvPr userDrawn="1"/>
         </p:nvPicPr>
         <p:blipFill>
-          <a:blip r:embed="rId5">
+          <a:blip r:embed="rId4">
             <a:extLst>
               <a:ext uri="{28A0092B-C50C-407E-A947-70E740481C1C}">
                 <a14:useLocalDpi xmlns:a14="http://schemas.microsoft.com/office/drawing/2010/main" val="0"/>
               </a:ext>
               <a:ext uri="{96DAC541-7B7A-43D3-8B79-37D633B846F1}">
-                <asvg:svgBlip xmlns:asvg="http://schemas.microsoft.com/office/drawing/2016/SVG/main" r:embed="rId6"/>
+                <asvg:svgBlip xmlns:asvg="http://schemas.microsoft.com/office/drawing/2016/SVG/main" r:embed="rId5"/>
               </a:ext>
             </a:extLst>
           </a:blip>
@@ -9525,13 +9559,13 @@
           <p:nvPr userDrawn="1"/>
         </p:nvPicPr>
         <p:blipFill>
-          <a:blip r:embed="rId3">
+          <a:blip r:embed="rId2">
             <a:extLst>
               <a:ext uri="{28A0092B-C50C-407E-A947-70E740481C1C}">
                 <a14:useLocalDpi xmlns:a14="http://schemas.microsoft.com/office/drawing/2010/main" val="0"/>
               </a:ext>
               <a:ext uri="{96DAC541-7B7A-43D3-8B79-37D633B846F1}">
-                <asvg:svgBlip xmlns:asvg="http://schemas.microsoft.com/office/drawing/2016/SVG/main" r:embed="rId4"/>
+                <asvg:svgBlip xmlns:asvg="http://schemas.microsoft.com/office/drawing/2016/SVG/main" r:embed="rId3"/>
               </a:ext>
             </a:extLst>
           </a:blip>
@@ -9564,13 +9598,13 @@
           <p:nvPr userDrawn="1"/>
         </p:nvPicPr>
         <p:blipFill>
-          <a:blip r:embed="rId3">
+          <a:blip r:embed="rId2">
             <a:extLst>
               <a:ext uri="{28A0092B-C50C-407E-A947-70E740481C1C}">
                 <a14:useLocalDpi xmlns:a14="http://schemas.microsoft.com/office/drawing/2010/main" val="0"/>
               </a:ext>
               <a:ext uri="{96DAC541-7B7A-43D3-8B79-37D633B846F1}">
-                <asvg:svgBlip xmlns:asvg="http://schemas.microsoft.com/office/drawing/2016/SVG/main" r:embed="rId4"/>
+                <asvg:svgBlip xmlns:asvg="http://schemas.microsoft.com/office/drawing/2016/SVG/main" r:embed="rId3"/>
               </a:ext>
             </a:extLst>
           </a:blip>
@@ -9603,13 +9637,13 @@
           <p:nvPr userDrawn="1"/>
         </p:nvPicPr>
         <p:blipFill>
-          <a:blip r:embed="rId3">
+          <a:blip r:embed="rId2">
             <a:extLst>
               <a:ext uri="{28A0092B-C50C-407E-A947-70E740481C1C}">
                 <a14:useLocalDpi xmlns:a14="http://schemas.microsoft.com/office/drawing/2010/main" val="0"/>
               </a:ext>
               <a:ext uri="{96DAC541-7B7A-43D3-8B79-37D633B846F1}">
-                <asvg:svgBlip xmlns:asvg="http://schemas.microsoft.com/office/drawing/2016/SVG/main" r:embed="rId4"/>
+                <asvg:svgBlip xmlns:asvg="http://schemas.microsoft.com/office/drawing/2016/SVG/main" r:embed="rId3"/>
               </a:ext>
             </a:extLst>
           </a:blip>
@@ -9686,13 +9720,13 @@
           <p:nvPr userDrawn="1"/>
         </p:nvPicPr>
         <p:blipFill>
-          <a:blip r:embed="rId5">
+          <a:blip r:embed="rId4">
             <a:extLst>
               <a:ext uri="{28A0092B-C50C-407E-A947-70E740481C1C}">
                 <a14:useLocalDpi xmlns:a14="http://schemas.microsoft.com/office/drawing/2010/main" val="0"/>
               </a:ext>
               <a:ext uri="{96DAC541-7B7A-43D3-8B79-37D633B846F1}">
-                <asvg:svgBlip xmlns:asvg="http://schemas.microsoft.com/office/drawing/2016/SVG/main" r:embed="rId6"/>
+                <asvg:svgBlip xmlns:asvg="http://schemas.microsoft.com/office/drawing/2016/SVG/main" r:embed="rId5"/>
               </a:ext>
             </a:extLst>
           </a:blip>
@@ -9725,13 +9759,13 @@
           <p:nvPr userDrawn="1"/>
         </p:nvPicPr>
         <p:blipFill>
-          <a:blip r:embed="rId5">
+          <a:blip r:embed="rId4">
             <a:extLst>
               <a:ext uri="{28A0092B-C50C-407E-A947-70E740481C1C}">
                 <a14:useLocalDpi xmlns:a14="http://schemas.microsoft.com/office/drawing/2010/main" val="0"/>
               </a:ext>
               <a:ext uri="{96DAC541-7B7A-43D3-8B79-37D633B846F1}">
-                <asvg:svgBlip xmlns:asvg="http://schemas.microsoft.com/office/drawing/2016/SVG/main" r:embed="rId6"/>
+                <asvg:svgBlip xmlns:asvg="http://schemas.microsoft.com/office/drawing/2016/SVG/main" r:embed="rId5"/>
               </a:ext>
             </a:extLst>
           </a:blip>
@@ -9764,13 +9798,13 @@
           <p:nvPr userDrawn="1"/>
         </p:nvPicPr>
         <p:blipFill>
-          <a:blip r:embed="rId5">
+          <a:blip r:embed="rId4">
             <a:extLst>
               <a:ext uri="{28A0092B-C50C-407E-A947-70E740481C1C}">
                 <a14:useLocalDpi xmlns:a14="http://schemas.microsoft.com/office/drawing/2010/main" val="0"/>
               </a:ext>
               <a:ext uri="{96DAC541-7B7A-43D3-8B79-37D633B846F1}">
-                <asvg:svgBlip xmlns:asvg="http://schemas.microsoft.com/office/drawing/2016/SVG/main" r:embed="rId6"/>
+                <asvg:svgBlip xmlns:asvg="http://schemas.microsoft.com/office/drawing/2016/SVG/main" r:embed="rId5"/>
               </a:ext>
             </a:extLst>
           </a:blip>
@@ -9950,7 +9984,7 @@
           <a:p>
             <a:fld id="{63E415F6-F263-4731-A8AA-90FA2EFE8F78}" type="datetimeFigureOut">
               <a:rPr lang="en-AU" smtClean="0"/>
-              <a:t>29/05/2024</a:t>
+              <a:t>18/07/2024</a:t>
             </a:fld>
             <a:endParaRPr lang="en-AU"/>
           </a:p>
@@ -10150,7 +10184,7 @@
           <a:p>
             <a:fld id="{63E415F6-F263-4731-A8AA-90FA2EFE8F78}" type="datetimeFigureOut">
               <a:rPr lang="en-AU" smtClean="0"/>
-              <a:t>29/05/2024</a:t>
+              <a:t>18/07/2024</a:t>
             </a:fld>
             <a:endParaRPr lang="en-AU"/>
           </a:p>
@@ -10426,7 +10460,7 @@
           <a:p>
             <a:fld id="{63E415F6-F263-4731-A8AA-90FA2EFE8F78}" type="datetimeFigureOut">
               <a:rPr lang="en-AU" smtClean="0"/>
-              <a:t>29/05/2024</a:t>
+              <a:t>18/07/2024</a:t>
             </a:fld>
             <a:endParaRPr lang="en-AU"/>
           </a:p>
@@ -10669,7 +10703,7 @@
           <a:p>
             <a:fld id="{63E415F6-F263-4731-A8AA-90FA2EFE8F78}" type="datetimeFigureOut">
               <a:rPr lang="en-AU" smtClean="0"/>
-              <a:t>29/05/2024</a:t>
+              <a:t>18/07/2024</a:t>
             </a:fld>
             <a:endParaRPr lang="en-AU"/>
           </a:p>

--- a/_downloads/fa07f24070eed9087e423734b51df974/business_model_and_testing_templates.pptx
+++ b/_downloads/fa07f24070eed9087e423734b51df974/business_model_and_testing_templates.pptx
@@ -9,12 +9,13 @@
     <p:sldId id="257" r:id="rId3"/>
     <p:sldId id="258" r:id="rId4"/>
     <p:sldId id="259" r:id="rId5"/>
-    <p:sldId id="260" r:id="rId6"/>
+    <p:sldId id="261" r:id="rId6"/>
+    <p:sldId id="260" r:id="rId7"/>
   </p:sldIdLst>
   <p:sldSz cx="12192000" cy="6858000"/>
   <p:notesSz cx="6858000" cy="9144000"/>
   <p:custDataLst>
-    <p:tags r:id="rId7"/>
+    <p:tags r:id="rId8"/>
   </p:custDataLst>
   <p:defaultTextStyle>
     <a:defPPr>
@@ -122,7 +123,7 @@
 <file path=ppt/revisionInfo.xml><?xml version="1.0" encoding="utf-8"?>
 <p1510:revInfo xmlns:a="http://schemas.openxmlformats.org/drawingml/2006/main" xmlns:r="http://schemas.openxmlformats.org/officeDocument/2006/relationships" xmlns:p1510="http://schemas.microsoft.com/office/powerpoint/2015/10/main">
   <p1510:revLst>
-    <p1510:client id="{946960F2-C1D5-4083-A41F-937192E5C6C5}" v="10" dt="2024-07-18T04:16:40.045"/>
+    <p1510:client id="{EB963288-978B-4AAE-86EF-5D848066837B}" v="11" dt="2025-03-17T11:20:26.902"/>
   </p1510:revLst>
 </p1510:revInfo>
 </file>
@@ -194,6 +195,1044 @@
     </pc:docChg>
   </pc:docChgLst>
   <pc:docChgLst>
+    <pc:chgData name="Tim Miller" userId="e118c78a-470c-4863-8b52-3aa598a6a1d5" providerId="ADAL" clId="{EB963288-978B-4AAE-86EF-5D848066837B}"/>
+    <pc:docChg chg="undo custSel addSld modMainMaster">
+      <pc:chgData name="Tim Miller" userId="e118c78a-470c-4863-8b52-3aa598a6a1d5" providerId="ADAL" clId="{EB963288-978B-4AAE-86EF-5D848066837B}" dt="2025-03-17T11:22:08.378" v="365" actId="20577"/>
+      <pc:docMkLst>
+        <pc:docMk/>
+      </pc:docMkLst>
+      <pc:sldChg chg="add">
+        <pc:chgData name="Tim Miller" userId="e118c78a-470c-4863-8b52-3aa598a6a1d5" providerId="ADAL" clId="{EB963288-978B-4AAE-86EF-5D848066837B}" dt="2025-03-17T08:48:28.364" v="0" actId="2890"/>
+        <pc:sldMkLst>
+          <pc:docMk/>
+          <pc:sldMk cId="3233058793" sldId="261"/>
+        </pc:sldMkLst>
+      </pc:sldChg>
+      <pc:sldMasterChg chg="modSldLayout">
+        <pc:chgData name="Tim Miller" userId="e118c78a-470c-4863-8b52-3aa598a6a1d5" providerId="ADAL" clId="{EB963288-978B-4AAE-86EF-5D848066837B}" dt="2025-03-17T11:22:08.378" v="365" actId="20577"/>
+        <pc:sldMasterMkLst>
+          <pc:docMk/>
+          <pc:sldMasterMk cId="242470013" sldId="2147483648"/>
+        </pc:sldMasterMkLst>
+        <pc:sldLayoutChg chg="addSp delSp modSp mod">
+          <pc:chgData name="Tim Miller" userId="e118c78a-470c-4863-8b52-3aa598a6a1d5" providerId="ADAL" clId="{EB963288-978B-4AAE-86EF-5D848066837B}" dt="2025-03-17T11:22:08.378" v="365" actId="20577"/>
+          <pc:sldLayoutMkLst>
+            <pc:docMk/>
+            <pc:sldMasterMk cId="242470013" sldId="2147483648"/>
+            <pc:sldLayoutMk cId="1461711982" sldId="2147483662"/>
+          </pc:sldLayoutMkLst>
+          <pc:spChg chg="add mod">
+            <ac:chgData name="Tim Miller" userId="e118c78a-470c-4863-8b52-3aa598a6a1d5" providerId="ADAL" clId="{EB963288-978B-4AAE-86EF-5D848066837B}" dt="2025-03-17T08:56:15.273" v="177" actId="552"/>
+            <ac:spMkLst>
+              <pc:docMk/>
+              <pc:sldMasterMk cId="242470013" sldId="2147483648"/>
+              <pc:sldLayoutMk cId="1461711982" sldId="2147483662"/>
+              <ac:spMk id="3" creationId="{C99020B4-0187-3085-BB22-9DF8E77AF47F}"/>
+            </ac:spMkLst>
+          </pc:spChg>
+          <pc:spChg chg="add mod">
+            <ac:chgData name="Tim Miller" userId="e118c78a-470c-4863-8b52-3aa598a6a1d5" providerId="ADAL" clId="{EB963288-978B-4AAE-86EF-5D848066837B}" dt="2025-03-17T08:56:15.273" v="177" actId="552"/>
+            <ac:spMkLst>
+              <pc:docMk/>
+              <pc:sldMasterMk cId="242470013" sldId="2147483648"/>
+              <pc:sldLayoutMk cId="1461711982" sldId="2147483662"/>
+              <ac:spMk id="4" creationId="{81AF3A27-14E9-BC76-0F89-A1414961959F}"/>
+            </ac:spMkLst>
+          </pc:spChg>
+          <pc:spChg chg="add mod">
+            <ac:chgData name="Tim Miller" userId="e118c78a-470c-4863-8b52-3aa598a6a1d5" providerId="ADAL" clId="{EB963288-978B-4AAE-86EF-5D848066837B}" dt="2025-03-17T08:56:15.273" v="177" actId="552"/>
+            <ac:spMkLst>
+              <pc:docMk/>
+              <pc:sldMasterMk cId="242470013" sldId="2147483648"/>
+              <pc:sldLayoutMk cId="1461711982" sldId="2147483662"/>
+              <ac:spMk id="5" creationId="{1269BA99-9B01-0925-FE31-2C07F9363BFD}"/>
+            </ac:spMkLst>
+          </pc:spChg>
+          <pc:spChg chg="add mod">
+            <ac:chgData name="Tim Miller" userId="e118c78a-470c-4863-8b52-3aa598a6a1d5" providerId="ADAL" clId="{EB963288-978B-4AAE-86EF-5D848066837B}" dt="2025-03-17T08:56:15.273" v="177" actId="552"/>
+            <ac:spMkLst>
+              <pc:docMk/>
+              <pc:sldMasterMk cId="242470013" sldId="2147483648"/>
+              <pc:sldLayoutMk cId="1461711982" sldId="2147483662"/>
+              <ac:spMk id="6" creationId="{4B52D0E4-34AD-2A0A-D510-5198EE214AD1}"/>
+            </ac:spMkLst>
+          </pc:spChg>
+          <pc:spChg chg="add mod">
+            <ac:chgData name="Tim Miller" userId="e118c78a-470c-4863-8b52-3aa598a6a1d5" providerId="ADAL" clId="{EB963288-978B-4AAE-86EF-5D848066837B}" dt="2025-03-17T08:56:15.273" v="177" actId="552"/>
+            <ac:spMkLst>
+              <pc:docMk/>
+              <pc:sldMasterMk cId="242470013" sldId="2147483648"/>
+              <pc:sldLayoutMk cId="1461711982" sldId="2147483662"/>
+              <ac:spMk id="7" creationId="{71FC58EB-9206-4666-4361-BD3591497F8F}"/>
+            </ac:spMkLst>
+          </pc:spChg>
+          <pc:spChg chg="add mod">
+            <ac:chgData name="Tim Miller" userId="e118c78a-470c-4863-8b52-3aa598a6a1d5" providerId="ADAL" clId="{EB963288-978B-4AAE-86EF-5D848066837B}" dt="2025-03-17T08:56:15.273" v="177" actId="552"/>
+            <ac:spMkLst>
+              <pc:docMk/>
+              <pc:sldMasterMk cId="242470013" sldId="2147483648"/>
+              <pc:sldLayoutMk cId="1461711982" sldId="2147483662"/>
+              <ac:spMk id="9" creationId="{B8759709-80AC-383D-BA7B-C0C73801B2A2}"/>
+            </ac:spMkLst>
+          </pc:spChg>
+          <pc:spChg chg="add mod">
+            <ac:chgData name="Tim Miller" userId="e118c78a-470c-4863-8b52-3aa598a6a1d5" providerId="ADAL" clId="{EB963288-978B-4AAE-86EF-5D848066837B}" dt="2025-03-17T08:56:15.273" v="177" actId="552"/>
+            <ac:spMkLst>
+              <pc:docMk/>
+              <pc:sldMasterMk cId="242470013" sldId="2147483648"/>
+              <pc:sldLayoutMk cId="1461711982" sldId="2147483662"/>
+              <ac:spMk id="10" creationId="{68235EAF-18FF-2BF4-5AE0-9B4C142B5938}"/>
+            </ac:spMkLst>
+          </pc:spChg>
+          <pc:spChg chg="add mod">
+            <ac:chgData name="Tim Miller" userId="e118c78a-470c-4863-8b52-3aa598a6a1d5" providerId="ADAL" clId="{EB963288-978B-4AAE-86EF-5D848066837B}" dt="2025-03-17T08:55:07.961" v="149" actId="1076"/>
+            <ac:spMkLst>
+              <pc:docMk/>
+              <pc:sldMasterMk cId="242470013" sldId="2147483648"/>
+              <pc:sldLayoutMk cId="1461711982" sldId="2147483662"/>
+              <ac:spMk id="11" creationId="{B5DFDD27-FE72-DD02-A7DD-BD4C7CEB27C9}"/>
+            </ac:spMkLst>
+          </pc:spChg>
+          <pc:spChg chg="add mod">
+            <ac:chgData name="Tim Miller" userId="e118c78a-470c-4863-8b52-3aa598a6a1d5" providerId="ADAL" clId="{EB963288-978B-4AAE-86EF-5D848066837B}" dt="2025-03-17T11:22:04.650" v="355" actId="20577"/>
+            <ac:spMkLst>
+              <pc:docMk/>
+              <pc:sldMasterMk cId="242470013" sldId="2147483648"/>
+              <pc:sldLayoutMk cId="1461711982" sldId="2147483662"/>
+              <ac:spMk id="12" creationId="{F3DAA34C-0745-DBE2-256C-48C58C66C420}"/>
+            </ac:spMkLst>
+          </pc:spChg>
+          <pc:spChg chg="add mod">
+            <ac:chgData name="Tim Miller" userId="e118c78a-470c-4863-8b52-3aa598a6a1d5" providerId="ADAL" clId="{EB963288-978B-4AAE-86EF-5D848066837B}" dt="2025-03-17T11:20:15.047" v="334" actId="20577"/>
+            <ac:spMkLst>
+              <pc:docMk/>
+              <pc:sldMasterMk cId="242470013" sldId="2147483648"/>
+              <pc:sldLayoutMk cId="1461711982" sldId="2147483662"/>
+              <ac:spMk id="13" creationId="{C8B3C4AF-6F2C-0093-7F71-9F68B78D9C2F}"/>
+            </ac:spMkLst>
+          </pc:spChg>
+          <pc:spChg chg="add mod">
+            <ac:chgData name="Tim Miller" userId="e118c78a-470c-4863-8b52-3aa598a6a1d5" providerId="ADAL" clId="{EB963288-978B-4AAE-86EF-5D848066837B}" dt="2025-03-17T08:56:30.309" v="178" actId="571"/>
+            <ac:spMkLst>
+              <pc:docMk/>
+              <pc:sldMasterMk cId="242470013" sldId="2147483648"/>
+              <pc:sldLayoutMk cId="1461711982" sldId="2147483662"/>
+              <ac:spMk id="14" creationId="{58B0CFD9-94C8-3116-B46A-34031469ABDE}"/>
+            </ac:spMkLst>
+          </pc:spChg>
+          <pc:spChg chg="mod">
+            <ac:chgData name="Tim Miller" userId="e118c78a-470c-4863-8b52-3aa598a6a1d5" providerId="ADAL" clId="{EB963288-978B-4AAE-86EF-5D848066837B}" dt="2025-03-17T11:18:14.994" v="307" actId="1076"/>
+            <ac:spMkLst>
+              <pc:docMk/>
+              <pc:sldMasterMk cId="242470013" sldId="2147483648"/>
+              <pc:sldLayoutMk cId="1461711982" sldId="2147483662"/>
+              <ac:spMk id="24" creationId="{5ECC3C07-4FE2-899E-DC60-40A95654A0F8}"/>
+            </ac:spMkLst>
+          </pc:spChg>
+          <pc:spChg chg="mod">
+            <ac:chgData name="Tim Miller" userId="e118c78a-470c-4863-8b52-3aa598a6a1d5" providerId="ADAL" clId="{EB963288-978B-4AAE-86EF-5D848066837B}" dt="2025-03-17T11:17:53.448" v="302" actId="1076"/>
+            <ac:spMkLst>
+              <pc:docMk/>
+              <pc:sldMasterMk cId="242470013" sldId="2147483648"/>
+              <pc:sldLayoutMk cId="1461711982" sldId="2147483662"/>
+              <ac:spMk id="25" creationId="{C8C6C8C2-255B-71B7-1BB2-2DCEBC8CA2EE}"/>
+            </ac:spMkLst>
+          </pc:spChg>
+          <pc:spChg chg="add mod">
+            <ac:chgData name="Tim Miller" userId="e118c78a-470c-4863-8b52-3aa598a6a1d5" providerId="ADAL" clId="{EB963288-978B-4AAE-86EF-5D848066837B}" dt="2025-03-17T08:56:30.309" v="178" actId="571"/>
+            <ac:spMkLst>
+              <pc:docMk/>
+              <pc:sldMasterMk cId="242470013" sldId="2147483648"/>
+              <pc:sldLayoutMk cId="1461711982" sldId="2147483662"/>
+              <ac:spMk id="30" creationId="{CC4ED62A-6A9B-3E3A-D582-DD387D4DE3B5}"/>
+            </ac:spMkLst>
+          </pc:spChg>
+          <pc:spChg chg="add mod">
+            <ac:chgData name="Tim Miller" userId="e118c78a-470c-4863-8b52-3aa598a6a1d5" providerId="ADAL" clId="{EB963288-978B-4AAE-86EF-5D848066837B}" dt="2025-03-17T08:56:30.309" v="178" actId="571"/>
+            <ac:spMkLst>
+              <pc:docMk/>
+              <pc:sldMasterMk cId="242470013" sldId="2147483648"/>
+              <pc:sldLayoutMk cId="1461711982" sldId="2147483662"/>
+              <ac:spMk id="31" creationId="{D5A6E009-D025-C335-F19E-66C096AC84D7}"/>
+            </ac:spMkLst>
+          </pc:spChg>
+          <pc:spChg chg="mod">
+            <ac:chgData name="Tim Miller" userId="e118c78a-470c-4863-8b52-3aa598a6a1d5" providerId="ADAL" clId="{EB963288-978B-4AAE-86EF-5D848066837B}" dt="2025-03-17T08:56:15.273" v="177" actId="552"/>
+            <ac:spMkLst>
+              <pc:docMk/>
+              <pc:sldMasterMk cId="242470013" sldId="2147483648"/>
+              <pc:sldLayoutMk cId="1461711982" sldId="2147483662"/>
+              <ac:spMk id="32" creationId="{15A8A341-DC80-CCB6-F721-FC9DB507E38A}"/>
+            </ac:spMkLst>
+          </pc:spChg>
+          <pc:spChg chg="del mod">
+            <ac:chgData name="Tim Miller" userId="e118c78a-470c-4863-8b52-3aa598a6a1d5" providerId="ADAL" clId="{EB963288-978B-4AAE-86EF-5D848066837B}" dt="2025-03-17T08:53:11.785" v="126" actId="478"/>
+            <ac:spMkLst>
+              <pc:docMk/>
+              <pc:sldMasterMk cId="242470013" sldId="2147483648"/>
+              <pc:sldLayoutMk cId="1461711982" sldId="2147483662"/>
+              <ac:spMk id="33" creationId="{F6119FA1-8D55-639A-E7A4-95AB17EA325F}"/>
+            </ac:spMkLst>
+          </pc:spChg>
+          <pc:spChg chg="add mod">
+            <ac:chgData name="Tim Miller" userId="e118c78a-470c-4863-8b52-3aa598a6a1d5" providerId="ADAL" clId="{EB963288-978B-4AAE-86EF-5D848066837B}" dt="2025-03-17T08:56:30.309" v="178" actId="571"/>
+            <ac:spMkLst>
+              <pc:docMk/>
+              <pc:sldMasterMk cId="242470013" sldId="2147483648"/>
+              <pc:sldLayoutMk cId="1461711982" sldId="2147483662"/>
+              <ac:spMk id="35" creationId="{49DE53BB-BD51-BC0E-53B5-18E00BD4884C}"/>
+            </ac:spMkLst>
+          </pc:spChg>
+          <pc:spChg chg="add mod">
+            <ac:chgData name="Tim Miller" userId="e118c78a-470c-4863-8b52-3aa598a6a1d5" providerId="ADAL" clId="{EB963288-978B-4AAE-86EF-5D848066837B}" dt="2025-03-17T08:56:30.309" v="178" actId="571"/>
+            <ac:spMkLst>
+              <pc:docMk/>
+              <pc:sldMasterMk cId="242470013" sldId="2147483648"/>
+              <pc:sldLayoutMk cId="1461711982" sldId="2147483662"/>
+              <ac:spMk id="36" creationId="{62D72BEE-C7C6-5D0C-29FC-5C79025F8E07}"/>
+            </ac:spMkLst>
+          </pc:spChg>
+          <pc:spChg chg="add mod">
+            <ac:chgData name="Tim Miller" userId="e118c78a-470c-4863-8b52-3aa598a6a1d5" providerId="ADAL" clId="{EB963288-978B-4AAE-86EF-5D848066837B}" dt="2025-03-17T08:56:30.309" v="178" actId="571"/>
+            <ac:spMkLst>
+              <pc:docMk/>
+              <pc:sldMasterMk cId="242470013" sldId="2147483648"/>
+              <pc:sldLayoutMk cId="1461711982" sldId="2147483662"/>
+              <ac:spMk id="38" creationId="{8B3C55BD-F55E-E5C0-EA97-15E03AE0B62E}"/>
+            </ac:spMkLst>
+          </pc:spChg>
+          <pc:spChg chg="add mod">
+            <ac:chgData name="Tim Miller" userId="e118c78a-470c-4863-8b52-3aa598a6a1d5" providerId="ADAL" clId="{EB963288-978B-4AAE-86EF-5D848066837B}" dt="2025-03-17T08:56:30.309" v="178" actId="571"/>
+            <ac:spMkLst>
+              <pc:docMk/>
+              <pc:sldMasterMk cId="242470013" sldId="2147483648"/>
+              <pc:sldLayoutMk cId="1461711982" sldId="2147483662"/>
+              <ac:spMk id="41" creationId="{226F9B9C-2F0D-EA77-8D18-8A8A76F72EE0}"/>
+            </ac:spMkLst>
+          </pc:spChg>
+          <pc:spChg chg="add mod">
+            <ac:chgData name="Tim Miller" userId="e118c78a-470c-4863-8b52-3aa598a6a1d5" providerId="ADAL" clId="{EB963288-978B-4AAE-86EF-5D848066837B}" dt="2025-03-17T08:56:30.309" v="178" actId="571"/>
+            <ac:spMkLst>
+              <pc:docMk/>
+              <pc:sldMasterMk cId="242470013" sldId="2147483648"/>
+              <pc:sldLayoutMk cId="1461711982" sldId="2147483662"/>
+              <ac:spMk id="43" creationId="{49C272EF-96AD-8916-FFDF-D86057D46F3F}"/>
+            </ac:spMkLst>
+          </pc:spChg>
+          <pc:spChg chg="del mod">
+            <ac:chgData name="Tim Miller" userId="e118c78a-470c-4863-8b52-3aa598a6a1d5" providerId="ADAL" clId="{EB963288-978B-4AAE-86EF-5D848066837B}" dt="2025-03-17T08:51:51.634" v="120" actId="478"/>
+            <ac:spMkLst>
+              <pc:docMk/>
+              <pc:sldMasterMk cId="242470013" sldId="2147483648"/>
+              <pc:sldLayoutMk cId="1461711982" sldId="2147483662"/>
+              <ac:spMk id="44" creationId="{91BAFA35-C1B5-6235-E5B4-05EB7164A1D6}"/>
+            </ac:spMkLst>
+          </pc:spChg>
+          <pc:spChg chg="del mod">
+            <ac:chgData name="Tim Miller" userId="e118c78a-470c-4863-8b52-3aa598a6a1d5" providerId="ADAL" clId="{EB963288-978B-4AAE-86EF-5D848066837B}" dt="2025-03-17T08:53:11.785" v="126" actId="478"/>
+            <ac:spMkLst>
+              <pc:docMk/>
+              <pc:sldMasterMk cId="242470013" sldId="2147483648"/>
+              <pc:sldLayoutMk cId="1461711982" sldId="2147483662"/>
+              <ac:spMk id="46" creationId="{008406D6-AF90-27CE-1A17-28E1DD3F8E25}"/>
+            </ac:spMkLst>
+          </pc:spChg>
+          <pc:spChg chg="del mod">
+            <ac:chgData name="Tim Miller" userId="e118c78a-470c-4863-8b52-3aa598a6a1d5" providerId="ADAL" clId="{EB963288-978B-4AAE-86EF-5D848066837B}" dt="2025-03-17T08:53:07.390" v="125" actId="478"/>
+            <ac:spMkLst>
+              <pc:docMk/>
+              <pc:sldMasterMk cId="242470013" sldId="2147483648"/>
+              <pc:sldLayoutMk cId="1461711982" sldId="2147483662"/>
+              <ac:spMk id="47" creationId="{C016EE30-D490-B2D9-6944-16F050E251C5}"/>
+            </ac:spMkLst>
+          </pc:spChg>
+          <pc:spChg chg="del mod">
+            <ac:chgData name="Tim Miller" userId="e118c78a-470c-4863-8b52-3aa598a6a1d5" providerId="ADAL" clId="{EB963288-978B-4AAE-86EF-5D848066837B}" dt="2025-03-17T08:53:07.390" v="125" actId="478"/>
+            <ac:spMkLst>
+              <pc:docMk/>
+              <pc:sldMasterMk cId="242470013" sldId="2147483648"/>
+              <pc:sldLayoutMk cId="1461711982" sldId="2147483662"/>
+              <ac:spMk id="48" creationId="{0327CD95-0580-3675-DBAC-ADB876EA4E83}"/>
+            </ac:spMkLst>
+          </pc:spChg>
+          <pc:spChg chg="add del mod">
+            <ac:chgData name="Tim Miller" userId="e118c78a-470c-4863-8b52-3aa598a6a1d5" providerId="ADAL" clId="{EB963288-978B-4AAE-86EF-5D848066837B}" dt="2025-03-17T11:20:20.945" v="344" actId="478"/>
+            <ac:spMkLst>
+              <pc:docMk/>
+              <pc:sldMasterMk cId="242470013" sldId="2147483648"/>
+              <pc:sldLayoutMk cId="1461711982" sldId="2147483662"/>
+              <ac:spMk id="49" creationId="{7895BD95-9690-958B-7C5C-600D8CA617AE}"/>
+            </ac:spMkLst>
+          </pc:spChg>
+          <pc:spChg chg="add del mod">
+            <ac:chgData name="Tim Miller" userId="e118c78a-470c-4863-8b52-3aa598a6a1d5" providerId="ADAL" clId="{EB963288-978B-4AAE-86EF-5D848066837B}" dt="2025-03-17T11:20:20.945" v="344" actId="478"/>
+            <ac:spMkLst>
+              <pc:docMk/>
+              <pc:sldMasterMk cId="242470013" sldId="2147483648"/>
+              <pc:sldLayoutMk cId="1461711982" sldId="2147483662"/>
+              <ac:spMk id="50" creationId="{18B0B862-8FCA-0DED-F114-2065F330D829}"/>
+            </ac:spMkLst>
+          </pc:spChg>
+          <pc:spChg chg="add mod">
+            <ac:chgData name="Tim Miller" userId="e118c78a-470c-4863-8b52-3aa598a6a1d5" providerId="ADAL" clId="{EB963288-978B-4AAE-86EF-5D848066837B}" dt="2025-03-17T11:22:08.378" v="365" actId="20577"/>
+            <ac:spMkLst>
+              <pc:docMk/>
+              <pc:sldMasterMk cId="242470013" sldId="2147483648"/>
+              <pc:sldLayoutMk cId="1461711982" sldId="2147483662"/>
+              <ac:spMk id="51" creationId="{A2556598-EEC7-6AF5-25FE-3C2B8A4B1809}"/>
+            </ac:spMkLst>
+          </pc:spChg>
+          <pc:spChg chg="add mod">
+            <ac:chgData name="Tim Miller" userId="e118c78a-470c-4863-8b52-3aa598a6a1d5" providerId="ADAL" clId="{EB963288-978B-4AAE-86EF-5D848066837B}" dt="2025-03-17T11:20:26.902" v="345" actId="571"/>
+            <ac:spMkLst>
+              <pc:docMk/>
+              <pc:sldMasterMk cId="242470013" sldId="2147483648"/>
+              <pc:sldLayoutMk cId="1461711982" sldId="2147483662"/>
+              <ac:spMk id="52" creationId="{D24A76EC-99F5-99A2-61F1-A31477872B72}"/>
+            </ac:spMkLst>
+          </pc:spChg>
+          <pc:spChg chg="del mod">
+            <ac:chgData name="Tim Miller" userId="e118c78a-470c-4863-8b52-3aa598a6a1d5" providerId="ADAL" clId="{EB963288-978B-4AAE-86EF-5D848066837B}" dt="2025-03-17T08:53:44.086" v="131" actId="478"/>
+            <ac:spMkLst>
+              <pc:docMk/>
+              <pc:sldMasterMk cId="242470013" sldId="2147483648"/>
+              <pc:sldLayoutMk cId="1461711982" sldId="2147483662"/>
+              <ac:spMk id="54" creationId="{CB0C0651-87F0-BF01-94D3-888370C7A94E}"/>
+            </ac:spMkLst>
+          </pc:spChg>
+          <pc:spChg chg="del mod">
+            <ac:chgData name="Tim Miller" userId="e118c78a-470c-4863-8b52-3aa598a6a1d5" providerId="ADAL" clId="{EB963288-978B-4AAE-86EF-5D848066837B}" dt="2025-03-17T08:53:44.086" v="131" actId="478"/>
+            <ac:spMkLst>
+              <pc:docMk/>
+              <pc:sldMasterMk cId="242470013" sldId="2147483648"/>
+              <pc:sldLayoutMk cId="1461711982" sldId="2147483662"/>
+              <ac:spMk id="55" creationId="{F24C2EF5-8C06-C6CF-D5D7-288359E9F523}"/>
+            </ac:spMkLst>
+          </pc:spChg>
+          <pc:spChg chg="del mod">
+            <ac:chgData name="Tim Miller" userId="e118c78a-470c-4863-8b52-3aa598a6a1d5" providerId="ADAL" clId="{EB963288-978B-4AAE-86EF-5D848066837B}" dt="2025-03-17T08:53:44.086" v="131" actId="478"/>
+            <ac:spMkLst>
+              <pc:docMk/>
+              <pc:sldMasterMk cId="242470013" sldId="2147483648"/>
+              <pc:sldLayoutMk cId="1461711982" sldId="2147483662"/>
+              <ac:spMk id="63" creationId="{6D42A282-195E-8C03-953A-EA7E55001337}"/>
+            </ac:spMkLst>
+          </pc:spChg>
+          <pc:spChg chg="del mod">
+            <ac:chgData name="Tim Miller" userId="e118c78a-470c-4863-8b52-3aa598a6a1d5" providerId="ADAL" clId="{EB963288-978B-4AAE-86EF-5D848066837B}" dt="2025-03-17T08:53:44.086" v="131" actId="478"/>
+            <ac:spMkLst>
+              <pc:docMk/>
+              <pc:sldMasterMk cId="242470013" sldId="2147483648"/>
+              <pc:sldLayoutMk cId="1461711982" sldId="2147483662"/>
+              <ac:spMk id="65" creationId="{D631C171-3DBE-00F2-F32D-A7D25FB0D22C}"/>
+            </ac:spMkLst>
+          </pc:spChg>
+          <pc:spChg chg="mod">
+            <ac:chgData name="Tim Miller" userId="e118c78a-470c-4863-8b52-3aa598a6a1d5" providerId="ADAL" clId="{EB963288-978B-4AAE-86EF-5D848066837B}" dt="2025-03-17T11:18:14.994" v="307" actId="1076"/>
+            <ac:spMkLst>
+              <pc:docMk/>
+              <pc:sldMasterMk cId="242470013" sldId="2147483648"/>
+              <pc:sldLayoutMk cId="1461711982" sldId="2147483662"/>
+              <ac:spMk id="70" creationId="{B58D5416-7752-1E10-AD65-9FC989237D45}"/>
+            </ac:spMkLst>
+          </pc:spChg>
+          <pc:spChg chg="mod">
+            <ac:chgData name="Tim Miller" userId="e118c78a-470c-4863-8b52-3aa598a6a1d5" providerId="ADAL" clId="{EB963288-978B-4AAE-86EF-5D848066837B}" dt="2025-03-17T11:17:53.448" v="302" actId="1076"/>
+            <ac:spMkLst>
+              <pc:docMk/>
+              <pc:sldMasterMk cId="242470013" sldId="2147483648"/>
+              <pc:sldLayoutMk cId="1461711982" sldId="2147483662"/>
+              <ac:spMk id="74" creationId="{A56C317D-B980-01A9-3F4A-6DBF119B4594}"/>
+            </ac:spMkLst>
+          </pc:spChg>
+          <pc:spChg chg="del">
+            <ac:chgData name="Tim Miller" userId="e118c78a-470c-4863-8b52-3aa598a6a1d5" providerId="ADAL" clId="{EB963288-978B-4AAE-86EF-5D848066837B}" dt="2025-03-17T08:55:48.682" v="176" actId="478"/>
+            <ac:spMkLst>
+              <pc:docMk/>
+              <pc:sldMasterMk cId="242470013" sldId="2147483648"/>
+              <pc:sldLayoutMk cId="1461711982" sldId="2147483662"/>
+              <ac:spMk id="79" creationId="{ADA2B3DB-D98C-0913-D782-BEC0A0C41343}"/>
+            </ac:spMkLst>
+          </pc:spChg>
+          <pc:spChg chg="del">
+            <ac:chgData name="Tim Miller" userId="e118c78a-470c-4863-8b52-3aa598a6a1d5" providerId="ADAL" clId="{EB963288-978B-4AAE-86EF-5D848066837B}" dt="2025-03-17T08:55:48.682" v="176" actId="478"/>
+            <ac:spMkLst>
+              <pc:docMk/>
+              <pc:sldMasterMk cId="242470013" sldId="2147483648"/>
+              <pc:sldLayoutMk cId="1461711982" sldId="2147483662"/>
+              <ac:spMk id="80" creationId="{71B01D59-66B0-314B-9609-505DA1570FCD}"/>
+            </ac:spMkLst>
+          </pc:spChg>
+          <pc:spChg chg="del">
+            <ac:chgData name="Tim Miller" userId="e118c78a-470c-4863-8b52-3aa598a6a1d5" providerId="ADAL" clId="{EB963288-978B-4AAE-86EF-5D848066837B}" dt="2025-03-17T08:55:48.682" v="176" actId="478"/>
+            <ac:spMkLst>
+              <pc:docMk/>
+              <pc:sldMasterMk cId="242470013" sldId="2147483648"/>
+              <pc:sldLayoutMk cId="1461711982" sldId="2147483662"/>
+              <ac:spMk id="81" creationId="{5C1EF3E0-2ACE-B1A8-22CC-CE9AEFDF96CB}"/>
+            </ac:spMkLst>
+          </pc:spChg>
+          <pc:spChg chg="del mod">
+            <ac:chgData name="Tim Miller" userId="e118c78a-470c-4863-8b52-3aa598a6a1d5" providerId="ADAL" clId="{EB963288-978B-4AAE-86EF-5D848066837B}" dt="2025-03-17T08:55:48.682" v="176" actId="478"/>
+            <ac:spMkLst>
+              <pc:docMk/>
+              <pc:sldMasterMk cId="242470013" sldId="2147483648"/>
+              <pc:sldLayoutMk cId="1461711982" sldId="2147483662"/>
+              <ac:spMk id="86" creationId="{C837C8D3-CF34-4117-5AD3-8B58D96136F3}"/>
+            </ac:spMkLst>
+          </pc:spChg>
+          <pc:spChg chg="del mod">
+            <ac:chgData name="Tim Miller" userId="e118c78a-470c-4863-8b52-3aa598a6a1d5" providerId="ADAL" clId="{EB963288-978B-4AAE-86EF-5D848066837B}" dt="2025-03-17T08:55:48.682" v="176" actId="478"/>
+            <ac:spMkLst>
+              <pc:docMk/>
+              <pc:sldMasterMk cId="242470013" sldId="2147483648"/>
+              <pc:sldLayoutMk cId="1461711982" sldId="2147483662"/>
+              <ac:spMk id="87" creationId="{E487F29F-9034-CE91-BB86-6162816FABC6}"/>
+            </ac:spMkLst>
+          </pc:spChg>
+          <pc:spChg chg="del">
+            <ac:chgData name="Tim Miller" userId="e118c78a-470c-4863-8b52-3aa598a6a1d5" providerId="ADAL" clId="{EB963288-978B-4AAE-86EF-5D848066837B}" dt="2025-03-17T08:55:48.682" v="176" actId="478"/>
+            <ac:spMkLst>
+              <pc:docMk/>
+              <pc:sldMasterMk cId="242470013" sldId="2147483648"/>
+              <pc:sldLayoutMk cId="1461711982" sldId="2147483662"/>
+              <ac:spMk id="88" creationId="{0F53B8EB-D4E2-F409-6E78-3F095ACEB17A}"/>
+            </ac:spMkLst>
+          </pc:spChg>
+          <pc:spChg chg="del mod">
+            <ac:chgData name="Tim Miller" userId="e118c78a-470c-4863-8b52-3aa598a6a1d5" providerId="ADAL" clId="{EB963288-978B-4AAE-86EF-5D848066837B}" dt="2025-03-17T08:55:48.682" v="176" actId="478"/>
+            <ac:spMkLst>
+              <pc:docMk/>
+              <pc:sldMasterMk cId="242470013" sldId="2147483648"/>
+              <pc:sldLayoutMk cId="1461711982" sldId="2147483662"/>
+              <ac:spMk id="89" creationId="{24D4B4A7-6BDB-FAA4-97BD-A705C7E60DFD}"/>
+            </ac:spMkLst>
+          </pc:spChg>
+          <pc:spChg chg="del mod">
+            <ac:chgData name="Tim Miller" userId="e118c78a-470c-4863-8b52-3aa598a6a1d5" providerId="ADAL" clId="{EB963288-978B-4AAE-86EF-5D848066837B}" dt="2025-03-17T08:55:48.682" v="176" actId="478"/>
+            <ac:spMkLst>
+              <pc:docMk/>
+              <pc:sldMasterMk cId="242470013" sldId="2147483648"/>
+              <pc:sldLayoutMk cId="1461711982" sldId="2147483662"/>
+              <ac:spMk id="90" creationId="{A2A17468-086D-71CD-23B7-9213C8913906}"/>
+            </ac:spMkLst>
+          </pc:spChg>
+          <pc:spChg chg="del mod">
+            <ac:chgData name="Tim Miller" userId="e118c78a-470c-4863-8b52-3aa598a6a1d5" providerId="ADAL" clId="{EB963288-978B-4AAE-86EF-5D848066837B}" dt="2025-03-17T08:55:48.682" v="176" actId="478"/>
+            <ac:spMkLst>
+              <pc:docMk/>
+              <pc:sldMasterMk cId="242470013" sldId="2147483648"/>
+              <pc:sldLayoutMk cId="1461711982" sldId="2147483662"/>
+              <ac:spMk id="91" creationId="{8C4005A5-0501-5B7E-27C6-947B3F91BEAC}"/>
+            </ac:spMkLst>
+          </pc:spChg>
+          <pc:spChg chg="del">
+            <ac:chgData name="Tim Miller" userId="e118c78a-470c-4863-8b52-3aa598a6a1d5" providerId="ADAL" clId="{EB963288-978B-4AAE-86EF-5D848066837B}" dt="2025-03-17T08:55:48.682" v="176" actId="478"/>
+            <ac:spMkLst>
+              <pc:docMk/>
+              <pc:sldMasterMk cId="242470013" sldId="2147483648"/>
+              <pc:sldLayoutMk cId="1461711982" sldId="2147483662"/>
+              <ac:spMk id="95" creationId="{E66FF68B-7D71-19C3-3723-98BE50261047}"/>
+            </ac:spMkLst>
+          </pc:spChg>
+          <pc:spChg chg="mod">
+            <ac:chgData name="Tim Miller" userId="e118c78a-470c-4863-8b52-3aa598a6a1d5" providerId="ADAL" clId="{EB963288-978B-4AAE-86EF-5D848066837B}" dt="2025-03-17T08:48:47.748" v="39" actId="1036"/>
+            <ac:spMkLst>
+              <pc:docMk/>
+              <pc:sldMasterMk cId="242470013" sldId="2147483648"/>
+              <pc:sldLayoutMk cId="1461711982" sldId="2147483662"/>
+              <ac:spMk id="96" creationId="{3AA390DB-0C6A-8ED1-8DF5-B844596212AD}"/>
+            </ac:spMkLst>
+          </pc:spChg>
+          <pc:picChg chg="mod">
+            <ac:chgData name="Tim Miller" userId="e118c78a-470c-4863-8b52-3aa598a6a1d5" providerId="ADAL" clId="{EB963288-978B-4AAE-86EF-5D848066837B}" dt="2025-03-17T11:18:14.994" v="307" actId="1076"/>
+            <ac:picMkLst>
+              <pc:docMk/>
+              <pc:sldMasterMk cId="242470013" sldId="2147483648"/>
+              <pc:sldLayoutMk cId="1461711982" sldId="2147483662"/>
+              <ac:picMk id="8" creationId="{3B761C0A-1A6B-10C3-2C89-1A0E4601F81B}"/>
+            </ac:picMkLst>
+          </pc:picChg>
+          <pc:picChg chg="mod">
+            <ac:chgData name="Tim Miller" userId="e118c78a-470c-4863-8b52-3aa598a6a1d5" providerId="ADAL" clId="{EB963288-978B-4AAE-86EF-5D848066837B}" dt="2025-03-17T11:17:53.448" v="302" actId="1076"/>
+            <ac:picMkLst>
+              <pc:docMk/>
+              <pc:sldMasterMk cId="242470013" sldId="2147483648"/>
+              <pc:sldLayoutMk cId="1461711982" sldId="2147483662"/>
+              <ac:picMk id="16" creationId="{95807DC4-FF59-ACA4-6554-DA423ECBD96F}"/>
+            </ac:picMkLst>
+          </pc:picChg>
+          <pc:picChg chg="mod">
+            <ac:chgData name="Tim Miller" userId="e118c78a-470c-4863-8b52-3aa598a6a1d5" providerId="ADAL" clId="{EB963288-978B-4AAE-86EF-5D848066837B}" dt="2025-03-17T11:18:14.994" v="307" actId="1076"/>
+            <ac:picMkLst>
+              <pc:docMk/>
+              <pc:sldMasterMk cId="242470013" sldId="2147483648"/>
+              <pc:sldLayoutMk cId="1461711982" sldId="2147483662"/>
+              <ac:picMk id="21" creationId="{6D172683-69D2-CDB0-E3F3-1288932E7F52}"/>
+            </ac:picMkLst>
+          </pc:picChg>
+          <pc:picChg chg="mod">
+            <ac:chgData name="Tim Miller" userId="e118c78a-470c-4863-8b52-3aa598a6a1d5" providerId="ADAL" clId="{EB963288-978B-4AAE-86EF-5D848066837B}" dt="2025-03-17T11:18:14.994" v="307" actId="1076"/>
+            <ac:picMkLst>
+              <pc:docMk/>
+              <pc:sldMasterMk cId="242470013" sldId="2147483648"/>
+              <pc:sldLayoutMk cId="1461711982" sldId="2147483662"/>
+              <ac:picMk id="22" creationId="{24F7254D-C88E-3724-E8CB-771FAC7E0019}"/>
+            </ac:picMkLst>
+          </pc:picChg>
+          <pc:picChg chg="mod">
+            <ac:chgData name="Tim Miller" userId="e118c78a-470c-4863-8b52-3aa598a6a1d5" providerId="ADAL" clId="{EB963288-978B-4AAE-86EF-5D848066837B}" dt="2025-03-17T11:18:14.994" v="307" actId="1076"/>
+            <ac:picMkLst>
+              <pc:docMk/>
+              <pc:sldMasterMk cId="242470013" sldId="2147483648"/>
+              <pc:sldLayoutMk cId="1461711982" sldId="2147483662"/>
+              <ac:picMk id="23" creationId="{F5CD2718-AF22-45B5-A761-AD9FED1F7BE7}"/>
+            </ac:picMkLst>
+          </pc:picChg>
+          <pc:picChg chg="mod">
+            <ac:chgData name="Tim Miller" userId="e118c78a-470c-4863-8b52-3aa598a6a1d5" providerId="ADAL" clId="{EB963288-978B-4AAE-86EF-5D848066837B}" dt="2025-03-17T11:17:53.448" v="302" actId="1076"/>
+            <ac:picMkLst>
+              <pc:docMk/>
+              <pc:sldMasterMk cId="242470013" sldId="2147483648"/>
+              <pc:sldLayoutMk cId="1461711982" sldId="2147483662"/>
+              <ac:picMk id="26" creationId="{D26C2F0D-588E-9F26-709D-AC9713F2EE14}"/>
+            </ac:picMkLst>
+          </pc:picChg>
+          <pc:picChg chg="mod">
+            <ac:chgData name="Tim Miller" userId="e118c78a-470c-4863-8b52-3aa598a6a1d5" providerId="ADAL" clId="{EB963288-978B-4AAE-86EF-5D848066837B}" dt="2025-03-17T11:17:53.448" v="302" actId="1076"/>
+            <ac:picMkLst>
+              <pc:docMk/>
+              <pc:sldMasterMk cId="242470013" sldId="2147483648"/>
+              <pc:sldLayoutMk cId="1461711982" sldId="2147483662"/>
+              <ac:picMk id="27" creationId="{6A9CA5F6-0A27-D84C-3994-8B2812012C94}"/>
+            </ac:picMkLst>
+          </pc:picChg>
+          <pc:picChg chg="mod">
+            <ac:chgData name="Tim Miller" userId="e118c78a-470c-4863-8b52-3aa598a6a1d5" providerId="ADAL" clId="{EB963288-978B-4AAE-86EF-5D848066837B}" dt="2025-03-17T11:17:53.448" v="302" actId="1076"/>
+            <ac:picMkLst>
+              <pc:docMk/>
+              <pc:sldMasterMk cId="242470013" sldId="2147483648"/>
+              <pc:sldLayoutMk cId="1461711982" sldId="2147483662"/>
+              <ac:picMk id="28" creationId="{734D5727-AC43-A445-4AF0-683DFF5F4991}"/>
+            </ac:picMkLst>
+          </pc:picChg>
+          <pc:picChg chg="mod">
+            <ac:chgData name="Tim Miller" userId="e118c78a-470c-4863-8b52-3aa598a6a1d5" providerId="ADAL" clId="{EB963288-978B-4AAE-86EF-5D848066837B}" dt="2025-03-17T11:18:14.994" v="307" actId="1076"/>
+            <ac:picMkLst>
+              <pc:docMk/>
+              <pc:sldMasterMk cId="242470013" sldId="2147483648"/>
+              <pc:sldLayoutMk cId="1461711982" sldId="2147483662"/>
+              <ac:picMk id="68" creationId="{996A03A2-6487-85DC-6C12-C52C695ABF0A}"/>
+            </ac:picMkLst>
+          </pc:picChg>
+          <pc:picChg chg="mod">
+            <ac:chgData name="Tim Miller" userId="e118c78a-470c-4863-8b52-3aa598a6a1d5" providerId="ADAL" clId="{EB963288-978B-4AAE-86EF-5D848066837B}" dt="2025-03-17T11:18:14.994" v="307" actId="1076"/>
+            <ac:picMkLst>
+              <pc:docMk/>
+              <pc:sldMasterMk cId="242470013" sldId="2147483648"/>
+              <pc:sldLayoutMk cId="1461711982" sldId="2147483662"/>
+              <ac:picMk id="69" creationId="{880B175C-489E-1B05-74CD-59BA71764171}"/>
+            </ac:picMkLst>
+          </pc:picChg>
+          <pc:picChg chg="mod">
+            <ac:chgData name="Tim Miller" userId="e118c78a-470c-4863-8b52-3aa598a6a1d5" providerId="ADAL" clId="{EB963288-978B-4AAE-86EF-5D848066837B}" dt="2025-03-17T11:17:53.448" v="302" actId="1076"/>
+            <ac:picMkLst>
+              <pc:docMk/>
+              <pc:sldMasterMk cId="242470013" sldId="2147483648"/>
+              <pc:sldLayoutMk cId="1461711982" sldId="2147483662"/>
+              <ac:picMk id="75" creationId="{2A656223-199D-259A-ACEC-11E335ED158B}"/>
+            </ac:picMkLst>
+          </pc:picChg>
+          <pc:picChg chg="mod">
+            <ac:chgData name="Tim Miller" userId="e118c78a-470c-4863-8b52-3aa598a6a1d5" providerId="ADAL" clId="{EB963288-978B-4AAE-86EF-5D848066837B}" dt="2025-03-17T11:17:53.448" v="302" actId="1076"/>
+            <ac:picMkLst>
+              <pc:docMk/>
+              <pc:sldMasterMk cId="242470013" sldId="2147483648"/>
+              <pc:sldLayoutMk cId="1461711982" sldId="2147483662"/>
+              <ac:picMk id="76" creationId="{CE3C00B0-0B21-A959-11D5-A28F655033D8}"/>
+            </ac:picMkLst>
+          </pc:picChg>
+          <pc:cxnChg chg="add mod">
+            <ac:chgData name="Tim Miller" userId="e118c78a-470c-4863-8b52-3aa598a6a1d5" providerId="ADAL" clId="{EB963288-978B-4AAE-86EF-5D848066837B}" dt="2025-03-17T08:52:34.289" v="122" actId="465"/>
+            <ac:cxnSpMkLst>
+              <pc:docMk/>
+              <pc:sldMasterMk cId="242470013" sldId="2147483648"/>
+              <pc:sldLayoutMk cId="1461711982" sldId="2147483662"/>
+              <ac:cxnSpMk id="2" creationId="{FA6EBD40-7D94-9A56-9D63-B36BF70BFAA8}"/>
+            </ac:cxnSpMkLst>
+          </pc:cxnChg>
+          <pc:cxnChg chg="mod">
+            <ac:chgData name="Tim Miller" userId="e118c78a-470c-4863-8b52-3aa598a6a1d5" providerId="ADAL" clId="{EB963288-978B-4AAE-86EF-5D848066837B}" dt="2025-03-17T11:18:00.075" v="304" actId="1076"/>
+            <ac:cxnSpMkLst>
+              <pc:docMk/>
+              <pc:sldMasterMk cId="242470013" sldId="2147483648"/>
+              <pc:sldLayoutMk cId="1461711982" sldId="2147483662"/>
+              <ac:cxnSpMk id="15" creationId="{F4367F90-875F-034C-723B-5168F38238E9}"/>
+            </ac:cxnSpMkLst>
+          </pc:cxnChg>
+          <pc:cxnChg chg="mod">
+            <ac:chgData name="Tim Miller" userId="e118c78a-470c-4863-8b52-3aa598a6a1d5" providerId="ADAL" clId="{EB963288-978B-4AAE-86EF-5D848066837B}" dt="2025-03-17T08:52:34.289" v="122" actId="465"/>
+            <ac:cxnSpMkLst>
+              <pc:docMk/>
+              <pc:sldMasterMk cId="242470013" sldId="2147483648"/>
+              <pc:sldLayoutMk cId="1461711982" sldId="2147483662"/>
+              <ac:cxnSpMk id="34" creationId="{8D461930-8F69-C293-9F59-91DC9988A381}"/>
+            </ac:cxnSpMkLst>
+          </pc:cxnChg>
+          <pc:cxnChg chg="mod">
+            <ac:chgData name="Tim Miller" userId="e118c78a-470c-4863-8b52-3aa598a6a1d5" providerId="ADAL" clId="{EB963288-978B-4AAE-86EF-5D848066837B}" dt="2025-03-17T08:52:34.289" v="122" actId="465"/>
+            <ac:cxnSpMkLst>
+              <pc:docMk/>
+              <pc:sldMasterMk cId="242470013" sldId="2147483648"/>
+              <pc:sldLayoutMk cId="1461711982" sldId="2147483662"/>
+              <ac:cxnSpMk id="37" creationId="{5057CBD4-4F6B-B6D7-C2E2-AD2CA9957ADD}"/>
+            </ac:cxnSpMkLst>
+          </pc:cxnChg>
+          <pc:cxnChg chg="mod">
+            <ac:chgData name="Tim Miller" userId="e118c78a-470c-4863-8b52-3aa598a6a1d5" providerId="ADAL" clId="{EB963288-978B-4AAE-86EF-5D848066837B}" dt="2025-03-17T08:52:34.289" v="122" actId="465"/>
+            <ac:cxnSpMkLst>
+              <pc:docMk/>
+              <pc:sldMasterMk cId="242470013" sldId="2147483648"/>
+              <pc:sldLayoutMk cId="1461711982" sldId="2147483662"/>
+              <ac:cxnSpMk id="39" creationId="{D93246AA-AC92-D8CE-F4AA-EDD530198D0D}"/>
+            </ac:cxnSpMkLst>
+          </pc:cxnChg>
+          <pc:cxnChg chg="mod">
+            <ac:chgData name="Tim Miller" userId="e118c78a-470c-4863-8b52-3aa598a6a1d5" providerId="ADAL" clId="{EB963288-978B-4AAE-86EF-5D848066837B}" dt="2025-03-17T11:18:02.702" v="306" actId="1076"/>
+            <ac:cxnSpMkLst>
+              <pc:docMk/>
+              <pc:sldMasterMk cId="242470013" sldId="2147483648"/>
+              <pc:sldLayoutMk cId="1461711982" sldId="2147483662"/>
+              <ac:cxnSpMk id="42" creationId="{5A246D73-F4AC-3679-EA40-83C8D9134B8A}"/>
+            </ac:cxnSpMkLst>
+          </pc:cxnChg>
+          <pc:cxnChg chg="mod">
+            <ac:chgData name="Tim Miller" userId="e118c78a-470c-4863-8b52-3aa598a6a1d5" providerId="ADAL" clId="{EB963288-978B-4AAE-86EF-5D848066837B}" dt="2025-03-17T08:50:38.638" v="83" actId="1036"/>
+            <ac:cxnSpMkLst>
+              <pc:docMk/>
+              <pc:sldMasterMk cId="242470013" sldId="2147483648"/>
+              <pc:sldLayoutMk cId="1461711982" sldId="2147483662"/>
+              <ac:cxnSpMk id="45" creationId="{72728E7C-B87A-D160-CC7B-1F7B9881443F}"/>
+            </ac:cxnSpMkLst>
+          </pc:cxnChg>
+        </pc:sldLayoutChg>
+        <pc:sldLayoutChg chg="addSp delSp modSp mod">
+          <pc:chgData name="Tim Miller" userId="e118c78a-470c-4863-8b52-3aa598a6a1d5" providerId="ADAL" clId="{EB963288-978B-4AAE-86EF-5D848066837B}" dt="2025-03-17T08:58:26.418" v="301" actId="571"/>
+          <pc:sldLayoutMkLst>
+            <pc:docMk/>
+            <pc:sldMasterMk cId="242470013" sldId="2147483648"/>
+            <pc:sldLayoutMk cId="1530839369" sldId="2147483663"/>
+          </pc:sldLayoutMkLst>
+          <pc:spChg chg="add del mod">
+            <ac:chgData name="Tim Miller" userId="e118c78a-470c-4863-8b52-3aa598a6a1d5" providerId="ADAL" clId="{EB963288-978B-4AAE-86EF-5D848066837B}" dt="2025-03-17T08:58:17.929" v="300" actId="478"/>
+            <ac:spMkLst>
+              <pc:docMk/>
+              <pc:sldMasterMk cId="242470013" sldId="2147483648"/>
+              <pc:sldLayoutMk cId="1530839369" sldId="2147483663"/>
+              <ac:spMk id="2" creationId="{CBF2CBF8-C440-E34E-6270-216472A8CCB1}"/>
+            </ac:spMkLst>
+          </pc:spChg>
+          <pc:spChg chg="add mod">
+            <ac:chgData name="Tim Miller" userId="e118c78a-470c-4863-8b52-3aa598a6a1d5" providerId="ADAL" clId="{EB963288-978B-4AAE-86EF-5D848066837B}" dt="2025-03-17T08:58:26.418" v="301" actId="571"/>
+            <ac:spMkLst>
+              <pc:docMk/>
+              <pc:sldMasterMk cId="242470013" sldId="2147483648"/>
+              <pc:sldLayoutMk cId="1530839369" sldId="2147483663"/>
+              <ac:spMk id="6" creationId="{4206E589-9EE8-EC7F-02AA-4B5CE985F783}"/>
+            </ac:spMkLst>
+          </pc:spChg>
+          <pc:spChg chg="add mod">
+            <ac:chgData name="Tim Miller" userId="e118c78a-470c-4863-8b52-3aa598a6a1d5" providerId="ADAL" clId="{EB963288-978B-4AAE-86EF-5D848066837B}" dt="2025-03-17T08:58:26.418" v="301" actId="571"/>
+            <ac:spMkLst>
+              <pc:docMk/>
+              <pc:sldMasterMk cId="242470013" sldId="2147483648"/>
+              <pc:sldLayoutMk cId="1530839369" sldId="2147483663"/>
+              <ac:spMk id="8" creationId="{1C1674CF-6458-9148-A77E-54514811B425}"/>
+            </ac:spMkLst>
+          </pc:spChg>
+          <pc:spChg chg="add mod">
+            <ac:chgData name="Tim Miller" userId="e118c78a-470c-4863-8b52-3aa598a6a1d5" providerId="ADAL" clId="{EB963288-978B-4AAE-86EF-5D848066837B}" dt="2025-03-17T08:58:26.418" v="301" actId="571"/>
+            <ac:spMkLst>
+              <pc:docMk/>
+              <pc:sldMasterMk cId="242470013" sldId="2147483648"/>
+              <pc:sldLayoutMk cId="1530839369" sldId="2147483663"/>
+              <ac:spMk id="9" creationId="{731F7514-09B3-72C7-CAE8-4CA438DF3862}"/>
+            </ac:spMkLst>
+          </pc:spChg>
+          <pc:spChg chg="add mod">
+            <ac:chgData name="Tim Miller" userId="e118c78a-470c-4863-8b52-3aa598a6a1d5" providerId="ADAL" clId="{EB963288-978B-4AAE-86EF-5D848066837B}" dt="2025-03-17T08:58:26.418" v="301" actId="571"/>
+            <ac:spMkLst>
+              <pc:docMk/>
+              <pc:sldMasterMk cId="242470013" sldId="2147483648"/>
+              <pc:sldLayoutMk cId="1530839369" sldId="2147483663"/>
+              <ac:spMk id="14" creationId="{5ED41CF0-8753-E11C-3E86-F0507CF53D9F}"/>
+            </ac:spMkLst>
+          </pc:spChg>
+          <pc:spChg chg="add mod">
+            <ac:chgData name="Tim Miller" userId="e118c78a-470c-4863-8b52-3aa598a6a1d5" providerId="ADAL" clId="{EB963288-978B-4AAE-86EF-5D848066837B}" dt="2025-03-17T08:58:26.418" v="301" actId="571"/>
+            <ac:spMkLst>
+              <pc:docMk/>
+              <pc:sldMasterMk cId="242470013" sldId="2147483648"/>
+              <pc:sldLayoutMk cId="1530839369" sldId="2147483663"/>
+              <ac:spMk id="16" creationId="{E12BEA00-652A-5FD2-4E93-86D701A6BDAA}"/>
+            </ac:spMkLst>
+          </pc:spChg>
+          <pc:spChg chg="add mod">
+            <ac:chgData name="Tim Miller" userId="e118c78a-470c-4863-8b52-3aa598a6a1d5" providerId="ADAL" clId="{EB963288-978B-4AAE-86EF-5D848066837B}" dt="2025-03-17T08:58:26.418" v="301" actId="571"/>
+            <ac:spMkLst>
+              <pc:docMk/>
+              <pc:sldMasterMk cId="242470013" sldId="2147483648"/>
+              <pc:sldLayoutMk cId="1530839369" sldId="2147483663"/>
+              <ac:spMk id="17" creationId="{16F0E5A2-324F-FF60-FCB1-69BD9FE20FE0}"/>
+            </ac:spMkLst>
+          </pc:spChg>
+          <pc:spChg chg="add mod">
+            <ac:chgData name="Tim Miller" userId="e118c78a-470c-4863-8b52-3aa598a6a1d5" providerId="ADAL" clId="{EB963288-978B-4AAE-86EF-5D848066837B}" dt="2025-03-17T08:58:26.418" v="301" actId="571"/>
+            <ac:spMkLst>
+              <pc:docMk/>
+              <pc:sldMasterMk cId="242470013" sldId="2147483648"/>
+              <pc:sldLayoutMk cId="1530839369" sldId="2147483663"/>
+              <ac:spMk id="18" creationId="{146ABC30-2686-402A-9452-1D8ABFE510EC}"/>
+            </ac:spMkLst>
+          </pc:spChg>
+          <pc:spChg chg="add mod">
+            <ac:chgData name="Tim Miller" userId="e118c78a-470c-4863-8b52-3aa598a6a1d5" providerId="ADAL" clId="{EB963288-978B-4AAE-86EF-5D848066837B}" dt="2025-03-17T08:58:26.418" v="301" actId="571"/>
+            <ac:spMkLst>
+              <pc:docMk/>
+              <pc:sldMasterMk cId="242470013" sldId="2147483648"/>
+              <pc:sldLayoutMk cId="1530839369" sldId="2147483663"/>
+              <ac:spMk id="19" creationId="{C09BE736-0612-C970-0825-E04259CF9EBF}"/>
+            </ac:spMkLst>
+          </pc:spChg>
+          <pc:spChg chg="add mod">
+            <ac:chgData name="Tim Miller" userId="e118c78a-470c-4863-8b52-3aa598a6a1d5" providerId="ADAL" clId="{EB963288-978B-4AAE-86EF-5D848066837B}" dt="2025-03-17T08:58:26.418" v="301" actId="571"/>
+            <ac:spMkLst>
+              <pc:docMk/>
+              <pc:sldMasterMk cId="242470013" sldId="2147483648"/>
+              <pc:sldLayoutMk cId="1530839369" sldId="2147483663"/>
+              <ac:spMk id="20" creationId="{B81938B8-E47A-1358-EF68-D0567DE31C52}"/>
+            </ac:spMkLst>
+          </pc:spChg>
+          <pc:spChg chg="add mod">
+            <ac:chgData name="Tim Miller" userId="e118c78a-470c-4863-8b52-3aa598a6a1d5" providerId="ADAL" clId="{EB963288-978B-4AAE-86EF-5D848066837B}" dt="2025-03-17T08:58:26.418" v="301" actId="571"/>
+            <ac:spMkLst>
+              <pc:docMk/>
+              <pc:sldMasterMk cId="242470013" sldId="2147483648"/>
+              <pc:sldLayoutMk cId="1530839369" sldId="2147483663"/>
+              <ac:spMk id="24" creationId="{088C4D99-2EBA-BD83-ECC4-081A945C0C0C}"/>
+            </ac:spMkLst>
+          </pc:spChg>
+          <pc:spChg chg="mod">
+            <ac:chgData name="Tim Miller" userId="e118c78a-470c-4863-8b52-3aa598a6a1d5" providerId="ADAL" clId="{EB963288-978B-4AAE-86EF-5D848066837B}" dt="2025-03-17T08:56:51.996" v="193" actId="404"/>
+            <ac:spMkLst>
+              <pc:docMk/>
+              <pc:sldMasterMk cId="242470013" sldId="2147483648"/>
+              <pc:sldLayoutMk cId="1530839369" sldId="2147483663"/>
+              <ac:spMk id="32" creationId="{15A8A341-DC80-CCB6-F721-FC9DB507E38A}"/>
+            </ac:spMkLst>
+          </pc:spChg>
+          <pc:spChg chg="mod">
+            <ac:chgData name="Tim Miller" userId="e118c78a-470c-4863-8b52-3aa598a6a1d5" providerId="ADAL" clId="{EB963288-978B-4AAE-86EF-5D848066837B}" dt="2025-03-17T08:58:06.410" v="286" actId="1035"/>
+            <ac:spMkLst>
+              <pc:docMk/>
+              <pc:sldMasterMk cId="242470013" sldId="2147483648"/>
+              <pc:sldLayoutMk cId="1530839369" sldId="2147483663"/>
+              <ac:spMk id="33" creationId="{F6119FA1-8D55-639A-E7A4-95AB17EA325F}"/>
+            </ac:spMkLst>
+          </pc:spChg>
+          <pc:spChg chg="del">
+            <ac:chgData name="Tim Miller" userId="e118c78a-470c-4863-8b52-3aa598a6a1d5" providerId="ADAL" clId="{EB963288-978B-4AAE-86EF-5D848066837B}" dt="2025-03-17T08:57:02.491" v="195" actId="478"/>
+            <ac:spMkLst>
+              <pc:docMk/>
+              <pc:sldMasterMk cId="242470013" sldId="2147483648"/>
+              <pc:sldLayoutMk cId="1530839369" sldId="2147483663"/>
+              <ac:spMk id="44" creationId="{91BAFA35-C1B5-6235-E5B4-05EB7164A1D6}"/>
+            </ac:spMkLst>
+          </pc:spChg>
+          <pc:spChg chg="mod">
+            <ac:chgData name="Tim Miller" userId="e118c78a-470c-4863-8b52-3aa598a6a1d5" providerId="ADAL" clId="{EB963288-978B-4AAE-86EF-5D848066837B}" dt="2025-03-17T08:58:06.410" v="286" actId="1035"/>
+            <ac:spMkLst>
+              <pc:docMk/>
+              <pc:sldMasterMk cId="242470013" sldId="2147483648"/>
+              <pc:sldLayoutMk cId="1530839369" sldId="2147483663"/>
+              <ac:spMk id="46" creationId="{008406D6-AF90-27CE-1A17-28E1DD3F8E25}"/>
+            </ac:spMkLst>
+          </pc:spChg>
+          <pc:spChg chg="mod">
+            <ac:chgData name="Tim Miller" userId="e118c78a-470c-4863-8b52-3aa598a6a1d5" providerId="ADAL" clId="{EB963288-978B-4AAE-86EF-5D848066837B}" dt="2025-03-17T08:58:02.950" v="282" actId="1035"/>
+            <ac:spMkLst>
+              <pc:docMk/>
+              <pc:sldMasterMk cId="242470013" sldId="2147483648"/>
+              <pc:sldLayoutMk cId="1530839369" sldId="2147483663"/>
+              <ac:spMk id="47" creationId="{C016EE30-D490-B2D9-6944-16F050E251C5}"/>
+            </ac:spMkLst>
+          </pc:spChg>
+          <pc:spChg chg="mod">
+            <ac:chgData name="Tim Miller" userId="e118c78a-470c-4863-8b52-3aa598a6a1d5" providerId="ADAL" clId="{EB963288-978B-4AAE-86EF-5D848066837B}" dt="2025-03-17T08:58:02.950" v="282" actId="1035"/>
+            <ac:spMkLst>
+              <pc:docMk/>
+              <pc:sldMasterMk cId="242470013" sldId="2147483648"/>
+              <pc:sldLayoutMk cId="1530839369" sldId="2147483663"/>
+              <ac:spMk id="48" creationId="{0327CD95-0580-3675-DBAC-ADB876EA4E83}"/>
+            </ac:spMkLst>
+          </pc:spChg>
+          <pc:spChg chg="mod">
+            <ac:chgData name="Tim Miller" userId="e118c78a-470c-4863-8b52-3aa598a6a1d5" providerId="ADAL" clId="{EB963288-978B-4AAE-86EF-5D848066837B}" dt="2025-03-17T08:58:13.488" v="299" actId="1035"/>
+            <ac:spMkLst>
+              <pc:docMk/>
+              <pc:sldMasterMk cId="242470013" sldId="2147483648"/>
+              <pc:sldLayoutMk cId="1530839369" sldId="2147483663"/>
+              <ac:spMk id="53" creationId="{CAFCD238-2B87-4171-315C-4EC7E3D836A0}"/>
+            </ac:spMkLst>
+          </pc:spChg>
+          <pc:spChg chg="mod">
+            <ac:chgData name="Tim Miller" userId="e118c78a-470c-4863-8b52-3aa598a6a1d5" providerId="ADAL" clId="{EB963288-978B-4AAE-86EF-5D848066837B}" dt="2025-03-17T08:57:57.353" v="269" actId="1035"/>
+            <ac:spMkLst>
+              <pc:docMk/>
+              <pc:sldMasterMk cId="242470013" sldId="2147483648"/>
+              <pc:sldLayoutMk cId="1530839369" sldId="2147483663"/>
+              <ac:spMk id="54" creationId="{CB0C0651-87F0-BF01-94D3-888370C7A94E}"/>
+            </ac:spMkLst>
+          </pc:spChg>
+          <pc:spChg chg="mod">
+            <ac:chgData name="Tim Miller" userId="e118c78a-470c-4863-8b52-3aa598a6a1d5" providerId="ADAL" clId="{EB963288-978B-4AAE-86EF-5D848066837B}" dt="2025-03-17T08:57:57.353" v="269" actId="1035"/>
+            <ac:spMkLst>
+              <pc:docMk/>
+              <pc:sldMasterMk cId="242470013" sldId="2147483648"/>
+              <pc:sldLayoutMk cId="1530839369" sldId="2147483663"/>
+              <ac:spMk id="55" creationId="{F24C2EF5-8C06-C6CF-D5D7-288359E9F523}"/>
+            </ac:spMkLst>
+          </pc:spChg>
+          <pc:spChg chg="mod">
+            <ac:chgData name="Tim Miller" userId="e118c78a-470c-4863-8b52-3aa598a6a1d5" providerId="ADAL" clId="{EB963288-978B-4AAE-86EF-5D848066837B}" dt="2025-03-17T08:58:13.488" v="299" actId="1035"/>
+            <ac:spMkLst>
+              <pc:docMk/>
+              <pc:sldMasterMk cId="242470013" sldId="2147483648"/>
+              <pc:sldLayoutMk cId="1530839369" sldId="2147483663"/>
+              <ac:spMk id="63" creationId="{6D42A282-195E-8C03-953A-EA7E55001337}"/>
+            </ac:spMkLst>
+          </pc:spChg>
+          <pc:spChg chg="del">
+            <ac:chgData name="Tim Miller" userId="e118c78a-470c-4863-8b52-3aa598a6a1d5" providerId="ADAL" clId="{EB963288-978B-4AAE-86EF-5D848066837B}" dt="2025-03-17T08:58:17.929" v="300" actId="478"/>
+            <ac:spMkLst>
+              <pc:docMk/>
+              <pc:sldMasterMk cId="242470013" sldId="2147483648"/>
+              <pc:sldLayoutMk cId="1530839369" sldId="2147483663"/>
+              <ac:spMk id="64" creationId="{26C926DC-EB9F-5F62-77C5-1AF2548F018B}"/>
+            </ac:spMkLst>
+          </pc:spChg>
+          <pc:spChg chg="mod">
+            <ac:chgData name="Tim Miller" userId="e118c78a-470c-4863-8b52-3aa598a6a1d5" providerId="ADAL" clId="{EB963288-978B-4AAE-86EF-5D848066837B}" dt="2025-03-17T08:58:13.488" v="299" actId="1035"/>
+            <ac:spMkLst>
+              <pc:docMk/>
+              <pc:sldMasterMk cId="242470013" sldId="2147483648"/>
+              <pc:sldLayoutMk cId="1530839369" sldId="2147483663"/>
+              <ac:spMk id="65" creationId="{D631C171-3DBE-00F2-F32D-A7D25FB0D22C}"/>
+            </ac:spMkLst>
+          </pc:spChg>
+          <pc:spChg chg="mod">
+            <ac:chgData name="Tim Miller" userId="e118c78a-470c-4863-8b52-3aa598a6a1d5" providerId="ADAL" clId="{EB963288-978B-4AAE-86EF-5D848066837B}" dt="2025-03-17T08:57:57.353" v="269" actId="1035"/>
+            <ac:spMkLst>
+              <pc:docMk/>
+              <pc:sldMasterMk cId="242470013" sldId="2147483648"/>
+              <pc:sldLayoutMk cId="1530839369" sldId="2147483663"/>
+              <ac:spMk id="74" creationId="{A56C317D-B980-01A9-3F4A-6DBF119B4594}"/>
+            </ac:spMkLst>
+          </pc:spChg>
+          <pc:spChg chg="del">
+            <ac:chgData name="Tim Miller" userId="e118c78a-470c-4863-8b52-3aa598a6a1d5" providerId="ADAL" clId="{EB963288-978B-4AAE-86EF-5D848066837B}" dt="2025-03-17T08:57:02.491" v="195" actId="478"/>
+            <ac:spMkLst>
+              <pc:docMk/>
+              <pc:sldMasterMk cId="242470013" sldId="2147483648"/>
+              <pc:sldLayoutMk cId="1530839369" sldId="2147483663"/>
+              <ac:spMk id="79" creationId="{ADA2B3DB-D98C-0913-D782-BEC0A0C41343}"/>
+            </ac:spMkLst>
+          </pc:spChg>
+          <pc:spChg chg="del mod">
+            <ac:chgData name="Tim Miller" userId="e118c78a-470c-4863-8b52-3aa598a6a1d5" providerId="ADAL" clId="{EB963288-978B-4AAE-86EF-5D848066837B}" dt="2025-03-17T08:58:17.929" v="300" actId="478"/>
+            <ac:spMkLst>
+              <pc:docMk/>
+              <pc:sldMasterMk cId="242470013" sldId="2147483648"/>
+              <pc:sldLayoutMk cId="1530839369" sldId="2147483663"/>
+              <ac:spMk id="80" creationId="{71B01D59-66B0-314B-9609-505DA1570FCD}"/>
+            </ac:spMkLst>
+          </pc:spChg>
+          <pc:spChg chg="del mod">
+            <ac:chgData name="Tim Miller" userId="e118c78a-470c-4863-8b52-3aa598a6a1d5" providerId="ADAL" clId="{EB963288-978B-4AAE-86EF-5D848066837B}" dt="2025-03-17T08:58:17.929" v="300" actId="478"/>
+            <ac:spMkLst>
+              <pc:docMk/>
+              <pc:sldMasterMk cId="242470013" sldId="2147483648"/>
+              <pc:sldLayoutMk cId="1530839369" sldId="2147483663"/>
+              <ac:spMk id="81" creationId="{5C1EF3E0-2ACE-B1A8-22CC-CE9AEFDF96CB}"/>
+            </ac:spMkLst>
+          </pc:spChg>
+          <pc:spChg chg="del">
+            <ac:chgData name="Tim Miller" userId="e118c78a-470c-4863-8b52-3aa598a6a1d5" providerId="ADAL" clId="{EB963288-978B-4AAE-86EF-5D848066837B}" dt="2025-03-17T08:58:17.929" v="300" actId="478"/>
+            <ac:spMkLst>
+              <pc:docMk/>
+              <pc:sldMasterMk cId="242470013" sldId="2147483648"/>
+              <pc:sldLayoutMk cId="1530839369" sldId="2147483663"/>
+              <ac:spMk id="86" creationId="{C837C8D3-CF34-4117-5AD3-8B58D96136F3}"/>
+            </ac:spMkLst>
+          </pc:spChg>
+          <pc:spChg chg="del">
+            <ac:chgData name="Tim Miller" userId="e118c78a-470c-4863-8b52-3aa598a6a1d5" providerId="ADAL" clId="{EB963288-978B-4AAE-86EF-5D848066837B}" dt="2025-03-17T08:58:17.929" v="300" actId="478"/>
+            <ac:spMkLst>
+              <pc:docMk/>
+              <pc:sldMasterMk cId="242470013" sldId="2147483648"/>
+              <pc:sldLayoutMk cId="1530839369" sldId="2147483663"/>
+              <ac:spMk id="87" creationId="{E487F29F-9034-CE91-BB86-6162816FABC6}"/>
+            </ac:spMkLst>
+          </pc:spChg>
+          <pc:spChg chg="del">
+            <ac:chgData name="Tim Miller" userId="e118c78a-470c-4863-8b52-3aa598a6a1d5" providerId="ADAL" clId="{EB963288-978B-4AAE-86EF-5D848066837B}" dt="2025-03-17T08:58:17.929" v="300" actId="478"/>
+            <ac:spMkLst>
+              <pc:docMk/>
+              <pc:sldMasterMk cId="242470013" sldId="2147483648"/>
+              <pc:sldLayoutMk cId="1530839369" sldId="2147483663"/>
+              <ac:spMk id="88" creationId="{0F53B8EB-D4E2-F409-6E78-3F095ACEB17A}"/>
+            </ac:spMkLst>
+          </pc:spChg>
+          <pc:spChg chg="del">
+            <ac:chgData name="Tim Miller" userId="e118c78a-470c-4863-8b52-3aa598a6a1d5" providerId="ADAL" clId="{EB963288-978B-4AAE-86EF-5D848066837B}" dt="2025-03-17T08:58:17.929" v="300" actId="478"/>
+            <ac:spMkLst>
+              <pc:docMk/>
+              <pc:sldMasterMk cId="242470013" sldId="2147483648"/>
+              <pc:sldLayoutMk cId="1530839369" sldId="2147483663"/>
+              <ac:spMk id="89" creationId="{24D4B4A7-6BDB-FAA4-97BD-A705C7E60DFD}"/>
+            </ac:spMkLst>
+          </pc:spChg>
+          <pc:spChg chg="del">
+            <ac:chgData name="Tim Miller" userId="e118c78a-470c-4863-8b52-3aa598a6a1d5" providerId="ADAL" clId="{EB963288-978B-4AAE-86EF-5D848066837B}" dt="2025-03-17T08:58:17.929" v="300" actId="478"/>
+            <ac:spMkLst>
+              <pc:docMk/>
+              <pc:sldMasterMk cId="242470013" sldId="2147483648"/>
+              <pc:sldLayoutMk cId="1530839369" sldId="2147483663"/>
+              <ac:spMk id="90" creationId="{A2A17468-086D-71CD-23B7-9213C8913906}"/>
+            </ac:spMkLst>
+          </pc:spChg>
+          <pc:spChg chg="del">
+            <ac:chgData name="Tim Miller" userId="e118c78a-470c-4863-8b52-3aa598a6a1d5" providerId="ADAL" clId="{EB963288-978B-4AAE-86EF-5D848066837B}" dt="2025-03-17T08:58:17.929" v="300" actId="478"/>
+            <ac:spMkLst>
+              <pc:docMk/>
+              <pc:sldMasterMk cId="242470013" sldId="2147483648"/>
+              <pc:sldLayoutMk cId="1530839369" sldId="2147483663"/>
+              <ac:spMk id="91" creationId="{8C4005A5-0501-5B7E-27C6-947B3F91BEAC}"/>
+            </ac:spMkLst>
+          </pc:spChg>
+          <pc:picChg chg="mod">
+            <ac:chgData name="Tim Miller" userId="e118c78a-470c-4863-8b52-3aa598a6a1d5" providerId="ADAL" clId="{EB963288-978B-4AAE-86EF-5D848066837B}" dt="2025-03-17T08:57:57.353" v="269" actId="1035"/>
+            <ac:picMkLst>
+              <pc:docMk/>
+              <pc:sldMasterMk cId="242470013" sldId="2147483648"/>
+              <pc:sldLayoutMk cId="1530839369" sldId="2147483663"/>
+              <ac:picMk id="3" creationId="{58D8E3E9-7919-2EF8-BA2C-FB38AE6CCECC}"/>
+            </ac:picMkLst>
+          </pc:picChg>
+          <pc:picChg chg="mod">
+            <ac:chgData name="Tim Miller" userId="e118c78a-470c-4863-8b52-3aa598a6a1d5" providerId="ADAL" clId="{EB963288-978B-4AAE-86EF-5D848066837B}" dt="2025-03-17T08:58:13.488" v="299" actId="1035"/>
+            <ac:picMkLst>
+              <pc:docMk/>
+              <pc:sldMasterMk cId="242470013" sldId="2147483648"/>
+              <pc:sldLayoutMk cId="1530839369" sldId="2147483663"/>
+              <ac:picMk id="5" creationId="{560B6D96-D107-B8B7-8650-6B37E551D8EC}"/>
+            </ac:picMkLst>
+          </pc:picChg>
+          <pc:picChg chg="mod">
+            <ac:chgData name="Tim Miller" userId="e118c78a-470c-4863-8b52-3aa598a6a1d5" providerId="ADAL" clId="{EB963288-978B-4AAE-86EF-5D848066837B}" dt="2025-03-17T08:57:57.353" v="269" actId="1035"/>
+            <ac:picMkLst>
+              <pc:docMk/>
+              <pc:sldMasterMk cId="242470013" sldId="2147483648"/>
+              <pc:sldLayoutMk cId="1530839369" sldId="2147483663"/>
+              <ac:picMk id="50" creationId="{453E8E4B-6345-7008-8B2F-C9911DD60296}"/>
+            </ac:picMkLst>
+          </pc:picChg>
+          <pc:picChg chg="mod">
+            <ac:chgData name="Tim Miller" userId="e118c78a-470c-4863-8b52-3aa598a6a1d5" providerId="ADAL" clId="{EB963288-978B-4AAE-86EF-5D848066837B}" dt="2025-03-17T08:57:57.353" v="269" actId="1035"/>
+            <ac:picMkLst>
+              <pc:docMk/>
+              <pc:sldMasterMk cId="242470013" sldId="2147483648"/>
+              <pc:sldLayoutMk cId="1530839369" sldId="2147483663"/>
+              <ac:picMk id="51" creationId="{186B43B0-C0C7-C7BE-3D48-C85B5803AC72}"/>
+            </ac:picMkLst>
+          </pc:picChg>
+          <pc:picChg chg="mod">
+            <ac:chgData name="Tim Miller" userId="e118c78a-470c-4863-8b52-3aa598a6a1d5" providerId="ADAL" clId="{EB963288-978B-4AAE-86EF-5D848066837B}" dt="2025-03-17T08:58:13.488" v="299" actId="1035"/>
+            <ac:picMkLst>
+              <pc:docMk/>
+              <pc:sldMasterMk cId="242470013" sldId="2147483648"/>
+              <pc:sldLayoutMk cId="1530839369" sldId="2147483663"/>
+              <ac:picMk id="56" creationId="{312F5AB0-1716-92D9-85D4-7EA7EFA5F239}"/>
+            </ac:picMkLst>
+          </pc:picChg>
+          <pc:picChg chg="mod">
+            <ac:chgData name="Tim Miller" userId="e118c78a-470c-4863-8b52-3aa598a6a1d5" providerId="ADAL" clId="{EB963288-978B-4AAE-86EF-5D848066837B}" dt="2025-03-17T08:58:13.488" v="299" actId="1035"/>
+            <ac:picMkLst>
+              <pc:docMk/>
+              <pc:sldMasterMk cId="242470013" sldId="2147483648"/>
+              <pc:sldLayoutMk cId="1530839369" sldId="2147483663"/>
+              <ac:picMk id="57" creationId="{729273B7-0077-D8ED-DB79-E829C00F5EEB}"/>
+            </ac:picMkLst>
+          </pc:picChg>
+          <pc:cxnChg chg="add mod">
+            <ac:chgData name="Tim Miller" userId="e118c78a-470c-4863-8b52-3aa598a6a1d5" providerId="ADAL" clId="{EB963288-978B-4AAE-86EF-5D848066837B}" dt="2025-03-17T08:57:16.970" v="200" actId="571"/>
+            <ac:cxnSpMkLst>
+              <pc:docMk/>
+              <pc:sldMasterMk cId="242470013" sldId="2147483648"/>
+              <pc:sldLayoutMk cId="1530839369" sldId="2147483663"/>
+              <ac:cxnSpMk id="4" creationId="{92DF0E03-5E28-4F8F-C8CE-AE9088D2C39C}"/>
+            </ac:cxnSpMkLst>
+          </pc:cxnChg>
+          <pc:cxnChg chg="mod">
+            <ac:chgData name="Tim Miller" userId="e118c78a-470c-4863-8b52-3aa598a6a1d5" providerId="ADAL" clId="{EB963288-978B-4AAE-86EF-5D848066837B}" dt="2025-03-17T08:57:42.138" v="232" actId="465"/>
+            <ac:cxnSpMkLst>
+              <pc:docMk/>
+              <pc:sldMasterMk cId="242470013" sldId="2147483648"/>
+              <pc:sldLayoutMk cId="1530839369" sldId="2147483663"/>
+              <ac:cxnSpMk id="34" creationId="{8D461930-8F69-C293-9F59-91DC9988A381}"/>
+            </ac:cxnSpMkLst>
+          </pc:cxnChg>
+          <pc:cxnChg chg="mod">
+            <ac:chgData name="Tim Miller" userId="e118c78a-470c-4863-8b52-3aa598a6a1d5" providerId="ADAL" clId="{EB963288-978B-4AAE-86EF-5D848066837B}" dt="2025-03-17T08:57:42.138" v="232" actId="465"/>
+            <ac:cxnSpMkLst>
+              <pc:docMk/>
+              <pc:sldMasterMk cId="242470013" sldId="2147483648"/>
+              <pc:sldLayoutMk cId="1530839369" sldId="2147483663"/>
+              <ac:cxnSpMk id="37" creationId="{5057CBD4-4F6B-B6D7-C2E2-AD2CA9957ADD}"/>
+            </ac:cxnSpMkLst>
+          </pc:cxnChg>
+          <pc:cxnChg chg="mod">
+            <ac:chgData name="Tim Miller" userId="e118c78a-470c-4863-8b52-3aa598a6a1d5" providerId="ADAL" clId="{EB963288-978B-4AAE-86EF-5D848066837B}" dt="2025-03-17T08:57:42.138" v="232" actId="465"/>
+            <ac:cxnSpMkLst>
+              <pc:docMk/>
+              <pc:sldMasterMk cId="242470013" sldId="2147483648"/>
+              <pc:sldLayoutMk cId="1530839369" sldId="2147483663"/>
+              <ac:cxnSpMk id="39" creationId="{D93246AA-AC92-D8CE-F4AA-EDD530198D0D}"/>
+            </ac:cxnSpMkLst>
+          </pc:cxnChg>
+          <pc:cxnChg chg="mod">
+            <ac:chgData name="Tim Miller" userId="e118c78a-470c-4863-8b52-3aa598a6a1d5" providerId="ADAL" clId="{EB963288-978B-4AAE-86EF-5D848066837B}" dt="2025-03-17T08:57:10.516" v="198" actId="1076"/>
+            <ac:cxnSpMkLst>
+              <pc:docMk/>
+              <pc:sldMasterMk cId="242470013" sldId="2147483648"/>
+              <pc:sldLayoutMk cId="1530839369" sldId="2147483663"/>
+              <ac:cxnSpMk id="42" creationId="{5A246D73-F4AC-3679-EA40-83C8D9134B8A}"/>
+            </ac:cxnSpMkLst>
+          </pc:cxnChg>
+          <pc:cxnChg chg="mod">
+            <ac:chgData name="Tim Miller" userId="e118c78a-470c-4863-8b52-3aa598a6a1d5" providerId="ADAL" clId="{EB963288-978B-4AAE-86EF-5D848066837B}" dt="2025-03-17T08:57:21.189" v="201" actId="1076"/>
+            <ac:cxnSpMkLst>
+              <pc:docMk/>
+              <pc:sldMasterMk cId="242470013" sldId="2147483648"/>
+              <pc:sldLayoutMk cId="1530839369" sldId="2147483663"/>
+              <ac:cxnSpMk id="78" creationId="{3AEFF02B-5B34-D967-8612-8FFAFF6424E7}"/>
+            </ac:cxnSpMkLst>
+          </pc:cxnChg>
+        </pc:sldLayoutChg>
+      </pc:sldMasterChg>
+    </pc:docChg>
+  </pc:docChgLst>
+  <pc:docChgLst>
     <pc:chgData name="Tim Miller" userId="e118c78a-470c-4863-8b52-3aa598a6a1d5" providerId="ADAL" clId="{B7A1A415-45CC-43A3-9572-8AF1F4957026}"/>
     <pc:docChg chg="undo custSel addSld modSld addMainMaster delMainMaster modMainMaster replTag">
       <pc:chgData name="Tim Miller" userId="e118c78a-470c-4863-8b52-3aa598a6a1d5" providerId="ADAL" clId="{B7A1A415-45CC-43A3-9572-8AF1F4957026}" dt="2024-05-29T06:15:29.203" v="800" actId="20577"/>
@@ -206,38 +1245,6 @@
           <pc:docMk/>
           <pc:sldMk cId="2411347567" sldId="256"/>
         </pc:sldMkLst>
-        <pc:spChg chg="add del mod ord">
-          <ac:chgData name="Tim Miller" userId="e118c78a-470c-4863-8b52-3aa598a6a1d5" providerId="ADAL" clId="{B7A1A415-45CC-43A3-9572-8AF1F4957026}" dt="2024-05-22T04:52:29.241" v="51" actId="700"/>
-          <ac:spMkLst>
-            <pc:docMk/>
-            <pc:sldMk cId="2411347567" sldId="256"/>
-            <ac:spMk id="2" creationId="{AF8FEE87-E256-0465-D235-0369E283EB41}"/>
-          </ac:spMkLst>
-        </pc:spChg>
-        <pc:spChg chg="add del mod ord">
-          <ac:chgData name="Tim Miller" userId="e118c78a-470c-4863-8b52-3aa598a6a1d5" providerId="ADAL" clId="{B7A1A415-45CC-43A3-9572-8AF1F4957026}" dt="2024-05-22T04:52:29.241" v="51" actId="700"/>
-          <ac:spMkLst>
-            <pc:docMk/>
-            <pc:sldMk cId="2411347567" sldId="256"/>
-            <ac:spMk id="3" creationId="{DB90DE25-4617-B0F6-393D-9F29CE5E80A9}"/>
-          </ac:spMkLst>
-        </pc:spChg>
-        <pc:spChg chg="add mod ord">
-          <ac:chgData name="Tim Miller" userId="e118c78a-470c-4863-8b52-3aa598a6a1d5" providerId="ADAL" clId="{B7A1A415-45CC-43A3-9572-8AF1F4957026}" dt="2024-05-22T04:53:43.163" v="311" actId="404"/>
-          <ac:spMkLst>
-            <pc:docMk/>
-            <pc:sldMk cId="2411347567" sldId="256"/>
-            <ac:spMk id="4" creationId="{F1AB1D88-F58E-775F-B0B6-E5741B6C6512}"/>
-          </ac:spMkLst>
-        </pc:spChg>
-        <pc:spChg chg="add mod ord">
-          <ac:chgData name="Tim Miller" userId="e118c78a-470c-4863-8b52-3aa598a6a1d5" providerId="ADAL" clId="{B7A1A415-45CC-43A3-9572-8AF1F4957026}" dt="2024-05-22T04:55:33.606" v="780" actId="27636"/>
-          <ac:spMkLst>
-            <pc:docMk/>
-            <pc:sldMk cId="2411347567" sldId="256"/>
-            <ac:spMk id="5" creationId="{CA7CFFAA-6A0A-F62A-3B1D-258F62A863EE}"/>
-          </ac:spMkLst>
-        </pc:spChg>
       </pc:sldChg>
       <pc:sldChg chg="delSp new mod modClrScheme chgLayout">
         <pc:chgData name="Tim Miller" userId="e118c78a-470c-4863-8b52-3aa598a6a1d5" providerId="ADAL" clId="{B7A1A415-45CC-43A3-9572-8AF1F4957026}" dt="2024-05-22T04:59:01.577" v="792" actId="700"/>
@@ -245,22 +1252,6 @@
           <pc:docMk/>
           <pc:sldMk cId="3020528477" sldId="257"/>
         </pc:sldMkLst>
-        <pc:spChg chg="del">
-          <ac:chgData name="Tim Miller" userId="e118c78a-470c-4863-8b52-3aa598a6a1d5" providerId="ADAL" clId="{B7A1A415-45CC-43A3-9572-8AF1F4957026}" dt="2024-05-22T04:59:01.577" v="792" actId="700"/>
-          <ac:spMkLst>
-            <pc:docMk/>
-            <pc:sldMk cId="3020528477" sldId="257"/>
-            <ac:spMk id="2" creationId="{36321C4C-5F42-3540-62D1-64AEE06B4D60}"/>
-          </ac:spMkLst>
-        </pc:spChg>
-        <pc:spChg chg="del">
-          <ac:chgData name="Tim Miller" userId="e118c78a-470c-4863-8b52-3aa598a6a1d5" providerId="ADAL" clId="{B7A1A415-45CC-43A3-9572-8AF1F4957026}" dt="2024-05-22T04:59:01.577" v="792" actId="700"/>
-          <ac:spMkLst>
-            <pc:docMk/>
-            <pc:sldMk cId="3020528477" sldId="257"/>
-            <ac:spMk id="3" creationId="{AF264431-29C0-0BD8-F18B-B318326DAEF3}"/>
-          </ac:spMkLst>
-        </pc:spChg>
       </pc:sldChg>
       <pc:sldChg chg="delSp new mod modClrScheme chgLayout">
         <pc:chgData name="Tim Miller" userId="e118c78a-470c-4863-8b52-3aa598a6a1d5" providerId="ADAL" clId="{B7A1A415-45CC-43A3-9572-8AF1F4957026}" dt="2024-05-22T04:59:06.728" v="793" actId="700"/>
@@ -268,22 +1259,6 @@
           <pc:docMk/>
           <pc:sldMk cId="3631761224" sldId="258"/>
         </pc:sldMkLst>
-        <pc:spChg chg="del">
-          <ac:chgData name="Tim Miller" userId="e118c78a-470c-4863-8b52-3aa598a6a1d5" providerId="ADAL" clId="{B7A1A415-45CC-43A3-9572-8AF1F4957026}" dt="2024-05-22T04:59:06.728" v="793" actId="700"/>
-          <ac:spMkLst>
-            <pc:docMk/>
-            <pc:sldMk cId="3631761224" sldId="258"/>
-            <ac:spMk id="2" creationId="{59C12D74-8442-DBAB-BFED-4448A74C29CB}"/>
-          </ac:spMkLst>
-        </pc:spChg>
-        <pc:spChg chg="del">
-          <ac:chgData name="Tim Miller" userId="e118c78a-470c-4863-8b52-3aa598a6a1d5" providerId="ADAL" clId="{B7A1A415-45CC-43A3-9572-8AF1F4957026}" dt="2024-05-22T04:59:06.728" v="793" actId="700"/>
-          <ac:spMkLst>
-            <pc:docMk/>
-            <pc:sldMk cId="3631761224" sldId="258"/>
-            <ac:spMk id="3" creationId="{6382327C-07CB-F473-2F21-C999402D808C}"/>
-          </ac:spMkLst>
-        </pc:spChg>
       </pc:sldChg>
       <pc:sldChg chg="delSp new mod modClrScheme chgLayout">
         <pc:chgData name="Tim Miller" userId="e118c78a-470c-4863-8b52-3aa598a6a1d5" providerId="ADAL" clId="{B7A1A415-45CC-43A3-9572-8AF1F4957026}" dt="2024-05-22T04:59:11.584" v="794" actId="700"/>
@@ -291,22 +1266,6 @@
           <pc:docMk/>
           <pc:sldMk cId="2766913295" sldId="259"/>
         </pc:sldMkLst>
-        <pc:spChg chg="del">
-          <ac:chgData name="Tim Miller" userId="e118c78a-470c-4863-8b52-3aa598a6a1d5" providerId="ADAL" clId="{B7A1A415-45CC-43A3-9572-8AF1F4957026}" dt="2024-05-22T04:59:11.584" v="794" actId="700"/>
-          <ac:spMkLst>
-            <pc:docMk/>
-            <pc:sldMk cId="2766913295" sldId="259"/>
-            <ac:spMk id="2" creationId="{9840A0A1-A9FD-66C0-F7A3-DDC7DC266E6A}"/>
-          </ac:spMkLst>
-        </pc:spChg>
-        <pc:spChg chg="del">
-          <ac:chgData name="Tim Miller" userId="e118c78a-470c-4863-8b52-3aa598a6a1d5" providerId="ADAL" clId="{B7A1A415-45CC-43A3-9572-8AF1F4957026}" dt="2024-05-22T04:59:11.584" v="794" actId="700"/>
-          <ac:spMkLst>
-            <pc:docMk/>
-            <pc:sldMk cId="2766913295" sldId="259"/>
-            <ac:spMk id="3" creationId="{DEFE79A1-1176-BAD9-FAF3-E4780594921E}"/>
-          </ac:spMkLst>
-        </pc:spChg>
       </pc:sldChg>
       <pc:sldChg chg="delSp new mod modClrScheme chgLayout">
         <pc:chgData name="Tim Miller" userId="e118c78a-470c-4863-8b52-3aa598a6a1d5" providerId="ADAL" clId="{B7A1A415-45CC-43A3-9572-8AF1F4957026}" dt="2024-05-22T04:59:15.966" v="795" actId="700"/>
@@ -314,22 +1273,6 @@
           <pc:docMk/>
           <pc:sldMk cId="3725109262" sldId="260"/>
         </pc:sldMkLst>
-        <pc:spChg chg="del">
-          <ac:chgData name="Tim Miller" userId="e118c78a-470c-4863-8b52-3aa598a6a1d5" providerId="ADAL" clId="{B7A1A415-45CC-43A3-9572-8AF1F4957026}" dt="2024-05-22T04:59:15.966" v="795" actId="700"/>
-          <ac:spMkLst>
-            <pc:docMk/>
-            <pc:sldMk cId="3725109262" sldId="260"/>
-            <ac:spMk id="2" creationId="{E09AB855-E1DD-F714-A67F-740C131BEC02}"/>
-          </ac:spMkLst>
-        </pc:spChg>
-        <pc:spChg chg="del">
-          <ac:chgData name="Tim Miller" userId="e118c78a-470c-4863-8b52-3aa598a6a1d5" providerId="ADAL" clId="{B7A1A415-45CC-43A3-9572-8AF1F4957026}" dt="2024-05-22T04:59:15.966" v="795" actId="700"/>
-          <ac:spMkLst>
-            <pc:docMk/>
-            <pc:sldMk cId="3725109262" sldId="260"/>
-            <ac:spMk id="3" creationId="{B6E5A4EC-C80B-787A-695C-24ED666E4250}"/>
-          </ac:spMkLst>
-        </pc:spChg>
       </pc:sldChg>
       <pc:sldMasterChg chg="addSldLayout delSldLayout modSldLayout sldLayoutOrd">
         <pc:chgData name="Tim Miller" userId="e118c78a-470c-4863-8b52-3aa598a6a1d5" providerId="ADAL" clId="{B7A1A415-45CC-43A3-9572-8AF1F4957026}" dt="2024-05-29T06:15:29.203" v="800" actId="20577"/>
@@ -344,15 +1287,6 @@
             <pc:sldMasterMk cId="242470013" sldId="2147483648"/>
             <pc:sldLayoutMk cId="3503629337" sldId="2147483661"/>
           </pc:sldLayoutMkLst>
-          <pc:spChg chg="mod">
-            <ac:chgData name="Tim Miller" userId="e118c78a-470c-4863-8b52-3aa598a6a1d5" providerId="ADAL" clId="{B7A1A415-45CC-43A3-9572-8AF1F4957026}" dt="2024-05-29T06:15:29.203" v="800" actId="20577"/>
-            <ac:spMkLst>
-              <pc:docMk/>
-              <pc:sldMasterMk cId="242470013" sldId="2147483648"/>
-              <pc:sldLayoutMk cId="3503629337" sldId="2147483661"/>
-              <ac:spMk id="44" creationId="{91BAFA35-C1B5-6235-E5B4-05EB7164A1D6}"/>
-            </ac:spMkLst>
-          </pc:spChg>
         </pc:sldLayoutChg>
         <pc:sldLayoutChg chg="modSp mod">
           <pc:chgData name="Tim Miller" userId="e118c78a-470c-4863-8b52-3aa598a6a1d5" providerId="ADAL" clId="{B7A1A415-45CC-43A3-9572-8AF1F4957026}" dt="2024-05-22T04:57:05.893" v="789" actId="552"/>
@@ -361,177 +1295,6 @@
             <pc:sldMasterMk cId="242470013" sldId="2147483648"/>
             <pc:sldLayoutMk cId="1461711982" sldId="2147483662"/>
           </pc:sldLayoutMkLst>
-          <pc:spChg chg="mod">
-            <ac:chgData name="Tim Miller" userId="e118c78a-470c-4863-8b52-3aa598a6a1d5" providerId="ADAL" clId="{B7A1A415-45CC-43A3-9572-8AF1F4957026}" dt="2024-05-22T04:56:57.661" v="788" actId="552"/>
-            <ac:spMkLst>
-              <pc:docMk/>
-              <pc:sldMasterMk cId="242470013" sldId="2147483648"/>
-              <pc:sldLayoutMk cId="1461711982" sldId="2147483662"/>
-              <ac:spMk id="32" creationId="{15A8A341-DC80-CCB6-F721-FC9DB507E38A}"/>
-            </ac:spMkLst>
-          </pc:spChg>
-          <pc:spChg chg="mod">
-            <ac:chgData name="Tim Miller" userId="e118c78a-470c-4863-8b52-3aa598a6a1d5" providerId="ADAL" clId="{B7A1A415-45CC-43A3-9572-8AF1F4957026}" dt="2024-05-22T04:56:57.661" v="788" actId="552"/>
-            <ac:spMkLst>
-              <pc:docMk/>
-              <pc:sldMasterMk cId="242470013" sldId="2147483648"/>
-              <pc:sldLayoutMk cId="1461711982" sldId="2147483662"/>
-              <ac:spMk id="33" creationId="{F6119FA1-8D55-639A-E7A4-95AB17EA325F}"/>
-            </ac:spMkLst>
-          </pc:spChg>
-          <pc:spChg chg="mod">
-            <ac:chgData name="Tim Miller" userId="e118c78a-470c-4863-8b52-3aa598a6a1d5" providerId="ADAL" clId="{B7A1A415-45CC-43A3-9572-8AF1F4957026}" dt="2024-05-22T04:56:57.661" v="788" actId="552"/>
-            <ac:spMkLst>
-              <pc:docMk/>
-              <pc:sldMasterMk cId="242470013" sldId="2147483648"/>
-              <pc:sldLayoutMk cId="1461711982" sldId="2147483662"/>
-              <ac:spMk id="44" creationId="{91BAFA35-C1B5-6235-E5B4-05EB7164A1D6}"/>
-            </ac:spMkLst>
-          </pc:spChg>
-          <pc:spChg chg="mod">
-            <ac:chgData name="Tim Miller" userId="e118c78a-470c-4863-8b52-3aa598a6a1d5" providerId="ADAL" clId="{B7A1A415-45CC-43A3-9572-8AF1F4957026}" dt="2024-05-22T04:56:57.661" v="788" actId="552"/>
-            <ac:spMkLst>
-              <pc:docMk/>
-              <pc:sldMasterMk cId="242470013" sldId="2147483648"/>
-              <pc:sldLayoutMk cId="1461711982" sldId="2147483662"/>
-              <ac:spMk id="46" creationId="{008406D6-AF90-27CE-1A17-28E1DD3F8E25}"/>
-            </ac:spMkLst>
-          </pc:spChg>
-          <pc:spChg chg="mod">
-            <ac:chgData name="Tim Miller" userId="e118c78a-470c-4863-8b52-3aa598a6a1d5" providerId="ADAL" clId="{B7A1A415-45CC-43A3-9572-8AF1F4957026}" dt="2024-05-22T04:56:57.661" v="788" actId="552"/>
-            <ac:spMkLst>
-              <pc:docMk/>
-              <pc:sldMasterMk cId="242470013" sldId="2147483648"/>
-              <pc:sldLayoutMk cId="1461711982" sldId="2147483662"/>
-              <ac:spMk id="47" creationId="{C016EE30-D490-B2D9-6944-16F050E251C5}"/>
-            </ac:spMkLst>
-          </pc:spChg>
-          <pc:spChg chg="mod">
-            <ac:chgData name="Tim Miller" userId="e118c78a-470c-4863-8b52-3aa598a6a1d5" providerId="ADAL" clId="{B7A1A415-45CC-43A3-9572-8AF1F4957026}" dt="2024-05-22T04:56:57.661" v="788" actId="552"/>
-            <ac:spMkLst>
-              <pc:docMk/>
-              <pc:sldMasterMk cId="242470013" sldId="2147483648"/>
-              <pc:sldLayoutMk cId="1461711982" sldId="2147483662"/>
-              <ac:spMk id="48" creationId="{0327CD95-0580-3675-DBAC-ADB876EA4E83}"/>
-            </ac:spMkLst>
-          </pc:spChg>
-          <pc:spChg chg="mod">
-            <ac:chgData name="Tim Miller" userId="e118c78a-470c-4863-8b52-3aa598a6a1d5" providerId="ADAL" clId="{B7A1A415-45CC-43A3-9572-8AF1F4957026}" dt="2024-05-22T04:56:57.661" v="788" actId="552"/>
-            <ac:spMkLst>
-              <pc:docMk/>
-              <pc:sldMasterMk cId="242470013" sldId="2147483648"/>
-              <pc:sldLayoutMk cId="1461711982" sldId="2147483662"/>
-              <ac:spMk id="54" creationId="{CB0C0651-87F0-BF01-94D3-888370C7A94E}"/>
-            </ac:spMkLst>
-          </pc:spChg>
-          <pc:spChg chg="mod">
-            <ac:chgData name="Tim Miller" userId="e118c78a-470c-4863-8b52-3aa598a6a1d5" providerId="ADAL" clId="{B7A1A415-45CC-43A3-9572-8AF1F4957026}" dt="2024-05-22T04:56:57.661" v="788" actId="552"/>
-            <ac:spMkLst>
-              <pc:docMk/>
-              <pc:sldMasterMk cId="242470013" sldId="2147483648"/>
-              <pc:sldLayoutMk cId="1461711982" sldId="2147483662"/>
-              <ac:spMk id="55" creationId="{F24C2EF5-8C06-C6CF-D5D7-288359E9F523}"/>
-            </ac:spMkLst>
-          </pc:spChg>
-          <pc:spChg chg="mod">
-            <ac:chgData name="Tim Miller" userId="e118c78a-470c-4863-8b52-3aa598a6a1d5" providerId="ADAL" clId="{B7A1A415-45CC-43A3-9572-8AF1F4957026}" dt="2024-05-22T04:56:57.661" v="788" actId="552"/>
-            <ac:spMkLst>
-              <pc:docMk/>
-              <pc:sldMasterMk cId="242470013" sldId="2147483648"/>
-              <pc:sldLayoutMk cId="1461711982" sldId="2147483662"/>
-              <ac:spMk id="63" creationId="{6D42A282-195E-8C03-953A-EA7E55001337}"/>
-            </ac:spMkLst>
-          </pc:spChg>
-          <pc:spChg chg="mod">
-            <ac:chgData name="Tim Miller" userId="e118c78a-470c-4863-8b52-3aa598a6a1d5" providerId="ADAL" clId="{B7A1A415-45CC-43A3-9572-8AF1F4957026}" dt="2024-05-22T04:56:57.661" v="788" actId="552"/>
-            <ac:spMkLst>
-              <pc:docMk/>
-              <pc:sldMasterMk cId="242470013" sldId="2147483648"/>
-              <pc:sldLayoutMk cId="1461711982" sldId="2147483662"/>
-              <ac:spMk id="65" creationId="{D631C171-3DBE-00F2-F32D-A7D25FB0D22C}"/>
-            </ac:spMkLst>
-          </pc:spChg>
-          <pc:spChg chg="mod">
-            <ac:chgData name="Tim Miller" userId="e118c78a-470c-4863-8b52-3aa598a6a1d5" providerId="ADAL" clId="{B7A1A415-45CC-43A3-9572-8AF1F4957026}" dt="2024-05-22T04:57:05.893" v="789" actId="552"/>
-            <ac:spMkLst>
-              <pc:docMk/>
-              <pc:sldMasterMk cId="242470013" sldId="2147483648"/>
-              <pc:sldLayoutMk cId="1461711982" sldId="2147483662"/>
-              <ac:spMk id="79" creationId="{ADA2B3DB-D98C-0913-D782-BEC0A0C41343}"/>
-            </ac:spMkLst>
-          </pc:spChg>
-          <pc:spChg chg="mod">
-            <ac:chgData name="Tim Miller" userId="e118c78a-470c-4863-8b52-3aa598a6a1d5" providerId="ADAL" clId="{B7A1A415-45CC-43A3-9572-8AF1F4957026}" dt="2024-05-22T04:57:05.893" v="789" actId="552"/>
-            <ac:spMkLst>
-              <pc:docMk/>
-              <pc:sldMasterMk cId="242470013" sldId="2147483648"/>
-              <pc:sldLayoutMk cId="1461711982" sldId="2147483662"/>
-              <ac:spMk id="80" creationId="{71B01D59-66B0-314B-9609-505DA1570FCD}"/>
-            </ac:spMkLst>
-          </pc:spChg>
-          <pc:spChg chg="mod">
-            <ac:chgData name="Tim Miller" userId="e118c78a-470c-4863-8b52-3aa598a6a1d5" providerId="ADAL" clId="{B7A1A415-45CC-43A3-9572-8AF1F4957026}" dt="2024-05-22T04:57:05.893" v="789" actId="552"/>
-            <ac:spMkLst>
-              <pc:docMk/>
-              <pc:sldMasterMk cId="242470013" sldId="2147483648"/>
-              <pc:sldLayoutMk cId="1461711982" sldId="2147483662"/>
-              <ac:spMk id="81" creationId="{5C1EF3E0-2ACE-B1A8-22CC-CE9AEFDF96CB}"/>
-            </ac:spMkLst>
-          </pc:spChg>
-          <pc:spChg chg="mod">
-            <ac:chgData name="Tim Miller" userId="e118c78a-470c-4863-8b52-3aa598a6a1d5" providerId="ADAL" clId="{B7A1A415-45CC-43A3-9572-8AF1F4957026}" dt="2024-05-22T04:57:05.893" v="789" actId="552"/>
-            <ac:spMkLst>
-              <pc:docMk/>
-              <pc:sldMasterMk cId="242470013" sldId="2147483648"/>
-              <pc:sldLayoutMk cId="1461711982" sldId="2147483662"/>
-              <ac:spMk id="86" creationId="{C837C8D3-CF34-4117-5AD3-8B58D96136F3}"/>
-            </ac:spMkLst>
-          </pc:spChg>
-          <pc:spChg chg="mod">
-            <ac:chgData name="Tim Miller" userId="e118c78a-470c-4863-8b52-3aa598a6a1d5" providerId="ADAL" clId="{B7A1A415-45CC-43A3-9572-8AF1F4957026}" dt="2024-05-22T04:57:05.893" v="789" actId="552"/>
-            <ac:spMkLst>
-              <pc:docMk/>
-              <pc:sldMasterMk cId="242470013" sldId="2147483648"/>
-              <pc:sldLayoutMk cId="1461711982" sldId="2147483662"/>
-              <ac:spMk id="87" creationId="{E487F29F-9034-CE91-BB86-6162816FABC6}"/>
-            </ac:spMkLst>
-          </pc:spChg>
-          <pc:spChg chg="mod">
-            <ac:chgData name="Tim Miller" userId="e118c78a-470c-4863-8b52-3aa598a6a1d5" providerId="ADAL" clId="{B7A1A415-45CC-43A3-9572-8AF1F4957026}" dt="2024-05-22T04:57:05.893" v="789" actId="552"/>
-            <ac:spMkLst>
-              <pc:docMk/>
-              <pc:sldMasterMk cId="242470013" sldId="2147483648"/>
-              <pc:sldLayoutMk cId="1461711982" sldId="2147483662"/>
-              <ac:spMk id="88" creationId="{0F53B8EB-D4E2-F409-6E78-3F095ACEB17A}"/>
-            </ac:spMkLst>
-          </pc:spChg>
-          <pc:spChg chg="mod">
-            <ac:chgData name="Tim Miller" userId="e118c78a-470c-4863-8b52-3aa598a6a1d5" providerId="ADAL" clId="{B7A1A415-45CC-43A3-9572-8AF1F4957026}" dt="2024-05-22T04:57:05.893" v="789" actId="552"/>
-            <ac:spMkLst>
-              <pc:docMk/>
-              <pc:sldMasterMk cId="242470013" sldId="2147483648"/>
-              <pc:sldLayoutMk cId="1461711982" sldId="2147483662"/>
-              <ac:spMk id="89" creationId="{24D4B4A7-6BDB-FAA4-97BD-A705C7E60DFD}"/>
-            </ac:spMkLst>
-          </pc:spChg>
-          <pc:spChg chg="mod">
-            <ac:chgData name="Tim Miller" userId="e118c78a-470c-4863-8b52-3aa598a6a1d5" providerId="ADAL" clId="{B7A1A415-45CC-43A3-9572-8AF1F4957026}" dt="2024-05-22T04:57:05.893" v="789" actId="552"/>
-            <ac:spMkLst>
-              <pc:docMk/>
-              <pc:sldMasterMk cId="242470013" sldId="2147483648"/>
-              <pc:sldLayoutMk cId="1461711982" sldId="2147483662"/>
-              <ac:spMk id="90" creationId="{A2A17468-086D-71CD-23B7-9213C8913906}"/>
-            </ac:spMkLst>
-          </pc:spChg>
-          <pc:spChg chg="mod">
-            <ac:chgData name="Tim Miller" userId="e118c78a-470c-4863-8b52-3aa598a6a1d5" providerId="ADAL" clId="{B7A1A415-45CC-43A3-9572-8AF1F4957026}" dt="2024-05-22T04:57:05.893" v="789" actId="552"/>
-            <ac:spMkLst>
-              <pc:docMk/>
-              <pc:sldMasterMk cId="242470013" sldId="2147483648"/>
-              <pc:sldLayoutMk cId="1461711982" sldId="2147483662"/>
-              <ac:spMk id="91" creationId="{8C4005A5-0501-5B7E-27C6-947B3F91BEAC}"/>
-            </ac:spMkLst>
-          </pc:spChg>
         </pc:sldLayoutChg>
         <pc:sldLayoutChg chg="modSp mod">
           <pc:chgData name="Tim Miller" userId="e118c78a-470c-4863-8b52-3aa598a6a1d5" providerId="ADAL" clId="{B7A1A415-45CC-43A3-9572-8AF1F4957026}" dt="2024-05-22T04:57:21.427" v="791" actId="552"/>
@@ -540,177 +1303,6 @@
             <pc:sldMasterMk cId="242470013" sldId="2147483648"/>
             <pc:sldLayoutMk cId="1530839369" sldId="2147483663"/>
           </pc:sldLayoutMkLst>
-          <pc:spChg chg="mod">
-            <ac:chgData name="Tim Miller" userId="e118c78a-470c-4863-8b52-3aa598a6a1d5" providerId="ADAL" clId="{B7A1A415-45CC-43A3-9572-8AF1F4957026}" dt="2024-05-22T04:57:17.744" v="790" actId="552"/>
-            <ac:spMkLst>
-              <pc:docMk/>
-              <pc:sldMasterMk cId="242470013" sldId="2147483648"/>
-              <pc:sldLayoutMk cId="1530839369" sldId="2147483663"/>
-              <ac:spMk id="32" creationId="{15A8A341-DC80-CCB6-F721-FC9DB507E38A}"/>
-            </ac:spMkLst>
-          </pc:spChg>
-          <pc:spChg chg="mod">
-            <ac:chgData name="Tim Miller" userId="e118c78a-470c-4863-8b52-3aa598a6a1d5" providerId="ADAL" clId="{B7A1A415-45CC-43A3-9572-8AF1F4957026}" dt="2024-05-22T04:57:17.744" v="790" actId="552"/>
-            <ac:spMkLst>
-              <pc:docMk/>
-              <pc:sldMasterMk cId="242470013" sldId="2147483648"/>
-              <pc:sldLayoutMk cId="1530839369" sldId="2147483663"/>
-              <ac:spMk id="33" creationId="{F6119FA1-8D55-639A-E7A4-95AB17EA325F}"/>
-            </ac:spMkLst>
-          </pc:spChg>
-          <pc:spChg chg="mod">
-            <ac:chgData name="Tim Miller" userId="e118c78a-470c-4863-8b52-3aa598a6a1d5" providerId="ADAL" clId="{B7A1A415-45CC-43A3-9572-8AF1F4957026}" dt="2024-05-22T04:57:17.744" v="790" actId="552"/>
-            <ac:spMkLst>
-              <pc:docMk/>
-              <pc:sldMasterMk cId="242470013" sldId="2147483648"/>
-              <pc:sldLayoutMk cId="1530839369" sldId="2147483663"/>
-              <ac:spMk id="44" creationId="{91BAFA35-C1B5-6235-E5B4-05EB7164A1D6}"/>
-            </ac:spMkLst>
-          </pc:spChg>
-          <pc:spChg chg="mod">
-            <ac:chgData name="Tim Miller" userId="e118c78a-470c-4863-8b52-3aa598a6a1d5" providerId="ADAL" clId="{B7A1A415-45CC-43A3-9572-8AF1F4957026}" dt="2024-05-22T04:57:17.744" v="790" actId="552"/>
-            <ac:spMkLst>
-              <pc:docMk/>
-              <pc:sldMasterMk cId="242470013" sldId="2147483648"/>
-              <pc:sldLayoutMk cId="1530839369" sldId="2147483663"/>
-              <ac:spMk id="46" creationId="{008406D6-AF90-27CE-1A17-28E1DD3F8E25}"/>
-            </ac:spMkLst>
-          </pc:spChg>
-          <pc:spChg chg="mod">
-            <ac:chgData name="Tim Miller" userId="e118c78a-470c-4863-8b52-3aa598a6a1d5" providerId="ADAL" clId="{B7A1A415-45CC-43A3-9572-8AF1F4957026}" dt="2024-05-22T04:57:17.744" v="790" actId="552"/>
-            <ac:spMkLst>
-              <pc:docMk/>
-              <pc:sldMasterMk cId="242470013" sldId="2147483648"/>
-              <pc:sldLayoutMk cId="1530839369" sldId="2147483663"/>
-              <ac:spMk id="47" creationId="{C016EE30-D490-B2D9-6944-16F050E251C5}"/>
-            </ac:spMkLst>
-          </pc:spChg>
-          <pc:spChg chg="mod">
-            <ac:chgData name="Tim Miller" userId="e118c78a-470c-4863-8b52-3aa598a6a1d5" providerId="ADAL" clId="{B7A1A415-45CC-43A3-9572-8AF1F4957026}" dt="2024-05-22T04:57:17.744" v="790" actId="552"/>
-            <ac:spMkLst>
-              <pc:docMk/>
-              <pc:sldMasterMk cId="242470013" sldId="2147483648"/>
-              <pc:sldLayoutMk cId="1530839369" sldId="2147483663"/>
-              <ac:spMk id="48" creationId="{0327CD95-0580-3675-DBAC-ADB876EA4E83}"/>
-            </ac:spMkLst>
-          </pc:spChg>
-          <pc:spChg chg="mod">
-            <ac:chgData name="Tim Miller" userId="e118c78a-470c-4863-8b52-3aa598a6a1d5" providerId="ADAL" clId="{B7A1A415-45CC-43A3-9572-8AF1F4957026}" dt="2024-05-22T04:57:17.744" v="790" actId="552"/>
-            <ac:spMkLst>
-              <pc:docMk/>
-              <pc:sldMasterMk cId="242470013" sldId="2147483648"/>
-              <pc:sldLayoutMk cId="1530839369" sldId="2147483663"/>
-              <ac:spMk id="54" creationId="{CB0C0651-87F0-BF01-94D3-888370C7A94E}"/>
-            </ac:spMkLst>
-          </pc:spChg>
-          <pc:spChg chg="mod">
-            <ac:chgData name="Tim Miller" userId="e118c78a-470c-4863-8b52-3aa598a6a1d5" providerId="ADAL" clId="{B7A1A415-45CC-43A3-9572-8AF1F4957026}" dt="2024-05-22T04:57:17.744" v="790" actId="552"/>
-            <ac:spMkLst>
-              <pc:docMk/>
-              <pc:sldMasterMk cId="242470013" sldId="2147483648"/>
-              <pc:sldLayoutMk cId="1530839369" sldId="2147483663"/>
-              <ac:spMk id="55" creationId="{F24C2EF5-8C06-C6CF-D5D7-288359E9F523}"/>
-            </ac:spMkLst>
-          </pc:spChg>
-          <pc:spChg chg="mod">
-            <ac:chgData name="Tim Miller" userId="e118c78a-470c-4863-8b52-3aa598a6a1d5" providerId="ADAL" clId="{B7A1A415-45CC-43A3-9572-8AF1F4957026}" dt="2024-05-22T04:57:17.744" v="790" actId="552"/>
-            <ac:spMkLst>
-              <pc:docMk/>
-              <pc:sldMasterMk cId="242470013" sldId="2147483648"/>
-              <pc:sldLayoutMk cId="1530839369" sldId="2147483663"/>
-              <ac:spMk id="63" creationId="{6D42A282-195E-8C03-953A-EA7E55001337}"/>
-            </ac:spMkLst>
-          </pc:spChg>
-          <pc:spChg chg="mod">
-            <ac:chgData name="Tim Miller" userId="e118c78a-470c-4863-8b52-3aa598a6a1d5" providerId="ADAL" clId="{B7A1A415-45CC-43A3-9572-8AF1F4957026}" dt="2024-05-22T04:57:17.744" v="790" actId="552"/>
-            <ac:spMkLst>
-              <pc:docMk/>
-              <pc:sldMasterMk cId="242470013" sldId="2147483648"/>
-              <pc:sldLayoutMk cId="1530839369" sldId="2147483663"/>
-              <ac:spMk id="65" creationId="{D631C171-3DBE-00F2-F32D-A7D25FB0D22C}"/>
-            </ac:spMkLst>
-          </pc:spChg>
-          <pc:spChg chg="mod">
-            <ac:chgData name="Tim Miller" userId="e118c78a-470c-4863-8b52-3aa598a6a1d5" providerId="ADAL" clId="{B7A1A415-45CC-43A3-9572-8AF1F4957026}" dt="2024-05-22T04:57:21.427" v="791" actId="552"/>
-            <ac:spMkLst>
-              <pc:docMk/>
-              <pc:sldMasterMk cId="242470013" sldId="2147483648"/>
-              <pc:sldLayoutMk cId="1530839369" sldId="2147483663"/>
-              <ac:spMk id="79" creationId="{ADA2B3DB-D98C-0913-D782-BEC0A0C41343}"/>
-            </ac:spMkLst>
-          </pc:spChg>
-          <pc:spChg chg="mod">
-            <ac:chgData name="Tim Miller" userId="e118c78a-470c-4863-8b52-3aa598a6a1d5" providerId="ADAL" clId="{B7A1A415-45CC-43A3-9572-8AF1F4957026}" dt="2024-05-22T04:57:21.427" v="791" actId="552"/>
-            <ac:spMkLst>
-              <pc:docMk/>
-              <pc:sldMasterMk cId="242470013" sldId="2147483648"/>
-              <pc:sldLayoutMk cId="1530839369" sldId="2147483663"/>
-              <ac:spMk id="80" creationId="{71B01D59-66B0-314B-9609-505DA1570FCD}"/>
-            </ac:spMkLst>
-          </pc:spChg>
-          <pc:spChg chg="mod">
-            <ac:chgData name="Tim Miller" userId="e118c78a-470c-4863-8b52-3aa598a6a1d5" providerId="ADAL" clId="{B7A1A415-45CC-43A3-9572-8AF1F4957026}" dt="2024-05-22T04:57:21.427" v="791" actId="552"/>
-            <ac:spMkLst>
-              <pc:docMk/>
-              <pc:sldMasterMk cId="242470013" sldId="2147483648"/>
-              <pc:sldLayoutMk cId="1530839369" sldId="2147483663"/>
-              <ac:spMk id="81" creationId="{5C1EF3E0-2ACE-B1A8-22CC-CE9AEFDF96CB}"/>
-            </ac:spMkLst>
-          </pc:spChg>
-          <pc:spChg chg="mod">
-            <ac:chgData name="Tim Miller" userId="e118c78a-470c-4863-8b52-3aa598a6a1d5" providerId="ADAL" clId="{B7A1A415-45CC-43A3-9572-8AF1F4957026}" dt="2024-05-22T04:57:21.427" v="791" actId="552"/>
-            <ac:spMkLst>
-              <pc:docMk/>
-              <pc:sldMasterMk cId="242470013" sldId="2147483648"/>
-              <pc:sldLayoutMk cId="1530839369" sldId="2147483663"/>
-              <ac:spMk id="86" creationId="{C837C8D3-CF34-4117-5AD3-8B58D96136F3}"/>
-            </ac:spMkLst>
-          </pc:spChg>
-          <pc:spChg chg="mod">
-            <ac:chgData name="Tim Miller" userId="e118c78a-470c-4863-8b52-3aa598a6a1d5" providerId="ADAL" clId="{B7A1A415-45CC-43A3-9572-8AF1F4957026}" dt="2024-05-22T04:57:21.427" v="791" actId="552"/>
-            <ac:spMkLst>
-              <pc:docMk/>
-              <pc:sldMasterMk cId="242470013" sldId="2147483648"/>
-              <pc:sldLayoutMk cId="1530839369" sldId="2147483663"/>
-              <ac:spMk id="87" creationId="{E487F29F-9034-CE91-BB86-6162816FABC6}"/>
-            </ac:spMkLst>
-          </pc:spChg>
-          <pc:spChg chg="mod">
-            <ac:chgData name="Tim Miller" userId="e118c78a-470c-4863-8b52-3aa598a6a1d5" providerId="ADAL" clId="{B7A1A415-45CC-43A3-9572-8AF1F4957026}" dt="2024-05-22T04:57:21.427" v="791" actId="552"/>
-            <ac:spMkLst>
-              <pc:docMk/>
-              <pc:sldMasterMk cId="242470013" sldId="2147483648"/>
-              <pc:sldLayoutMk cId="1530839369" sldId="2147483663"/>
-              <ac:spMk id="88" creationId="{0F53B8EB-D4E2-F409-6E78-3F095ACEB17A}"/>
-            </ac:spMkLst>
-          </pc:spChg>
-          <pc:spChg chg="mod">
-            <ac:chgData name="Tim Miller" userId="e118c78a-470c-4863-8b52-3aa598a6a1d5" providerId="ADAL" clId="{B7A1A415-45CC-43A3-9572-8AF1F4957026}" dt="2024-05-22T04:57:21.427" v="791" actId="552"/>
-            <ac:spMkLst>
-              <pc:docMk/>
-              <pc:sldMasterMk cId="242470013" sldId="2147483648"/>
-              <pc:sldLayoutMk cId="1530839369" sldId="2147483663"/>
-              <ac:spMk id="89" creationId="{24D4B4A7-6BDB-FAA4-97BD-A705C7E60DFD}"/>
-            </ac:spMkLst>
-          </pc:spChg>
-          <pc:spChg chg="mod">
-            <ac:chgData name="Tim Miller" userId="e118c78a-470c-4863-8b52-3aa598a6a1d5" providerId="ADAL" clId="{B7A1A415-45CC-43A3-9572-8AF1F4957026}" dt="2024-05-22T04:57:21.427" v="791" actId="552"/>
-            <ac:spMkLst>
-              <pc:docMk/>
-              <pc:sldMasterMk cId="242470013" sldId="2147483648"/>
-              <pc:sldLayoutMk cId="1530839369" sldId="2147483663"/>
-              <ac:spMk id="90" creationId="{A2A17468-086D-71CD-23B7-9213C8913906}"/>
-            </ac:spMkLst>
-          </pc:spChg>
-          <pc:spChg chg="mod">
-            <ac:chgData name="Tim Miller" userId="e118c78a-470c-4863-8b52-3aa598a6a1d5" providerId="ADAL" clId="{B7A1A415-45CC-43A3-9572-8AF1F4957026}" dt="2024-05-22T04:57:21.427" v="791" actId="552"/>
-            <ac:spMkLst>
-              <pc:docMk/>
-              <pc:sldMasterMk cId="242470013" sldId="2147483648"/>
-              <pc:sldLayoutMk cId="1530839369" sldId="2147483663"/>
-              <ac:spMk id="91" creationId="{8C4005A5-0501-5B7E-27C6-947B3F91BEAC}"/>
-            </ac:spMkLst>
-          </pc:spChg>
         </pc:sldLayoutChg>
         <pc:sldLayoutChg chg="delSp add mod ord modTransition">
           <pc:chgData name="Tim Miller" userId="e118c78a-470c-4863-8b52-3aa598a6a1d5" providerId="ADAL" clId="{B7A1A415-45CC-43A3-9572-8AF1F4957026}" dt="2024-05-22T04:49:47.647" v="39" actId="20578"/>
@@ -719,420 +1311,6 @@
             <pc:sldMasterMk cId="242470013" sldId="2147483648"/>
             <pc:sldLayoutMk cId="1354404285" sldId="2147483664"/>
           </pc:sldLayoutMkLst>
-          <pc:spChg chg="del">
-            <ac:chgData name="Tim Miller" userId="e118c78a-470c-4863-8b52-3aa598a6a1d5" providerId="ADAL" clId="{B7A1A415-45CC-43A3-9572-8AF1F4957026}" dt="2024-05-22T04:49:43.079" v="37" actId="478"/>
-            <ac:spMkLst>
-              <pc:docMk/>
-              <pc:sldMasterMk cId="242470013" sldId="2147483648"/>
-              <pc:sldLayoutMk cId="1354404285" sldId="2147483664"/>
-              <ac:spMk id="32" creationId="{15A8A341-DC80-CCB6-F721-FC9DB507E38A}"/>
-            </ac:spMkLst>
-          </pc:spChg>
-          <pc:spChg chg="del">
-            <ac:chgData name="Tim Miller" userId="e118c78a-470c-4863-8b52-3aa598a6a1d5" providerId="ADAL" clId="{B7A1A415-45CC-43A3-9572-8AF1F4957026}" dt="2024-05-22T04:49:43.079" v="37" actId="478"/>
-            <ac:spMkLst>
-              <pc:docMk/>
-              <pc:sldMasterMk cId="242470013" sldId="2147483648"/>
-              <pc:sldLayoutMk cId="1354404285" sldId="2147483664"/>
-              <ac:spMk id="33" creationId="{F6119FA1-8D55-639A-E7A4-95AB17EA325F}"/>
-            </ac:spMkLst>
-          </pc:spChg>
-          <pc:spChg chg="del">
-            <ac:chgData name="Tim Miller" userId="e118c78a-470c-4863-8b52-3aa598a6a1d5" providerId="ADAL" clId="{B7A1A415-45CC-43A3-9572-8AF1F4957026}" dt="2024-05-22T04:49:43.079" v="37" actId="478"/>
-            <ac:spMkLst>
-              <pc:docMk/>
-              <pc:sldMasterMk cId="242470013" sldId="2147483648"/>
-              <pc:sldLayoutMk cId="1354404285" sldId="2147483664"/>
-              <ac:spMk id="44" creationId="{91BAFA35-C1B5-6235-E5B4-05EB7164A1D6}"/>
-            </ac:spMkLst>
-          </pc:spChg>
-          <pc:spChg chg="del">
-            <ac:chgData name="Tim Miller" userId="e118c78a-470c-4863-8b52-3aa598a6a1d5" providerId="ADAL" clId="{B7A1A415-45CC-43A3-9572-8AF1F4957026}" dt="2024-05-22T04:49:43.079" v="37" actId="478"/>
-            <ac:spMkLst>
-              <pc:docMk/>
-              <pc:sldMasterMk cId="242470013" sldId="2147483648"/>
-              <pc:sldLayoutMk cId="1354404285" sldId="2147483664"/>
-              <ac:spMk id="46" creationId="{008406D6-AF90-27CE-1A17-28E1DD3F8E25}"/>
-            </ac:spMkLst>
-          </pc:spChg>
-          <pc:spChg chg="del">
-            <ac:chgData name="Tim Miller" userId="e118c78a-470c-4863-8b52-3aa598a6a1d5" providerId="ADAL" clId="{B7A1A415-45CC-43A3-9572-8AF1F4957026}" dt="2024-05-22T04:49:43.079" v="37" actId="478"/>
-            <ac:spMkLst>
-              <pc:docMk/>
-              <pc:sldMasterMk cId="242470013" sldId="2147483648"/>
-              <pc:sldLayoutMk cId="1354404285" sldId="2147483664"/>
-              <ac:spMk id="47" creationId="{C016EE30-D490-B2D9-6944-16F050E251C5}"/>
-            </ac:spMkLst>
-          </pc:spChg>
-          <pc:spChg chg="del">
-            <ac:chgData name="Tim Miller" userId="e118c78a-470c-4863-8b52-3aa598a6a1d5" providerId="ADAL" clId="{B7A1A415-45CC-43A3-9572-8AF1F4957026}" dt="2024-05-22T04:49:43.079" v="37" actId="478"/>
-            <ac:spMkLst>
-              <pc:docMk/>
-              <pc:sldMasterMk cId="242470013" sldId="2147483648"/>
-              <pc:sldLayoutMk cId="1354404285" sldId="2147483664"/>
-              <ac:spMk id="48" creationId="{0327CD95-0580-3675-DBAC-ADB876EA4E83}"/>
-            </ac:spMkLst>
-          </pc:spChg>
-          <pc:spChg chg="del">
-            <ac:chgData name="Tim Miller" userId="e118c78a-470c-4863-8b52-3aa598a6a1d5" providerId="ADAL" clId="{B7A1A415-45CC-43A3-9572-8AF1F4957026}" dt="2024-05-22T04:49:43.079" v="37" actId="478"/>
-            <ac:spMkLst>
-              <pc:docMk/>
-              <pc:sldMasterMk cId="242470013" sldId="2147483648"/>
-              <pc:sldLayoutMk cId="1354404285" sldId="2147483664"/>
-              <ac:spMk id="53" creationId="{CAFCD238-2B87-4171-315C-4EC7E3D836A0}"/>
-            </ac:spMkLst>
-          </pc:spChg>
-          <pc:spChg chg="del">
-            <ac:chgData name="Tim Miller" userId="e118c78a-470c-4863-8b52-3aa598a6a1d5" providerId="ADAL" clId="{B7A1A415-45CC-43A3-9572-8AF1F4957026}" dt="2024-05-22T04:49:43.079" v="37" actId="478"/>
-            <ac:spMkLst>
-              <pc:docMk/>
-              <pc:sldMasterMk cId="242470013" sldId="2147483648"/>
-              <pc:sldLayoutMk cId="1354404285" sldId="2147483664"/>
-              <ac:spMk id="54" creationId="{CB0C0651-87F0-BF01-94D3-888370C7A94E}"/>
-            </ac:spMkLst>
-          </pc:spChg>
-          <pc:spChg chg="del">
-            <ac:chgData name="Tim Miller" userId="e118c78a-470c-4863-8b52-3aa598a6a1d5" providerId="ADAL" clId="{B7A1A415-45CC-43A3-9572-8AF1F4957026}" dt="2024-05-22T04:49:43.079" v="37" actId="478"/>
-            <ac:spMkLst>
-              <pc:docMk/>
-              <pc:sldMasterMk cId="242470013" sldId="2147483648"/>
-              <pc:sldLayoutMk cId="1354404285" sldId="2147483664"/>
-              <ac:spMk id="55" creationId="{F24C2EF5-8C06-C6CF-D5D7-288359E9F523}"/>
-            </ac:spMkLst>
-          </pc:spChg>
-          <pc:spChg chg="del">
-            <ac:chgData name="Tim Miller" userId="e118c78a-470c-4863-8b52-3aa598a6a1d5" providerId="ADAL" clId="{B7A1A415-45CC-43A3-9572-8AF1F4957026}" dt="2024-05-22T04:49:43.079" v="37" actId="478"/>
-            <ac:spMkLst>
-              <pc:docMk/>
-              <pc:sldMasterMk cId="242470013" sldId="2147483648"/>
-              <pc:sldLayoutMk cId="1354404285" sldId="2147483664"/>
-              <ac:spMk id="59" creationId="{04CCD0A1-0F9E-17E1-96D2-F2DD50894D62}"/>
-            </ac:spMkLst>
-          </pc:spChg>
-          <pc:spChg chg="del">
-            <ac:chgData name="Tim Miller" userId="e118c78a-470c-4863-8b52-3aa598a6a1d5" providerId="ADAL" clId="{B7A1A415-45CC-43A3-9572-8AF1F4957026}" dt="2024-05-22T04:49:43.079" v="37" actId="478"/>
-            <ac:spMkLst>
-              <pc:docMk/>
-              <pc:sldMasterMk cId="242470013" sldId="2147483648"/>
-              <pc:sldLayoutMk cId="1354404285" sldId="2147483664"/>
-              <ac:spMk id="63" creationId="{6D42A282-195E-8C03-953A-EA7E55001337}"/>
-            </ac:spMkLst>
-          </pc:spChg>
-          <pc:spChg chg="del">
-            <ac:chgData name="Tim Miller" userId="e118c78a-470c-4863-8b52-3aa598a6a1d5" providerId="ADAL" clId="{B7A1A415-45CC-43A3-9572-8AF1F4957026}" dt="2024-05-22T04:49:43.079" v="37" actId="478"/>
-            <ac:spMkLst>
-              <pc:docMk/>
-              <pc:sldMasterMk cId="242470013" sldId="2147483648"/>
-              <pc:sldLayoutMk cId="1354404285" sldId="2147483664"/>
-              <ac:spMk id="64" creationId="{26C926DC-EB9F-5F62-77C5-1AF2548F018B}"/>
-            </ac:spMkLst>
-          </pc:spChg>
-          <pc:spChg chg="del">
-            <ac:chgData name="Tim Miller" userId="e118c78a-470c-4863-8b52-3aa598a6a1d5" providerId="ADAL" clId="{B7A1A415-45CC-43A3-9572-8AF1F4957026}" dt="2024-05-22T04:49:43.079" v="37" actId="478"/>
-            <ac:spMkLst>
-              <pc:docMk/>
-              <pc:sldMasterMk cId="242470013" sldId="2147483648"/>
-              <pc:sldLayoutMk cId="1354404285" sldId="2147483664"/>
-              <ac:spMk id="65" creationId="{D631C171-3DBE-00F2-F32D-A7D25FB0D22C}"/>
-            </ac:spMkLst>
-          </pc:spChg>
-          <pc:spChg chg="del">
-            <ac:chgData name="Tim Miller" userId="e118c78a-470c-4863-8b52-3aa598a6a1d5" providerId="ADAL" clId="{B7A1A415-45CC-43A3-9572-8AF1F4957026}" dt="2024-05-22T04:49:43.079" v="37" actId="478"/>
-            <ac:spMkLst>
-              <pc:docMk/>
-              <pc:sldMasterMk cId="242470013" sldId="2147483648"/>
-              <pc:sldLayoutMk cId="1354404285" sldId="2147483664"/>
-              <ac:spMk id="74" creationId="{A56C317D-B980-01A9-3F4A-6DBF119B4594}"/>
-            </ac:spMkLst>
-          </pc:spChg>
-          <pc:spChg chg="del">
-            <ac:chgData name="Tim Miller" userId="e118c78a-470c-4863-8b52-3aa598a6a1d5" providerId="ADAL" clId="{B7A1A415-45CC-43A3-9572-8AF1F4957026}" dt="2024-05-22T04:49:43.079" v="37" actId="478"/>
-            <ac:spMkLst>
-              <pc:docMk/>
-              <pc:sldMasterMk cId="242470013" sldId="2147483648"/>
-              <pc:sldLayoutMk cId="1354404285" sldId="2147483664"/>
-              <ac:spMk id="79" creationId="{ADA2B3DB-D98C-0913-D782-BEC0A0C41343}"/>
-            </ac:spMkLst>
-          </pc:spChg>
-          <pc:spChg chg="del">
-            <ac:chgData name="Tim Miller" userId="e118c78a-470c-4863-8b52-3aa598a6a1d5" providerId="ADAL" clId="{B7A1A415-45CC-43A3-9572-8AF1F4957026}" dt="2024-05-22T04:49:43.079" v="37" actId="478"/>
-            <ac:spMkLst>
-              <pc:docMk/>
-              <pc:sldMasterMk cId="242470013" sldId="2147483648"/>
-              <pc:sldLayoutMk cId="1354404285" sldId="2147483664"/>
-              <ac:spMk id="80" creationId="{71B01D59-66B0-314B-9609-505DA1570FCD}"/>
-            </ac:spMkLst>
-          </pc:spChg>
-          <pc:spChg chg="del">
-            <ac:chgData name="Tim Miller" userId="e118c78a-470c-4863-8b52-3aa598a6a1d5" providerId="ADAL" clId="{B7A1A415-45CC-43A3-9572-8AF1F4957026}" dt="2024-05-22T04:49:43.079" v="37" actId="478"/>
-            <ac:spMkLst>
-              <pc:docMk/>
-              <pc:sldMasterMk cId="242470013" sldId="2147483648"/>
-              <pc:sldLayoutMk cId="1354404285" sldId="2147483664"/>
-              <ac:spMk id="81" creationId="{5C1EF3E0-2ACE-B1A8-22CC-CE9AEFDF96CB}"/>
-            </ac:spMkLst>
-          </pc:spChg>
-          <pc:spChg chg="del">
-            <ac:chgData name="Tim Miller" userId="e118c78a-470c-4863-8b52-3aa598a6a1d5" providerId="ADAL" clId="{B7A1A415-45CC-43A3-9572-8AF1F4957026}" dt="2024-05-22T04:49:43.079" v="37" actId="478"/>
-            <ac:spMkLst>
-              <pc:docMk/>
-              <pc:sldMasterMk cId="242470013" sldId="2147483648"/>
-              <pc:sldLayoutMk cId="1354404285" sldId="2147483664"/>
-              <ac:spMk id="86" creationId="{C837C8D3-CF34-4117-5AD3-8B58D96136F3}"/>
-            </ac:spMkLst>
-          </pc:spChg>
-          <pc:spChg chg="del">
-            <ac:chgData name="Tim Miller" userId="e118c78a-470c-4863-8b52-3aa598a6a1d5" providerId="ADAL" clId="{B7A1A415-45CC-43A3-9572-8AF1F4957026}" dt="2024-05-22T04:49:43.079" v="37" actId="478"/>
-            <ac:spMkLst>
-              <pc:docMk/>
-              <pc:sldMasterMk cId="242470013" sldId="2147483648"/>
-              <pc:sldLayoutMk cId="1354404285" sldId="2147483664"/>
-              <ac:spMk id="87" creationId="{E487F29F-9034-CE91-BB86-6162816FABC6}"/>
-            </ac:spMkLst>
-          </pc:spChg>
-          <pc:spChg chg="del">
-            <ac:chgData name="Tim Miller" userId="e118c78a-470c-4863-8b52-3aa598a6a1d5" providerId="ADAL" clId="{B7A1A415-45CC-43A3-9572-8AF1F4957026}" dt="2024-05-22T04:49:43.079" v="37" actId="478"/>
-            <ac:spMkLst>
-              <pc:docMk/>
-              <pc:sldMasterMk cId="242470013" sldId="2147483648"/>
-              <pc:sldLayoutMk cId="1354404285" sldId="2147483664"/>
-              <ac:spMk id="88" creationId="{0F53B8EB-D4E2-F409-6E78-3F095ACEB17A}"/>
-            </ac:spMkLst>
-          </pc:spChg>
-          <pc:spChg chg="del">
-            <ac:chgData name="Tim Miller" userId="e118c78a-470c-4863-8b52-3aa598a6a1d5" providerId="ADAL" clId="{B7A1A415-45CC-43A3-9572-8AF1F4957026}" dt="2024-05-22T04:49:43.079" v="37" actId="478"/>
-            <ac:spMkLst>
-              <pc:docMk/>
-              <pc:sldMasterMk cId="242470013" sldId="2147483648"/>
-              <pc:sldLayoutMk cId="1354404285" sldId="2147483664"/>
-              <ac:spMk id="89" creationId="{24D4B4A7-6BDB-FAA4-97BD-A705C7E60DFD}"/>
-            </ac:spMkLst>
-          </pc:spChg>
-          <pc:spChg chg="del">
-            <ac:chgData name="Tim Miller" userId="e118c78a-470c-4863-8b52-3aa598a6a1d5" providerId="ADAL" clId="{B7A1A415-45CC-43A3-9572-8AF1F4957026}" dt="2024-05-22T04:49:43.079" v="37" actId="478"/>
-            <ac:spMkLst>
-              <pc:docMk/>
-              <pc:sldMasterMk cId="242470013" sldId="2147483648"/>
-              <pc:sldLayoutMk cId="1354404285" sldId="2147483664"/>
-              <ac:spMk id="90" creationId="{A2A17468-086D-71CD-23B7-9213C8913906}"/>
-            </ac:spMkLst>
-          </pc:spChg>
-          <pc:spChg chg="del">
-            <ac:chgData name="Tim Miller" userId="e118c78a-470c-4863-8b52-3aa598a6a1d5" providerId="ADAL" clId="{B7A1A415-45CC-43A3-9572-8AF1F4957026}" dt="2024-05-22T04:49:43.079" v="37" actId="478"/>
-            <ac:spMkLst>
-              <pc:docMk/>
-              <pc:sldMasterMk cId="242470013" sldId="2147483648"/>
-              <pc:sldLayoutMk cId="1354404285" sldId="2147483664"/>
-              <ac:spMk id="91" creationId="{8C4005A5-0501-5B7E-27C6-947B3F91BEAC}"/>
-            </ac:spMkLst>
-          </pc:spChg>
-          <pc:picChg chg="del">
-            <ac:chgData name="Tim Miller" userId="e118c78a-470c-4863-8b52-3aa598a6a1d5" providerId="ADAL" clId="{B7A1A415-45CC-43A3-9572-8AF1F4957026}" dt="2024-05-22T04:49:43.079" v="37" actId="478"/>
-            <ac:picMkLst>
-              <pc:docMk/>
-              <pc:sldMasterMk cId="242470013" sldId="2147483648"/>
-              <pc:sldLayoutMk cId="1354404285" sldId="2147483664"/>
-              <ac:picMk id="3" creationId="{58D8E3E9-7919-2EF8-BA2C-FB38AE6CCECC}"/>
-            </ac:picMkLst>
-          </pc:picChg>
-          <pc:picChg chg="del">
-            <ac:chgData name="Tim Miller" userId="e118c78a-470c-4863-8b52-3aa598a6a1d5" providerId="ADAL" clId="{B7A1A415-45CC-43A3-9572-8AF1F4957026}" dt="2024-05-22T04:49:43.079" v="37" actId="478"/>
-            <ac:picMkLst>
-              <pc:docMk/>
-              <pc:sldMasterMk cId="242470013" sldId="2147483648"/>
-              <pc:sldLayoutMk cId="1354404285" sldId="2147483664"/>
-              <ac:picMk id="5" creationId="{560B6D96-D107-B8B7-8650-6B37E551D8EC}"/>
-            </ac:picMkLst>
-          </pc:picChg>
-          <pc:picChg chg="del">
-            <ac:chgData name="Tim Miller" userId="e118c78a-470c-4863-8b52-3aa598a6a1d5" providerId="ADAL" clId="{B7A1A415-45CC-43A3-9572-8AF1F4957026}" dt="2024-05-22T04:49:43.079" v="37" actId="478"/>
-            <ac:picMkLst>
-              <pc:docMk/>
-              <pc:sldMasterMk cId="242470013" sldId="2147483648"/>
-              <pc:sldLayoutMk cId="1354404285" sldId="2147483664"/>
-              <ac:picMk id="50" creationId="{453E8E4B-6345-7008-8B2F-C9911DD60296}"/>
-            </ac:picMkLst>
-          </pc:picChg>
-          <pc:picChg chg="del">
-            <ac:chgData name="Tim Miller" userId="e118c78a-470c-4863-8b52-3aa598a6a1d5" providerId="ADAL" clId="{B7A1A415-45CC-43A3-9572-8AF1F4957026}" dt="2024-05-22T04:49:43.079" v="37" actId="478"/>
-            <ac:picMkLst>
-              <pc:docMk/>
-              <pc:sldMasterMk cId="242470013" sldId="2147483648"/>
-              <pc:sldLayoutMk cId="1354404285" sldId="2147483664"/>
-              <ac:picMk id="51" creationId="{186B43B0-C0C7-C7BE-3D48-C85B5803AC72}"/>
-            </ac:picMkLst>
-          </pc:picChg>
-          <pc:picChg chg="del">
-            <ac:chgData name="Tim Miller" userId="e118c78a-470c-4863-8b52-3aa598a6a1d5" providerId="ADAL" clId="{B7A1A415-45CC-43A3-9572-8AF1F4957026}" dt="2024-05-22T04:49:43.079" v="37" actId="478"/>
-            <ac:picMkLst>
-              <pc:docMk/>
-              <pc:sldMasterMk cId="242470013" sldId="2147483648"/>
-              <pc:sldLayoutMk cId="1354404285" sldId="2147483664"/>
-              <ac:picMk id="56" creationId="{312F5AB0-1716-92D9-85D4-7EA7EFA5F239}"/>
-            </ac:picMkLst>
-          </pc:picChg>
-          <pc:picChg chg="del">
-            <ac:chgData name="Tim Miller" userId="e118c78a-470c-4863-8b52-3aa598a6a1d5" providerId="ADAL" clId="{B7A1A415-45CC-43A3-9572-8AF1F4957026}" dt="2024-05-22T04:49:43.079" v="37" actId="478"/>
-            <ac:picMkLst>
-              <pc:docMk/>
-              <pc:sldMasterMk cId="242470013" sldId="2147483648"/>
-              <pc:sldLayoutMk cId="1354404285" sldId="2147483664"/>
-              <ac:picMk id="57" creationId="{729273B7-0077-D8ED-DB79-E829C00F5EEB}"/>
-            </ac:picMkLst>
-          </pc:picChg>
-          <pc:picChg chg="del">
-            <ac:chgData name="Tim Miller" userId="e118c78a-470c-4863-8b52-3aa598a6a1d5" providerId="ADAL" clId="{B7A1A415-45CC-43A3-9572-8AF1F4957026}" dt="2024-05-22T04:49:43.079" v="37" actId="478"/>
-            <ac:picMkLst>
-              <pc:docMk/>
-              <pc:sldMasterMk cId="242470013" sldId="2147483648"/>
-              <pc:sldLayoutMk cId="1354404285" sldId="2147483664"/>
-              <ac:picMk id="60" creationId="{24437442-B0EB-484D-00D7-6EE3CD7D3F0E}"/>
-            </ac:picMkLst>
-          </pc:picChg>
-          <pc:picChg chg="del">
-            <ac:chgData name="Tim Miller" userId="e118c78a-470c-4863-8b52-3aa598a6a1d5" providerId="ADAL" clId="{B7A1A415-45CC-43A3-9572-8AF1F4957026}" dt="2024-05-22T04:49:43.079" v="37" actId="478"/>
-            <ac:picMkLst>
-              <pc:docMk/>
-              <pc:sldMasterMk cId="242470013" sldId="2147483648"/>
-              <pc:sldLayoutMk cId="1354404285" sldId="2147483664"/>
-              <ac:picMk id="61" creationId="{8DECA660-6764-ABBE-FCE2-DB7FE36C3923}"/>
-            </ac:picMkLst>
-          </pc:picChg>
-          <pc:picChg chg="del">
-            <ac:chgData name="Tim Miller" userId="e118c78a-470c-4863-8b52-3aa598a6a1d5" providerId="ADAL" clId="{B7A1A415-45CC-43A3-9572-8AF1F4957026}" dt="2024-05-22T04:49:43.079" v="37" actId="478"/>
-            <ac:picMkLst>
-              <pc:docMk/>
-              <pc:sldMasterMk cId="242470013" sldId="2147483648"/>
-              <pc:sldLayoutMk cId="1354404285" sldId="2147483664"/>
-              <ac:picMk id="62" creationId="{06C70C3B-9568-36C1-E4E6-6AA29821936F}"/>
-            </ac:picMkLst>
-          </pc:picChg>
-          <pc:picChg chg="del">
-            <ac:chgData name="Tim Miller" userId="e118c78a-470c-4863-8b52-3aa598a6a1d5" providerId="ADAL" clId="{B7A1A415-45CC-43A3-9572-8AF1F4957026}" dt="2024-05-22T04:49:43.079" v="37" actId="478"/>
-            <ac:picMkLst>
-              <pc:docMk/>
-              <pc:sldMasterMk cId="242470013" sldId="2147483648"/>
-              <pc:sldLayoutMk cId="1354404285" sldId="2147483664"/>
-              <ac:picMk id="66" creationId="{D8CE0F02-9998-8494-34C0-087D1D8CEA81}"/>
-            </ac:picMkLst>
-          </pc:picChg>
-          <pc:picChg chg="del">
-            <ac:chgData name="Tim Miller" userId="e118c78a-470c-4863-8b52-3aa598a6a1d5" providerId="ADAL" clId="{B7A1A415-45CC-43A3-9572-8AF1F4957026}" dt="2024-05-22T04:49:43.079" v="37" actId="478"/>
-            <ac:picMkLst>
-              <pc:docMk/>
-              <pc:sldMasterMk cId="242470013" sldId="2147483648"/>
-              <pc:sldLayoutMk cId="1354404285" sldId="2147483664"/>
-              <ac:picMk id="67" creationId="{9AF70548-8E75-533E-05BA-AB735B5D8622}"/>
-            </ac:picMkLst>
-          </pc:picChg>
-          <pc:picChg chg="del">
-            <ac:chgData name="Tim Miller" userId="e118c78a-470c-4863-8b52-3aa598a6a1d5" providerId="ADAL" clId="{B7A1A415-45CC-43A3-9572-8AF1F4957026}" dt="2024-05-22T04:49:43.079" v="37" actId="478"/>
-            <ac:picMkLst>
-              <pc:docMk/>
-              <pc:sldMasterMk cId="242470013" sldId="2147483648"/>
-              <pc:sldLayoutMk cId="1354404285" sldId="2147483664"/>
-              <ac:picMk id="71" creationId="{776BC4E2-077C-66DC-F270-E0E1212C8C22}"/>
-            </ac:picMkLst>
-          </pc:picChg>
-          <pc:cxnChg chg="del">
-            <ac:chgData name="Tim Miller" userId="e118c78a-470c-4863-8b52-3aa598a6a1d5" providerId="ADAL" clId="{B7A1A415-45CC-43A3-9572-8AF1F4957026}" dt="2024-05-22T04:49:43.079" v="37" actId="478"/>
-            <ac:cxnSpMkLst>
-              <pc:docMk/>
-              <pc:sldMasterMk cId="242470013" sldId="2147483648"/>
-              <pc:sldLayoutMk cId="1354404285" sldId="2147483664"/>
-              <ac:cxnSpMk id="34" creationId="{8D461930-8F69-C293-9F59-91DC9988A381}"/>
-            </ac:cxnSpMkLst>
-          </pc:cxnChg>
-          <pc:cxnChg chg="del">
-            <ac:chgData name="Tim Miller" userId="e118c78a-470c-4863-8b52-3aa598a6a1d5" providerId="ADAL" clId="{B7A1A415-45CC-43A3-9572-8AF1F4957026}" dt="2024-05-22T04:49:43.079" v="37" actId="478"/>
-            <ac:cxnSpMkLst>
-              <pc:docMk/>
-              <pc:sldMasterMk cId="242470013" sldId="2147483648"/>
-              <pc:sldLayoutMk cId="1354404285" sldId="2147483664"/>
-              <ac:cxnSpMk id="37" creationId="{5057CBD4-4F6B-B6D7-C2E2-AD2CA9957ADD}"/>
-            </ac:cxnSpMkLst>
-          </pc:cxnChg>
-          <pc:cxnChg chg="del">
-            <ac:chgData name="Tim Miller" userId="e118c78a-470c-4863-8b52-3aa598a6a1d5" providerId="ADAL" clId="{B7A1A415-45CC-43A3-9572-8AF1F4957026}" dt="2024-05-22T04:49:43.079" v="37" actId="478"/>
-            <ac:cxnSpMkLst>
-              <pc:docMk/>
-              <pc:sldMasterMk cId="242470013" sldId="2147483648"/>
-              <pc:sldLayoutMk cId="1354404285" sldId="2147483664"/>
-              <ac:cxnSpMk id="39" creationId="{D93246AA-AC92-D8CE-F4AA-EDD530198D0D}"/>
-            </ac:cxnSpMkLst>
-          </pc:cxnChg>
-          <pc:cxnChg chg="del">
-            <ac:chgData name="Tim Miller" userId="e118c78a-470c-4863-8b52-3aa598a6a1d5" providerId="ADAL" clId="{B7A1A415-45CC-43A3-9572-8AF1F4957026}" dt="2024-05-22T04:49:43.079" v="37" actId="478"/>
-            <ac:cxnSpMkLst>
-              <pc:docMk/>
-              <pc:sldMasterMk cId="242470013" sldId="2147483648"/>
-              <pc:sldLayoutMk cId="1354404285" sldId="2147483664"/>
-              <ac:cxnSpMk id="42" creationId="{5A246D73-F4AC-3679-EA40-83C8D9134B8A}"/>
-            </ac:cxnSpMkLst>
-          </pc:cxnChg>
-          <pc:cxnChg chg="del">
-            <ac:chgData name="Tim Miller" userId="e118c78a-470c-4863-8b52-3aa598a6a1d5" providerId="ADAL" clId="{B7A1A415-45CC-43A3-9572-8AF1F4957026}" dt="2024-05-22T04:49:43.079" v="37" actId="478"/>
-            <ac:cxnSpMkLst>
-              <pc:docMk/>
-              <pc:sldMasterMk cId="242470013" sldId="2147483648"/>
-              <pc:sldLayoutMk cId="1354404285" sldId="2147483664"/>
-              <ac:cxnSpMk id="45" creationId="{72728E7C-B87A-D160-CC7B-1F7B9881443F}"/>
-            </ac:cxnSpMkLst>
-          </pc:cxnChg>
-          <pc:cxnChg chg="del">
-            <ac:chgData name="Tim Miller" userId="e118c78a-470c-4863-8b52-3aa598a6a1d5" providerId="ADAL" clId="{B7A1A415-45CC-43A3-9572-8AF1F4957026}" dt="2024-05-22T04:49:43.079" v="37" actId="478"/>
-            <ac:cxnSpMkLst>
-              <pc:docMk/>
-              <pc:sldMasterMk cId="242470013" sldId="2147483648"/>
-              <pc:sldLayoutMk cId="1354404285" sldId="2147483664"/>
-              <ac:cxnSpMk id="78" creationId="{3AEFF02B-5B34-D967-8612-8FFAFF6424E7}"/>
-            </ac:cxnSpMkLst>
-          </pc:cxnChg>
-          <pc:cxnChg chg="del">
-            <ac:chgData name="Tim Miller" userId="e118c78a-470c-4863-8b52-3aa598a6a1d5" providerId="ADAL" clId="{B7A1A415-45CC-43A3-9572-8AF1F4957026}" dt="2024-05-22T04:49:43.079" v="37" actId="478"/>
-            <ac:cxnSpMkLst>
-              <pc:docMk/>
-              <pc:sldMasterMk cId="242470013" sldId="2147483648"/>
-              <pc:sldLayoutMk cId="1354404285" sldId="2147483664"/>
-              <ac:cxnSpMk id="82" creationId="{D9238086-C9A0-8033-E207-1EB825356E48}"/>
-            </ac:cxnSpMkLst>
-          </pc:cxnChg>
-          <pc:cxnChg chg="del">
-            <ac:chgData name="Tim Miller" userId="e118c78a-470c-4863-8b52-3aa598a6a1d5" providerId="ADAL" clId="{B7A1A415-45CC-43A3-9572-8AF1F4957026}" dt="2024-05-22T04:49:43.079" v="37" actId="478"/>
-            <ac:cxnSpMkLst>
-              <pc:docMk/>
-              <pc:sldMasterMk cId="242470013" sldId="2147483648"/>
-              <pc:sldLayoutMk cId="1354404285" sldId="2147483664"/>
-              <ac:cxnSpMk id="83" creationId="{DD576BBB-DDD3-CE6C-5E4F-89DCE2E709B1}"/>
-            </ac:cxnSpMkLst>
-          </pc:cxnChg>
-          <pc:cxnChg chg="del">
-            <ac:chgData name="Tim Miller" userId="e118c78a-470c-4863-8b52-3aa598a6a1d5" providerId="ADAL" clId="{B7A1A415-45CC-43A3-9572-8AF1F4957026}" dt="2024-05-22T04:49:43.079" v="37" actId="478"/>
-            <ac:cxnSpMkLst>
-              <pc:docMk/>
-              <pc:sldMasterMk cId="242470013" sldId="2147483648"/>
-              <pc:sldLayoutMk cId="1354404285" sldId="2147483664"/>
-              <ac:cxnSpMk id="84" creationId="{8B6ADE62-8171-A163-BF77-BC0E333DFEF8}"/>
-            </ac:cxnSpMkLst>
-          </pc:cxnChg>
-          <pc:cxnChg chg="del">
-            <ac:chgData name="Tim Miller" userId="e118c78a-470c-4863-8b52-3aa598a6a1d5" providerId="ADAL" clId="{B7A1A415-45CC-43A3-9572-8AF1F4957026}" dt="2024-05-22T04:49:43.079" v="37" actId="478"/>
-            <ac:cxnSpMkLst>
-              <pc:docMk/>
-              <pc:sldMasterMk cId="242470013" sldId="2147483648"/>
-              <pc:sldLayoutMk cId="1354404285" sldId="2147483664"/>
-              <ac:cxnSpMk id="85" creationId="{92FFDB4F-DA05-B140-54C2-BFED629AFAD2}"/>
-            </ac:cxnSpMkLst>
-          </pc:cxnChg>
-          <pc:cxnChg chg="del">
-            <ac:chgData name="Tim Miller" userId="e118c78a-470c-4863-8b52-3aa598a6a1d5" providerId="ADAL" clId="{B7A1A415-45CC-43A3-9572-8AF1F4957026}" dt="2024-05-22T04:49:44.945" v="38" actId="478"/>
-            <ac:cxnSpMkLst>
-              <pc:docMk/>
-              <pc:sldMasterMk cId="242470013" sldId="2147483648"/>
-              <pc:sldLayoutMk cId="1354404285" sldId="2147483664"/>
-              <ac:cxnSpMk id="101" creationId="{9777B218-3848-9BB3-17BD-9E9B178F47AF}"/>
-            </ac:cxnSpMkLst>
-          </pc:cxnChg>
         </pc:sldLayoutChg>
         <pc:sldLayoutChg chg="add del mod ord modTransition">
           <pc:chgData name="Tim Miller" userId="e118c78a-470c-4863-8b52-3aa598a6a1d5" providerId="ADAL" clId="{B7A1A415-45CC-43A3-9572-8AF1F4957026}" dt="2024-05-22T04:51:26.802" v="49" actId="2696"/>
@@ -1149,24 +1327,6 @@
             <pc:sldMasterMk cId="242470013" sldId="2147483648"/>
             <pc:sldLayoutMk cId="869800966" sldId="2147483666"/>
           </pc:sldLayoutMkLst>
-          <pc:spChg chg="add mod">
-            <ac:chgData name="Tim Miller" userId="e118c78a-470c-4863-8b52-3aa598a6a1d5" providerId="ADAL" clId="{B7A1A415-45CC-43A3-9572-8AF1F4957026}" dt="2024-05-22T04:51:20.791" v="48" actId="2711"/>
-            <ac:spMkLst>
-              <pc:docMk/>
-              <pc:sldMasterMk cId="242470013" sldId="2147483648"/>
-              <pc:sldLayoutMk cId="869800966" sldId="2147483666"/>
-              <ac:spMk id="2" creationId="{DF7BB9E2-2D01-9A44-E954-11857310309F}"/>
-            </ac:spMkLst>
-          </pc:spChg>
-          <pc:spChg chg="add mod">
-            <ac:chgData name="Tim Miller" userId="e118c78a-470c-4863-8b52-3aa598a6a1d5" providerId="ADAL" clId="{B7A1A415-45CC-43A3-9572-8AF1F4957026}" dt="2024-05-22T04:51:20.791" v="48" actId="2711"/>
-            <ac:spMkLst>
-              <pc:docMk/>
-              <pc:sldMasterMk cId="242470013" sldId="2147483648"/>
-              <pc:sldLayoutMk cId="869800966" sldId="2147483666"/>
-              <ac:spMk id="3" creationId="{25D2BD9B-33A8-FF2F-1674-320A35BFE4B1}"/>
-            </ac:spMkLst>
-          </pc:spChg>
         </pc:sldLayoutChg>
       </pc:sldMasterChg>
       <pc:sldMasterChg chg="new del mod addSldLayout delSldLayout">
@@ -1597,7 +1757,7 @@
           <a:p>
             <a:fld id="{63E415F6-F263-4731-A8AA-90FA2EFE8F78}" type="datetimeFigureOut">
               <a:rPr lang="en-AU" smtClean="0"/>
-              <a:t>18/07/2024</a:t>
+              <a:t>17/03/2025</a:t>
             </a:fld>
             <a:endParaRPr lang="en-AU"/>
           </a:p>
@@ -2012,7 +2172,7 @@
           <a:p>
             <a:fld id="{63E415F6-F263-4731-A8AA-90FA2EFE8F78}" type="datetimeFigureOut">
               <a:rPr lang="en-AU" smtClean="0"/>
-              <a:t>18/07/2024</a:t>
+              <a:t>17/03/2025</a:t>
             </a:fld>
             <a:endParaRPr lang="en-AU"/>
           </a:p>
@@ -2154,7 +2314,7 @@
           <a:p>
             <a:fld id="{63E415F6-F263-4731-A8AA-90FA2EFE8F78}" type="datetimeFigureOut">
               <a:rPr lang="en-AU" smtClean="0"/>
-              <a:t>18/07/2024</a:t>
+              <a:t>17/03/2025</a:t>
             </a:fld>
             <a:endParaRPr lang="en-AU"/>
           </a:p>
@@ -2267,7 +2427,7 @@
           <a:p>
             <a:fld id="{63E415F6-F263-4731-A8AA-90FA2EFE8F78}" type="datetimeFigureOut">
               <a:rPr lang="en-AU" smtClean="0"/>
-              <a:t>18/07/2024</a:t>
+              <a:t>17/03/2025</a:t>
             </a:fld>
             <a:endParaRPr lang="en-AU"/>
           </a:p>
@@ -2580,7 +2740,7 @@
           <a:p>
             <a:fld id="{63E415F6-F263-4731-A8AA-90FA2EFE8F78}" type="datetimeFigureOut">
               <a:rPr lang="en-AU" smtClean="0"/>
-              <a:t>18/07/2024</a:t>
+              <a:t>17/03/2025</a:t>
             </a:fld>
             <a:endParaRPr lang="en-AU"/>
           </a:p>
@@ -2869,7 +3029,7 @@
           <a:p>
             <a:fld id="{63E415F6-F263-4731-A8AA-90FA2EFE8F78}" type="datetimeFigureOut">
               <a:rPr lang="en-AU" smtClean="0"/>
-              <a:t>18/07/2024</a:t>
+              <a:t>17/03/2025</a:t>
             </a:fld>
             <a:endParaRPr lang="en-AU"/>
           </a:p>
@@ -3069,7 +3229,7 @@
           <a:p>
             <a:fld id="{63E415F6-F263-4731-A8AA-90FA2EFE8F78}" type="datetimeFigureOut">
               <a:rPr lang="en-AU" smtClean="0"/>
-              <a:t>18/07/2024</a:t>
+              <a:t>17/03/2025</a:t>
             </a:fld>
             <a:endParaRPr lang="en-AU"/>
           </a:p>
@@ -3279,7 +3439,7 @@
           <a:p>
             <a:fld id="{63E415F6-F263-4731-A8AA-90FA2EFE8F78}" type="datetimeFigureOut">
               <a:rPr lang="en-AU" smtClean="0"/>
-              <a:t>18/07/2024</a:t>
+              <a:t>17/03/2025</a:t>
             </a:fld>
             <a:endParaRPr lang="en-AU"/>
           </a:p>
@@ -5982,8 +6142,8 @@
         </p:nvSpPr>
         <p:spPr>
           <a:xfrm>
-            <a:off x="225697" y="241300"/>
-            <a:ext cx="1784463" cy="461665"/>
+            <a:off x="225697" y="159881"/>
+            <a:ext cx="1124026" cy="369332"/>
           </a:xfrm>
           <a:prstGeom prst="rect">
             <a:avLst/>
@@ -5997,11 +6157,11 @@
           <a:lstStyle/>
           <a:p>
             <a:r>
-              <a:rPr lang="en-AU" sz="2400" b="1" dirty="0">
+              <a:rPr lang="en-AU" sz="1800" b="1" dirty="0">
                 <a:latin typeface="Source Sans Pro" panose="020B0503030403020204" pitchFamily="34" charset="0"/>
                 <a:ea typeface="Source Sans Pro" panose="020B0503030403020204" pitchFamily="34" charset="0"/>
               </a:rPr>
-              <a:t>Hypotheses</a:t>
+              <a:t>Test card</a:t>
             </a:r>
           </a:p>
         </p:txBody>
@@ -6022,7 +6182,7 @@
         </p:nvCxnSpPr>
         <p:spPr>
           <a:xfrm>
-            <a:off x="252184" y="1225646"/>
+            <a:off x="252184" y="700894"/>
             <a:ext cx="5529118" cy="0"/>
           </a:xfrm>
           <a:prstGeom prst="line">
@@ -6050,128 +6210,6 @@
           </a:fontRef>
         </p:style>
       </p:cxnSp>
-      <p:sp>
-        <p:nvSpPr>
-          <p:cNvPr id="44" name="TextBox 43">
-            <a:extLst>
-              <a:ext uri="{FF2B5EF4-FFF2-40B4-BE49-F238E27FC236}">
-                <a16:creationId xmlns:a16="http://schemas.microsoft.com/office/drawing/2014/main" id="{91BAFA35-C1B5-6235-E5B4-05EB7164A1D6}"/>
-              </a:ext>
-            </a:extLst>
-          </p:cNvPr>
-          <p:cNvSpPr txBox="1"/>
-          <p:nvPr/>
-        </p:nvSpPr>
-        <p:spPr>
-          <a:xfrm>
-            <a:off x="225697" y="787400"/>
-            <a:ext cx="974947" cy="338554"/>
-          </a:xfrm>
-          <a:prstGeom prst="rect">
-            <a:avLst/>
-          </a:prstGeom>
-          <a:noFill/>
-        </p:spPr>
-        <p:txBody>
-          <a:bodyPr wrap="none" rtlCol="0">
-            <a:spAutoFit/>
-          </a:bodyPr>
-          <a:lstStyle/>
-          <a:p>
-            <a:pPr algn="ctr"/>
-            <a:r>
-              <a:rPr lang="en-AU" sz="1600" dirty="0">
-                <a:latin typeface="Source Sans Pro" panose="020B0503030403020204" pitchFamily="34" charset="0"/>
-                <a:ea typeface="Source Sans Pro" panose="020B0503030403020204" pitchFamily="34" charset="0"/>
-              </a:rPr>
-              <a:t>Test card</a:t>
-            </a:r>
-          </a:p>
-        </p:txBody>
-      </p:sp>
-      <p:sp>
-        <p:nvSpPr>
-          <p:cNvPr id="46" name="TextBox 45">
-            <a:extLst>
-              <a:ext uri="{FF2B5EF4-FFF2-40B4-BE49-F238E27FC236}">
-                <a16:creationId xmlns:a16="http://schemas.microsoft.com/office/drawing/2014/main" id="{008406D6-AF90-27CE-1A17-28E1DD3F8E25}"/>
-              </a:ext>
-            </a:extLst>
-          </p:cNvPr>
-          <p:cNvSpPr txBox="1"/>
-          <p:nvPr/>
-        </p:nvSpPr>
-        <p:spPr>
-          <a:xfrm>
-            <a:off x="225697" y="1275773"/>
-            <a:ext cx="2396770" cy="261610"/>
-          </a:xfrm>
-          <a:prstGeom prst="rect">
-            <a:avLst/>
-          </a:prstGeom>
-          <a:noFill/>
-        </p:spPr>
-        <p:txBody>
-          <a:bodyPr wrap="square" rtlCol="0">
-            <a:spAutoFit/>
-          </a:bodyPr>
-          <a:lstStyle/>
-          <a:p>
-            <a:pPr algn="l"/>
-            <a:r>
-              <a:rPr lang="en-AU" sz="1100" dirty="0">
-                <a:solidFill>
-                  <a:schemeClr val="tx1">
-                    <a:alpha val="30000"/>
-                  </a:schemeClr>
-                </a:solidFill>
-                <a:latin typeface="Source Sans Pro" panose="020B0503030403020204" pitchFamily="34" charset="0"/>
-                <a:ea typeface="Source Sans Pro" panose="020B0503030403020204" pitchFamily="34" charset="0"/>
-              </a:rPr>
-              <a:t>HYPOTHESIS</a:t>
-            </a:r>
-          </a:p>
-        </p:txBody>
-      </p:sp>
-      <p:sp>
-        <p:nvSpPr>
-          <p:cNvPr id="33" name="TextBox 32">
-            <a:extLst>
-              <a:ext uri="{FF2B5EF4-FFF2-40B4-BE49-F238E27FC236}">
-                <a16:creationId xmlns:a16="http://schemas.microsoft.com/office/drawing/2014/main" id="{F6119FA1-8D55-639A-E7A4-95AB17EA325F}"/>
-              </a:ext>
-            </a:extLst>
-          </p:cNvPr>
-          <p:cNvSpPr txBox="1"/>
-          <p:nvPr userDrawn="1"/>
-        </p:nvSpPr>
-        <p:spPr>
-          <a:xfrm>
-            <a:off x="225697" y="1497446"/>
-            <a:ext cx="2396770" cy="307777"/>
-          </a:xfrm>
-          <a:prstGeom prst="rect">
-            <a:avLst/>
-          </a:prstGeom>
-          <a:noFill/>
-        </p:spPr>
-        <p:txBody>
-          <a:bodyPr wrap="square" rtlCol="0">
-            <a:spAutoFit/>
-          </a:bodyPr>
-          <a:lstStyle/>
-          <a:p>
-            <a:pPr algn="l"/>
-            <a:r>
-              <a:rPr lang="en-AU" sz="1400">
-                <a:latin typeface="Source Sans Pro" panose="020B0503030403020204" pitchFamily="34" charset="0"/>
-                <a:ea typeface="Source Sans Pro" panose="020B0503030403020204" pitchFamily="34" charset="0"/>
-              </a:rPr>
-              <a:t>We believe that</a:t>
-            </a:r>
-          </a:p>
-        </p:txBody>
-      </p:sp>
       <p:cxnSp>
         <p:nvCxnSpPr>
           <p:cNvPr id="34" name="Straight Connector 33">
@@ -6188,7 +6226,7 @@
         </p:nvCxnSpPr>
         <p:spPr>
           <a:xfrm>
-            <a:off x="252184" y="2532592"/>
+            <a:off x="252184" y="1892737"/>
             <a:ext cx="5529118" cy="0"/>
           </a:xfrm>
           <a:prstGeom prst="line">
@@ -6232,7 +6270,7 @@
         </p:nvCxnSpPr>
         <p:spPr>
           <a:xfrm>
-            <a:off x="252184" y="3839538"/>
+            <a:off x="252184" y="3084580"/>
             <a:ext cx="5529118" cy="0"/>
           </a:xfrm>
           <a:prstGeom prst="line">
@@ -6276,7 +6314,7 @@
         </p:nvCxnSpPr>
         <p:spPr>
           <a:xfrm>
-            <a:off x="252184" y="5146484"/>
+            <a:off x="252184" y="4276423"/>
             <a:ext cx="5529118" cy="0"/>
           </a:xfrm>
           <a:prstGeom prst="line">
@@ -6320,7 +6358,7 @@
         </p:nvCxnSpPr>
         <p:spPr>
           <a:xfrm>
-            <a:off x="252184" y="6453428"/>
+            <a:off x="252184" y="6660107"/>
             <a:ext cx="5529118" cy="0"/>
           </a:xfrm>
           <a:prstGeom prst="line">
@@ -6348,12 +6386,129 @@
           </a:fontRef>
         </p:style>
       </p:cxnSp>
+      <p:pic>
+        <p:nvPicPr>
+          <p:cNvPr id="8" name="Graphic 7" descr="Warning with solid fill">
+            <a:extLst>
+              <a:ext uri="{FF2B5EF4-FFF2-40B4-BE49-F238E27FC236}">
+                <a16:creationId xmlns:a16="http://schemas.microsoft.com/office/drawing/2014/main" id="{3B761C0A-1A6B-10C3-2C89-1A0E4601F81B}"/>
+              </a:ext>
+            </a:extLst>
+          </p:cNvPr>
+          <p:cNvPicPr>
+            <a:picLocks noChangeAspect="1"/>
+          </p:cNvPicPr>
+          <p:nvPr userDrawn="1"/>
+        </p:nvPicPr>
+        <p:blipFill>
+          <a:blip r:embed="rId2">
+            <a:extLst>
+              <a:ext uri="{28A0092B-C50C-407E-A947-70E740481C1C}">
+                <a14:useLocalDpi xmlns:a14="http://schemas.microsoft.com/office/drawing/2010/main" val="0"/>
+              </a:ext>
+              <a:ext uri="{96DAC541-7B7A-43D3-8B79-37D633B846F1}">
+                <asvg:svgBlip xmlns:asvg="http://schemas.microsoft.com/office/drawing/2016/SVG/main" r:embed="rId3"/>
+              </a:ext>
+            </a:extLst>
+          </a:blip>
+          <a:stretch>
+            <a:fillRect/>
+          </a:stretch>
+        </p:blipFill>
+        <p:spPr>
+          <a:xfrm>
+            <a:off x="5324103" y="858552"/>
+            <a:ext cx="360000" cy="360000"/>
+          </a:xfrm>
+          <a:prstGeom prst="rect">
+            <a:avLst/>
+          </a:prstGeom>
+        </p:spPr>
+      </p:pic>
+      <p:pic>
+        <p:nvPicPr>
+          <p:cNvPr id="68" name="Graphic 67" descr="Warning with solid fill">
+            <a:extLst>
+              <a:ext uri="{FF2B5EF4-FFF2-40B4-BE49-F238E27FC236}">
+                <a16:creationId xmlns:a16="http://schemas.microsoft.com/office/drawing/2014/main" id="{996A03A2-6487-85DC-6C12-C52C695ABF0A}"/>
+              </a:ext>
+            </a:extLst>
+          </p:cNvPr>
+          <p:cNvPicPr>
+            <a:picLocks noChangeAspect="1"/>
+          </p:cNvPicPr>
+          <p:nvPr userDrawn="1"/>
+        </p:nvPicPr>
+        <p:blipFill>
+          <a:blip r:embed="rId2">
+            <a:extLst>
+              <a:ext uri="{28A0092B-C50C-407E-A947-70E740481C1C}">
+                <a14:useLocalDpi xmlns:a14="http://schemas.microsoft.com/office/drawing/2010/main" val="0"/>
+              </a:ext>
+              <a:ext uri="{96DAC541-7B7A-43D3-8B79-37D633B846F1}">
+                <asvg:svgBlip xmlns:asvg="http://schemas.microsoft.com/office/drawing/2016/SVG/main" r:embed="rId3"/>
+              </a:ext>
+            </a:extLst>
+          </a:blip>
+          <a:stretch>
+            <a:fillRect/>
+          </a:stretch>
+        </p:blipFill>
+        <p:spPr>
+          <a:xfrm>
+            <a:off x="4974173" y="940525"/>
+            <a:ext cx="270000" cy="270000"/>
+          </a:xfrm>
+          <a:prstGeom prst="rect">
+            <a:avLst/>
+          </a:prstGeom>
+        </p:spPr>
+      </p:pic>
+      <p:pic>
+        <p:nvPicPr>
+          <p:cNvPr id="69" name="Graphic 68" descr="Warning with solid fill">
+            <a:extLst>
+              <a:ext uri="{FF2B5EF4-FFF2-40B4-BE49-F238E27FC236}">
+                <a16:creationId xmlns:a16="http://schemas.microsoft.com/office/drawing/2014/main" id="{880B175C-489E-1B05-74CD-59BA71764171}"/>
+              </a:ext>
+            </a:extLst>
+          </p:cNvPr>
+          <p:cNvPicPr>
+            <a:picLocks noChangeAspect="1"/>
+          </p:cNvPicPr>
+          <p:nvPr userDrawn="1"/>
+        </p:nvPicPr>
+        <p:blipFill>
+          <a:blip r:embed="rId2">
+            <a:extLst>
+              <a:ext uri="{28A0092B-C50C-407E-A947-70E740481C1C}">
+                <a14:useLocalDpi xmlns:a14="http://schemas.microsoft.com/office/drawing/2010/main" val="0"/>
+              </a:ext>
+              <a:ext uri="{96DAC541-7B7A-43D3-8B79-37D633B846F1}">
+                <asvg:svgBlip xmlns:asvg="http://schemas.microsoft.com/office/drawing/2016/SVG/main" r:embed="rId3"/>
+              </a:ext>
+            </a:extLst>
+          </a:blip>
+          <a:stretch>
+            <a:fillRect/>
+          </a:stretch>
+        </p:blipFill>
+        <p:spPr>
+          <a:xfrm>
+            <a:off x="4679864" y="1019902"/>
+            <a:ext cx="180000" cy="180000"/>
+          </a:xfrm>
+          <a:prstGeom prst="rect">
+            <a:avLst/>
+          </a:prstGeom>
+        </p:spPr>
+      </p:pic>
       <p:sp>
         <p:nvSpPr>
-          <p:cNvPr id="47" name="TextBox 46">
-            <a:extLst>
-              <a:ext uri="{FF2B5EF4-FFF2-40B4-BE49-F238E27FC236}">
-                <a16:creationId xmlns:a16="http://schemas.microsoft.com/office/drawing/2014/main" id="{C016EE30-D490-B2D9-6944-16F050E251C5}"/>
+          <p:cNvPr id="70" name="TextBox 69">
+            <a:extLst>
+              <a:ext uri="{FF2B5EF4-FFF2-40B4-BE49-F238E27FC236}">
+                <a16:creationId xmlns:a16="http://schemas.microsoft.com/office/drawing/2014/main" id="{B58D5416-7752-1E10-AD65-9FC989237D45}"/>
               </a:ext>
             </a:extLst>
           </p:cNvPr>
@@ -6362,8 +6517,8 @@
         </p:nvSpPr>
         <p:spPr>
           <a:xfrm>
-            <a:off x="225697" y="2578100"/>
-            <a:ext cx="2396770" cy="261610"/>
+            <a:off x="3883870" y="973501"/>
+            <a:ext cx="797004" cy="276999"/>
           </a:xfrm>
           <a:prstGeom prst="rect">
             <a:avLst/>
@@ -6378,7 +6533,7 @@
           <a:p>
             <a:pPr algn="l"/>
             <a:r>
-              <a:rPr lang="en-AU" sz="1100">
+              <a:rPr lang="en-AU" sz="1200">
                 <a:solidFill>
                   <a:schemeClr val="tx1">
                     <a:alpha val="30000"/>
@@ -6387,17 +6542,17 @@
                 <a:latin typeface="Source Sans Pro" panose="020B0503030403020204" pitchFamily="34" charset="0"/>
                 <a:ea typeface="Source Sans Pro" panose="020B0503030403020204" pitchFamily="34" charset="0"/>
               </a:rPr>
-              <a:t>TEST</a:t>
+              <a:t>Critical:</a:t>
             </a:r>
           </a:p>
         </p:txBody>
       </p:sp>
       <p:sp>
         <p:nvSpPr>
-          <p:cNvPr id="48" name="TextBox 47">
-            <a:extLst>
-              <a:ext uri="{FF2B5EF4-FFF2-40B4-BE49-F238E27FC236}">
-                <a16:creationId xmlns:a16="http://schemas.microsoft.com/office/drawing/2014/main" id="{0327CD95-0580-3675-DBAC-ADB876EA4E83}"/>
+          <p:cNvPr id="74" name="TextBox 73">
+            <a:extLst>
+              <a:ext uri="{FF2B5EF4-FFF2-40B4-BE49-F238E27FC236}">
+                <a16:creationId xmlns:a16="http://schemas.microsoft.com/office/drawing/2014/main" id="{A56C317D-B980-01A9-3F4A-6DBF119B4594}"/>
               </a:ext>
             </a:extLst>
           </p:cNvPr>
@@ -6406,8 +6561,8 @@
         </p:nvSpPr>
         <p:spPr>
           <a:xfrm>
-            <a:off x="225697" y="2799773"/>
-            <a:ext cx="2396770" cy="307777"/>
+            <a:off x="3462513" y="3369775"/>
+            <a:ext cx="1208663" cy="276999"/>
           </a:xfrm>
           <a:prstGeom prst="rect">
             <a:avLst/>
@@ -6422,21 +6577,231 @@
           <a:p>
             <a:pPr algn="l"/>
             <a:r>
-              <a:rPr lang="en-AU" sz="1400">
+              <a:rPr lang="en-AU" sz="1200">
+                <a:solidFill>
+                  <a:schemeClr val="tx1">
+                    <a:alpha val="30000"/>
+                  </a:schemeClr>
+                </a:solidFill>
                 <a:latin typeface="Source Sans Pro" panose="020B0503030403020204" pitchFamily="34" charset="0"/>
                 <a:ea typeface="Source Sans Pro" panose="020B0503030403020204" pitchFamily="34" charset="0"/>
               </a:rPr>
-              <a:t>To verify that, we will</a:t>
+              <a:t>Time required:</a:t>
             </a:r>
           </a:p>
         </p:txBody>
       </p:sp>
+      <p:pic>
+        <p:nvPicPr>
+          <p:cNvPr id="16" name="Graphic 15" descr="Clock with solid fill">
+            <a:extLst>
+              <a:ext uri="{FF2B5EF4-FFF2-40B4-BE49-F238E27FC236}">
+                <a16:creationId xmlns:a16="http://schemas.microsoft.com/office/drawing/2014/main" id="{95807DC4-FF59-ACA4-6554-DA423ECBD96F}"/>
+              </a:ext>
+            </a:extLst>
+          </p:cNvPr>
+          <p:cNvPicPr>
+            <a:picLocks noChangeAspect="1"/>
+          </p:cNvPicPr>
+          <p:nvPr userDrawn="1"/>
+        </p:nvPicPr>
+        <p:blipFill>
+          <a:blip r:embed="rId4">
+            <a:extLst>
+              <a:ext uri="{28A0092B-C50C-407E-A947-70E740481C1C}">
+                <a14:useLocalDpi xmlns:a14="http://schemas.microsoft.com/office/drawing/2010/main" val="0"/>
+              </a:ext>
+              <a:ext uri="{96DAC541-7B7A-43D3-8B79-37D633B846F1}">
+                <asvg:svgBlip xmlns:asvg="http://schemas.microsoft.com/office/drawing/2016/SVG/main" r:embed="rId5"/>
+              </a:ext>
+            </a:extLst>
+          </a:blip>
+          <a:stretch>
+            <a:fillRect/>
+          </a:stretch>
+        </p:blipFill>
+        <p:spPr>
+          <a:xfrm>
+            <a:off x="5302397" y="3241564"/>
+            <a:ext cx="360000" cy="360000"/>
+          </a:xfrm>
+          <a:prstGeom prst="rect">
+            <a:avLst/>
+          </a:prstGeom>
+        </p:spPr>
+      </p:pic>
+      <p:pic>
+        <p:nvPicPr>
+          <p:cNvPr id="75" name="Graphic 74" descr="Clock with solid fill">
+            <a:extLst>
+              <a:ext uri="{FF2B5EF4-FFF2-40B4-BE49-F238E27FC236}">
+                <a16:creationId xmlns:a16="http://schemas.microsoft.com/office/drawing/2014/main" id="{2A656223-199D-259A-ACEC-11E335ED158B}"/>
+              </a:ext>
+            </a:extLst>
+          </p:cNvPr>
+          <p:cNvPicPr>
+            <a:picLocks noChangeAspect="1"/>
+          </p:cNvPicPr>
+          <p:nvPr userDrawn="1"/>
+        </p:nvPicPr>
+        <p:blipFill>
+          <a:blip r:embed="rId4">
+            <a:extLst>
+              <a:ext uri="{28A0092B-C50C-407E-A947-70E740481C1C}">
+                <a14:useLocalDpi xmlns:a14="http://schemas.microsoft.com/office/drawing/2010/main" val="0"/>
+              </a:ext>
+              <a:ext uri="{96DAC541-7B7A-43D3-8B79-37D633B846F1}">
+                <asvg:svgBlip xmlns:asvg="http://schemas.microsoft.com/office/drawing/2016/SVG/main" r:embed="rId5"/>
+              </a:ext>
+            </a:extLst>
+          </a:blip>
+          <a:stretch>
+            <a:fillRect/>
+          </a:stretch>
+        </p:blipFill>
+        <p:spPr>
+          <a:xfrm>
+            <a:off x="4974014" y="3320938"/>
+            <a:ext cx="270000" cy="270000"/>
+          </a:xfrm>
+          <a:prstGeom prst="rect">
+            <a:avLst/>
+          </a:prstGeom>
+        </p:spPr>
+      </p:pic>
+      <p:pic>
+        <p:nvPicPr>
+          <p:cNvPr id="76" name="Graphic 75" descr="Clock with solid fill">
+            <a:extLst>
+              <a:ext uri="{FF2B5EF4-FFF2-40B4-BE49-F238E27FC236}">
+                <a16:creationId xmlns:a16="http://schemas.microsoft.com/office/drawing/2014/main" id="{CE3C00B0-0B21-A959-11D5-A28F655033D8}"/>
+              </a:ext>
+            </a:extLst>
+          </p:cNvPr>
+          <p:cNvPicPr>
+            <a:picLocks noChangeAspect="1"/>
+          </p:cNvPicPr>
+          <p:nvPr userDrawn="1"/>
+        </p:nvPicPr>
+        <p:blipFill>
+          <a:blip r:embed="rId4">
+            <a:extLst>
+              <a:ext uri="{28A0092B-C50C-407E-A947-70E740481C1C}">
+                <a14:useLocalDpi xmlns:a14="http://schemas.microsoft.com/office/drawing/2010/main" val="0"/>
+              </a:ext>
+              <a:ext uri="{96DAC541-7B7A-43D3-8B79-37D633B846F1}">
+                <asvg:svgBlip xmlns:asvg="http://schemas.microsoft.com/office/drawing/2016/SVG/main" r:embed="rId5"/>
+              </a:ext>
+            </a:extLst>
+          </a:blip>
+          <a:stretch>
+            <a:fillRect/>
+          </a:stretch>
+        </p:blipFill>
+        <p:spPr>
+          <a:xfrm>
+            <a:off x="4691181" y="3408510"/>
+            <a:ext cx="180000" cy="180000"/>
+          </a:xfrm>
+          <a:prstGeom prst="rect">
+            <a:avLst/>
+          </a:prstGeom>
+        </p:spPr>
+      </p:pic>
+      <p:cxnSp>
+        <p:nvCxnSpPr>
+          <p:cNvPr id="101" name="Straight Connector 100">
+            <a:extLst>
+              <a:ext uri="{FF2B5EF4-FFF2-40B4-BE49-F238E27FC236}">
+                <a16:creationId xmlns:a16="http://schemas.microsoft.com/office/drawing/2014/main" id="{9777B218-3848-9BB3-17BD-9E9B178F47AF}"/>
+              </a:ext>
+            </a:extLst>
+          </p:cNvPr>
+          <p:cNvCxnSpPr>
+            <a:cxnSpLocks/>
+          </p:cNvCxnSpPr>
+          <p:nvPr userDrawn="1"/>
+        </p:nvCxnSpPr>
+        <p:spPr>
+          <a:xfrm>
+            <a:off x="6096000" y="0"/>
+            <a:ext cx="0" cy="6858000"/>
+          </a:xfrm>
+          <a:prstGeom prst="line">
+            <a:avLst/>
+          </a:prstGeom>
+          <a:ln w="9525">
+            <a:solidFill>
+              <a:schemeClr val="tx1"/>
+            </a:solidFill>
+            <a:headEnd type="none"/>
+          </a:ln>
+        </p:spPr>
+        <p:style>
+          <a:lnRef idx="1">
+            <a:schemeClr val="accent1"/>
+          </a:lnRef>
+          <a:fillRef idx="0">
+            <a:schemeClr val="accent1"/>
+          </a:fillRef>
+          <a:effectRef idx="0">
+            <a:schemeClr val="accent1"/>
+          </a:effectRef>
+          <a:fontRef idx="minor">
+            <a:schemeClr val="tx1"/>
+          </a:fontRef>
+        </p:style>
+      </p:cxnSp>
+      <p:cxnSp>
+        <p:nvCxnSpPr>
+          <p:cNvPr id="2" name="Straight Connector 1">
+            <a:extLst>
+              <a:ext uri="{FF2B5EF4-FFF2-40B4-BE49-F238E27FC236}">
+                <a16:creationId xmlns:a16="http://schemas.microsoft.com/office/drawing/2014/main" id="{FA6EBD40-7D94-9A56-9D63-B36BF70BFAA8}"/>
+              </a:ext>
+            </a:extLst>
+          </p:cNvPr>
+          <p:cNvCxnSpPr>
+            <a:cxnSpLocks/>
+          </p:cNvCxnSpPr>
+          <p:nvPr userDrawn="1"/>
+        </p:nvCxnSpPr>
+        <p:spPr>
+          <a:xfrm>
+            <a:off x="252184" y="5468266"/>
+            <a:ext cx="5529118" cy="0"/>
+          </a:xfrm>
+          <a:prstGeom prst="line">
+            <a:avLst/>
+          </a:prstGeom>
+          <a:ln w="15875">
+            <a:solidFill>
+              <a:schemeClr val="tx1"/>
+            </a:solidFill>
+            <a:headEnd type="none"/>
+          </a:ln>
+        </p:spPr>
+        <p:style>
+          <a:lnRef idx="1">
+            <a:schemeClr val="accent1"/>
+          </a:lnRef>
+          <a:fillRef idx="0">
+            <a:schemeClr val="accent1"/>
+          </a:fillRef>
+          <a:effectRef idx="0">
+            <a:schemeClr val="accent1"/>
+          </a:effectRef>
+          <a:fontRef idx="minor">
+            <a:schemeClr val="tx1"/>
+          </a:fontRef>
+        </p:style>
+      </p:cxnSp>
       <p:sp>
         <p:nvSpPr>
-          <p:cNvPr id="54" name="TextBox 53">
-            <a:extLst>
-              <a:ext uri="{FF2B5EF4-FFF2-40B4-BE49-F238E27FC236}">
-                <a16:creationId xmlns:a16="http://schemas.microsoft.com/office/drawing/2014/main" id="{CB0C0651-87F0-BF01-94D3-888370C7A94E}"/>
+          <p:cNvPr id="3" name="TextBox 2">
+            <a:extLst>
+              <a:ext uri="{FF2B5EF4-FFF2-40B4-BE49-F238E27FC236}">
+                <a16:creationId xmlns:a16="http://schemas.microsoft.com/office/drawing/2014/main" id="{C99020B4-0187-3085-BB22-9DF8E77AF47F}"/>
               </a:ext>
             </a:extLst>
           </p:cNvPr>
@@ -6445,7 +6810,7 @@
         </p:nvSpPr>
         <p:spPr>
           <a:xfrm>
-            <a:off x="225697" y="3917373"/>
+            <a:off x="225697" y="752533"/>
             <a:ext cx="2396770" cy="261610"/>
           </a:xfrm>
           <a:prstGeom prst="rect">
@@ -6461,7 +6826,7 @@
           <a:p>
             <a:pPr algn="l"/>
             <a:r>
-              <a:rPr lang="en-AU" sz="1100">
+              <a:rPr lang="en-AU" sz="1100" dirty="0">
                 <a:solidFill>
                   <a:schemeClr val="tx1">
                     <a:alpha val="30000"/>
@@ -6470,17 +6835,17 @@
                 <a:latin typeface="Source Sans Pro" panose="020B0503030403020204" pitchFamily="34" charset="0"/>
                 <a:ea typeface="Source Sans Pro" panose="020B0503030403020204" pitchFamily="34" charset="0"/>
               </a:rPr>
-              <a:t>METRIC</a:t>
+              <a:t>HYPOTHESIS</a:t>
             </a:r>
           </a:p>
         </p:txBody>
       </p:sp>
       <p:sp>
         <p:nvSpPr>
-          <p:cNvPr id="55" name="TextBox 54">
-            <a:extLst>
-              <a:ext uri="{FF2B5EF4-FFF2-40B4-BE49-F238E27FC236}">
-                <a16:creationId xmlns:a16="http://schemas.microsoft.com/office/drawing/2014/main" id="{F24C2EF5-8C06-C6CF-D5D7-288359E9F523}"/>
+          <p:cNvPr id="4" name="TextBox 3">
+            <a:extLst>
+              <a:ext uri="{FF2B5EF4-FFF2-40B4-BE49-F238E27FC236}">
+                <a16:creationId xmlns:a16="http://schemas.microsoft.com/office/drawing/2014/main" id="{81AF3A27-14E9-BC76-0F89-A1414961959F}"/>
               </a:ext>
             </a:extLst>
           </p:cNvPr>
@@ -6489,7 +6854,7 @@
         </p:nvSpPr>
         <p:spPr>
           <a:xfrm>
-            <a:off x="225697" y="4139046"/>
+            <a:off x="225697" y="946497"/>
             <a:ext cx="2396770" cy="307777"/>
           </a:xfrm>
           <a:prstGeom prst="rect">
@@ -6505,21 +6870,21 @@
           <a:p>
             <a:pPr algn="l"/>
             <a:r>
-              <a:rPr lang="en-AU" sz="1400">
+              <a:rPr lang="en-AU" sz="1400" dirty="0">
                 <a:latin typeface="Source Sans Pro" panose="020B0503030403020204" pitchFamily="34" charset="0"/>
                 <a:ea typeface="Source Sans Pro" panose="020B0503030403020204" pitchFamily="34" charset="0"/>
               </a:rPr>
-              <a:t>And measure</a:t>
+              <a:t>We believe that</a:t>
             </a:r>
           </a:p>
         </p:txBody>
       </p:sp>
       <p:sp>
         <p:nvSpPr>
-          <p:cNvPr id="63" name="TextBox 62">
-            <a:extLst>
-              <a:ext uri="{FF2B5EF4-FFF2-40B4-BE49-F238E27FC236}">
-                <a16:creationId xmlns:a16="http://schemas.microsoft.com/office/drawing/2014/main" id="{6D42A282-195E-8C03-953A-EA7E55001337}"/>
+          <p:cNvPr id="5" name="TextBox 4">
+            <a:extLst>
+              <a:ext uri="{FF2B5EF4-FFF2-40B4-BE49-F238E27FC236}">
+                <a16:creationId xmlns:a16="http://schemas.microsoft.com/office/drawing/2014/main" id="{1269BA99-9B01-0925-FE31-2C07F9363BFD}"/>
               </a:ext>
             </a:extLst>
           </p:cNvPr>
@@ -6528,7 +6893,7 @@
         </p:nvSpPr>
         <p:spPr>
           <a:xfrm>
-            <a:off x="225697" y="5182755"/>
+            <a:off x="225697" y="1945264"/>
             <a:ext cx="2396770" cy="261610"/>
           </a:xfrm>
           <a:prstGeom prst="rect">
@@ -6544,7 +6909,7 @@
           <a:p>
             <a:pPr algn="l"/>
             <a:r>
-              <a:rPr lang="en-AU" sz="1100">
+              <a:rPr lang="en-AU" sz="1100" dirty="0">
                 <a:solidFill>
                   <a:schemeClr val="tx1">
                     <a:alpha val="30000"/>
@@ -6553,17 +6918,17 @@
                 <a:latin typeface="Source Sans Pro" panose="020B0503030403020204" pitchFamily="34" charset="0"/>
                 <a:ea typeface="Source Sans Pro" panose="020B0503030403020204" pitchFamily="34" charset="0"/>
               </a:rPr>
-              <a:t>CRITERIA</a:t>
+              <a:t>TEST</a:t>
             </a:r>
           </a:p>
         </p:txBody>
       </p:sp>
       <p:sp>
         <p:nvSpPr>
-          <p:cNvPr id="65" name="TextBox 64">
-            <a:extLst>
-              <a:ext uri="{FF2B5EF4-FFF2-40B4-BE49-F238E27FC236}">
-                <a16:creationId xmlns:a16="http://schemas.microsoft.com/office/drawing/2014/main" id="{D631C171-3DBE-00F2-F32D-A7D25FB0D22C}"/>
+          <p:cNvPr id="6" name="TextBox 5">
+            <a:extLst>
+              <a:ext uri="{FF2B5EF4-FFF2-40B4-BE49-F238E27FC236}">
+                <a16:creationId xmlns:a16="http://schemas.microsoft.com/office/drawing/2014/main" id="{4B52D0E4-34AD-2A0A-D510-5198EE214AD1}"/>
               </a:ext>
             </a:extLst>
           </p:cNvPr>
@@ -6572,7 +6937,7 @@
         </p:nvSpPr>
         <p:spPr>
           <a:xfrm>
-            <a:off x="225697" y="5404428"/>
+            <a:off x="225697" y="2154411"/>
             <a:ext cx="2396770" cy="307777"/>
           </a:xfrm>
           <a:prstGeom prst="rect">
@@ -6588,138 +6953,21 @@
           <a:p>
             <a:pPr algn="l"/>
             <a:r>
-              <a:rPr lang="en-AU" sz="1400">
+              <a:rPr lang="en-AU" sz="1400" dirty="0">
                 <a:latin typeface="Source Sans Pro" panose="020B0503030403020204" pitchFamily="34" charset="0"/>
                 <a:ea typeface="Source Sans Pro" panose="020B0503030403020204" pitchFamily="34" charset="0"/>
               </a:rPr>
-              <a:t>We are right if</a:t>
+              <a:t>To verify that, we will</a:t>
             </a:r>
           </a:p>
         </p:txBody>
       </p:sp>
-      <p:pic>
-        <p:nvPicPr>
-          <p:cNvPr id="8" name="Graphic 7" descr="Warning with solid fill">
-            <a:extLst>
-              <a:ext uri="{FF2B5EF4-FFF2-40B4-BE49-F238E27FC236}">
-                <a16:creationId xmlns:a16="http://schemas.microsoft.com/office/drawing/2014/main" id="{3B761C0A-1A6B-10C3-2C89-1A0E4601F81B}"/>
-              </a:ext>
-            </a:extLst>
-          </p:cNvPr>
-          <p:cNvPicPr>
-            <a:picLocks noChangeAspect="1"/>
-          </p:cNvPicPr>
-          <p:nvPr userDrawn="1"/>
-        </p:nvPicPr>
-        <p:blipFill>
-          <a:blip r:embed="rId2">
-            <a:extLst>
-              <a:ext uri="{28A0092B-C50C-407E-A947-70E740481C1C}">
-                <a14:useLocalDpi xmlns:a14="http://schemas.microsoft.com/office/drawing/2010/main" val="0"/>
-              </a:ext>
-              <a:ext uri="{96DAC541-7B7A-43D3-8B79-37D633B846F1}">
-                <asvg:svgBlip xmlns:asvg="http://schemas.microsoft.com/office/drawing/2016/SVG/main" r:embed="rId3"/>
-              </a:ext>
-            </a:extLst>
-          </a:blip>
-          <a:stretch>
-            <a:fillRect/>
-          </a:stretch>
-        </p:blipFill>
-        <p:spPr>
-          <a:xfrm>
-            <a:off x="5324103" y="1258094"/>
-            <a:ext cx="360000" cy="360000"/>
-          </a:xfrm>
-          <a:prstGeom prst="rect">
-            <a:avLst/>
-          </a:prstGeom>
-        </p:spPr>
-      </p:pic>
-      <p:pic>
-        <p:nvPicPr>
-          <p:cNvPr id="68" name="Graphic 67" descr="Warning with solid fill">
-            <a:extLst>
-              <a:ext uri="{FF2B5EF4-FFF2-40B4-BE49-F238E27FC236}">
-                <a16:creationId xmlns:a16="http://schemas.microsoft.com/office/drawing/2014/main" id="{996A03A2-6487-85DC-6C12-C52C695ABF0A}"/>
-              </a:ext>
-            </a:extLst>
-          </p:cNvPr>
-          <p:cNvPicPr>
-            <a:picLocks noChangeAspect="1"/>
-          </p:cNvPicPr>
-          <p:nvPr userDrawn="1"/>
-        </p:nvPicPr>
-        <p:blipFill>
-          <a:blip r:embed="rId2">
-            <a:extLst>
-              <a:ext uri="{28A0092B-C50C-407E-A947-70E740481C1C}">
-                <a14:useLocalDpi xmlns:a14="http://schemas.microsoft.com/office/drawing/2010/main" val="0"/>
-              </a:ext>
-              <a:ext uri="{96DAC541-7B7A-43D3-8B79-37D633B846F1}">
-                <asvg:svgBlip xmlns:asvg="http://schemas.microsoft.com/office/drawing/2016/SVG/main" r:embed="rId3"/>
-              </a:ext>
-            </a:extLst>
-          </a:blip>
-          <a:stretch>
-            <a:fillRect/>
-          </a:stretch>
-        </p:blipFill>
-        <p:spPr>
-          <a:xfrm>
-            <a:off x="4974173" y="1340067"/>
-            <a:ext cx="270000" cy="270000"/>
-          </a:xfrm>
-          <a:prstGeom prst="rect">
-            <a:avLst/>
-          </a:prstGeom>
-        </p:spPr>
-      </p:pic>
-      <p:pic>
-        <p:nvPicPr>
-          <p:cNvPr id="69" name="Graphic 68" descr="Warning with solid fill">
-            <a:extLst>
-              <a:ext uri="{FF2B5EF4-FFF2-40B4-BE49-F238E27FC236}">
-                <a16:creationId xmlns:a16="http://schemas.microsoft.com/office/drawing/2014/main" id="{880B175C-489E-1B05-74CD-59BA71764171}"/>
-              </a:ext>
-            </a:extLst>
-          </p:cNvPr>
-          <p:cNvPicPr>
-            <a:picLocks noChangeAspect="1"/>
-          </p:cNvPicPr>
-          <p:nvPr userDrawn="1"/>
-        </p:nvPicPr>
-        <p:blipFill>
-          <a:blip r:embed="rId2">
-            <a:extLst>
-              <a:ext uri="{28A0092B-C50C-407E-A947-70E740481C1C}">
-                <a14:useLocalDpi xmlns:a14="http://schemas.microsoft.com/office/drawing/2010/main" val="0"/>
-              </a:ext>
-              <a:ext uri="{96DAC541-7B7A-43D3-8B79-37D633B846F1}">
-                <asvg:svgBlip xmlns:asvg="http://schemas.microsoft.com/office/drawing/2016/SVG/main" r:embed="rId3"/>
-              </a:ext>
-            </a:extLst>
-          </a:blip>
-          <a:stretch>
-            <a:fillRect/>
-          </a:stretch>
-        </p:blipFill>
-        <p:spPr>
-          <a:xfrm>
-            <a:off x="4679864" y="1419444"/>
-            <a:ext cx="180000" cy="180000"/>
-          </a:xfrm>
-          <a:prstGeom prst="rect">
-            <a:avLst/>
-          </a:prstGeom>
-        </p:spPr>
-      </p:pic>
       <p:sp>
         <p:nvSpPr>
-          <p:cNvPr id="70" name="TextBox 69">
-            <a:extLst>
-              <a:ext uri="{FF2B5EF4-FFF2-40B4-BE49-F238E27FC236}">
-                <a16:creationId xmlns:a16="http://schemas.microsoft.com/office/drawing/2014/main" id="{B58D5416-7752-1E10-AD65-9FC989237D45}"/>
+          <p:cNvPr id="7" name="TextBox 6">
+            <a:extLst>
+              <a:ext uri="{FF2B5EF4-FFF2-40B4-BE49-F238E27FC236}">
+                <a16:creationId xmlns:a16="http://schemas.microsoft.com/office/drawing/2014/main" id="{71FC58EB-9206-4666-4361-BD3591497F8F}"/>
               </a:ext>
             </a:extLst>
           </p:cNvPr>
@@ -6728,8 +6976,8 @@
         </p:nvSpPr>
         <p:spPr>
           <a:xfrm>
-            <a:off x="3883870" y="1373043"/>
-            <a:ext cx="797004" cy="276999"/>
+            <a:off x="225697" y="3124578"/>
+            <a:ext cx="2396770" cy="261610"/>
           </a:xfrm>
           <a:prstGeom prst="rect">
             <a:avLst/>
@@ -6744,7 +6992,7 @@
           <a:p>
             <a:pPr algn="l"/>
             <a:r>
-              <a:rPr lang="en-AU" sz="1200">
+              <a:rPr lang="en-AU" sz="1100" dirty="0">
                 <a:solidFill>
                   <a:schemeClr val="tx1">
                     <a:alpha val="30000"/>
@@ -6753,17 +7001,17 @@
                 <a:latin typeface="Source Sans Pro" panose="020B0503030403020204" pitchFamily="34" charset="0"/>
                 <a:ea typeface="Source Sans Pro" panose="020B0503030403020204" pitchFamily="34" charset="0"/>
               </a:rPr>
-              <a:t>Critical:</a:t>
+              <a:t>METRIC</a:t>
             </a:r>
           </a:p>
         </p:txBody>
       </p:sp>
       <p:sp>
         <p:nvSpPr>
-          <p:cNvPr id="74" name="TextBox 73">
-            <a:extLst>
-              <a:ext uri="{FF2B5EF4-FFF2-40B4-BE49-F238E27FC236}">
-                <a16:creationId xmlns:a16="http://schemas.microsoft.com/office/drawing/2014/main" id="{A56C317D-B980-01A9-3F4A-6DBF119B4594}"/>
+          <p:cNvPr id="9" name="TextBox 8">
+            <a:extLst>
+              <a:ext uri="{FF2B5EF4-FFF2-40B4-BE49-F238E27FC236}">
+                <a16:creationId xmlns:a16="http://schemas.microsoft.com/office/drawing/2014/main" id="{B8759709-80AC-383D-BA7B-C0C73801B2A2}"/>
               </a:ext>
             </a:extLst>
           </p:cNvPr>
@@ -6772,8 +7020,8 @@
         </p:nvSpPr>
         <p:spPr>
           <a:xfrm>
-            <a:off x="3462513" y="4007484"/>
-            <a:ext cx="1208663" cy="276999"/>
+            <a:off x="225697" y="3339988"/>
+            <a:ext cx="2396770" cy="307777"/>
           </a:xfrm>
           <a:prstGeom prst="rect">
             <a:avLst/>
@@ -6788,7 +7036,46 @@
           <a:p>
             <a:pPr algn="l"/>
             <a:r>
-              <a:rPr lang="en-AU" sz="1200">
+              <a:rPr lang="en-AU" sz="1400" dirty="0">
+                <a:latin typeface="Source Sans Pro" panose="020B0503030403020204" pitchFamily="34" charset="0"/>
+                <a:ea typeface="Source Sans Pro" panose="020B0503030403020204" pitchFamily="34" charset="0"/>
+              </a:rPr>
+              <a:t>And measure</a:t>
+            </a:r>
+          </a:p>
+        </p:txBody>
+      </p:sp>
+      <p:sp>
+        <p:nvSpPr>
+          <p:cNvPr id="10" name="TextBox 9">
+            <a:extLst>
+              <a:ext uri="{FF2B5EF4-FFF2-40B4-BE49-F238E27FC236}">
+                <a16:creationId xmlns:a16="http://schemas.microsoft.com/office/drawing/2014/main" id="{68235EAF-18FF-2BF4-5AE0-9B4C142B5938}"/>
+              </a:ext>
+            </a:extLst>
+          </p:cNvPr>
+          <p:cNvSpPr txBox="1"/>
+          <p:nvPr userDrawn="1"/>
+        </p:nvSpPr>
+        <p:spPr>
+          <a:xfrm>
+            <a:off x="225697" y="4340441"/>
+            <a:ext cx="2396770" cy="261610"/>
+          </a:xfrm>
+          <a:prstGeom prst="rect">
+            <a:avLst/>
+          </a:prstGeom>
+          <a:noFill/>
+        </p:spPr>
+        <p:txBody>
+          <a:bodyPr wrap="square" rtlCol="0">
+            <a:spAutoFit/>
+          </a:bodyPr>
+          <a:lstStyle/>
+          <a:p>
+            <a:pPr algn="l"/>
+            <a:r>
+              <a:rPr lang="en-AU" sz="1100" dirty="0">
                 <a:solidFill>
                   <a:schemeClr val="tx1">
                     <a:alpha val="30000"/>
@@ -6797,134 +7084,177 @@
                 <a:latin typeface="Source Sans Pro" panose="020B0503030403020204" pitchFamily="34" charset="0"/>
                 <a:ea typeface="Source Sans Pro" panose="020B0503030403020204" pitchFamily="34" charset="0"/>
               </a:rPr>
-              <a:t>Time required:</a:t>
+              <a:t>CRITERIA</a:t>
             </a:r>
           </a:p>
         </p:txBody>
       </p:sp>
-      <p:pic>
-        <p:nvPicPr>
-          <p:cNvPr id="16" name="Graphic 15" descr="Clock with solid fill">
-            <a:extLst>
-              <a:ext uri="{FF2B5EF4-FFF2-40B4-BE49-F238E27FC236}">
-                <a16:creationId xmlns:a16="http://schemas.microsoft.com/office/drawing/2014/main" id="{95807DC4-FF59-ACA4-6554-DA423ECBD96F}"/>
-              </a:ext>
-            </a:extLst>
-          </p:cNvPr>
-          <p:cNvPicPr>
-            <a:picLocks noChangeAspect="1"/>
-          </p:cNvPicPr>
+      <p:sp>
+        <p:nvSpPr>
+          <p:cNvPr id="11" name="TextBox 10">
+            <a:extLst>
+              <a:ext uri="{FF2B5EF4-FFF2-40B4-BE49-F238E27FC236}">
+                <a16:creationId xmlns:a16="http://schemas.microsoft.com/office/drawing/2014/main" id="{B5DFDD27-FE72-DD02-A7DD-BD4C7CEB27C9}"/>
+              </a:ext>
+            </a:extLst>
+          </p:cNvPr>
+          <p:cNvSpPr txBox="1"/>
           <p:nvPr userDrawn="1"/>
-        </p:nvPicPr>
-        <p:blipFill>
-          <a:blip r:embed="rId4">
-            <a:extLst>
-              <a:ext uri="{28A0092B-C50C-407E-A947-70E740481C1C}">
-                <a14:useLocalDpi xmlns:a14="http://schemas.microsoft.com/office/drawing/2010/main" val="0"/>
-              </a:ext>
-              <a:ext uri="{96DAC541-7B7A-43D3-8B79-37D633B846F1}">
-                <asvg:svgBlip xmlns:asvg="http://schemas.microsoft.com/office/drawing/2016/SVG/main" r:embed="rId5"/>
-              </a:ext>
-            </a:extLst>
-          </a:blip>
-          <a:stretch>
-            <a:fillRect/>
-          </a:stretch>
-        </p:blipFill>
+        </p:nvSpPr>
         <p:spPr>
           <a:xfrm>
-            <a:off x="5302397" y="3879273"/>
-            <a:ext cx="360000" cy="360000"/>
+            <a:off x="225697" y="4549588"/>
+            <a:ext cx="2396770" cy="307777"/>
           </a:xfrm>
           <a:prstGeom prst="rect">
             <a:avLst/>
           </a:prstGeom>
+          <a:noFill/>
         </p:spPr>
-      </p:pic>
-      <p:pic>
-        <p:nvPicPr>
-          <p:cNvPr id="75" name="Graphic 74" descr="Clock with solid fill">
-            <a:extLst>
-              <a:ext uri="{FF2B5EF4-FFF2-40B4-BE49-F238E27FC236}">
-                <a16:creationId xmlns:a16="http://schemas.microsoft.com/office/drawing/2014/main" id="{2A656223-199D-259A-ACEC-11E335ED158B}"/>
-              </a:ext>
-            </a:extLst>
-          </p:cNvPr>
-          <p:cNvPicPr>
-            <a:picLocks noChangeAspect="1"/>
-          </p:cNvPicPr>
+        <p:txBody>
+          <a:bodyPr wrap="square" rtlCol="0">
+            <a:spAutoFit/>
+          </a:bodyPr>
+          <a:lstStyle/>
+          <a:p>
+            <a:pPr algn="l"/>
+            <a:r>
+              <a:rPr lang="en-AU" sz="1400" dirty="0">
+                <a:latin typeface="Source Sans Pro" panose="020B0503030403020204" pitchFamily="34" charset="0"/>
+                <a:ea typeface="Source Sans Pro" panose="020B0503030403020204" pitchFamily="34" charset="0"/>
+              </a:rPr>
+              <a:t>We are right if</a:t>
+            </a:r>
+          </a:p>
+        </p:txBody>
+      </p:sp>
+      <p:sp>
+        <p:nvSpPr>
+          <p:cNvPr id="12" name="TextBox 11">
+            <a:extLst>
+              <a:ext uri="{FF2B5EF4-FFF2-40B4-BE49-F238E27FC236}">
+                <a16:creationId xmlns:a16="http://schemas.microsoft.com/office/drawing/2014/main" id="{F3DAA34C-0745-DBE2-256C-48C58C66C420}"/>
+              </a:ext>
+            </a:extLst>
+          </p:cNvPr>
+          <p:cNvSpPr txBox="1"/>
           <p:nvPr userDrawn="1"/>
-        </p:nvPicPr>
-        <p:blipFill>
-          <a:blip r:embed="rId4">
-            <a:extLst>
-              <a:ext uri="{28A0092B-C50C-407E-A947-70E740481C1C}">
-                <a14:useLocalDpi xmlns:a14="http://schemas.microsoft.com/office/drawing/2010/main" val="0"/>
-              </a:ext>
-              <a:ext uri="{96DAC541-7B7A-43D3-8B79-37D633B846F1}">
-                <asvg:svgBlip xmlns:asvg="http://schemas.microsoft.com/office/drawing/2016/SVG/main" r:embed="rId5"/>
-              </a:ext>
-            </a:extLst>
-          </a:blip>
-          <a:stretch>
-            <a:fillRect/>
-          </a:stretch>
-        </p:blipFill>
+        </p:nvSpPr>
         <p:spPr>
           <a:xfrm>
-            <a:off x="4974014" y="3958647"/>
-            <a:ext cx="270000" cy="270000"/>
+            <a:off x="225697" y="5514433"/>
+            <a:ext cx="2396770" cy="261610"/>
           </a:xfrm>
           <a:prstGeom prst="rect">
             <a:avLst/>
           </a:prstGeom>
+          <a:noFill/>
         </p:spPr>
-      </p:pic>
-      <p:pic>
-        <p:nvPicPr>
-          <p:cNvPr id="76" name="Graphic 75" descr="Clock with solid fill">
-            <a:extLst>
-              <a:ext uri="{FF2B5EF4-FFF2-40B4-BE49-F238E27FC236}">
-                <a16:creationId xmlns:a16="http://schemas.microsoft.com/office/drawing/2014/main" id="{CE3C00B0-0B21-A959-11D5-A28F655033D8}"/>
-              </a:ext>
-            </a:extLst>
-          </p:cNvPr>
-          <p:cNvPicPr>
-            <a:picLocks noChangeAspect="1"/>
-          </p:cNvPicPr>
+        <p:txBody>
+          <a:bodyPr wrap="square" rtlCol="0">
+            <a:spAutoFit/>
+          </a:bodyPr>
+          <a:lstStyle/>
+          <a:p>
+            <a:pPr algn="l"/>
+            <a:r>
+              <a:rPr lang="en-AU" sz="1100" dirty="0">
+                <a:solidFill>
+                  <a:schemeClr val="tx1">
+                    <a:alpha val="30000"/>
+                  </a:schemeClr>
+                </a:solidFill>
+                <a:latin typeface="Source Sans Pro" panose="020B0503030403020204" pitchFamily="34" charset="0"/>
+                <a:ea typeface="Source Sans Pro" panose="020B0503030403020204" pitchFamily="34" charset="0"/>
+              </a:rPr>
+              <a:t>INTERVIEW QUESTIONS</a:t>
+            </a:r>
+          </a:p>
+        </p:txBody>
+      </p:sp>
+      <p:sp>
+        <p:nvSpPr>
+          <p:cNvPr id="13" name="TextBox 12">
+            <a:extLst>
+              <a:ext uri="{FF2B5EF4-FFF2-40B4-BE49-F238E27FC236}">
+                <a16:creationId xmlns:a16="http://schemas.microsoft.com/office/drawing/2014/main" id="{C8B3C4AF-6F2C-0093-7F71-9F68B78D9C2F}"/>
+              </a:ext>
+            </a:extLst>
+          </p:cNvPr>
+          <p:cNvSpPr txBox="1"/>
           <p:nvPr userDrawn="1"/>
-        </p:nvPicPr>
-        <p:blipFill>
-          <a:blip r:embed="rId4">
-            <a:extLst>
-              <a:ext uri="{28A0092B-C50C-407E-A947-70E740481C1C}">
-                <a14:useLocalDpi xmlns:a14="http://schemas.microsoft.com/office/drawing/2010/main" val="0"/>
-              </a:ext>
-              <a:ext uri="{96DAC541-7B7A-43D3-8B79-37D633B846F1}">
-                <asvg:svgBlip xmlns:asvg="http://schemas.microsoft.com/office/drawing/2016/SVG/main" r:embed="rId5"/>
-              </a:ext>
-            </a:extLst>
-          </a:blip>
-          <a:stretch>
-            <a:fillRect/>
-          </a:stretch>
-        </p:blipFill>
+        </p:nvSpPr>
         <p:spPr>
           <a:xfrm>
-            <a:off x="4691181" y="4046219"/>
-            <a:ext cx="180000" cy="180000"/>
+            <a:off x="225697" y="5723580"/>
+            <a:ext cx="2396770" cy="307777"/>
           </a:xfrm>
           <a:prstGeom prst="rect">
             <a:avLst/>
           </a:prstGeom>
+          <a:noFill/>
         </p:spPr>
-      </p:pic>
+        <p:txBody>
+          <a:bodyPr wrap="square" rtlCol="0">
+            <a:spAutoFit/>
+          </a:bodyPr>
+          <a:lstStyle/>
+          <a:p>
+            <a:pPr algn="l"/>
+            <a:r>
+              <a:rPr lang="en-AU" sz="1400" dirty="0">
+                <a:latin typeface="Source Sans Pro" panose="020B0503030403020204" pitchFamily="34" charset="0"/>
+                <a:ea typeface="Source Sans Pro" panose="020B0503030403020204" pitchFamily="34" charset="0"/>
+              </a:rPr>
+              <a:t>Therefore, we will ask</a:t>
+            </a:r>
+          </a:p>
+        </p:txBody>
+      </p:sp>
+      <p:sp>
+        <p:nvSpPr>
+          <p:cNvPr id="14" name="TextBox 13">
+            <a:extLst>
+              <a:ext uri="{FF2B5EF4-FFF2-40B4-BE49-F238E27FC236}">
+                <a16:creationId xmlns:a16="http://schemas.microsoft.com/office/drawing/2014/main" id="{58B0CFD9-94C8-3116-B46A-34031469ABDE}"/>
+              </a:ext>
+            </a:extLst>
+          </p:cNvPr>
+          <p:cNvSpPr txBox="1"/>
+          <p:nvPr userDrawn="1"/>
+        </p:nvSpPr>
+        <p:spPr>
+          <a:xfrm>
+            <a:off x="6353565" y="159881"/>
+            <a:ext cx="1124026" cy="369332"/>
+          </a:xfrm>
+          <a:prstGeom prst="rect">
+            <a:avLst/>
+          </a:prstGeom>
+          <a:noFill/>
+        </p:spPr>
+        <p:txBody>
+          <a:bodyPr wrap="none" rtlCol="0">
+            <a:spAutoFit/>
+          </a:bodyPr>
+          <a:lstStyle/>
+          <a:p>
+            <a:r>
+              <a:rPr lang="en-AU" sz="1800" b="1" dirty="0">
+                <a:latin typeface="Source Sans Pro" panose="020B0503030403020204" pitchFamily="34" charset="0"/>
+                <a:ea typeface="Source Sans Pro" panose="020B0503030403020204" pitchFamily="34" charset="0"/>
+              </a:rPr>
+              <a:t>Test card</a:t>
+            </a:r>
+          </a:p>
+        </p:txBody>
+      </p:sp>
       <p:cxnSp>
         <p:nvCxnSpPr>
-          <p:cNvPr id="78" name="Straight Connector 77">
-            <a:extLst>
-              <a:ext uri="{FF2B5EF4-FFF2-40B4-BE49-F238E27FC236}">
-                <a16:creationId xmlns:a16="http://schemas.microsoft.com/office/drawing/2014/main" id="{3AEFF02B-5B34-D967-8612-8FFAFF6424E7}"/>
+          <p:cNvPr id="15" name="Straight Connector 14">
+            <a:extLst>
+              <a:ext uri="{FF2B5EF4-FFF2-40B4-BE49-F238E27FC236}">
+                <a16:creationId xmlns:a16="http://schemas.microsoft.com/office/drawing/2014/main" id="{F4367F90-875F-034C-723B-5168F38238E9}"/>
               </a:ext>
             </a:extLst>
           </p:cNvPr>
@@ -6935,7 +7265,7 @@
         </p:nvCxnSpPr>
         <p:spPr>
           <a:xfrm>
-            <a:off x="6413216" y="1225646"/>
+            <a:off x="6380052" y="700894"/>
             <a:ext cx="5529118" cy="0"/>
           </a:xfrm>
           <a:prstGeom prst="line">
@@ -6963,134 +7293,12 @@
           </a:fontRef>
         </p:style>
       </p:cxnSp>
-      <p:sp>
-        <p:nvSpPr>
-          <p:cNvPr id="79" name="TextBox 78">
-            <a:extLst>
-              <a:ext uri="{FF2B5EF4-FFF2-40B4-BE49-F238E27FC236}">
-                <a16:creationId xmlns:a16="http://schemas.microsoft.com/office/drawing/2014/main" id="{ADA2B3DB-D98C-0913-D782-BEC0A0C41343}"/>
-              </a:ext>
-            </a:extLst>
-          </p:cNvPr>
-          <p:cNvSpPr txBox="1"/>
-          <p:nvPr userDrawn="1"/>
-        </p:nvSpPr>
-        <p:spPr>
-          <a:xfrm>
-            <a:off x="6386728" y="787400"/>
-            <a:ext cx="974947" cy="338554"/>
-          </a:xfrm>
-          <a:prstGeom prst="rect">
-            <a:avLst/>
-          </a:prstGeom>
-          <a:noFill/>
-        </p:spPr>
-        <p:txBody>
-          <a:bodyPr wrap="none" rtlCol="0">
-            <a:spAutoFit/>
-          </a:bodyPr>
-          <a:lstStyle/>
-          <a:p>
-            <a:pPr algn="ctr"/>
-            <a:r>
-              <a:rPr lang="en-AU" sz="1600" dirty="0">
-                <a:latin typeface="Source Sans Pro" panose="020B0503030403020204" pitchFamily="34" charset="0"/>
-                <a:ea typeface="Source Sans Pro" panose="020B0503030403020204" pitchFamily="34" charset="0"/>
-              </a:rPr>
-              <a:t>Test card</a:t>
-            </a:r>
-          </a:p>
-        </p:txBody>
-      </p:sp>
-      <p:sp>
-        <p:nvSpPr>
-          <p:cNvPr id="80" name="TextBox 79">
-            <a:extLst>
-              <a:ext uri="{FF2B5EF4-FFF2-40B4-BE49-F238E27FC236}">
-                <a16:creationId xmlns:a16="http://schemas.microsoft.com/office/drawing/2014/main" id="{71B01D59-66B0-314B-9609-505DA1570FCD}"/>
-              </a:ext>
-            </a:extLst>
-          </p:cNvPr>
-          <p:cNvSpPr txBox="1"/>
-          <p:nvPr userDrawn="1"/>
-        </p:nvSpPr>
-        <p:spPr>
-          <a:xfrm>
-            <a:off x="6386728" y="1303482"/>
-            <a:ext cx="2396770" cy="261610"/>
-          </a:xfrm>
-          <a:prstGeom prst="rect">
-            <a:avLst/>
-          </a:prstGeom>
-          <a:noFill/>
-        </p:spPr>
-        <p:txBody>
-          <a:bodyPr wrap="square" rtlCol="0">
-            <a:spAutoFit/>
-          </a:bodyPr>
-          <a:lstStyle/>
-          <a:p>
-            <a:pPr algn="l"/>
-            <a:r>
-              <a:rPr lang="en-AU" sz="1100">
-                <a:solidFill>
-                  <a:schemeClr val="tx1">
-                    <a:alpha val="30000"/>
-                  </a:schemeClr>
-                </a:solidFill>
-                <a:latin typeface="Source Sans Pro" panose="020B0503030403020204" pitchFamily="34" charset="0"/>
-                <a:ea typeface="Source Sans Pro" panose="020B0503030403020204" pitchFamily="34" charset="0"/>
-              </a:rPr>
-              <a:t>HYPOTHESIS</a:t>
-            </a:r>
-          </a:p>
-        </p:txBody>
-      </p:sp>
-      <p:sp>
-        <p:nvSpPr>
-          <p:cNvPr id="81" name="TextBox 80">
-            <a:extLst>
-              <a:ext uri="{FF2B5EF4-FFF2-40B4-BE49-F238E27FC236}">
-                <a16:creationId xmlns:a16="http://schemas.microsoft.com/office/drawing/2014/main" id="{5C1EF3E0-2ACE-B1A8-22CC-CE9AEFDF96CB}"/>
-              </a:ext>
-            </a:extLst>
-          </p:cNvPr>
-          <p:cNvSpPr txBox="1"/>
-          <p:nvPr userDrawn="1"/>
-        </p:nvSpPr>
-        <p:spPr>
-          <a:xfrm>
-            <a:off x="6386728" y="1497446"/>
-            <a:ext cx="2396770" cy="307777"/>
-          </a:xfrm>
-          <a:prstGeom prst="rect">
-            <a:avLst/>
-          </a:prstGeom>
-          <a:noFill/>
-        </p:spPr>
-        <p:txBody>
-          <a:bodyPr wrap="square" rtlCol="0">
-            <a:spAutoFit/>
-          </a:bodyPr>
-          <a:lstStyle/>
-          <a:p>
-            <a:pPr algn="l"/>
-            <a:r>
-              <a:rPr lang="en-AU" sz="1400">
-                <a:latin typeface="Source Sans Pro" panose="020B0503030403020204" pitchFamily="34" charset="0"/>
-                <a:ea typeface="Source Sans Pro" panose="020B0503030403020204" pitchFamily="34" charset="0"/>
-              </a:rPr>
-              <a:t>We believe that</a:t>
-            </a:r>
-          </a:p>
-        </p:txBody>
-      </p:sp>
       <p:cxnSp>
         <p:nvCxnSpPr>
-          <p:cNvPr id="82" name="Straight Connector 81">
-            <a:extLst>
-              <a:ext uri="{FF2B5EF4-FFF2-40B4-BE49-F238E27FC236}">
-                <a16:creationId xmlns:a16="http://schemas.microsoft.com/office/drawing/2014/main" id="{D9238086-C9A0-8033-E207-1EB825356E48}"/>
+          <p:cNvPr id="17" name="Straight Connector 16">
+            <a:extLst>
+              <a:ext uri="{FF2B5EF4-FFF2-40B4-BE49-F238E27FC236}">
+                <a16:creationId xmlns:a16="http://schemas.microsoft.com/office/drawing/2014/main" id="{6B59CD5A-1919-79E6-35B1-027E0207D84C}"/>
               </a:ext>
             </a:extLst>
           </p:cNvPr>
@@ -7101,7 +7309,7 @@
         </p:nvCxnSpPr>
         <p:spPr>
           <a:xfrm>
-            <a:off x="6413216" y="2532592"/>
+            <a:off x="6380052" y="1892737"/>
             <a:ext cx="5529118" cy="0"/>
           </a:xfrm>
           <a:prstGeom prst="line">
@@ -7131,10 +7339,10 @@
       </p:cxnSp>
       <p:cxnSp>
         <p:nvCxnSpPr>
-          <p:cNvPr id="83" name="Straight Connector 82">
-            <a:extLst>
-              <a:ext uri="{FF2B5EF4-FFF2-40B4-BE49-F238E27FC236}">
-                <a16:creationId xmlns:a16="http://schemas.microsoft.com/office/drawing/2014/main" id="{DD576BBB-DDD3-CE6C-5E4F-89DCE2E709B1}"/>
+          <p:cNvPr id="18" name="Straight Connector 17">
+            <a:extLst>
+              <a:ext uri="{FF2B5EF4-FFF2-40B4-BE49-F238E27FC236}">
+                <a16:creationId xmlns:a16="http://schemas.microsoft.com/office/drawing/2014/main" id="{A7CF1293-6FA6-75A9-A315-BBA55C8206C4}"/>
               </a:ext>
             </a:extLst>
           </p:cNvPr>
@@ -7145,7 +7353,7 @@
         </p:nvCxnSpPr>
         <p:spPr>
           <a:xfrm>
-            <a:off x="6413216" y="3839538"/>
+            <a:off x="6380052" y="3084580"/>
             <a:ext cx="5529118" cy="0"/>
           </a:xfrm>
           <a:prstGeom prst="line">
@@ -7175,10 +7383,10 @@
       </p:cxnSp>
       <p:cxnSp>
         <p:nvCxnSpPr>
-          <p:cNvPr id="84" name="Straight Connector 83">
-            <a:extLst>
-              <a:ext uri="{FF2B5EF4-FFF2-40B4-BE49-F238E27FC236}">
-                <a16:creationId xmlns:a16="http://schemas.microsoft.com/office/drawing/2014/main" id="{8B6ADE62-8171-A163-BF77-BC0E333DFEF8}"/>
+          <p:cNvPr id="19" name="Straight Connector 18">
+            <a:extLst>
+              <a:ext uri="{FF2B5EF4-FFF2-40B4-BE49-F238E27FC236}">
+                <a16:creationId xmlns:a16="http://schemas.microsoft.com/office/drawing/2014/main" id="{B58F08B3-4377-5462-3DA0-7394C99B30A3}"/>
               </a:ext>
             </a:extLst>
           </p:cNvPr>
@@ -7189,7 +7397,7 @@
         </p:nvCxnSpPr>
         <p:spPr>
           <a:xfrm>
-            <a:off x="6413216" y="5146484"/>
+            <a:off x="6380052" y="4276423"/>
             <a:ext cx="5529118" cy="0"/>
           </a:xfrm>
           <a:prstGeom prst="line">
@@ -7219,10 +7427,10 @@
       </p:cxnSp>
       <p:cxnSp>
         <p:nvCxnSpPr>
-          <p:cNvPr id="85" name="Straight Connector 84">
-            <a:extLst>
-              <a:ext uri="{FF2B5EF4-FFF2-40B4-BE49-F238E27FC236}">
-                <a16:creationId xmlns:a16="http://schemas.microsoft.com/office/drawing/2014/main" id="{92FFDB4F-DA05-B140-54C2-BFED629AFAD2}"/>
+          <p:cNvPr id="20" name="Straight Connector 19">
+            <a:extLst>
+              <a:ext uri="{FF2B5EF4-FFF2-40B4-BE49-F238E27FC236}">
+                <a16:creationId xmlns:a16="http://schemas.microsoft.com/office/drawing/2014/main" id="{01D0B63F-B090-651D-7657-C53CA7C71C6B}"/>
               </a:ext>
             </a:extLst>
           </p:cNvPr>
@@ -7233,7 +7441,7 @@
         </p:nvCxnSpPr>
         <p:spPr>
           <a:xfrm>
-            <a:off x="6413216" y="6453428"/>
+            <a:off x="6380052" y="6660107"/>
             <a:ext cx="5529118" cy="0"/>
           </a:xfrm>
           <a:prstGeom prst="line">
@@ -7261,12 +7469,129 @@
           </a:fontRef>
         </p:style>
       </p:cxnSp>
+      <p:pic>
+        <p:nvPicPr>
+          <p:cNvPr id="21" name="Graphic 20" descr="Warning with solid fill">
+            <a:extLst>
+              <a:ext uri="{FF2B5EF4-FFF2-40B4-BE49-F238E27FC236}">
+                <a16:creationId xmlns:a16="http://schemas.microsoft.com/office/drawing/2014/main" id="{6D172683-69D2-CDB0-E3F3-1288932E7F52}"/>
+              </a:ext>
+            </a:extLst>
+          </p:cNvPr>
+          <p:cNvPicPr>
+            <a:picLocks noChangeAspect="1"/>
+          </p:cNvPicPr>
+          <p:nvPr userDrawn="1"/>
+        </p:nvPicPr>
+        <p:blipFill>
+          <a:blip r:embed="rId2">
+            <a:extLst>
+              <a:ext uri="{28A0092B-C50C-407E-A947-70E740481C1C}">
+                <a14:useLocalDpi xmlns:a14="http://schemas.microsoft.com/office/drawing/2010/main" val="0"/>
+              </a:ext>
+              <a:ext uri="{96DAC541-7B7A-43D3-8B79-37D633B846F1}">
+                <asvg:svgBlip xmlns:asvg="http://schemas.microsoft.com/office/drawing/2016/SVG/main" r:embed="rId3"/>
+              </a:ext>
+            </a:extLst>
+          </a:blip>
+          <a:stretch>
+            <a:fillRect/>
+          </a:stretch>
+        </p:blipFill>
+        <p:spPr>
+          <a:xfrm>
+            <a:off x="11451971" y="858552"/>
+            <a:ext cx="360000" cy="360000"/>
+          </a:xfrm>
+          <a:prstGeom prst="rect">
+            <a:avLst/>
+          </a:prstGeom>
+        </p:spPr>
+      </p:pic>
+      <p:pic>
+        <p:nvPicPr>
+          <p:cNvPr id="22" name="Graphic 21" descr="Warning with solid fill">
+            <a:extLst>
+              <a:ext uri="{FF2B5EF4-FFF2-40B4-BE49-F238E27FC236}">
+                <a16:creationId xmlns:a16="http://schemas.microsoft.com/office/drawing/2014/main" id="{24F7254D-C88E-3724-E8CB-771FAC7E0019}"/>
+              </a:ext>
+            </a:extLst>
+          </p:cNvPr>
+          <p:cNvPicPr>
+            <a:picLocks noChangeAspect="1"/>
+          </p:cNvPicPr>
+          <p:nvPr userDrawn="1"/>
+        </p:nvPicPr>
+        <p:blipFill>
+          <a:blip r:embed="rId2">
+            <a:extLst>
+              <a:ext uri="{28A0092B-C50C-407E-A947-70E740481C1C}">
+                <a14:useLocalDpi xmlns:a14="http://schemas.microsoft.com/office/drawing/2010/main" val="0"/>
+              </a:ext>
+              <a:ext uri="{96DAC541-7B7A-43D3-8B79-37D633B846F1}">
+                <asvg:svgBlip xmlns:asvg="http://schemas.microsoft.com/office/drawing/2016/SVG/main" r:embed="rId3"/>
+              </a:ext>
+            </a:extLst>
+          </a:blip>
+          <a:stretch>
+            <a:fillRect/>
+          </a:stretch>
+        </p:blipFill>
+        <p:spPr>
+          <a:xfrm>
+            <a:off x="11102041" y="940525"/>
+            <a:ext cx="270000" cy="270000"/>
+          </a:xfrm>
+          <a:prstGeom prst="rect">
+            <a:avLst/>
+          </a:prstGeom>
+        </p:spPr>
+      </p:pic>
+      <p:pic>
+        <p:nvPicPr>
+          <p:cNvPr id="23" name="Graphic 22" descr="Warning with solid fill">
+            <a:extLst>
+              <a:ext uri="{FF2B5EF4-FFF2-40B4-BE49-F238E27FC236}">
+                <a16:creationId xmlns:a16="http://schemas.microsoft.com/office/drawing/2014/main" id="{F5CD2718-AF22-45B5-A761-AD9FED1F7BE7}"/>
+              </a:ext>
+            </a:extLst>
+          </p:cNvPr>
+          <p:cNvPicPr>
+            <a:picLocks noChangeAspect="1"/>
+          </p:cNvPicPr>
+          <p:nvPr userDrawn="1"/>
+        </p:nvPicPr>
+        <p:blipFill>
+          <a:blip r:embed="rId2">
+            <a:extLst>
+              <a:ext uri="{28A0092B-C50C-407E-A947-70E740481C1C}">
+                <a14:useLocalDpi xmlns:a14="http://schemas.microsoft.com/office/drawing/2010/main" val="0"/>
+              </a:ext>
+              <a:ext uri="{96DAC541-7B7A-43D3-8B79-37D633B846F1}">
+                <asvg:svgBlip xmlns:asvg="http://schemas.microsoft.com/office/drawing/2016/SVG/main" r:embed="rId3"/>
+              </a:ext>
+            </a:extLst>
+          </a:blip>
+          <a:stretch>
+            <a:fillRect/>
+          </a:stretch>
+        </p:blipFill>
+        <p:spPr>
+          <a:xfrm>
+            <a:off x="10807732" y="1019902"/>
+            <a:ext cx="180000" cy="180000"/>
+          </a:xfrm>
+          <a:prstGeom prst="rect">
+            <a:avLst/>
+          </a:prstGeom>
+        </p:spPr>
+      </p:pic>
       <p:sp>
         <p:nvSpPr>
-          <p:cNvPr id="86" name="TextBox 85">
-            <a:extLst>
-              <a:ext uri="{FF2B5EF4-FFF2-40B4-BE49-F238E27FC236}">
-                <a16:creationId xmlns:a16="http://schemas.microsoft.com/office/drawing/2014/main" id="{C837C8D3-CF34-4117-5AD3-8B58D96136F3}"/>
+          <p:cNvPr id="24" name="TextBox 23">
+            <a:extLst>
+              <a:ext uri="{FF2B5EF4-FFF2-40B4-BE49-F238E27FC236}">
+                <a16:creationId xmlns:a16="http://schemas.microsoft.com/office/drawing/2014/main" id="{5ECC3C07-4FE2-899E-DC60-40A95654A0F8}"/>
               </a:ext>
             </a:extLst>
           </p:cNvPr>
@@ -7275,8 +7600,8 @@
         </p:nvSpPr>
         <p:spPr>
           <a:xfrm>
-            <a:off x="6386728" y="2578100"/>
-            <a:ext cx="2396770" cy="261610"/>
+            <a:off x="10011738" y="973501"/>
+            <a:ext cx="797004" cy="276999"/>
           </a:xfrm>
           <a:prstGeom prst="rect">
             <a:avLst/>
@@ -7291,7 +7616,7 @@
           <a:p>
             <a:pPr algn="l"/>
             <a:r>
-              <a:rPr lang="en-AU" sz="1100">
+              <a:rPr lang="en-AU" sz="1200">
                 <a:solidFill>
                   <a:schemeClr val="tx1">
                     <a:alpha val="30000"/>
@@ -7300,17 +7625,17 @@
                 <a:latin typeface="Source Sans Pro" panose="020B0503030403020204" pitchFamily="34" charset="0"/>
                 <a:ea typeface="Source Sans Pro" panose="020B0503030403020204" pitchFamily="34" charset="0"/>
               </a:rPr>
-              <a:t>TEST</a:t>
+              <a:t>Critical:</a:t>
             </a:r>
           </a:p>
         </p:txBody>
       </p:sp>
       <p:sp>
         <p:nvSpPr>
-          <p:cNvPr id="87" name="TextBox 86">
-            <a:extLst>
-              <a:ext uri="{FF2B5EF4-FFF2-40B4-BE49-F238E27FC236}">
-                <a16:creationId xmlns:a16="http://schemas.microsoft.com/office/drawing/2014/main" id="{E487F29F-9034-CE91-BB86-6162816FABC6}"/>
+          <p:cNvPr id="25" name="TextBox 24">
+            <a:extLst>
+              <a:ext uri="{FF2B5EF4-FFF2-40B4-BE49-F238E27FC236}">
+                <a16:creationId xmlns:a16="http://schemas.microsoft.com/office/drawing/2014/main" id="{C8C6C8C2-255B-71B7-1BB2-2DCEBC8CA2EE}"/>
               </a:ext>
             </a:extLst>
           </p:cNvPr>
@@ -7319,8 +7644,8 @@
         </p:nvSpPr>
         <p:spPr>
           <a:xfrm>
-            <a:off x="6386728" y="2799773"/>
-            <a:ext cx="2396770" cy="307777"/>
+            <a:off x="9590381" y="3369775"/>
+            <a:ext cx="1208663" cy="276999"/>
           </a:xfrm>
           <a:prstGeom prst="rect">
             <a:avLst/>
@@ -7335,372 +7660,6 @@
           <a:p>
             <a:pPr algn="l"/>
             <a:r>
-              <a:rPr lang="en-AU" sz="1400">
-                <a:latin typeface="Source Sans Pro" panose="020B0503030403020204" pitchFamily="34" charset="0"/>
-                <a:ea typeface="Source Sans Pro" panose="020B0503030403020204" pitchFamily="34" charset="0"/>
-              </a:rPr>
-              <a:t>To verify that, we will</a:t>
-            </a:r>
-          </a:p>
-        </p:txBody>
-      </p:sp>
-      <p:sp>
-        <p:nvSpPr>
-          <p:cNvPr id="88" name="TextBox 87">
-            <a:extLst>
-              <a:ext uri="{FF2B5EF4-FFF2-40B4-BE49-F238E27FC236}">
-                <a16:creationId xmlns:a16="http://schemas.microsoft.com/office/drawing/2014/main" id="{0F53B8EB-D4E2-F409-6E78-3F095ACEB17A}"/>
-              </a:ext>
-            </a:extLst>
-          </p:cNvPr>
-          <p:cNvSpPr txBox="1"/>
-          <p:nvPr userDrawn="1"/>
-        </p:nvSpPr>
-        <p:spPr>
-          <a:xfrm>
-            <a:off x="6386728" y="3917373"/>
-            <a:ext cx="2396770" cy="261610"/>
-          </a:xfrm>
-          <a:prstGeom prst="rect">
-            <a:avLst/>
-          </a:prstGeom>
-          <a:noFill/>
-        </p:spPr>
-        <p:txBody>
-          <a:bodyPr wrap="square" rtlCol="0">
-            <a:spAutoFit/>
-          </a:bodyPr>
-          <a:lstStyle/>
-          <a:p>
-            <a:pPr algn="l"/>
-            <a:r>
-              <a:rPr lang="en-AU" sz="1100">
-                <a:solidFill>
-                  <a:schemeClr val="tx1">
-                    <a:alpha val="30000"/>
-                  </a:schemeClr>
-                </a:solidFill>
-                <a:latin typeface="Source Sans Pro" panose="020B0503030403020204" pitchFamily="34" charset="0"/>
-                <a:ea typeface="Source Sans Pro" panose="020B0503030403020204" pitchFamily="34" charset="0"/>
-              </a:rPr>
-              <a:t>METRIC</a:t>
-            </a:r>
-          </a:p>
-        </p:txBody>
-      </p:sp>
-      <p:sp>
-        <p:nvSpPr>
-          <p:cNvPr id="89" name="TextBox 88">
-            <a:extLst>
-              <a:ext uri="{FF2B5EF4-FFF2-40B4-BE49-F238E27FC236}">
-                <a16:creationId xmlns:a16="http://schemas.microsoft.com/office/drawing/2014/main" id="{24D4B4A7-6BDB-FAA4-97BD-A705C7E60DFD}"/>
-              </a:ext>
-            </a:extLst>
-          </p:cNvPr>
-          <p:cNvSpPr txBox="1"/>
-          <p:nvPr userDrawn="1"/>
-        </p:nvSpPr>
-        <p:spPr>
-          <a:xfrm>
-            <a:off x="6386728" y="4139046"/>
-            <a:ext cx="2396770" cy="307777"/>
-          </a:xfrm>
-          <a:prstGeom prst="rect">
-            <a:avLst/>
-          </a:prstGeom>
-          <a:noFill/>
-        </p:spPr>
-        <p:txBody>
-          <a:bodyPr wrap="square" rtlCol="0">
-            <a:spAutoFit/>
-          </a:bodyPr>
-          <a:lstStyle/>
-          <a:p>
-            <a:pPr algn="l"/>
-            <a:r>
-              <a:rPr lang="en-AU" sz="1400">
-                <a:latin typeface="Source Sans Pro" panose="020B0503030403020204" pitchFamily="34" charset="0"/>
-                <a:ea typeface="Source Sans Pro" panose="020B0503030403020204" pitchFamily="34" charset="0"/>
-              </a:rPr>
-              <a:t>And measure</a:t>
-            </a:r>
-          </a:p>
-        </p:txBody>
-      </p:sp>
-      <p:sp>
-        <p:nvSpPr>
-          <p:cNvPr id="90" name="TextBox 89">
-            <a:extLst>
-              <a:ext uri="{FF2B5EF4-FFF2-40B4-BE49-F238E27FC236}">
-                <a16:creationId xmlns:a16="http://schemas.microsoft.com/office/drawing/2014/main" id="{A2A17468-086D-71CD-23B7-9213C8913906}"/>
-              </a:ext>
-            </a:extLst>
-          </p:cNvPr>
-          <p:cNvSpPr txBox="1"/>
-          <p:nvPr userDrawn="1"/>
-        </p:nvSpPr>
-        <p:spPr>
-          <a:xfrm>
-            <a:off x="6386728" y="5182755"/>
-            <a:ext cx="2396770" cy="261610"/>
-          </a:xfrm>
-          <a:prstGeom prst="rect">
-            <a:avLst/>
-          </a:prstGeom>
-          <a:noFill/>
-        </p:spPr>
-        <p:txBody>
-          <a:bodyPr wrap="square" rtlCol="0">
-            <a:spAutoFit/>
-          </a:bodyPr>
-          <a:lstStyle/>
-          <a:p>
-            <a:pPr algn="l"/>
-            <a:r>
-              <a:rPr lang="en-AU" sz="1100">
-                <a:solidFill>
-                  <a:schemeClr val="tx1">
-                    <a:alpha val="30000"/>
-                  </a:schemeClr>
-                </a:solidFill>
-                <a:latin typeface="Source Sans Pro" panose="020B0503030403020204" pitchFamily="34" charset="0"/>
-                <a:ea typeface="Source Sans Pro" panose="020B0503030403020204" pitchFamily="34" charset="0"/>
-              </a:rPr>
-              <a:t>CRITERIA</a:t>
-            </a:r>
-          </a:p>
-        </p:txBody>
-      </p:sp>
-      <p:sp>
-        <p:nvSpPr>
-          <p:cNvPr id="91" name="TextBox 90">
-            <a:extLst>
-              <a:ext uri="{FF2B5EF4-FFF2-40B4-BE49-F238E27FC236}">
-                <a16:creationId xmlns:a16="http://schemas.microsoft.com/office/drawing/2014/main" id="{8C4005A5-0501-5B7E-27C6-947B3F91BEAC}"/>
-              </a:ext>
-            </a:extLst>
-          </p:cNvPr>
-          <p:cNvSpPr txBox="1"/>
-          <p:nvPr userDrawn="1"/>
-        </p:nvSpPr>
-        <p:spPr>
-          <a:xfrm>
-            <a:off x="6386728" y="5404428"/>
-            <a:ext cx="2396770" cy="307777"/>
-          </a:xfrm>
-          <a:prstGeom prst="rect">
-            <a:avLst/>
-          </a:prstGeom>
-          <a:noFill/>
-        </p:spPr>
-        <p:txBody>
-          <a:bodyPr wrap="square" rtlCol="0">
-            <a:spAutoFit/>
-          </a:bodyPr>
-          <a:lstStyle/>
-          <a:p>
-            <a:pPr algn="l"/>
-            <a:r>
-              <a:rPr lang="en-AU" sz="1400">
-                <a:latin typeface="Source Sans Pro" panose="020B0503030403020204" pitchFamily="34" charset="0"/>
-                <a:ea typeface="Source Sans Pro" panose="020B0503030403020204" pitchFamily="34" charset="0"/>
-              </a:rPr>
-              <a:t>We are right if</a:t>
-            </a:r>
-          </a:p>
-        </p:txBody>
-      </p:sp>
-      <p:pic>
-        <p:nvPicPr>
-          <p:cNvPr id="92" name="Graphic 91" descr="Warning with solid fill">
-            <a:extLst>
-              <a:ext uri="{FF2B5EF4-FFF2-40B4-BE49-F238E27FC236}">
-                <a16:creationId xmlns:a16="http://schemas.microsoft.com/office/drawing/2014/main" id="{A716B3C5-47D6-B11C-9F28-D7641412B248}"/>
-              </a:ext>
-            </a:extLst>
-          </p:cNvPr>
-          <p:cNvPicPr>
-            <a:picLocks noChangeAspect="1"/>
-          </p:cNvPicPr>
-          <p:nvPr userDrawn="1"/>
-        </p:nvPicPr>
-        <p:blipFill>
-          <a:blip r:embed="rId2">
-            <a:extLst>
-              <a:ext uri="{28A0092B-C50C-407E-A947-70E740481C1C}">
-                <a14:useLocalDpi xmlns:a14="http://schemas.microsoft.com/office/drawing/2010/main" val="0"/>
-              </a:ext>
-              <a:ext uri="{96DAC541-7B7A-43D3-8B79-37D633B846F1}">
-                <asvg:svgBlip xmlns:asvg="http://schemas.microsoft.com/office/drawing/2016/SVG/main" r:embed="rId3"/>
-              </a:ext>
-            </a:extLst>
-          </a:blip>
-          <a:stretch>
-            <a:fillRect/>
-          </a:stretch>
-        </p:blipFill>
-        <p:spPr>
-          <a:xfrm>
-            <a:off x="11485135" y="1258094"/>
-            <a:ext cx="360000" cy="360000"/>
-          </a:xfrm>
-          <a:prstGeom prst="rect">
-            <a:avLst/>
-          </a:prstGeom>
-        </p:spPr>
-      </p:pic>
-      <p:pic>
-        <p:nvPicPr>
-          <p:cNvPr id="93" name="Graphic 92" descr="Warning with solid fill">
-            <a:extLst>
-              <a:ext uri="{FF2B5EF4-FFF2-40B4-BE49-F238E27FC236}">
-                <a16:creationId xmlns:a16="http://schemas.microsoft.com/office/drawing/2014/main" id="{D3D5FB31-A2E5-54D4-8587-59E73D3DD0CC}"/>
-              </a:ext>
-            </a:extLst>
-          </p:cNvPr>
-          <p:cNvPicPr>
-            <a:picLocks noChangeAspect="1"/>
-          </p:cNvPicPr>
-          <p:nvPr userDrawn="1"/>
-        </p:nvPicPr>
-        <p:blipFill>
-          <a:blip r:embed="rId2">
-            <a:extLst>
-              <a:ext uri="{28A0092B-C50C-407E-A947-70E740481C1C}">
-                <a14:useLocalDpi xmlns:a14="http://schemas.microsoft.com/office/drawing/2010/main" val="0"/>
-              </a:ext>
-              <a:ext uri="{96DAC541-7B7A-43D3-8B79-37D633B846F1}">
-                <asvg:svgBlip xmlns:asvg="http://schemas.microsoft.com/office/drawing/2016/SVG/main" r:embed="rId3"/>
-              </a:ext>
-            </a:extLst>
-          </a:blip>
-          <a:stretch>
-            <a:fillRect/>
-          </a:stretch>
-        </p:blipFill>
-        <p:spPr>
-          <a:xfrm>
-            <a:off x="11135205" y="1340067"/>
-            <a:ext cx="270000" cy="270000"/>
-          </a:xfrm>
-          <a:prstGeom prst="rect">
-            <a:avLst/>
-          </a:prstGeom>
-        </p:spPr>
-      </p:pic>
-      <p:pic>
-        <p:nvPicPr>
-          <p:cNvPr id="94" name="Graphic 93" descr="Warning with solid fill">
-            <a:extLst>
-              <a:ext uri="{FF2B5EF4-FFF2-40B4-BE49-F238E27FC236}">
-                <a16:creationId xmlns:a16="http://schemas.microsoft.com/office/drawing/2014/main" id="{2381665F-B266-A05F-C4FB-E4758C5A4107}"/>
-              </a:ext>
-            </a:extLst>
-          </p:cNvPr>
-          <p:cNvPicPr>
-            <a:picLocks noChangeAspect="1"/>
-          </p:cNvPicPr>
-          <p:nvPr userDrawn="1"/>
-        </p:nvPicPr>
-        <p:blipFill>
-          <a:blip r:embed="rId2">
-            <a:extLst>
-              <a:ext uri="{28A0092B-C50C-407E-A947-70E740481C1C}">
-                <a14:useLocalDpi xmlns:a14="http://schemas.microsoft.com/office/drawing/2010/main" val="0"/>
-              </a:ext>
-              <a:ext uri="{96DAC541-7B7A-43D3-8B79-37D633B846F1}">
-                <asvg:svgBlip xmlns:asvg="http://schemas.microsoft.com/office/drawing/2016/SVG/main" r:embed="rId3"/>
-              </a:ext>
-            </a:extLst>
-          </a:blip>
-          <a:stretch>
-            <a:fillRect/>
-          </a:stretch>
-        </p:blipFill>
-        <p:spPr>
-          <a:xfrm>
-            <a:off x="10840896" y="1419444"/>
-            <a:ext cx="180000" cy="180000"/>
-          </a:xfrm>
-          <a:prstGeom prst="rect">
-            <a:avLst/>
-          </a:prstGeom>
-        </p:spPr>
-      </p:pic>
-      <p:sp>
-        <p:nvSpPr>
-          <p:cNvPr id="95" name="TextBox 94">
-            <a:extLst>
-              <a:ext uri="{FF2B5EF4-FFF2-40B4-BE49-F238E27FC236}">
-                <a16:creationId xmlns:a16="http://schemas.microsoft.com/office/drawing/2014/main" id="{E66FF68B-7D71-19C3-3723-98BE50261047}"/>
-              </a:ext>
-            </a:extLst>
-          </p:cNvPr>
-          <p:cNvSpPr txBox="1"/>
-          <p:nvPr userDrawn="1"/>
-        </p:nvSpPr>
-        <p:spPr>
-          <a:xfrm>
-            <a:off x="10044902" y="1373043"/>
-            <a:ext cx="797004" cy="276999"/>
-          </a:xfrm>
-          <a:prstGeom prst="rect">
-            <a:avLst/>
-          </a:prstGeom>
-          <a:noFill/>
-        </p:spPr>
-        <p:txBody>
-          <a:bodyPr wrap="square" rtlCol="0">
-            <a:spAutoFit/>
-          </a:bodyPr>
-          <a:lstStyle/>
-          <a:p>
-            <a:pPr algn="l"/>
-            <a:r>
-              <a:rPr lang="en-AU" sz="1200">
-                <a:solidFill>
-                  <a:schemeClr val="tx1">
-                    <a:alpha val="30000"/>
-                  </a:schemeClr>
-                </a:solidFill>
-                <a:latin typeface="Source Sans Pro" panose="020B0503030403020204" pitchFamily="34" charset="0"/>
-                <a:ea typeface="Source Sans Pro" panose="020B0503030403020204" pitchFamily="34" charset="0"/>
-              </a:rPr>
-              <a:t>Critical:</a:t>
-            </a:r>
-          </a:p>
-        </p:txBody>
-      </p:sp>
-      <p:sp>
-        <p:nvSpPr>
-          <p:cNvPr id="96" name="TextBox 95">
-            <a:extLst>
-              <a:ext uri="{FF2B5EF4-FFF2-40B4-BE49-F238E27FC236}">
-                <a16:creationId xmlns:a16="http://schemas.microsoft.com/office/drawing/2014/main" id="{3AA390DB-0C6A-8ED1-8DF5-B844596212AD}"/>
-              </a:ext>
-            </a:extLst>
-          </p:cNvPr>
-          <p:cNvSpPr txBox="1"/>
-          <p:nvPr userDrawn="1"/>
-        </p:nvSpPr>
-        <p:spPr>
-          <a:xfrm>
-            <a:off x="9623545" y="4007484"/>
-            <a:ext cx="1208663" cy="276999"/>
-          </a:xfrm>
-          <a:prstGeom prst="rect">
-            <a:avLst/>
-          </a:prstGeom>
-          <a:noFill/>
-        </p:spPr>
-        <p:txBody>
-          <a:bodyPr wrap="square" rtlCol="0">
-            <a:spAutoFit/>
-          </a:bodyPr>
-          <a:lstStyle/>
-          <a:p>
-            <a:pPr algn="l"/>
-            <a:r>
               <a:rPr lang="en-AU" sz="1200">
                 <a:solidFill>
                   <a:schemeClr val="tx1">
@@ -7717,10 +7676,10 @@
       </p:sp>
       <p:pic>
         <p:nvPicPr>
-          <p:cNvPr id="97" name="Graphic 96" descr="Clock with solid fill">
-            <a:extLst>
-              <a:ext uri="{FF2B5EF4-FFF2-40B4-BE49-F238E27FC236}">
-                <a16:creationId xmlns:a16="http://schemas.microsoft.com/office/drawing/2014/main" id="{BE05013F-B66D-21AA-00B8-BDC43B6917E6}"/>
+          <p:cNvPr id="26" name="Graphic 25" descr="Clock with solid fill">
+            <a:extLst>
+              <a:ext uri="{FF2B5EF4-FFF2-40B4-BE49-F238E27FC236}">
+                <a16:creationId xmlns:a16="http://schemas.microsoft.com/office/drawing/2014/main" id="{D26C2F0D-588E-9F26-709D-AC9713F2EE14}"/>
               </a:ext>
             </a:extLst>
           </p:cNvPr>
@@ -7746,7 +7705,7 @@
         </p:blipFill>
         <p:spPr>
           <a:xfrm>
-            <a:off x="11463429" y="3879273"/>
+            <a:off x="11430265" y="3241564"/>
             <a:ext cx="360000" cy="360000"/>
           </a:xfrm>
           <a:prstGeom prst="rect">
@@ -7756,10 +7715,10 @@
       </p:pic>
       <p:pic>
         <p:nvPicPr>
-          <p:cNvPr id="98" name="Graphic 97" descr="Clock with solid fill">
-            <a:extLst>
-              <a:ext uri="{FF2B5EF4-FFF2-40B4-BE49-F238E27FC236}">
-                <a16:creationId xmlns:a16="http://schemas.microsoft.com/office/drawing/2014/main" id="{BFA483E8-6BA3-92D8-98A5-307F55DDEB90}"/>
+          <p:cNvPr id="27" name="Graphic 26" descr="Clock with solid fill">
+            <a:extLst>
+              <a:ext uri="{FF2B5EF4-FFF2-40B4-BE49-F238E27FC236}">
+                <a16:creationId xmlns:a16="http://schemas.microsoft.com/office/drawing/2014/main" id="{6A9CA5F6-0A27-D84C-3994-8B2812012C94}"/>
               </a:ext>
             </a:extLst>
           </p:cNvPr>
@@ -7785,7 +7744,7 @@
         </p:blipFill>
         <p:spPr>
           <a:xfrm>
-            <a:off x="11135046" y="3958647"/>
+            <a:off x="11101882" y="3320938"/>
             <a:ext cx="270000" cy="270000"/>
           </a:xfrm>
           <a:prstGeom prst="rect">
@@ -7795,10 +7754,10 @@
       </p:pic>
       <p:pic>
         <p:nvPicPr>
-          <p:cNvPr id="99" name="Graphic 98" descr="Clock with solid fill">
-            <a:extLst>
-              <a:ext uri="{FF2B5EF4-FFF2-40B4-BE49-F238E27FC236}">
-                <a16:creationId xmlns:a16="http://schemas.microsoft.com/office/drawing/2014/main" id="{8FCA0D19-7745-367B-B2D3-FA70F869466E}"/>
+          <p:cNvPr id="28" name="Graphic 27" descr="Clock with solid fill">
+            <a:extLst>
+              <a:ext uri="{FF2B5EF4-FFF2-40B4-BE49-F238E27FC236}">
+                <a16:creationId xmlns:a16="http://schemas.microsoft.com/office/drawing/2014/main" id="{734D5727-AC43-A445-4AF0-683DFF5F4991}"/>
               </a:ext>
             </a:extLst>
           </p:cNvPr>
@@ -7824,7 +7783,7 @@
         </p:blipFill>
         <p:spPr>
           <a:xfrm>
-            <a:off x="10852213" y="4046219"/>
+            <a:off x="10819049" y="3408510"/>
             <a:ext cx="180000" cy="180000"/>
           </a:xfrm>
           <a:prstGeom prst="rect">
@@ -7834,10 +7793,10 @@
       </p:pic>
       <p:cxnSp>
         <p:nvCxnSpPr>
-          <p:cNvPr id="101" name="Straight Connector 100">
-            <a:extLst>
-              <a:ext uri="{FF2B5EF4-FFF2-40B4-BE49-F238E27FC236}">
-                <a16:creationId xmlns:a16="http://schemas.microsoft.com/office/drawing/2014/main" id="{9777B218-3848-9BB3-17BD-9E9B178F47AF}"/>
+          <p:cNvPr id="29" name="Straight Connector 28">
+            <a:extLst>
+              <a:ext uri="{FF2B5EF4-FFF2-40B4-BE49-F238E27FC236}">
+                <a16:creationId xmlns:a16="http://schemas.microsoft.com/office/drawing/2014/main" id="{440D7B2E-56DD-CB51-D5C0-498E13080076}"/>
               </a:ext>
             </a:extLst>
           </p:cNvPr>
@@ -7848,13 +7807,13 @@
         </p:nvCxnSpPr>
         <p:spPr>
           <a:xfrm>
-            <a:off x="6096000" y="0"/>
-            <a:ext cx="0" cy="6858000"/>
+            <a:off x="6380052" y="5468266"/>
+            <a:ext cx="5529118" cy="0"/>
           </a:xfrm>
           <a:prstGeom prst="line">
             <a:avLst/>
           </a:prstGeom>
-          <a:ln w="9525">
+          <a:ln w="15875">
             <a:solidFill>
               <a:schemeClr val="tx1"/>
             </a:solidFill>
@@ -7876,6 +7835,421 @@
           </a:fontRef>
         </p:style>
       </p:cxnSp>
+      <p:sp>
+        <p:nvSpPr>
+          <p:cNvPr id="30" name="TextBox 29">
+            <a:extLst>
+              <a:ext uri="{FF2B5EF4-FFF2-40B4-BE49-F238E27FC236}">
+                <a16:creationId xmlns:a16="http://schemas.microsoft.com/office/drawing/2014/main" id="{CC4ED62A-6A9B-3E3A-D582-DD387D4DE3B5}"/>
+              </a:ext>
+            </a:extLst>
+          </p:cNvPr>
+          <p:cNvSpPr txBox="1"/>
+          <p:nvPr userDrawn="1"/>
+        </p:nvSpPr>
+        <p:spPr>
+          <a:xfrm>
+            <a:off x="6353565" y="752533"/>
+            <a:ext cx="2396770" cy="261610"/>
+          </a:xfrm>
+          <a:prstGeom prst="rect">
+            <a:avLst/>
+          </a:prstGeom>
+          <a:noFill/>
+        </p:spPr>
+        <p:txBody>
+          <a:bodyPr wrap="square" rtlCol="0">
+            <a:spAutoFit/>
+          </a:bodyPr>
+          <a:lstStyle/>
+          <a:p>
+            <a:pPr algn="l"/>
+            <a:r>
+              <a:rPr lang="en-AU" sz="1100" dirty="0">
+                <a:solidFill>
+                  <a:schemeClr val="tx1">
+                    <a:alpha val="30000"/>
+                  </a:schemeClr>
+                </a:solidFill>
+                <a:latin typeface="Source Sans Pro" panose="020B0503030403020204" pitchFamily="34" charset="0"/>
+                <a:ea typeface="Source Sans Pro" panose="020B0503030403020204" pitchFamily="34" charset="0"/>
+              </a:rPr>
+              <a:t>HYPOTHESIS</a:t>
+            </a:r>
+          </a:p>
+        </p:txBody>
+      </p:sp>
+      <p:sp>
+        <p:nvSpPr>
+          <p:cNvPr id="31" name="TextBox 30">
+            <a:extLst>
+              <a:ext uri="{FF2B5EF4-FFF2-40B4-BE49-F238E27FC236}">
+                <a16:creationId xmlns:a16="http://schemas.microsoft.com/office/drawing/2014/main" id="{D5A6E009-D025-C335-F19E-66C096AC84D7}"/>
+              </a:ext>
+            </a:extLst>
+          </p:cNvPr>
+          <p:cNvSpPr txBox="1"/>
+          <p:nvPr userDrawn="1"/>
+        </p:nvSpPr>
+        <p:spPr>
+          <a:xfrm>
+            <a:off x="6353565" y="946497"/>
+            <a:ext cx="2396770" cy="307777"/>
+          </a:xfrm>
+          <a:prstGeom prst="rect">
+            <a:avLst/>
+          </a:prstGeom>
+          <a:noFill/>
+        </p:spPr>
+        <p:txBody>
+          <a:bodyPr wrap="square" rtlCol="0">
+            <a:spAutoFit/>
+          </a:bodyPr>
+          <a:lstStyle/>
+          <a:p>
+            <a:pPr algn="l"/>
+            <a:r>
+              <a:rPr lang="en-AU" sz="1400" dirty="0">
+                <a:latin typeface="Source Sans Pro" panose="020B0503030403020204" pitchFamily="34" charset="0"/>
+                <a:ea typeface="Source Sans Pro" panose="020B0503030403020204" pitchFamily="34" charset="0"/>
+              </a:rPr>
+              <a:t>We believe that</a:t>
+            </a:r>
+          </a:p>
+        </p:txBody>
+      </p:sp>
+      <p:sp>
+        <p:nvSpPr>
+          <p:cNvPr id="35" name="TextBox 34">
+            <a:extLst>
+              <a:ext uri="{FF2B5EF4-FFF2-40B4-BE49-F238E27FC236}">
+                <a16:creationId xmlns:a16="http://schemas.microsoft.com/office/drawing/2014/main" id="{49DE53BB-BD51-BC0E-53B5-18E00BD4884C}"/>
+              </a:ext>
+            </a:extLst>
+          </p:cNvPr>
+          <p:cNvSpPr txBox="1"/>
+          <p:nvPr userDrawn="1"/>
+        </p:nvSpPr>
+        <p:spPr>
+          <a:xfrm>
+            <a:off x="6353565" y="1945264"/>
+            <a:ext cx="2396770" cy="261610"/>
+          </a:xfrm>
+          <a:prstGeom prst="rect">
+            <a:avLst/>
+          </a:prstGeom>
+          <a:noFill/>
+        </p:spPr>
+        <p:txBody>
+          <a:bodyPr wrap="square" rtlCol="0">
+            <a:spAutoFit/>
+          </a:bodyPr>
+          <a:lstStyle/>
+          <a:p>
+            <a:pPr algn="l"/>
+            <a:r>
+              <a:rPr lang="en-AU" sz="1100" dirty="0">
+                <a:solidFill>
+                  <a:schemeClr val="tx1">
+                    <a:alpha val="30000"/>
+                  </a:schemeClr>
+                </a:solidFill>
+                <a:latin typeface="Source Sans Pro" panose="020B0503030403020204" pitchFamily="34" charset="0"/>
+                <a:ea typeface="Source Sans Pro" panose="020B0503030403020204" pitchFamily="34" charset="0"/>
+              </a:rPr>
+              <a:t>TEST</a:t>
+            </a:r>
+          </a:p>
+        </p:txBody>
+      </p:sp>
+      <p:sp>
+        <p:nvSpPr>
+          <p:cNvPr id="36" name="TextBox 35">
+            <a:extLst>
+              <a:ext uri="{FF2B5EF4-FFF2-40B4-BE49-F238E27FC236}">
+                <a16:creationId xmlns:a16="http://schemas.microsoft.com/office/drawing/2014/main" id="{62D72BEE-C7C6-5D0C-29FC-5C79025F8E07}"/>
+              </a:ext>
+            </a:extLst>
+          </p:cNvPr>
+          <p:cNvSpPr txBox="1"/>
+          <p:nvPr userDrawn="1"/>
+        </p:nvSpPr>
+        <p:spPr>
+          <a:xfrm>
+            <a:off x="6353565" y="2154411"/>
+            <a:ext cx="2396770" cy="307777"/>
+          </a:xfrm>
+          <a:prstGeom prst="rect">
+            <a:avLst/>
+          </a:prstGeom>
+          <a:noFill/>
+        </p:spPr>
+        <p:txBody>
+          <a:bodyPr wrap="square" rtlCol="0">
+            <a:spAutoFit/>
+          </a:bodyPr>
+          <a:lstStyle/>
+          <a:p>
+            <a:pPr algn="l"/>
+            <a:r>
+              <a:rPr lang="en-AU" sz="1400" dirty="0">
+                <a:latin typeface="Source Sans Pro" panose="020B0503030403020204" pitchFamily="34" charset="0"/>
+                <a:ea typeface="Source Sans Pro" panose="020B0503030403020204" pitchFamily="34" charset="0"/>
+              </a:rPr>
+              <a:t>To verify that, we will</a:t>
+            </a:r>
+          </a:p>
+        </p:txBody>
+      </p:sp>
+      <p:sp>
+        <p:nvSpPr>
+          <p:cNvPr id="38" name="TextBox 37">
+            <a:extLst>
+              <a:ext uri="{FF2B5EF4-FFF2-40B4-BE49-F238E27FC236}">
+                <a16:creationId xmlns:a16="http://schemas.microsoft.com/office/drawing/2014/main" id="{8B3C55BD-F55E-E5C0-EA97-15E03AE0B62E}"/>
+              </a:ext>
+            </a:extLst>
+          </p:cNvPr>
+          <p:cNvSpPr txBox="1"/>
+          <p:nvPr userDrawn="1"/>
+        </p:nvSpPr>
+        <p:spPr>
+          <a:xfrm>
+            <a:off x="6353565" y="3124578"/>
+            <a:ext cx="2396770" cy="261610"/>
+          </a:xfrm>
+          <a:prstGeom prst="rect">
+            <a:avLst/>
+          </a:prstGeom>
+          <a:noFill/>
+        </p:spPr>
+        <p:txBody>
+          <a:bodyPr wrap="square" rtlCol="0">
+            <a:spAutoFit/>
+          </a:bodyPr>
+          <a:lstStyle/>
+          <a:p>
+            <a:pPr algn="l"/>
+            <a:r>
+              <a:rPr lang="en-AU" sz="1100" dirty="0">
+                <a:solidFill>
+                  <a:schemeClr val="tx1">
+                    <a:alpha val="30000"/>
+                  </a:schemeClr>
+                </a:solidFill>
+                <a:latin typeface="Source Sans Pro" panose="020B0503030403020204" pitchFamily="34" charset="0"/>
+                <a:ea typeface="Source Sans Pro" panose="020B0503030403020204" pitchFamily="34" charset="0"/>
+              </a:rPr>
+              <a:t>METRIC</a:t>
+            </a:r>
+          </a:p>
+        </p:txBody>
+      </p:sp>
+      <p:sp>
+        <p:nvSpPr>
+          <p:cNvPr id="40" name="TextBox 39">
+            <a:extLst>
+              <a:ext uri="{FF2B5EF4-FFF2-40B4-BE49-F238E27FC236}">
+                <a16:creationId xmlns:a16="http://schemas.microsoft.com/office/drawing/2014/main" id="{50AA33B8-A21B-B56F-BB42-0ACC6BA0BD08}"/>
+              </a:ext>
+            </a:extLst>
+          </p:cNvPr>
+          <p:cNvSpPr txBox="1"/>
+          <p:nvPr userDrawn="1"/>
+        </p:nvSpPr>
+        <p:spPr>
+          <a:xfrm>
+            <a:off x="6353565" y="3339988"/>
+            <a:ext cx="2396770" cy="307777"/>
+          </a:xfrm>
+          <a:prstGeom prst="rect">
+            <a:avLst/>
+          </a:prstGeom>
+          <a:noFill/>
+        </p:spPr>
+        <p:txBody>
+          <a:bodyPr wrap="square" rtlCol="0">
+            <a:spAutoFit/>
+          </a:bodyPr>
+          <a:lstStyle/>
+          <a:p>
+            <a:pPr algn="l"/>
+            <a:r>
+              <a:rPr lang="en-AU" sz="1400" dirty="0">
+                <a:latin typeface="Source Sans Pro" panose="020B0503030403020204" pitchFamily="34" charset="0"/>
+                <a:ea typeface="Source Sans Pro" panose="020B0503030403020204" pitchFamily="34" charset="0"/>
+              </a:rPr>
+              <a:t>And measure</a:t>
+            </a:r>
+          </a:p>
+        </p:txBody>
+      </p:sp>
+      <p:sp>
+        <p:nvSpPr>
+          <p:cNvPr id="41" name="TextBox 40">
+            <a:extLst>
+              <a:ext uri="{FF2B5EF4-FFF2-40B4-BE49-F238E27FC236}">
+                <a16:creationId xmlns:a16="http://schemas.microsoft.com/office/drawing/2014/main" id="{226F9B9C-2F0D-EA77-8D18-8A8A76F72EE0}"/>
+              </a:ext>
+            </a:extLst>
+          </p:cNvPr>
+          <p:cNvSpPr txBox="1"/>
+          <p:nvPr userDrawn="1"/>
+        </p:nvSpPr>
+        <p:spPr>
+          <a:xfrm>
+            <a:off x="6353565" y="4340441"/>
+            <a:ext cx="2396770" cy="261610"/>
+          </a:xfrm>
+          <a:prstGeom prst="rect">
+            <a:avLst/>
+          </a:prstGeom>
+          <a:noFill/>
+        </p:spPr>
+        <p:txBody>
+          <a:bodyPr wrap="square" rtlCol="0">
+            <a:spAutoFit/>
+          </a:bodyPr>
+          <a:lstStyle/>
+          <a:p>
+            <a:pPr algn="l"/>
+            <a:r>
+              <a:rPr lang="en-AU" sz="1100" dirty="0">
+                <a:solidFill>
+                  <a:schemeClr val="tx1">
+                    <a:alpha val="30000"/>
+                  </a:schemeClr>
+                </a:solidFill>
+                <a:latin typeface="Source Sans Pro" panose="020B0503030403020204" pitchFamily="34" charset="0"/>
+                <a:ea typeface="Source Sans Pro" panose="020B0503030403020204" pitchFamily="34" charset="0"/>
+              </a:rPr>
+              <a:t>CRITERIA</a:t>
+            </a:r>
+          </a:p>
+        </p:txBody>
+      </p:sp>
+      <p:sp>
+        <p:nvSpPr>
+          <p:cNvPr id="43" name="TextBox 42">
+            <a:extLst>
+              <a:ext uri="{FF2B5EF4-FFF2-40B4-BE49-F238E27FC236}">
+                <a16:creationId xmlns:a16="http://schemas.microsoft.com/office/drawing/2014/main" id="{49C272EF-96AD-8916-FFDF-D86057D46F3F}"/>
+              </a:ext>
+            </a:extLst>
+          </p:cNvPr>
+          <p:cNvSpPr txBox="1"/>
+          <p:nvPr userDrawn="1"/>
+        </p:nvSpPr>
+        <p:spPr>
+          <a:xfrm>
+            <a:off x="6353565" y="4549588"/>
+            <a:ext cx="2396770" cy="307777"/>
+          </a:xfrm>
+          <a:prstGeom prst="rect">
+            <a:avLst/>
+          </a:prstGeom>
+          <a:noFill/>
+        </p:spPr>
+        <p:txBody>
+          <a:bodyPr wrap="square" rtlCol="0">
+            <a:spAutoFit/>
+          </a:bodyPr>
+          <a:lstStyle/>
+          <a:p>
+            <a:pPr algn="l"/>
+            <a:r>
+              <a:rPr lang="en-AU" sz="1400" dirty="0">
+                <a:latin typeface="Source Sans Pro" panose="020B0503030403020204" pitchFamily="34" charset="0"/>
+                <a:ea typeface="Source Sans Pro" panose="020B0503030403020204" pitchFamily="34" charset="0"/>
+              </a:rPr>
+              <a:t>We are right if</a:t>
+            </a:r>
+          </a:p>
+        </p:txBody>
+      </p:sp>
+      <p:sp>
+        <p:nvSpPr>
+          <p:cNvPr id="51" name="TextBox 50">
+            <a:extLst>
+              <a:ext uri="{FF2B5EF4-FFF2-40B4-BE49-F238E27FC236}">
+                <a16:creationId xmlns:a16="http://schemas.microsoft.com/office/drawing/2014/main" id="{A2556598-EEC7-6AF5-25FE-3C2B8A4B1809}"/>
+              </a:ext>
+            </a:extLst>
+          </p:cNvPr>
+          <p:cNvSpPr txBox="1"/>
+          <p:nvPr userDrawn="1"/>
+        </p:nvSpPr>
+        <p:spPr>
+          <a:xfrm>
+            <a:off x="6380052" y="5514433"/>
+            <a:ext cx="2396770" cy="261610"/>
+          </a:xfrm>
+          <a:prstGeom prst="rect">
+            <a:avLst/>
+          </a:prstGeom>
+          <a:noFill/>
+        </p:spPr>
+        <p:txBody>
+          <a:bodyPr wrap="square" rtlCol="0">
+            <a:spAutoFit/>
+          </a:bodyPr>
+          <a:lstStyle/>
+          <a:p>
+            <a:pPr algn="l"/>
+            <a:r>
+              <a:rPr lang="en-AU" sz="1100" dirty="0">
+                <a:solidFill>
+                  <a:schemeClr val="tx1">
+                    <a:alpha val="30000"/>
+                  </a:schemeClr>
+                </a:solidFill>
+                <a:latin typeface="Source Sans Pro" panose="020B0503030403020204" pitchFamily="34" charset="0"/>
+                <a:ea typeface="Source Sans Pro" panose="020B0503030403020204" pitchFamily="34" charset="0"/>
+              </a:rPr>
+              <a:t>INTERVIEW QUESTIONS</a:t>
+            </a:r>
+          </a:p>
+        </p:txBody>
+      </p:sp>
+      <p:sp>
+        <p:nvSpPr>
+          <p:cNvPr id="52" name="TextBox 51">
+            <a:extLst>
+              <a:ext uri="{FF2B5EF4-FFF2-40B4-BE49-F238E27FC236}">
+                <a16:creationId xmlns:a16="http://schemas.microsoft.com/office/drawing/2014/main" id="{D24A76EC-99F5-99A2-61F1-A31477872B72}"/>
+              </a:ext>
+            </a:extLst>
+          </p:cNvPr>
+          <p:cNvSpPr txBox="1"/>
+          <p:nvPr userDrawn="1"/>
+        </p:nvSpPr>
+        <p:spPr>
+          <a:xfrm>
+            <a:off x="6380052" y="5723580"/>
+            <a:ext cx="2396770" cy="307777"/>
+          </a:xfrm>
+          <a:prstGeom prst="rect">
+            <a:avLst/>
+          </a:prstGeom>
+          <a:noFill/>
+        </p:spPr>
+        <p:txBody>
+          <a:bodyPr wrap="square" rtlCol="0">
+            <a:spAutoFit/>
+          </a:bodyPr>
+          <a:lstStyle/>
+          <a:p>
+            <a:pPr algn="l"/>
+            <a:r>
+              <a:rPr lang="en-AU" sz="1400" dirty="0">
+                <a:latin typeface="Source Sans Pro" panose="020B0503030403020204" pitchFamily="34" charset="0"/>
+                <a:ea typeface="Source Sans Pro" panose="020B0503030403020204" pitchFamily="34" charset="0"/>
+              </a:rPr>
+              <a:t>Therefore, we will ask</a:t>
+            </a:r>
+          </a:p>
+        </p:txBody>
+      </p:sp>
     </p:spTree>
     <p:extLst>
       <p:ext uri="{BB962C8B-B14F-4D97-AF65-F5344CB8AC3E}">
@@ -7929,7 +8303,7 @@
         <p:spPr>
           <a:xfrm>
             <a:off x="225696" y="241300"/>
-            <a:ext cx="1524776" cy="461665"/>
+            <a:ext cx="1588897" cy="369332"/>
           </a:xfrm>
           <a:prstGeom prst="rect">
             <a:avLst/>
@@ -7943,11 +8317,11 @@
           <a:lstStyle/>
           <a:p>
             <a:r>
-              <a:rPr lang="en-AU" sz="2400" b="1">
+              <a:rPr lang="en-AU" sz="1800" b="1" dirty="0">
                 <a:latin typeface="Source Sans Pro" panose="020B0503030403020204" pitchFamily="34" charset="0"/>
                 <a:ea typeface="Source Sans Pro" panose="020B0503030403020204" pitchFamily="34" charset="0"/>
               </a:rPr>
-              <a:t>Learnings</a:t>
+              <a:t>Learning card</a:t>
             </a:r>
           </a:p>
         </p:txBody>
@@ -7968,7 +8342,7 @@
         </p:nvCxnSpPr>
         <p:spPr>
           <a:xfrm>
-            <a:off x="252184" y="1225646"/>
+            <a:off x="252184" y="899969"/>
             <a:ext cx="5529118" cy="0"/>
           </a:xfrm>
           <a:prstGeom prst="line">
@@ -7998,10 +8372,10 @@
       </p:cxnSp>
       <p:sp>
         <p:nvSpPr>
-          <p:cNvPr id="44" name="TextBox 43">
-            <a:extLst>
-              <a:ext uri="{FF2B5EF4-FFF2-40B4-BE49-F238E27FC236}">
-                <a16:creationId xmlns:a16="http://schemas.microsoft.com/office/drawing/2014/main" id="{91BAFA35-C1B5-6235-E5B4-05EB7164A1D6}"/>
+          <p:cNvPr id="46" name="TextBox 45">
+            <a:extLst>
+              <a:ext uri="{FF2B5EF4-FFF2-40B4-BE49-F238E27FC236}">
+                <a16:creationId xmlns:a16="http://schemas.microsoft.com/office/drawing/2014/main" id="{008406D6-AF90-27CE-1A17-28E1DD3F8E25}"/>
               </a:ext>
             </a:extLst>
           </p:cNvPr>
@@ -8010,46 +8384,7 @@
         </p:nvSpPr>
         <p:spPr>
           <a:xfrm>
-            <a:off x="225696" y="787400"/>
-            <a:ext cx="1361271" cy="338554"/>
-          </a:xfrm>
-          <a:prstGeom prst="rect">
-            <a:avLst/>
-          </a:prstGeom>
-          <a:noFill/>
-        </p:spPr>
-        <p:txBody>
-          <a:bodyPr wrap="none" rtlCol="0">
-            <a:spAutoFit/>
-          </a:bodyPr>
-          <a:lstStyle/>
-          <a:p>
-            <a:pPr algn="ctr"/>
-            <a:r>
-              <a:rPr lang="en-AU" sz="1600" dirty="0">
-                <a:latin typeface="Source Sans Pro" panose="020B0503030403020204" pitchFamily="34" charset="0"/>
-                <a:ea typeface="Source Sans Pro" panose="020B0503030403020204" pitchFamily="34" charset="0"/>
-              </a:rPr>
-              <a:t>Learning card</a:t>
-            </a:r>
-          </a:p>
-        </p:txBody>
-      </p:sp>
-      <p:sp>
-        <p:nvSpPr>
-          <p:cNvPr id="46" name="TextBox 45">
-            <a:extLst>
-              <a:ext uri="{FF2B5EF4-FFF2-40B4-BE49-F238E27FC236}">
-                <a16:creationId xmlns:a16="http://schemas.microsoft.com/office/drawing/2014/main" id="{008406D6-AF90-27CE-1A17-28E1DD3F8E25}"/>
-              </a:ext>
-            </a:extLst>
-          </p:cNvPr>
-          <p:cNvSpPr txBox="1"/>
-          <p:nvPr/>
-        </p:nvSpPr>
-        <p:spPr>
-          <a:xfrm>
-            <a:off x="225696" y="1275773"/>
+            <a:off x="244485" y="962623"/>
             <a:ext cx="2396770" cy="261610"/>
           </a:xfrm>
           <a:prstGeom prst="rect">
@@ -8093,7 +8428,7 @@
         </p:nvSpPr>
         <p:spPr>
           <a:xfrm>
-            <a:off x="225696" y="1497446"/>
+            <a:off x="244485" y="1184296"/>
             <a:ext cx="2396770" cy="307777"/>
           </a:xfrm>
           <a:prstGeom prst="rect">
@@ -8134,7 +8469,7 @@
         </p:nvCxnSpPr>
         <p:spPr>
           <a:xfrm>
-            <a:off x="252184" y="2532592"/>
+            <a:off x="252184" y="2288334"/>
             <a:ext cx="5529118" cy="0"/>
           </a:xfrm>
           <a:prstGeom prst="line">
@@ -8178,7 +8513,7 @@
         </p:nvCxnSpPr>
         <p:spPr>
           <a:xfrm>
-            <a:off x="252184" y="3839538"/>
+            <a:off x="252184" y="3676699"/>
             <a:ext cx="5529118" cy="0"/>
           </a:xfrm>
           <a:prstGeom prst="line">
@@ -8222,7 +8557,7 @@
         </p:nvCxnSpPr>
         <p:spPr>
           <a:xfrm>
-            <a:off x="252184" y="5146484"/>
+            <a:off x="252184" y="5065064"/>
             <a:ext cx="5529118" cy="0"/>
           </a:xfrm>
           <a:prstGeom prst="line">
@@ -8308,7 +8643,7 @@
         </p:nvSpPr>
         <p:spPr>
           <a:xfrm>
-            <a:off x="225696" y="2578100"/>
+            <a:off x="225696" y="2333843"/>
             <a:ext cx="2396770" cy="261610"/>
           </a:xfrm>
           <a:prstGeom prst="rect">
@@ -8352,7 +8687,7 @@
         </p:nvSpPr>
         <p:spPr>
           <a:xfrm>
-            <a:off x="225696" y="2799773"/>
+            <a:off x="225696" y="2555516"/>
             <a:ext cx="2396770" cy="307777"/>
           </a:xfrm>
           <a:prstGeom prst="rect">
@@ -8391,7 +8726,7 @@
         </p:nvSpPr>
         <p:spPr>
           <a:xfrm>
-            <a:off x="225696" y="3917373"/>
+            <a:off x="225696" y="3710694"/>
             <a:ext cx="2396770" cy="261610"/>
           </a:xfrm>
           <a:prstGeom prst="rect">
@@ -8435,7 +8770,7 @@
         </p:nvSpPr>
         <p:spPr>
           <a:xfrm>
-            <a:off x="225696" y="4139046"/>
+            <a:off x="225696" y="3932367"/>
             <a:ext cx="2396770" cy="307777"/>
           </a:xfrm>
           <a:prstGeom prst="rect">
@@ -8474,7 +8809,7 @@
         </p:nvSpPr>
         <p:spPr>
           <a:xfrm>
-            <a:off x="225696" y="5182755"/>
+            <a:off x="225696" y="5101336"/>
             <a:ext cx="2396770" cy="261610"/>
           </a:xfrm>
           <a:prstGeom prst="rect">
@@ -8518,7 +8853,7 @@
         </p:nvSpPr>
         <p:spPr>
           <a:xfrm>
-            <a:off x="225696" y="5404428"/>
+            <a:off x="225696" y="5323009"/>
             <a:ext cx="2396770" cy="307777"/>
           </a:xfrm>
           <a:prstGeom prst="rect">
@@ -8557,7 +8892,7 @@
         </p:nvSpPr>
         <p:spPr>
           <a:xfrm>
-            <a:off x="3519663" y="4007484"/>
+            <a:off x="3519663" y="3800805"/>
             <a:ext cx="1208663" cy="276999"/>
           </a:xfrm>
           <a:prstGeom prst="rect">
@@ -8583,597 +8918,6 @@
                 <a:ea typeface="Source Sans Pro" panose="020B0503030403020204" pitchFamily="34" charset="0"/>
               </a:rPr>
               <a:t>Data reliability:</a:t>
-            </a:r>
-          </a:p>
-        </p:txBody>
-      </p:sp>
-      <p:cxnSp>
-        <p:nvCxnSpPr>
-          <p:cNvPr id="78" name="Straight Connector 77">
-            <a:extLst>
-              <a:ext uri="{FF2B5EF4-FFF2-40B4-BE49-F238E27FC236}">
-                <a16:creationId xmlns:a16="http://schemas.microsoft.com/office/drawing/2014/main" id="{3AEFF02B-5B34-D967-8612-8FFAFF6424E7}"/>
-              </a:ext>
-            </a:extLst>
-          </p:cNvPr>
-          <p:cNvCxnSpPr>
-            <a:cxnSpLocks/>
-          </p:cNvCxnSpPr>
-          <p:nvPr userDrawn="1"/>
-        </p:nvCxnSpPr>
-        <p:spPr>
-          <a:xfrm>
-            <a:off x="6413216" y="1225646"/>
-            <a:ext cx="5529118" cy="0"/>
-          </a:xfrm>
-          <a:prstGeom prst="line">
-            <a:avLst/>
-          </a:prstGeom>
-          <a:ln w="25400">
-            <a:solidFill>
-              <a:schemeClr val="tx1"/>
-            </a:solidFill>
-            <a:headEnd type="none"/>
-          </a:ln>
-        </p:spPr>
-        <p:style>
-          <a:lnRef idx="1">
-            <a:schemeClr val="accent1"/>
-          </a:lnRef>
-          <a:fillRef idx="0">
-            <a:schemeClr val="accent1"/>
-          </a:fillRef>
-          <a:effectRef idx="0">
-            <a:schemeClr val="accent1"/>
-          </a:effectRef>
-          <a:fontRef idx="minor">
-            <a:schemeClr val="tx1"/>
-          </a:fontRef>
-        </p:style>
-      </p:cxnSp>
-      <p:sp>
-        <p:nvSpPr>
-          <p:cNvPr id="79" name="TextBox 78">
-            <a:extLst>
-              <a:ext uri="{FF2B5EF4-FFF2-40B4-BE49-F238E27FC236}">
-                <a16:creationId xmlns:a16="http://schemas.microsoft.com/office/drawing/2014/main" id="{ADA2B3DB-D98C-0913-D782-BEC0A0C41343}"/>
-              </a:ext>
-            </a:extLst>
-          </p:cNvPr>
-          <p:cNvSpPr txBox="1"/>
-          <p:nvPr userDrawn="1"/>
-        </p:nvSpPr>
-        <p:spPr>
-          <a:xfrm>
-            <a:off x="6386728" y="787400"/>
-            <a:ext cx="1361271" cy="338554"/>
-          </a:xfrm>
-          <a:prstGeom prst="rect">
-            <a:avLst/>
-          </a:prstGeom>
-          <a:noFill/>
-        </p:spPr>
-        <p:txBody>
-          <a:bodyPr wrap="none" rtlCol="0">
-            <a:spAutoFit/>
-          </a:bodyPr>
-          <a:lstStyle/>
-          <a:p>
-            <a:pPr algn="ctr"/>
-            <a:r>
-              <a:rPr lang="en-AU" sz="1600" dirty="0">
-                <a:latin typeface="Source Sans Pro" panose="020B0503030403020204" pitchFamily="34" charset="0"/>
-                <a:ea typeface="Source Sans Pro" panose="020B0503030403020204" pitchFamily="34" charset="0"/>
-              </a:rPr>
-              <a:t>Learning card</a:t>
-            </a:r>
-          </a:p>
-        </p:txBody>
-      </p:sp>
-      <p:sp>
-        <p:nvSpPr>
-          <p:cNvPr id="80" name="TextBox 79">
-            <a:extLst>
-              <a:ext uri="{FF2B5EF4-FFF2-40B4-BE49-F238E27FC236}">
-                <a16:creationId xmlns:a16="http://schemas.microsoft.com/office/drawing/2014/main" id="{71B01D59-66B0-314B-9609-505DA1570FCD}"/>
-              </a:ext>
-            </a:extLst>
-          </p:cNvPr>
-          <p:cNvSpPr txBox="1"/>
-          <p:nvPr userDrawn="1"/>
-        </p:nvSpPr>
-        <p:spPr>
-          <a:xfrm>
-            <a:off x="6386728" y="1303482"/>
-            <a:ext cx="2396770" cy="261610"/>
-          </a:xfrm>
-          <a:prstGeom prst="rect">
-            <a:avLst/>
-          </a:prstGeom>
-          <a:noFill/>
-        </p:spPr>
-        <p:txBody>
-          <a:bodyPr wrap="square" rtlCol="0">
-            <a:spAutoFit/>
-          </a:bodyPr>
-          <a:lstStyle/>
-          <a:p>
-            <a:pPr algn="l"/>
-            <a:r>
-              <a:rPr lang="en-AU" sz="1100">
-                <a:solidFill>
-                  <a:schemeClr val="tx1">
-                    <a:alpha val="30000"/>
-                  </a:schemeClr>
-                </a:solidFill>
-                <a:latin typeface="Source Sans Pro" panose="020B0503030403020204" pitchFamily="34" charset="0"/>
-                <a:ea typeface="Source Sans Pro" panose="020B0503030403020204" pitchFamily="34" charset="0"/>
-              </a:rPr>
-              <a:t>HYPOTHESIS</a:t>
-            </a:r>
-          </a:p>
-        </p:txBody>
-      </p:sp>
-      <p:sp>
-        <p:nvSpPr>
-          <p:cNvPr id="81" name="TextBox 80">
-            <a:extLst>
-              <a:ext uri="{FF2B5EF4-FFF2-40B4-BE49-F238E27FC236}">
-                <a16:creationId xmlns:a16="http://schemas.microsoft.com/office/drawing/2014/main" id="{5C1EF3E0-2ACE-B1A8-22CC-CE9AEFDF96CB}"/>
-              </a:ext>
-            </a:extLst>
-          </p:cNvPr>
-          <p:cNvSpPr txBox="1"/>
-          <p:nvPr userDrawn="1"/>
-        </p:nvSpPr>
-        <p:spPr>
-          <a:xfrm>
-            <a:off x="6386728" y="1497446"/>
-            <a:ext cx="2396770" cy="307777"/>
-          </a:xfrm>
-          <a:prstGeom prst="rect">
-            <a:avLst/>
-          </a:prstGeom>
-          <a:noFill/>
-        </p:spPr>
-        <p:txBody>
-          <a:bodyPr wrap="square" rtlCol="0">
-            <a:spAutoFit/>
-          </a:bodyPr>
-          <a:lstStyle/>
-          <a:p>
-            <a:pPr algn="l"/>
-            <a:r>
-              <a:rPr lang="en-AU" sz="1400">
-                <a:latin typeface="Source Sans Pro" panose="020B0503030403020204" pitchFamily="34" charset="0"/>
-                <a:ea typeface="Source Sans Pro" panose="020B0503030403020204" pitchFamily="34" charset="0"/>
-              </a:rPr>
-              <a:t>We believed that</a:t>
-            </a:r>
-          </a:p>
-        </p:txBody>
-      </p:sp>
-      <p:cxnSp>
-        <p:nvCxnSpPr>
-          <p:cNvPr id="82" name="Straight Connector 81">
-            <a:extLst>
-              <a:ext uri="{FF2B5EF4-FFF2-40B4-BE49-F238E27FC236}">
-                <a16:creationId xmlns:a16="http://schemas.microsoft.com/office/drawing/2014/main" id="{D9238086-C9A0-8033-E207-1EB825356E48}"/>
-              </a:ext>
-            </a:extLst>
-          </p:cNvPr>
-          <p:cNvCxnSpPr>
-            <a:cxnSpLocks/>
-          </p:cNvCxnSpPr>
-          <p:nvPr userDrawn="1"/>
-        </p:nvCxnSpPr>
-        <p:spPr>
-          <a:xfrm>
-            <a:off x="6413216" y="2532592"/>
-            <a:ext cx="5529118" cy="0"/>
-          </a:xfrm>
-          <a:prstGeom prst="line">
-            <a:avLst/>
-          </a:prstGeom>
-          <a:ln w="15875">
-            <a:solidFill>
-              <a:schemeClr val="tx1"/>
-            </a:solidFill>
-            <a:headEnd type="none"/>
-          </a:ln>
-        </p:spPr>
-        <p:style>
-          <a:lnRef idx="1">
-            <a:schemeClr val="accent1"/>
-          </a:lnRef>
-          <a:fillRef idx="0">
-            <a:schemeClr val="accent1"/>
-          </a:fillRef>
-          <a:effectRef idx="0">
-            <a:schemeClr val="accent1"/>
-          </a:effectRef>
-          <a:fontRef idx="minor">
-            <a:schemeClr val="tx1"/>
-          </a:fontRef>
-        </p:style>
-      </p:cxnSp>
-      <p:cxnSp>
-        <p:nvCxnSpPr>
-          <p:cNvPr id="83" name="Straight Connector 82">
-            <a:extLst>
-              <a:ext uri="{FF2B5EF4-FFF2-40B4-BE49-F238E27FC236}">
-                <a16:creationId xmlns:a16="http://schemas.microsoft.com/office/drawing/2014/main" id="{DD576BBB-DDD3-CE6C-5E4F-89DCE2E709B1}"/>
-              </a:ext>
-            </a:extLst>
-          </p:cNvPr>
-          <p:cNvCxnSpPr>
-            <a:cxnSpLocks/>
-          </p:cNvCxnSpPr>
-          <p:nvPr userDrawn="1"/>
-        </p:nvCxnSpPr>
-        <p:spPr>
-          <a:xfrm>
-            <a:off x="6413216" y="3839538"/>
-            <a:ext cx="5529118" cy="0"/>
-          </a:xfrm>
-          <a:prstGeom prst="line">
-            <a:avLst/>
-          </a:prstGeom>
-          <a:ln w="15875">
-            <a:solidFill>
-              <a:schemeClr val="tx1"/>
-            </a:solidFill>
-            <a:headEnd type="none"/>
-          </a:ln>
-        </p:spPr>
-        <p:style>
-          <a:lnRef idx="1">
-            <a:schemeClr val="accent1"/>
-          </a:lnRef>
-          <a:fillRef idx="0">
-            <a:schemeClr val="accent1"/>
-          </a:fillRef>
-          <a:effectRef idx="0">
-            <a:schemeClr val="accent1"/>
-          </a:effectRef>
-          <a:fontRef idx="minor">
-            <a:schemeClr val="tx1"/>
-          </a:fontRef>
-        </p:style>
-      </p:cxnSp>
-      <p:cxnSp>
-        <p:nvCxnSpPr>
-          <p:cNvPr id="84" name="Straight Connector 83">
-            <a:extLst>
-              <a:ext uri="{FF2B5EF4-FFF2-40B4-BE49-F238E27FC236}">
-                <a16:creationId xmlns:a16="http://schemas.microsoft.com/office/drawing/2014/main" id="{8B6ADE62-8171-A163-BF77-BC0E333DFEF8}"/>
-              </a:ext>
-            </a:extLst>
-          </p:cNvPr>
-          <p:cNvCxnSpPr>
-            <a:cxnSpLocks/>
-          </p:cNvCxnSpPr>
-          <p:nvPr userDrawn="1"/>
-        </p:nvCxnSpPr>
-        <p:spPr>
-          <a:xfrm>
-            <a:off x="6413216" y="5146484"/>
-            <a:ext cx="5529118" cy="0"/>
-          </a:xfrm>
-          <a:prstGeom prst="line">
-            <a:avLst/>
-          </a:prstGeom>
-          <a:ln w="15875">
-            <a:solidFill>
-              <a:schemeClr val="tx1"/>
-            </a:solidFill>
-            <a:headEnd type="none"/>
-          </a:ln>
-        </p:spPr>
-        <p:style>
-          <a:lnRef idx="1">
-            <a:schemeClr val="accent1"/>
-          </a:lnRef>
-          <a:fillRef idx="0">
-            <a:schemeClr val="accent1"/>
-          </a:fillRef>
-          <a:effectRef idx="0">
-            <a:schemeClr val="accent1"/>
-          </a:effectRef>
-          <a:fontRef idx="minor">
-            <a:schemeClr val="tx1"/>
-          </a:fontRef>
-        </p:style>
-      </p:cxnSp>
-      <p:cxnSp>
-        <p:nvCxnSpPr>
-          <p:cNvPr id="85" name="Straight Connector 84">
-            <a:extLst>
-              <a:ext uri="{FF2B5EF4-FFF2-40B4-BE49-F238E27FC236}">
-                <a16:creationId xmlns:a16="http://schemas.microsoft.com/office/drawing/2014/main" id="{92FFDB4F-DA05-B140-54C2-BFED629AFAD2}"/>
-              </a:ext>
-            </a:extLst>
-          </p:cNvPr>
-          <p:cNvCxnSpPr>
-            <a:cxnSpLocks/>
-          </p:cNvCxnSpPr>
-          <p:nvPr userDrawn="1"/>
-        </p:nvCxnSpPr>
-        <p:spPr>
-          <a:xfrm>
-            <a:off x="6413216" y="6453428"/>
-            <a:ext cx="5529118" cy="0"/>
-          </a:xfrm>
-          <a:prstGeom prst="line">
-            <a:avLst/>
-          </a:prstGeom>
-          <a:ln w="25400">
-            <a:solidFill>
-              <a:schemeClr val="tx1"/>
-            </a:solidFill>
-            <a:headEnd type="none"/>
-          </a:ln>
-        </p:spPr>
-        <p:style>
-          <a:lnRef idx="1">
-            <a:schemeClr val="accent1"/>
-          </a:lnRef>
-          <a:fillRef idx="0">
-            <a:schemeClr val="accent1"/>
-          </a:fillRef>
-          <a:effectRef idx="0">
-            <a:schemeClr val="accent1"/>
-          </a:effectRef>
-          <a:fontRef idx="minor">
-            <a:schemeClr val="tx1"/>
-          </a:fontRef>
-        </p:style>
-      </p:cxnSp>
-      <p:sp>
-        <p:nvSpPr>
-          <p:cNvPr id="86" name="TextBox 85">
-            <a:extLst>
-              <a:ext uri="{FF2B5EF4-FFF2-40B4-BE49-F238E27FC236}">
-                <a16:creationId xmlns:a16="http://schemas.microsoft.com/office/drawing/2014/main" id="{C837C8D3-CF34-4117-5AD3-8B58D96136F3}"/>
-              </a:ext>
-            </a:extLst>
-          </p:cNvPr>
-          <p:cNvSpPr txBox="1"/>
-          <p:nvPr userDrawn="1"/>
-        </p:nvSpPr>
-        <p:spPr>
-          <a:xfrm>
-            <a:off x="6386728" y="2578100"/>
-            <a:ext cx="2396770" cy="261610"/>
-          </a:xfrm>
-          <a:prstGeom prst="rect">
-            <a:avLst/>
-          </a:prstGeom>
-          <a:noFill/>
-        </p:spPr>
-        <p:txBody>
-          <a:bodyPr wrap="square" rtlCol="0">
-            <a:spAutoFit/>
-          </a:bodyPr>
-          <a:lstStyle/>
-          <a:p>
-            <a:pPr algn="l"/>
-            <a:r>
-              <a:rPr lang="en-AU" sz="1100">
-                <a:solidFill>
-                  <a:schemeClr val="tx1">
-                    <a:alpha val="30000"/>
-                  </a:schemeClr>
-                </a:solidFill>
-                <a:latin typeface="Source Sans Pro" panose="020B0503030403020204" pitchFamily="34" charset="0"/>
-                <a:ea typeface="Source Sans Pro" panose="020B0503030403020204" pitchFamily="34" charset="0"/>
-              </a:rPr>
-              <a:t>OBSERVATION</a:t>
-            </a:r>
-          </a:p>
-        </p:txBody>
-      </p:sp>
-      <p:sp>
-        <p:nvSpPr>
-          <p:cNvPr id="87" name="TextBox 86">
-            <a:extLst>
-              <a:ext uri="{FF2B5EF4-FFF2-40B4-BE49-F238E27FC236}">
-                <a16:creationId xmlns:a16="http://schemas.microsoft.com/office/drawing/2014/main" id="{E487F29F-9034-CE91-BB86-6162816FABC6}"/>
-              </a:ext>
-            </a:extLst>
-          </p:cNvPr>
-          <p:cNvSpPr txBox="1"/>
-          <p:nvPr userDrawn="1"/>
-        </p:nvSpPr>
-        <p:spPr>
-          <a:xfrm>
-            <a:off x="6386728" y="2799773"/>
-            <a:ext cx="2396770" cy="307777"/>
-          </a:xfrm>
-          <a:prstGeom prst="rect">
-            <a:avLst/>
-          </a:prstGeom>
-          <a:noFill/>
-        </p:spPr>
-        <p:txBody>
-          <a:bodyPr wrap="square" rtlCol="0">
-            <a:spAutoFit/>
-          </a:bodyPr>
-          <a:lstStyle/>
-          <a:p>
-            <a:pPr algn="l"/>
-            <a:r>
-              <a:rPr lang="en-AU" sz="1400">
-                <a:latin typeface="Source Sans Pro" panose="020B0503030403020204" pitchFamily="34" charset="0"/>
-                <a:ea typeface="Source Sans Pro" panose="020B0503030403020204" pitchFamily="34" charset="0"/>
-              </a:rPr>
-              <a:t>We observed</a:t>
-            </a:r>
-          </a:p>
-        </p:txBody>
-      </p:sp>
-      <p:sp>
-        <p:nvSpPr>
-          <p:cNvPr id="88" name="TextBox 87">
-            <a:extLst>
-              <a:ext uri="{FF2B5EF4-FFF2-40B4-BE49-F238E27FC236}">
-                <a16:creationId xmlns:a16="http://schemas.microsoft.com/office/drawing/2014/main" id="{0F53B8EB-D4E2-F409-6E78-3F095ACEB17A}"/>
-              </a:ext>
-            </a:extLst>
-          </p:cNvPr>
-          <p:cNvSpPr txBox="1"/>
-          <p:nvPr userDrawn="1"/>
-        </p:nvSpPr>
-        <p:spPr>
-          <a:xfrm>
-            <a:off x="6386728" y="3917373"/>
-            <a:ext cx="2396770" cy="261610"/>
-          </a:xfrm>
-          <a:prstGeom prst="rect">
-            <a:avLst/>
-          </a:prstGeom>
-          <a:noFill/>
-        </p:spPr>
-        <p:txBody>
-          <a:bodyPr wrap="square" rtlCol="0">
-            <a:spAutoFit/>
-          </a:bodyPr>
-          <a:lstStyle/>
-          <a:p>
-            <a:pPr algn="l"/>
-            <a:r>
-              <a:rPr lang="en-AU" sz="1100">
-                <a:solidFill>
-                  <a:schemeClr val="tx1">
-                    <a:alpha val="30000"/>
-                  </a:schemeClr>
-                </a:solidFill>
-                <a:latin typeface="Source Sans Pro" panose="020B0503030403020204" pitchFamily="34" charset="0"/>
-                <a:ea typeface="Source Sans Pro" panose="020B0503030403020204" pitchFamily="34" charset="0"/>
-              </a:rPr>
-              <a:t>LEARNING AND INSIGHTS</a:t>
-            </a:r>
-          </a:p>
-        </p:txBody>
-      </p:sp>
-      <p:sp>
-        <p:nvSpPr>
-          <p:cNvPr id="89" name="TextBox 88">
-            <a:extLst>
-              <a:ext uri="{FF2B5EF4-FFF2-40B4-BE49-F238E27FC236}">
-                <a16:creationId xmlns:a16="http://schemas.microsoft.com/office/drawing/2014/main" id="{24D4B4A7-6BDB-FAA4-97BD-A705C7E60DFD}"/>
-              </a:ext>
-            </a:extLst>
-          </p:cNvPr>
-          <p:cNvSpPr txBox="1"/>
-          <p:nvPr userDrawn="1"/>
-        </p:nvSpPr>
-        <p:spPr>
-          <a:xfrm>
-            <a:off x="6386728" y="4139046"/>
-            <a:ext cx="2396770" cy="307777"/>
-          </a:xfrm>
-          <a:prstGeom prst="rect">
-            <a:avLst/>
-          </a:prstGeom>
-          <a:noFill/>
-        </p:spPr>
-        <p:txBody>
-          <a:bodyPr wrap="square" rtlCol="0">
-            <a:spAutoFit/>
-          </a:bodyPr>
-          <a:lstStyle/>
-          <a:p>
-            <a:pPr algn="l"/>
-            <a:r>
-              <a:rPr lang="en-AU" sz="1400">
-                <a:latin typeface="Source Sans Pro" panose="020B0503030403020204" pitchFamily="34" charset="0"/>
-                <a:ea typeface="Source Sans Pro" panose="020B0503030403020204" pitchFamily="34" charset="0"/>
-              </a:rPr>
-              <a:t>From that we learnt that</a:t>
-            </a:r>
-          </a:p>
-        </p:txBody>
-      </p:sp>
-      <p:sp>
-        <p:nvSpPr>
-          <p:cNvPr id="90" name="TextBox 89">
-            <a:extLst>
-              <a:ext uri="{FF2B5EF4-FFF2-40B4-BE49-F238E27FC236}">
-                <a16:creationId xmlns:a16="http://schemas.microsoft.com/office/drawing/2014/main" id="{A2A17468-086D-71CD-23B7-9213C8913906}"/>
-              </a:ext>
-            </a:extLst>
-          </p:cNvPr>
-          <p:cNvSpPr txBox="1"/>
-          <p:nvPr userDrawn="1"/>
-        </p:nvSpPr>
-        <p:spPr>
-          <a:xfrm>
-            <a:off x="6386728" y="5182755"/>
-            <a:ext cx="2396770" cy="261610"/>
-          </a:xfrm>
-          <a:prstGeom prst="rect">
-            <a:avLst/>
-          </a:prstGeom>
-          <a:noFill/>
-        </p:spPr>
-        <p:txBody>
-          <a:bodyPr wrap="square" rtlCol="0">
-            <a:spAutoFit/>
-          </a:bodyPr>
-          <a:lstStyle/>
-          <a:p>
-            <a:pPr algn="l"/>
-            <a:r>
-              <a:rPr lang="en-AU" sz="1100">
-                <a:solidFill>
-                  <a:schemeClr val="tx1">
-                    <a:alpha val="30000"/>
-                  </a:schemeClr>
-                </a:solidFill>
-                <a:latin typeface="Source Sans Pro" panose="020B0503030403020204" pitchFamily="34" charset="0"/>
-                <a:ea typeface="Source Sans Pro" panose="020B0503030403020204" pitchFamily="34" charset="0"/>
-              </a:rPr>
-              <a:t>DECISIONS AND ACTIONS</a:t>
-            </a:r>
-          </a:p>
-        </p:txBody>
-      </p:sp>
-      <p:sp>
-        <p:nvSpPr>
-          <p:cNvPr id="91" name="TextBox 90">
-            <a:extLst>
-              <a:ext uri="{FF2B5EF4-FFF2-40B4-BE49-F238E27FC236}">
-                <a16:creationId xmlns:a16="http://schemas.microsoft.com/office/drawing/2014/main" id="{8C4005A5-0501-5B7E-27C6-947B3F91BEAC}"/>
-              </a:ext>
-            </a:extLst>
-          </p:cNvPr>
-          <p:cNvSpPr txBox="1"/>
-          <p:nvPr userDrawn="1"/>
-        </p:nvSpPr>
-        <p:spPr>
-          <a:xfrm>
-            <a:off x="6386728" y="5404428"/>
-            <a:ext cx="2396770" cy="307777"/>
-          </a:xfrm>
-          <a:prstGeom prst="rect">
-            <a:avLst/>
-          </a:prstGeom>
-          <a:noFill/>
-        </p:spPr>
-        <p:txBody>
-          <a:bodyPr wrap="square" rtlCol="0">
-            <a:spAutoFit/>
-          </a:bodyPr>
-          <a:lstStyle/>
-          <a:p>
-            <a:pPr algn="l"/>
-            <a:r>
-              <a:rPr lang="en-AU" sz="1400">
-                <a:latin typeface="Source Sans Pro" panose="020B0503030403020204" pitchFamily="34" charset="0"/>
-                <a:ea typeface="Source Sans Pro" panose="020B0503030403020204" pitchFamily="34" charset="0"/>
-              </a:rPr>
-              <a:t>Therefore, we will</a:t>
             </a:r>
           </a:p>
         </p:txBody>
@@ -9253,7 +8997,7 @@
         </p:blipFill>
         <p:spPr>
           <a:xfrm>
-            <a:off x="5380181" y="3894570"/>
+            <a:off x="5380181" y="3687891"/>
             <a:ext cx="360000" cy="360000"/>
           </a:xfrm>
           <a:prstGeom prst="rect">
@@ -9292,7 +9036,7 @@
         </p:blipFill>
         <p:spPr>
           <a:xfrm>
-            <a:off x="5075381" y="3974809"/>
+            <a:off x="5075381" y="3768130"/>
             <a:ext cx="270000" cy="270000"/>
           </a:xfrm>
           <a:prstGeom prst="rect">
@@ -9331,7 +9075,7 @@
         </p:blipFill>
         <p:spPr>
           <a:xfrm>
-            <a:off x="4825998" y="4052163"/>
+            <a:off x="4825998" y="3845484"/>
             <a:ext cx="180000" cy="180000"/>
           </a:xfrm>
           <a:prstGeom prst="rect">
@@ -9353,7 +9097,7 @@
         </p:nvSpPr>
         <p:spPr>
           <a:xfrm>
-            <a:off x="3472038" y="5226684"/>
+            <a:off x="3472038" y="5145265"/>
             <a:ext cx="1208663" cy="276999"/>
           </a:xfrm>
           <a:prstGeom prst="rect">
@@ -9414,7 +9158,7 @@
         </p:blipFill>
         <p:spPr>
           <a:xfrm>
-            <a:off x="5343525" y="5118100"/>
+            <a:off x="5343525" y="5036681"/>
             <a:ext cx="396000" cy="396000"/>
           </a:xfrm>
           <a:prstGeom prst="rect">
@@ -9453,7 +9197,7 @@
         </p:blipFill>
         <p:spPr>
           <a:xfrm>
-            <a:off x="5045075" y="5187950"/>
+            <a:off x="5045075" y="5106531"/>
             <a:ext cx="306000" cy="306000"/>
           </a:xfrm>
           <a:prstGeom prst="rect">
@@ -9492,7 +9236,7 @@
         </p:blipFill>
         <p:spPr>
           <a:xfrm>
-            <a:off x="4800600" y="5257800"/>
+            <a:off x="4800600" y="5176381"/>
             <a:ext cx="216000" cy="216000"/>
           </a:xfrm>
           <a:prstGeom prst="rect">
@@ -9502,10 +9246,10 @@
       </p:pic>
       <p:sp>
         <p:nvSpPr>
-          <p:cNvPr id="59" name="TextBox 58">
-            <a:extLst>
-              <a:ext uri="{FF2B5EF4-FFF2-40B4-BE49-F238E27FC236}">
-                <a16:creationId xmlns:a16="http://schemas.microsoft.com/office/drawing/2014/main" id="{04CCD0A1-0F9E-17E1-96D2-F2DD50894D62}"/>
+          <p:cNvPr id="6" name="TextBox 5">
+            <a:extLst>
+              <a:ext uri="{FF2B5EF4-FFF2-40B4-BE49-F238E27FC236}">
+                <a16:creationId xmlns:a16="http://schemas.microsoft.com/office/drawing/2014/main" id="{4206E589-9EE8-EC7F-02AA-4B5CE985F783}"/>
               </a:ext>
             </a:extLst>
           </p:cNvPr>
@@ -9514,8 +9258,90 @@
         </p:nvSpPr>
         <p:spPr>
           <a:xfrm>
-            <a:off x="9682338" y="4026534"/>
-            <a:ext cx="1208663" cy="276999"/>
+            <a:off x="6282030" y="241300"/>
+            <a:ext cx="1588897" cy="369332"/>
+          </a:xfrm>
+          <a:prstGeom prst="rect">
+            <a:avLst/>
+          </a:prstGeom>
+          <a:noFill/>
+        </p:spPr>
+        <p:txBody>
+          <a:bodyPr wrap="none" rtlCol="0">
+            <a:spAutoFit/>
+          </a:bodyPr>
+          <a:lstStyle/>
+          <a:p>
+            <a:r>
+              <a:rPr lang="en-AU" sz="1800" b="1" dirty="0">
+                <a:latin typeface="Source Sans Pro" panose="020B0503030403020204" pitchFamily="34" charset="0"/>
+                <a:ea typeface="Source Sans Pro" panose="020B0503030403020204" pitchFamily="34" charset="0"/>
+              </a:rPr>
+              <a:t>Learning card</a:t>
+            </a:r>
+          </a:p>
+        </p:txBody>
+      </p:sp>
+      <p:cxnSp>
+        <p:nvCxnSpPr>
+          <p:cNvPr id="7" name="Straight Connector 6">
+            <a:extLst>
+              <a:ext uri="{FF2B5EF4-FFF2-40B4-BE49-F238E27FC236}">
+                <a16:creationId xmlns:a16="http://schemas.microsoft.com/office/drawing/2014/main" id="{595E5907-CF1A-4C8F-D58F-A0F3089EFB66}"/>
+              </a:ext>
+            </a:extLst>
+          </p:cNvPr>
+          <p:cNvCxnSpPr>
+            <a:cxnSpLocks/>
+          </p:cNvCxnSpPr>
+          <p:nvPr userDrawn="1"/>
+        </p:nvCxnSpPr>
+        <p:spPr>
+          <a:xfrm>
+            <a:off x="6308518" y="899969"/>
+            <a:ext cx="5529118" cy="0"/>
+          </a:xfrm>
+          <a:prstGeom prst="line">
+            <a:avLst/>
+          </a:prstGeom>
+          <a:ln w="25400">
+            <a:solidFill>
+              <a:schemeClr val="tx1"/>
+            </a:solidFill>
+            <a:headEnd type="none"/>
+          </a:ln>
+        </p:spPr>
+        <p:style>
+          <a:lnRef idx="1">
+            <a:schemeClr val="accent1"/>
+          </a:lnRef>
+          <a:fillRef idx="0">
+            <a:schemeClr val="accent1"/>
+          </a:fillRef>
+          <a:effectRef idx="0">
+            <a:schemeClr val="accent1"/>
+          </a:effectRef>
+          <a:fontRef idx="minor">
+            <a:schemeClr val="tx1"/>
+          </a:fontRef>
+        </p:style>
+      </p:cxnSp>
+      <p:sp>
+        <p:nvSpPr>
+          <p:cNvPr id="8" name="TextBox 7">
+            <a:extLst>
+              <a:ext uri="{FF2B5EF4-FFF2-40B4-BE49-F238E27FC236}">
+                <a16:creationId xmlns:a16="http://schemas.microsoft.com/office/drawing/2014/main" id="{1C1674CF-6458-9148-A77E-54514811B425}"/>
+              </a:ext>
+            </a:extLst>
+          </p:cNvPr>
+          <p:cNvSpPr txBox="1"/>
+          <p:nvPr userDrawn="1"/>
+        </p:nvSpPr>
+        <p:spPr>
+          <a:xfrm>
+            <a:off x="6300819" y="962623"/>
+            <a:ext cx="2396770" cy="261610"/>
           </a:xfrm>
           <a:prstGeom prst="rect">
             <a:avLst/>
@@ -9530,6 +9356,514 @@
           <a:p>
             <a:pPr algn="l"/>
             <a:r>
+              <a:rPr lang="en-AU" sz="1100">
+                <a:solidFill>
+                  <a:schemeClr val="tx1">
+                    <a:alpha val="30000"/>
+                  </a:schemeClr>
+                </a:solidFill>
+                <a:latin typeface="Source Sans Pro" panose="020B0503030403020204" pitchFamily="34" charset="0"/>
+                <a:ea typeface="Source Sans Pro" panose="020B0503030403020204" pitchFamily="34" charset="0"/>
+              </a:rPr>
+              <a:t>HYPOTHESIS</a:t>
+            </a:r>
+          </a:p>
+        </p:txBody>
+      </p:sp>
+      <p:sp>
+        <p:nvSpPr>
+          <p:cNvPr id="9" name="TextBox 8">
+            <a:extLst>
+              <a:ext uri="{FF2B5EF4-FFF2-40B4-BE49-F238E27FC236}">
+                <a16:creationId xmlns:a16="http://schemas.microsoft.com/office/drawing/2014/main" id="{731F7514-09B3-72C7-CAE8-4CA438DF3862}"/>
+              </a:ext>
+            </a:extLst>
+          </p:cNvPr>
+          <p:cNvSpPr txBox="1"/>
+          <p:nvPr userDrawn="1"/>
+        </p:nvSpPr>
+        <p:spPr>
+          <a:xfrm>
+            <a:off x="6300819" y="1184296"/>
+            <a:ext cx="2396770" cy="307777"/>
+          </a:xfrm>
+          <a:prstGeom prst="rect">
+            <a:avLst/>
+          </a:prstGeom>
+          <a:noFill/>
+        </p:spPr>
+        <p:txBody>
+          <a:bodyPr wrap="square" rtlCol="0">
+            <a:spAutoFit/>
+          </a:bodyPr>
+          <a:lstStyle/>
+          <a:p>
+            <a:pPr algn="l"/>
+            <a:r>
+              <a:rPr lang="en-AU" sz="1400">
+                <a:latin typeface="Source Sans Pro" panose="020B0503030403020204" pitchFamily="34" charset="0"/>
+                <a:ea typeface="Source Sans Pro" panose="020B0503030403020204" pitchFamily="34" charset="0"/>
+              </a:rPr>
+              <a:t>We believed that</a:t>
+            </a:r>
+          </a:p>
+        </p:txBody>
+      </p:sp>
+      <p:cxnSp>
+        <p:nvCxnSpPr>
+          <p:cNvPr id="10" name="Straight Connector 9">
+            <a:extLst>
+              <a:ext uri="{FF2B5EF4-FFF2-40B4-BE49-F238E27FC236}">
+                <a16:creationId xmlns:a16="http://schemas.microsoft.com/office/drawing/2014/main" id="{58C52DA1-2471-6931-6BE8-434138F03730}"/>
+              </a:ext>
+            </a:extLst>
+          </p:cNvPr>
+          <p:cNvCxnSpPr>
+            <a:cxnSpLocks/>
+          </p:cNvCxnSpPr>
+          <p:nvPr userDrawn="1"/>
+        </p:nvCxnSpPr>
+        <p:spPr>
+          <a:xfrm>
+            <a:off x="6308518" y="2288334"/>
+            <a:ext cx="5529118" cy="0"/>
+          </a:xfrm>
+          <a:prstGeom prst="line">
+            <a:avLst/>
+          </a:prstGeom>
+          <a:ln w="15875">
+            <a:solidFill>
+              <a:schemeClr val="tx1"/>
+            </a:solidFill>
+            <a:headEnd type="none"/>
+          </a:ln>
+        </p:spPr>
+        <p:style>
+          <a:lnRef idx="1">
+            <a:schemeClr val="accent1"/>
+          </a:lnRef>
+          <a:fillRef idx="0">
+            <a:schemeClr val="accent1"/>
+          </a:fillRef>
+          <a:effectRef idx="0">
+            <a:schemeClr val="accent1"/>
+          </a:effectRef>
+          <a:fontRef idx="minor">
+            <a:schemeClr val="tx1"/>
+          </a:fontRef>
+        </p:style>
+      </p:cxnSp>
+      <p:cxnSp>
+        <p:nvCxnSpPr>
+          <p:cNvPr id="11" name="Straight Connector 10">
+            <a:extLst>
+              <a:ext uri="{FF2B5EF4-FFF2-40B4-BE49-F238E27FC236}">
+                <a16:creationId xmlns:a16="http://schemas.microsoft.com/office/drawing/2014/main" id="{89F41769-B04C-F4E7-4BAD-386F13248756}"/>
+              </a:ext>
+            </a:extLst>
+          </p:cNvPr>
+          <p:cNvCxnSpPr>
+            <a:cxnSpLocks/>
+          </p:cNvCxnSpPr>
+          <p:nvPr userDrawn="1"/>
+        </p:nvCxnSpPr>
+        <p:spPr>
+          <a:xfrm>
+            <a:off x="6308518" y="3676699"/>
+            <a:ext cx="5529118" cy="0"/>
+          </a:xfrm>
+          <a:prstGeom prst="line">
+            <a:avLst/>
+          </a:prstGeom>
+          <a:ln w="15875">
+            <a:solidFill>
+              <a:schemeClr val="tx1"/>
+            </a:solidFill>
+            <a:headEnd type="none"/>
+          </a:ln>
+        </p:spPr>
+        <p:style>
+          <a:lnRef idx="1">
+            <a:schemeClr val="accent1"/>
+          </a:lnRef>
+          <a:fillRef idx="0">
+            <a:schemeClr val="accent1"/>
+          </a:fillRef>
+          <a:effectRef idx="0">
+            <a:schemeClr val="accent1"/>
+          </a:effectRef>
+          <a:fontRef idx="minor">
+            <a:schemeClr val="tx1"/>
+          </a:fontRef>
+        </p:style>
+      </p:cxnSp>
+      <p:cxnSp>
+        <p:nvCxnSpPr>
+          <p:cNvPr id="12" name="Straight Connector 11">
+            <a:extLst>
+              <a:ext uri="{FF2B5EF4-FFF2-40B4-BE49-F238E27FC236}">
+                <a16:creationId xmlns:a16="http://schemas.microsoft.com/office/drawing/2014/main" id="{63E9E8FC-F563-3ABB-C2CC-3ABFF1766082}"/>
+              </a:ext>
+            </a:extLst>
+          </p:cNvPr>
+          <p:cNvCxnSpPr>
+            <a:cxnSpLocks/>
+          </p:cNvCxnSpPr>
+          <p:nvPr userDrawn="1"/>
+        </p:nvCxnSpPr>
+        <p:spPr>
+          <a:xfrm>
+            <a:off x="6308518" y="5065064"/>
+            <a:ext cx="5529118" cy="0"/>
+          </a:xfrm>
+          <a:prstGeom prst="line">
+            <a:avLst/>
+          </a:prstGeom>
+          <a:ln w="15875">
+            <a:solidFill>
+              <a:schemeClr val="tx1"/>
+            </a:solidFill>
+            <a:headEnd type="none"/>
+          </a:ln>
+        </p:spPr>
+        <p:style>
+          <a:lnRef idx="1">
+            <a:schemeClr val="accent1"/>
+          </a:lnRef>
+          <a:fillRef idx="0">
+            <a:schemeClr val="accent1"/>
+          </a:fillRef>
+          <a:effectRef idx="0">
+            <a:schemeClr val="accent1"/>
+          </a:effectRef>
+          <a:fontRef idx="minor">
+            <a:schemeClr val="tx1"/>
+          </a:fontRef>
+        </p:style>
+      </p:cxnSp>
+      <p:cxnSp>
+        <p:nvCxnSpPr>
+          <p:cNvPr id="13" name="Straight Connector 12">
+            <a:extLst>
+              <a:ext uri="{FF2B5EF4-FFF2-40B4-BE49-F238E27FC236}">
+                <a16:creationId xmlns:a16="http://schemas.microsoft.com/office/drawing/2014/main" id="{B0E75E94-F96B-4DA6-AEBA-91434B95248E}"/>
+              </a:ext>
+            </a:extLst>
+          </p:cNvPr>
+          <p:cNvCxnSpPr>
+            <a:cxnSpLocks/>
+          </p:cNvCxnSpPr>
+          <p:nvPr userDrawn="1"/>
+        </p:nvCxnSpPr>
+        <p:spPr>
+          <a:xfrm>
+            <a:off x="6308518" y="6453428"/>
+            <a:ext cx="5529118" cy="0"/>
+          </a:xfrm>
+          <a:prstGeom prst="line">
+            <a:avLst/>
+          </a:prstGeom>
+          <a:ln w="25400">
+            <a:solidFill>
+              <a:schemeClr val="tx1"/>
+            </a:solidFill>
+            <a:headEnd type="none"/>
+          </a:ln>
+        </p:spPr>
+        <p:style>
+          <a:lnRef idx="1">
+            <a:schemeClr val="accent1"/>
+          </a:lnRef>
+          <a:fillRef idx="0">
+            <a:schemeClr val="accent1"/>
+          </a:fillRef>
+          <a:effectRef idx="0">
+            <a:schemeClr val="accent1"/>
+          </a:effectRef>
+          <a:fontRef idx="minor">
+            <a:schemeClr val="tx1"/>
+          </a:fontRef>
+        </p:style>
+      </p:cxnSp>
+      <p:sp>
+        <p:nvSpPr>
+          <p:cNvPr id="14" name="TextBox 13">
+            <a:extLst>
+              <a:ext uri="{FF2B5EF4-FFF2-40B4-BE49-F238E27FC236}">
+                <a16:creationId xmlns:a16="http://schemas.microsoft.com/office/drawing/2014/main" id="{5ED41CF0-8753-E11C-3E86-F0507CF53D9F}"/>
+              </a:ext>
+            </a:extLst>
+          </p:cNvPr>
+          <p:cNvSpPr txBox="1"/>
+          <p:nvPr userDrawn="1"/>
+        </p:nvSpPr>
+        <p:spPr>
+          <a:xfrm>
+            <a:off x="6282030" y="2333843"/>
+            <a:ext cx="2396770" cy="261610"/>
+          </a:xfrm>
+          <a:prstGeom prst="rect">
+            <a:avLst/>
+          </a:prstGeom>
+          <a:noFill/>
+        </p:spPr>
+        <p:txBody>
+          <a:bodyPr wrap="square" rtlCol="0">
+            <a:spAutoFit/>
+          </a:bodyPr>
+          <a:lstStyle/>
+          <a:p>
+            <a:pPr algn="l"/>
+            <a:r>
+              <a:rPr lang="en-AU" sz="1100">
+                <a:solidFill>
+                  <a:schemeClr val="tx1">
+                    <a:alpha val="30000"/>
+                  </a:schemeClr>
+                </a:solidFill>
+                <a:latin typeface="Source Sans Pro" panose="020B0503030403020204" pitchFamily="34" charset="0"/>
+                <a:ea typeface="Source Sans Pro" panose="020B0503030403020204" pitchFamily="34" charset="0"/>
+              </a:rPr>
+              <a:t>OBSERVATION</a:t>
+            </a:r>
+          </a:p>
+        </p:txBody>
+      </p:sp>
+      <p:sp>
+        <p:nvSpPr>
+          <p:cNvPr id="15" name="TextBox 14">
+            <a:extLst>
+              <a:ext uri="{FF2B5EF4-FFF2-40B4-BE49-F238E27FC236}">
+                <a16:creationId xmlns:a16="http://schemas.microsoft.com/office/drawing/2014/main" id="{2492FEA0-D0CB-2E46-3C61-1E63B30B5FCD}"/>
+              </a:ext>
+            </a:extLst>
+          </p:cNvPr>
+          <p:cNvSpPr txBox="1"/>
+          <p:nvPr userDrawn="1"/>
+        </p:nvSpPr>
+        <p:spPr>
+          <a:xfrm>
+            <a:off x="6282030" y="2555516"/>
+            <a:ext cx="2396770" cy="307777"/>
+          </a:xfrm>
+          <a:prstGeom prst="rect">
+            <a:avLst/>
+          </a:prstGeom>
+          <a:noFill/>
+        </p:spPr>
+        <p:txBody>
+          <a:bodyPr wrap="square" rtlCol="0">
+            <a:spAutoFit/>
+          </a:bodyPr>
+          <a:lstStyle/>
+          <a:p>
+            <a:pPr algn="l"/>
+            <a:r>
+              <a:rPr lang="en-AU" sz="1400">
+                <a:latin typeface="Source Sans Pro" panose="020B0503030403020204" pitchFamily="34" charset="0"/>
+                <a:ea typeface="Source Sans Pro" panose="020B0503030403020204" pitchFamily="34" charset="0"/>
+              </a:rPr>
+              <a:t>We observed</a:t>
+            </a:r>
+          </a:p>
+        </p:txBody>
+      </p:sp>
+      <p:sp>
+        <p:nvSpPr>
+          <p:cNvPr id="16" name="TextBox 15">
+            <a:extLst>
+              <a:ext uri="{FF2B5EF4-FFF2-40B4-BE49-F238E27FC236}">
+                <a16:creationId xmlns:a16="http://schemas.microsoft.com/office/drawing/2014/main" id="{E12BEA00-652A-5FD2-4E93-86D701A6BDAA}"/>
+              </a:ext>
+            </a:extLst>
+          </p:cNvPr>
+          <p:cNvSpPr txBox="1"/>
+          <p:nvPr userDrawn="1"/>
+        </p:nvSpPr>
+        <p:spPr>
+          <a:xfrm>
+            <a:off x="6282030" y="3710694"/>
+            <a:ext cx="2396770" cy="261610"/>
+          </a:xfrm>
+          <a:prstGeom prst="rect">
+            <a:avLst/>
+          </a:prstGeom>
+          <a:noFill/>
+        </p:spPr>
+        <p:txBody>
+          <a:bodyPr wrap="square" rtlCol="0">
+            <a:spAutoFit/>
+          </a:bodyPr>
+          <a:lstStyle/>
+          <a:p>
+            <a:pPr algn="l"/>
+            <a:r>
+              <a:rPr lang="en-AU" sz="1100">
+                <a:solidFill>
+                  <a:schemeClr val="tx1">
+                    <a:alpha val="30000"/>
+                  </a:schemeClr>
+                </a:solidFill>
+                <a:latin typeface="Source Sans Pro" panose="020B0503030403020204" pitchFamily="34" charset="0"/>
+                <a:ea typeface="Source Sans Pro" panose="020B0503030403020204" pitchFamily="34" charset="0"/>
+              </a:rPr>
+              <a:t>LEARNING AND INSIGHTS</a:t>
+            </a:r>
+          </a:p>
+        </p:txBody>
+      </p:sp>
+      <p:sp>
+        <p:nvSpPr>
+          <p:cNvPr id="17" name="TextBox 16">
+            <a:extLst>
+              <a:ext uri="{FF2B5EF4-FFF2-40B4-BE49-F238E27FC236}">
+                <a16:creationId xmlns:a16="http://schemas.microsoft.com/office/drawing/2014/main" id="{16F0E5A2-324F-FF60-FCB1-69BD9FE20FE0}"/>
+              </a:ext>
+            </a:extLst>
+          </p:cNvPr>
+          <p:cNvSpPr txBox="1"/>
+          <p:nvPr userDrawn="1"/>
+        </p:nvSpPr>
+        <p:spPr>
+          <a:xfrm>
+            <a:off x="6282030" y="3932367"/>
+            <a:ext cx="2396770" cy="307777"/>
+          </a:xfrm>
+          <a:prstGeom prst="rect">
+            <a:avLst/>
+          </a:prstGeom>
+          <a:noFill/>
+        </p:spPr>
+        <p:txBody>
+          <a:bodyPr wrap="square" rtlCol="0">
+            <a:spAutoFit/>
+          </a:bodyPr>
+          <a:lstStyle/>
+          <a:p>
+            <a:pPr algn="l"/>
+            <a:r>
+              <a:rPr lang="en-AU" sz="1400">
+                <a:latin typeface="Source Sans Pro" panose="020B0503030403020204" pitchFamily="34" charset="0"/>
+                <a:ea typeface="Source Sans Pro" panose="020B0503030403020204" pitchFamily="34" charset="0"/>
+              </a:rPr>
+              <a:t>From that we learnt that</a:t>
+            </a:r>
+          </a:p>
+        </p:txBody>
+      </p:sp>
+      <p:sp>
+        <p:nvSpPr>
+          <p:cNvPr id="18" name="TextBox 17">
+            <a:extLst>
+              <a:ext uri="{FF2B5EF4-FFF2-40B4-BE49-F238E27FC236}">
+                <a16:creationId xmlns:a16="http://schemas.microsoft.com/office/drawing/2014/main" id="{146ABC30-2686-402A-9452-1D8ABFE510EC}"/>
+              </a:ext>
+            </a:extLst>
+          </p:cNvPr>
+          <p:cNvSpPr txBox="1"/>
+          <p:nvPr userDrawn="1"/>
+        </p:nvSpPr>
+        <p:spPr>
+          <a:xfrm>
+            <a:off x="6282030" y="5101336"/>
+            <a:ext cx="2396770" cy="261610"/>
+          </a:xfrm>
+          <a:prstGeom prst="rect">
+            <a:avLst/>
+          </a:prstGeom>
+          <a:noFill/>
+        </p:spPr>
+        <p:txBody>
+          <a:bodyPr wrap="square" rtlCol="0">
+            <a:spAutoFit/>
+          </a:bodyPr>
+          <a:lstStyle/>
+          <a:p>
+            <a:pPr algn="l"/>
+            <a:r>
+              <a:rPr lang="en-AU" sz="1100">
+                <a:solidFill>
+                  <a:schemeClr val="tx1">
+                    <a:alpha val="30000"/>
+                  </a:schemeClr>
+                </a:solidFill>
+                <a:latin typeface="Source Sans Pro" panose="020B0503030403020204" pitchFamily="34" charset="0"/>
+                <a:ea typeface="Source Sans Pro" panose="020B0503030403020204" pitchFamily="34" charset="0"/>
+              </a:rPr>
+              <a:t>DECISIONS AND ACTIONS</a:t>
+            </a:r>
+          </a:p>
+        </p:txBody>
+      </p:sp>
+      <p:sp>
+        <p:nvSpPr>
+          <p:cNvPr id="19" name="TextBox 18">
+            <a:extLst>
+              <a:ext uri="{FF2B5EF4-FFF2-40B4-BE49-F238E27FC236}">
+                <a16:creationId xmlns:a16="http://schemas.microsoft.com/office/drawing/2014/main" id="{C09BE736-0612-C970-0825-E04259CF9EBF}"/>
+              </a:ext>
+            </a:extLst>
+          </p:cNvPr>
+          <p:cNvSpPr txBox="1"/>
+          <p:nvPr userDrawn="1"/>
+        </p:nvSpPr>
+        <p:spPr>
+          <a:xfrm>
+            <a:off x="6282030" y="5323009"/>
+            <a:ext cx="2396770" cy="307777"/>
+          </a:xfrm>
+          <a:prstGeom prst="rect">
+            <a:avLst/>
+          </a:prstGeom>
+          <a:noFill/>
+        </p:spPr>
+        <p:txBody>
+          <a:bodyPr wrap="square" rtlCol="0">
+            <a:spAutoFit/>
+          </a:bodyPr>
+          <a:lstStyle/>
+          <a:p>
+            <a:pPr algn="l"/>
+            <a:r>
+              <a:rPr lang="en-AU" sz="1400">
+                <a:latin typeface="Source Sans Pro" panose="020B0503030403020204" pitchFamily="34" charset="0"/>
+                <a:ea typeface="Source Sans Pro" panose="020B0503030403020204" pitchFamily="34" charset="0"/>
+              </a:rPr>
+              <a:t>Therefore, we will</a:t>
+            </a:r>
+          </a:p>
+        </p:txBody>
+      </p:sp>
+      <p:sp>
+        <p:nvSpPr>
+          <p:cNvPr id="20" name="TextBox 19">
+            <a:extLst>
+              <a:ext uri="{FF2B5EF4-FFF2-40B4-BE49-F238E27FC236}">
+                <a16:creationId xmlns:a16="http://schemas.microsoft.com/office/drawing/2014/main" id="{B81938B8-E47A-1358-EF68-D0567DE31C52}"/>
+              </a:ext>
+            </a:extLst>
+          </p:cNvPr>
+          <p:cNvSpPr txBox="1"/>
+          <p:nvPr userDrawn="1"/>
+        </p:nvSpPr>
+        <p:spPr>
+          <a:xfrm>
+            <a:off x="9575997" y="3800805"/>
+            <a:ext cx="1208663" cy="276999"/>
+          </a:xfrm>
+          <a:prstGeom prst="rect">
+            <a:avLst/>
+          </a:prstGeom>
+          <a:noFill/>
+        </p:spPr>
+        <p:txBody>
+          <a:bodyPr wrap="square" rtlCol="0">
+            <a:spAutoFit/>
+          </a:bodyPr>
+          <a:lstStyle/>
+          <a:p>
+            <a:pPr algn="l"/>
+            <a:r>
               <a:rPr lang="en-AU" sz="1200">
                 <a:solidFill>
                   <a:schemeClr val="tx1">
@@ -9546,10 +9880,10 @@
       </p:sp>
       <p:pic>
         <p:nvPicPr>
-          <p:cNvPr id="60" name="Graphic 59" descr="Thumbs up sign with solid fill">
-            <a:extLst>
-              <a:ext uri="{FF2B5EF4-FFF2-40B4-BE49-F238E27FC236}">
-                <a16:creationId xmlns:a16="http://schemas.microsoft.com/office/drawing/2014/main" id="{24437442-B0EB-484D-00D7-6EE3CD7D3F0E}"/>
+          <p:cNvPr id="21" name="Graphic 20" descr="Thumbs up sign with solid fill">
+            <a:extLst>
+              <a:ext uri="{FF2B5EF4-FFF2-40B4-BE49-F238E27FC236}">
+                <a16:creationId xmlns:a16="http://schemas.microsoft.com/office/drawing/2014/main" id="{1FA3AF5A-DE31-CDC9-DB4D-EC284E90707E}"/>
               </a:ext>
             </a:extLst>
           </p:cNvPr>
@@ -9575,7 +9909,7 @@
         </p:blipFill>
         <p:spPr>
           <a:xfrm>
-            <a:off x="11542856" y="3913620"/>
+            <a:off x="11436515" y="3687891"/>
             <a:ext cx="360000" cy="360000"/>
           </a:xfrm>
           <a:prstGeom prst="rect">
@@ -9585,10 +9919,10 @@
       </p:pic>
       <p:pic>
         <p:nvPicPr>
-          <p:cNvPr id="61" name="Graphic 60" descr="Thumbs up sign with solid fill">
-            <a:extLst>
-              <a:ext uri="{FF2B5EF4-FFF2-40B4-BE49-F238E27FC236}">
-                <a16:creationId xmlns:a16="http://schemas.microsoft.com/office/drawing/2014/main" id="{8DECA660-6764-ABBE-FCE2-DB7FE36C3923}"/>
+          <p:cNvPr id="22" name="Graphic 21" descr="Thumbs up sign with solid fill">
+            <a:extLst>
+              <a:ext uri="{FF2B5EF4-FFF2-40B4-BE49-F238E27FC236}">
+                <a16:creationId xmlns:a16="http://schemas.microsoft.com/office/drawing/2014/main" id="{05CBCC51-A10A-FAC2-1B6F-C81C52A0A76C}"/>
               </a:ext>
             </a:extLst>
           </p:cNvPr>
@@ -9614,7 +9948,7 @@
         </p:blipFill>
         <p:spPr>
           <a:xfrm>
-            <a:off x="11238056" y="3993859"/>
+            <a:off x="11131715" y="3768130"/>
             <a:ext cx="270000" cy="270000"/>
           </a:xfrm>
           <a:prstGeom prst="rect">
@@ -9624,10 +9958,10 @@
       </p:pic>
       <p:pic>
         <p:nvPicPr>
-          <p:cNvPr id="62" name="Graphic 61" descr="Thumbs up sign with solid fill">
-            <a:extLst>
-              <a:ext uri="{FF2B5EF4-FFF2-40B4-BE49-F238E27FC236}">
-                <a16:creationId xmlns:a16="http://schemas.microsoft.com/office/drawing/2014/main" id="{06C70C3B-9568-36C1-E4E6-6AA29821936F}"/>
+          <p:cNvPr id="23" name="Graphic 22" descr="Thumbs up sign with solid fill">
+            <a:extLst>
+              <a:ext uri="{FF2B5EF4-FFF2-40B4-BE49-F238E27FC236}">
+                <a16:creationId xmlns:a16="http://schemas.microsoft.com/office/drawing/2014/main" id="{06DAC2A9-CDE8-0002-C99C-4B2E80E111EF}"/>
               </a:ext>
             </a:extLst>
           </p:cNvPr>
@@ -9653,7 +9987,7 @@
         </p:blipFill>
         <p:spPr>
           <a:xfrm>
-            <a:off x="10988673" y="4071213"/>
+            <a:off x="10882332" y="3845484"/>
             <a:ext cx="180000" cy="180000"/>
           </a:xfrm>
           <a:prstGeom prst="rect">
@@ -9663,10 +9997,10 @@
       </p:pic>
       <p:sp>
         <p:nvSpPr>
-          <p:cNvPr id="64" name="TextBox 63">
-            <a:extLst>
-              <a:ext uri="{FF2B5EF4-FFF2-40B4-BE49-F238E27FC236}">
-                <a16:creationId xmlns:a16="http://schemas.microsoft.com/office/drawing/2014/main" id="{26C926DC-EB9F-5F62-77C5-1AF2548F018B}"/>
+          <p:cNvPr id="24" name="TextBox 23">
+            <a:extLst>
+              <a:ext uri="{FF2B5EF4-FFF2-40B4-BE49-F238E27FC236}">
+                <a16:creationId xmlns:a16="http://schemas.microsoft.com/office/drawing/2014/main" id="{088C4D99-2EBA-BD83-ECC4-081A945C0C0C}"/>
               </a:ext>
             </a:extLst>
           </p:cNvPr>
@@ -9675,7 +10009,7 @@
         </p:nvSpPr>
         <p:spPr>
           <a:xfrm>
-            <a:off x="9653763" y="5226684"/>
+            <a:off x="9528372" y="5145265"/>
             <a:ext cx="1208663" cy="276999"/>
           </a:xfrm>
           <a:prstGeom prst="rect">
@@ -9707,10 +10041,10 @@
       </p:sp>
       <p:pic>
         <p:nvPicPr>
-          <p:cNvPr id="66" name="Graphic 65" descr="Checkbox Checked with solid fill">
-            <a:extLst>
-              <a:ext uri="{FF2B5EF4-FFF2-40B4-BE49-F238E27FC236}">
-                <a16:creationId xmlns:a16="http://schemas.microsoft.com/office/drawing/2014/main" id="{D8CE0F02-9998-8494-34C0-087D1D8CEA81}"/>
+          <p:cNvPr id="25" name="Graphic 24" descr="Checkbox Checked with solid fill">
+            <a:extLst>
+              <a:ext uri="{FF2B5EF4-FFF2-40B4-BE49-F238E27FC236}">
+                <a16:creationId xmlns:a16="http://schemas.microsoft.com/office/drawing/2014/main" id="{78B98754-9763-BC72-8747-3682FCFB5E78}"/>
               </a:ext>
             </a:extLst>
           </p:cNvPr>
@@ -9736,7 +10070,7 @@
         </p:blipFill>
         <p:spPr>
           <a:xfrm>
-            <a:off x="11525250" y="5118100"/>
+            <a:off x="11399859" y="5036681"/>
             <a:ext cx="396000" cy="396000"/>
           </a:xfrm>
           <a:prstGeom prst="rect">
@@ -9746,10 +10080,10 @@
       </p:pic>
       <p:pic>
         <p:nvPicPr>
-          <p:cNvPr id="67" name="Graphic 66" descr="Checkbox Checked with solid fill">
-            <a:extLst>
-              <a:ext uri="{FF2B5EF4-FFF2-40B4-BE49-F238E27FC236}">
-                <a16:creationId xmlns:a16="http://schemas.microsoft.com/office/drawing/2014/main" id="{9AF70548-8E75-533E-05BA-AB735B5D8622}"/>
+          <p:cNvPr id="26" name="Graphic 25" descr="Checkbox Checked with solid fill">
+            <a:extLst>
+              <a:ext uri="{FF2B5EF4-FFF2-40B4-BE49-F238E27FC236}">
+                <a16:creationId xmlns:a16="http://schemas.microsoft.com/office/drawing/2014/main" id="{4D3EA886-2D82-DF4B-8F49-474A4E29D44D}"/>
               </a:ext>
             </a:extLst>
           </p:cNvPr>
@@ -9775,7 +10109,7 @@
         </p:blipFill>
         <p:spPr>
           <a:xfrm>
-            <a:off x="11226800" y="5187950"/>
+            <a:off x="11101409" y="5106531"/>
             <a:ext cx="306000" cy="306000"/>
           </a:xfrm>
           <a:prstGeom prst="rect">
@@ -9785,10 +10119,10 @@
       </p:pic>
       <p:pic>
         <p:nvPicPr>
-          <p:cNvPr id="71" name="Graphic 70" descr="Checkbox Checked with solid fill">
-            <a:extLst>
-              <a:ext uri="{FF2B5EF4-FFF2-40B4-BE49-F238E27FC236}">
-                <a16:creationId xmlns:a16="http://schemas.microsoft.com/office/drawing/2014/main" id="{776BC4E2-077C-66DC-F270-E0E1212C8C22}"/>
+          <p:cNvPr id="27" name="Graphic 26" descr="Checkbox Checked with solid fill">
+            <a:extLst>
+              <a:ext uri="{FF2B5EF4-FFF2-40B4-BE49-F238E27FC236}">
+                <a16:creationId xmlns:a16="http://schemas.microsoft.com/office/drawing/2014/main" id="{91D17CB2-E6C4-F263-7449-B55F188D069C}"/>
               </a:ext>
             </a:extLst>
           </p:cNvPr>
@@ -9814,7 +10148,7 @@
         </p:blipFill>
         <p:spPr>
           <a:xfrm>
-            <a:off x="10982325" y="5257800"/>
+            <a:off x="10856934" y="5176381"/>
             <a:ext cx="216000" cy="216000"/>
           </a:xfrm>
           <a:prstGeom prst="rect">
@@ -9984,7 +10318,7 @@
           <a:p>
             <a:fld id="{63E415F6-F263-4731-A8AA-90FA2EFE8F78}" type="datetimeFigureOut">
               <a:rPr lang="en-AU" smtClean="0"/>
-              <a:t>18/07/2024</a:t>
+              <a:t>17/03/2025</a:t>
             </a:fld>
             <a:endParaRPr lang="en-AU"/>
           </a:p>
@@ -10184,7 +10518,7 @@
           <a:p>
             <a:fld id="{63E415F6-F263-4731-A8AA-90FA2EFE8F78}" type="datetimeFigureOut">
               <a:rPr lang="en-AU" smtClean="0"/>
-              <a:t>18/07/2024</a:t>
+              <a:t>17/03/2025</a:t>
             </a:fld>
             <a:endParaRPr lang="en-AU"/>
           </a:p>
@@ -10460,7 +10794,7 @@
           <a:p>
             <a:fld id="{63E415F6-F263-4731-A8AA-90FA2EFE8F78}" type="datetimeFigureOut">
               <a:rPr lang="en-AU" smtClean="0"/>
-              <a:t>18/07/2024</a:t>
+              <a:t>17/03/2025</a:t>
             </a:fld>
             <a:endParaRPr lang="en-AU"/>
           </a:p>
@@ -10703,7 +11037,7 @@
           <a:p>
             <a:fld id="{63E415F6-F263-4731-A8AA-90FA2EFE8F78}" type="datetimeFigureOut">
               <a:rPr lang="en-AU" smtClean="0"/>
-              <a:t>18/07/2024</a:t>
+              <a:t>17/03/2025</a:t>
             </a:fld>
             <a:endParaRPr lang="en-AU"/>
           </a:p>
@@ -11375,6 +11709,42 @@
 </file>
 
 <file path=ppt/slides/slide5.xml><?xml version="1.0" encoding="utf-8"?>
+<p:sld xmlns:a="http://schemas.openxmlformats.org/drawingml/2006/main" xmlns:r="http://schemas.openxmlformats.org/officeDocument/2006/relationships" xmlns:p="http://schemas.openxmlformats.org/presentationml/2006/main">
+  <p:cSld>
+    <p:spTree>
+      <p:nvGrpSpPr>
+        <p:cNvPr id="1" name="">
+          <a:extLst>
+            <a:ext uri="{FF2B5EF4-FFF2-40B4-BE49-F238E27FC236}">
+              <a16:creationId xmlns:a16="http://schemas.microsoft.com/office/drawing/2014/main" id="{4CF9D2B9-E7B3-D06B-82F6-0AF99BF309E6}"/>
+            </a:ext>
+          </a:extLst>
+        </p:cNvPr>
+        <p:cNvGrpSpPr/>
+        <p:nvPr/>
+      </p:nvGrpSpPr>
+      <p:grpSpPr>
+        <a:xfrm>
+          <a:off x="0" y="0"/>
+          <a:ext cx="0" cy="0"/>
+          <a:chOff x="0" y="0"/>
+          <a:chExt cx="0" cy="0"/>
+        </a:xfrm>
+      </p:grpSpPr>
+    </p:spTree>
+    <p:extLst>
+      <p:ext uri="{BB962C8B-B14F-4D97-AF65-F5344CB8AC3E}">
+        <p14:creationId xmlns:p14="http://schemas.microsoft.com/office/powerpoint/2010/main" val="3233058793"/>
+      </p:ext>
+    </p:extLst>
+  </p:cSld>
+  <p:clrMapOvr>
+    <a:masterClrMapping/>
+  </p:clrMapOvr>
+</p:sld>
+</file>
+
+<file path=ppt/slides/slide6.xml><?xml version="1.0" encoding="utf-8"?>
 <p:sld xmlns:a="http://schemas.openxmlformats.org/drawingml/2006/main" xmlns:r="http://schemas.openxmlformats.org/officeDocument/2006/relationships" xmlns:p="http://schemas.openxmlformats.org/presentationml/2006/main">
   <p:cSld>
     <p:spTree>
